--- a/slides/classfive/slides.pptx
+++ b/slides/classfive/slides.pptx
@@ -5,7 +5,7 @@
     <p:sldMasterId id="2147483660" r:id="rId1"/>
   </p:sldMasterIdLst>
   <p:notesMasterIdLst>
-    <p:notesMasterId r:id="rId16"/>
+    <p:notesMasterId r:id="rId36"/>
   </p:notesMasterIdLst>
   <p:sldIdLst>
     <p:sldId id="256" r:id="rId2"/>
@@ -15,13 +15,33 @@
     <p:sldId id="259" r:id="rId6"/>
     <p:sldId id="311" r:id="rId7"/>
     <p:sldId id="315" r:id="rId8"/>
-    <p:sldId id="343" r:id="rId9"/>
-    <p:sldId id="356" r:id="rId10"/>
-    <p:sldId id="360" r:id="rId11"/>
-    <p:sldId id="340" r:id="rId12"/>
-    <p:sldId id="312" r:id="rId13"/>
-    <p:sldId id="268" r:id="rId14"/>
-    <p:sldId id="267" r:id="rId15"/>
+    <p:sldId id="367" r:id="rId9"/>
+    <p:sldId id="382" r:id="rId10"/>
+    <p:sldId id="366" r:id="rId11"/>
+    <p:sldId id="368" r:id="rId12"/>
+    <p:sldId id="369" r:id="rId13"/>
+    <p:sldId id="370" r:id="rId14"/>
+    <p:sldId id="371" r:id="rId15"/>
+    <p:sldId id="383" r:id="rId16"/>
+    <p:sldId id="372" r:id="rId17"/>
+    <p:sldId id="373" r:id="rId18"/>
+    <p:sldId id="381" r:id="rId19"/>
+    <p:sldId id="374" r:id="rId20"/>
+    <p:sldId id="375" r:id="rId21"/>
+    <p:sldId id="376" r:id="rId22"/>
+    <p:sldId id="378" r:id="rId23"/>
+    <p:sldId id="356" r:id="rId24"/>
+    <p:sldId id="379" r:id="rId25"/>
+    <p:sldId id="380" r:id="rId26"/>
+    <p:sldId id="377" r:id="rId27"/>
+    <p:sldId id="312" r:id="rId28"/>
+    <p:sldId id="268" r:id="rId29"/>
+    <p:sldId id="361" r:id="rId30"/>
+    <p:sldId id="362" r:id="rId31"/>
+    <p:sldId id="363" r:id="rId32"/>
+    <p:sldId id="364" r:id="rId33"/>
+    <p:sldId id="365" r:id="rId34"/>
+    <p:sldId id="267" r:id="rId35"/>
   </p:sldIdLst>
   <p:sldSz cx="9144000" cy="6858000" type="screen4x3"/>
   <p:notesSz cx="6858000" cy="9144000"/>
@@ -205,7 +225,7 @@
           <a:p>
             <a:fld id="{9B5D41C8-0A92-DD47-AB00-F0EFFD66679B}" type="datetimeFigureOut">
               <a:rPr lang="en-US" smtClean="0"/>
-              <a:t>10/2/11</a:t>
+              <a:t>10/7/11</a:t>
             </a:fld>
             <a:endParaRPr lang="en-US"/>
           </a:p>
@@ -879,7 +899,7 @@
           <a:p>
             <a:r>
               <a:rPr lang="en-US" dirty="0" smtClean="0"/>
-              <a:t>20 minutes</a:t>
+              <a:t>Break – 8 minutes</a:t>
             </a:r>
             <a:endParaRPr lang="en-US" dirty="0"/>
           </a:p>
@@ -902,7 +922,7 @@
           <a:p>
             <a:fld id="{F0AB357A-3C6D-9E43-AB07-807CDFEA83A0}" type="slidenum">
               <a:rPr lang="en-US" smtClean="0"/>
-              <a:t>11</a:t>
+              <a:t>15</a:t>
             </a:fld>
             <a:endParaRPr lang="en-US"/>
           </a:p>
@@ -911,7 +931,7 @@
     </p:spTree>
     <p:extLst>
       <p:ext uri="{BB962C8B-B14F-4D97-AF65-F5344CB8AC3E}">
-        <p14:creationId xmlns:p14="http://schemas.microsoft.com/office/powerpoint/2010/main" val="156239481"/>
+        <p14:creationId xmlns:p14="http://schemas.microsoft.com/office/powerpoint/2010/main" val="2491357436"/>
       </p:ext>
     </p:extLst>
   </p:cSld>
@@ -990,7 +1010,7 @@
           <a:p>
             <a:fld id="{F0AB357A-3C6D-9E43-AB07-807CDFEA83A0}" type="slidenum">
               <a:rPr lang="en-US" smtClean="0"/>
-              <a:t>12</a:t>
+              <a:t>27</a:t>
             </a:fld>
             <a:endParaRPr lang="en-US"/>
           </a:p>
@@ -1078,7 +1098,7 @@
           <a:p>
             <a:fld id="{F0AB357A-3C6D-9E43-AB07-807CDFEA83A0}" type="slidenum">
               <a:rPr lang="en-US" smtClean="0"/>
-              <a:t>13</a:t>
+              <a:t>28</a:t>
             </a:fld>
             <a:endParaRPr lang="en-US"/>
           </a:p>
@@ -1174,7 +1194,7 @@
           <a:p>
             <a:fld id="{F0AB357A-3C6D-9E43-AB07-807CDFEA83A0}" type="slidenum">
               <a:rPr lang="en-US" smtClean="0"/>
-              <a:t>14</a:t>
+              <a:t>34</a:t>
             </a:fld>
             <a:endParaRPr lang="en-US"/>
           </a:p>
@@ -1821,7 +1841,7 @@
             <a:fld id="{B7C3F878-F5E8-489B-AC8A-64F2A7E22C28}" type="datetimeFigureOut">
               <a:rPr lang="en-US" smtClean="0"/>
               <a:pPr/>
-              <a:t>10/2/11</a:t>
+              <a:t>10/7/11</a:t>
             </a:fld>
             <a:endParaRPr lang="en-US"/>
           </a:p>
@@ -2028,7 +2048,7 @@
             <a:fld id="{B7C3F878-F5E8-489B-AC8A-64F2A7E22C28}" type="datetimeFigureOut">
               <a:rPr lang="en-US" smtClean="0"/>
               <a:pPr/>
-              <a:t>10/2/11</a:t>
+              <a:t>10/7/11</a:t>
             </a:fld>
             <a:endParaRPr lang="en-US"/>
           </a:p>
@@ -2235,7 +2255,7 @@
             <a:fld id="{B7C3F878-F5E8-489B-AC8A-64F2A7E22C28}" type="datetimeFigureOut">
               <a:rPr lang="en-US" smtClean="0"/>
               <a:pPr/>
-              <a:t>10/2/11</a:t>
+              <a:t>10/7/11</a:t>
             </a:fld>
             <a:endParaRPr lang="en-US"/>
           </a:p>
@@ -2428,7 +2448,7 @@
             <a:fld id="{B7C3F878-F5E8-489B-AC8A-64F2A7E22C28}" type="datetimeFigureOut">
               <a:rPr lang="en-US" smtClean="0"/>
               <a:pPr/>
-              <a:t>10/2/11</a:t>
+              <a:t>10/7/11</a:t>
             </a:fld>
             <a:endParaRPr lang="en-US"/>
           </a:p>
@@ -2669,7 +2689,7 @@
             <a:fld id="{B7C3F878-F5E8-489B-AC8A-64F2A7E22C28}" type="datetimeFigureOut">
               <a:rPr lang="en-US" smtClean="0"/>
               <a:pPr/>
-              <a:t>10/2/11</a:t>
+              <a:t>10/7/11</a:t>
             </a:fld>
             <a:endParaRPr lang="en-US"/>
           </a:p>
@@ -2784,7 +2804,7 @@
             <a:fld id="{B7C3F878-F5E8-489B-AC8A-64F2A7E22C28}" type="datetimeFigureOut">
               <a:rPr lang="en-US" smtClean="0"/>
               <a:pPr/>
-              <a:t>10/2/11</a:t>
+              <a:t>10/7/11</a:t>
             </a:fld>
             <a:endParaRPr lang="en-US"/>
           </a:p>
@@ -3216,7 +3236,7 @@
             <a:fld id="{B7C3F878-F5E8-489B-AC8A-64F2A7E22C28}" type="datetimeFigureOut">
               <a:rPr lang="en-US" smtClean="0"/>
               <a:pPr/>
-              <a:t>10/2/11</a:t>
+              <a:t>10/7/11</a:t>
             </a:fld>
             <a:endParaRPr lang="en-US"/>
           </a:p>
@@ -3497,7 +3517,7 @@
             <a:fld id="{B7C3F878-F5E8-489B-AC8A-64F2A7E22C28}" type="datetimeFigureOut">
               <a:rPr lang="en-US" smtClean="0"/>
               <a:pPr/>
-              <a:t>10/2/11</a:t>
+              <a:t>10/7/11</a:t>
             </a:fld>
             <a:endParaRPr lang="en-US"/>
           </a:p>
@@ -3589,7 +3609,7 @@
             <a:fld id="{B7C3F878-F5E8-489B-AC8A-64F2A7E22C28}" type="datetimeFigureOut">
               <a:rPr lang="en-US" smtClean="0"/>
               <a:pPr/>
-              <a:t>10/2/11</a:t>
+              <a:t>10/7/11</a:t>
             </a:fld>
             <a:endParaRPr lang="en-US"/>
           </a:p>
@@ -4428,7 +4448,7 @@
             <a:fld id="{B7C3F878-F5E8-489B-AC8A-64F2A7E22C28}" type="datetimeFigureOut">
               <a:rPr lang="en-US" smtClean="0"/>
               <a:pPr/>
-              <a:t>10/2/11</a:t>
+              <a:t>10/7/11</a:t>
             </a:fld>
             <a:endParaRPr lang="en-US"/>
           </a:p>
@@ -5261,7 +5281,7 @@
             <a:fld id="{B7C3F878-F5E8-489B-AC8A-64F2A7E22C28}" type="datetimeFigureOut">
               <a:rPr lang="en-US" smtClean="0"/>
               <a:pPr/>
-              <a:t>10/2/11</a:t>
+              <a:t>10/7/11</a:t>
             </a:fld>
             <a:endParaRPr lang="en-US"/>
           </a:p>
@@ -5917,7 +5937,7 @@
             <a:fld id="{B7C3F878-F5E8-489B-AC8A-64F2A7E22C28}" type="datetimeFigureOut">
               <a:rPr lang="en-US" smtClean="0"/>
               <a:pPr/>
-              <a:t>10/2/11</a:t>
+              <a:t>10/7/11</a:t>
             </a:fld>
             <a:endParaRPr lang="en-US" dirty="0"/>
           </a:p>
@@ -6395,11 +6415,7 @@
           <a:p>
             <a:r>
               <a:rPr lang="en-US" dirty="0" smtClean="0"/>
-              <a:t>Class </a:t>
-            </a:r>
-            <a:r>
-              <a:rPr lang="en-US" dirty="0" smtClean="0"/>
-              <a:t>Five</a:t>
+              <a:t>Class Five</a:t>
             </a:r>
             <a:endParaRPr lang="en-US" dirty="0"/>
           </a:p>
@@ -6482,7 +6498,7 @@
           <a:p>
             <a:r>
               <a:rPr lang="en-US" dirty="0" smtClean="0"/>
-              <a:t>word-spacing</a:t>
+              <a:t>position</a:t>
             </a:r>
             <a:endParaRPr lang="en-US" dirty="0"/>
           </a:p>
@@ -6505,38 +6521,27 @@
           <a:p>
             <a:r>
               <a:rPr lang="en-US" dirty="0" smtClean="0"/>
-              <a:t>Learn </a:t>
-            </a:r>
-            <a:r>
-              <a:rPr lang="en-US" dirty="0" err="1" smtClean="0"/>
-              <a:t>more:</a:t>
-            </a:r>
-            <a:r>
-              <a:rPr lang="en-US" dirty="0" err="1" smtClean="0">
-                <a:hlinkClick r:id="rId2"/>
-              </a:rPr>
-              <a:t>http</a:t>
+              <a:t>Learn more: </a:t>
             </a:r>
             <a:r>
               <a:rPr lang="en-US" dirty="0" smtClean="0">
                 <a:hlinkClick r:id="rId2"/>
               </a:rPr>
-              <a:t>://www.w3.org/TR/CSS2/text.html - propdef-word-spacing</a:t>
+              <a:t>http://www.w3.org/TR/CSS21/visuren.html - propdef-position</a:t>
             </a:r>
             <a:endParaRPr lang="en-US" dirty="0" smtClean="0"/>
           </a:p>
           <a:p>
             <a:r>
               <a:rPr lang="en-US" dirty="0" smtClean="0"/>
-              <a:t>Adds space between the words</a:t>
-            </a:r>
-          </a:p>
-          <a:p>
-            <a:r>
-              <a:rPr lang="en-US" dirty="0" smtClean="0"/>
-              <a:t>Can be normal, length</a:t>
-            </a:r>
-            <a:endParaRPr lang="en-US" dirty="0"/>
+              <a:t>Positions an element</a:t>
+            </a:r>
+          </a:p>
+          <a:p>
+            <a:r>
+              <a:rPr lang="en-US" dirty="0" smtClean="0"/>
+              <a:t>Can be static, relative, absolute, fixed</a:t>
+            </a:r>
           </a:p>
           <a:p>
             <a:r>
@@ -6544,12 +6549,14 @@
                 <a:latin typeface="Courier New"/>
                 <a:cs typeface="Courier New"/>
               </a:rPr>
-              <a:t>word-spacing: 1em;</a:t>
-            </a:r>
-            <a:endParaRPr lang="en-US" sz="2000" dirty="0">
-              <a:latin typeface="Courier New"/>
-              <a:cs typeface="Courier New"/>
-            </a:endParaRPr>
+              <a:t>position: absolute;</a:t>
+            </a:r>
+          </a:p>
+          <a:p>
+            <a:endParaRPr lang="en-US" dirty="0" smtClean="0"/>
+          </a:p>
+          <a:p>
+            <a:endParaRPr lang="en-US" dirty="0" smtClean="0"/>
           </a:p>
         </p:txBody>
       </p:sp>
@@ -6582,23 +6589,19 @@
             </a:r>
             <a:r>
               <a:rPr lang="en-US" dirty="0" err="1" smtClean="0"/>
-              <a:t>classfour</a:t>
-            </a:r>
-            <a:r>
-              <a:rPr lang="en-US" dirty="0" smtClean="0"/>
-              <a:t>/slides/</a:t>
-            </a:r>
-            <a:r>
-              <a:rPr lang="en-US" dirty="0" err="1" smtClean="0"/>
-              <a:t>letterspacing</a:t>
-            </a:r>
-            <a:r>
-              <a:rPr lang="en-US" dirty="0" smtClean="0"/>
-              <a:t>/</a:t>
+              <a:t>classfive</a:t>
+            </a:r>
+            <a:r>
+              <a:rPr lang="en-US" dirty="0" smtClean="0"/>
+              <a:t>/slides/position/</a:t>
             </a:r>
             <a:r>
               <a:rPr lang="en-US" dirty="0" err="1" smtClean="0"/>
               <a:t>index.html</a:t>
+            </a:r>
+            <a:r>
+              <a:rPr lang="en-US" dirty="0" smtClean="0"/>
+              <a:t> </a:t>
             </a:r>
             <a:endParaRPr lang="en-US" dirty="0"/>
           </a:p>
@@ -6607,7 +6610,7 @@
     </p:spTree>
     <p:extLst>
       <p:ext uri="{BB962C8B-B14F-4D97-AF65-F5344CB8AC3E}">
-        <p14:creationId xmlns:p14="http://schemas.microsoft.com/office/powerpoint/2010/main" val="4109324494"/>
+        <p14:creationId xmlns:p14="http://schemas.microsoft.com/office/powerpoint/2010/main" val="857961007"/>
       </p:ext>
     </p:extLst>
   </p:cSld>
@@ -6636,7 +6639,7 @@
       </p:grpSpPr>
       <p:sp>
         <p:nvSpPr>
-          <p:cNvPr id="4" name="Title 3"/>
+          <p:cNvPr id="2" name="Title 1"/>
           <p:cNvSpPr>
             <a:spLocks noGrp="1"/>
           </p:cNvSpPr>
@@ -6646,14 +6649,12 @@
         </p:nvSpPr>
         <p:spPr/>
         <p:txBody>
-          <a:bodyPr>
-            <a:normAutofit fontScale="90000"/>
-          </a:bodyPr>
-          <a:lstStyle/>
-          <a:p>
-            <a:r>
-              <a:rPr lang="en-US" dirty="0" smtClean="0"/>
-              <a:t>Exercise / Activity</a:t>
+          <a:bodyPr/>
+          <a:lstStyle/>
+          <a:p>
+            <a:r>
+              <a:rPr lang="en-US" dirty="0" smtClean="0"/>
+              <a:t>top, right, bottom, left</a:t>
             </a:r>
             <a:endParaRPr lang="en-US" dirty="0"/>
           </a:p>
@@ -6661,165 +6662,111 @@
       </p:sp>
       <p:sp>
         <p:nvSpPr>
-          <p:cNvPr id="5" name="Text Placeholder 4"/>
-          <p:cNvSpPr>
-            <a:spLocks noGrp="1"/>
-          </p:cNvSpPr>
-          <p:nvPr>
-            <p:ph type="body" idx="1"/>
-          </p:nvPr>
-        </p:nvSpPr>
-        <p:spPr/>
-        <p:txBody>
-          <a:bodyPr/>
-          <a:lstStyle/>
-          <a:p>
-            <a:r>
-              <a:rPr lang="en-US" dirty="0" smtClean="0"/>
-              <a:t>Layout</a:t>
-            </a:r>
-            <a:endParaRPr lang="en-US" dirty="0"/>
-          </a:p>
-        </p:txBody>
-      </p:sp>
-      <p:sp>
-        <p:nvSpPr>
-          <p:cNvPr id="6" name="Text Placeholder 5"/>
-          <p:cNvSpPr>
-            <a:spLocks noGrp="1"/>
-          </p:cNvSpPr>
-          <p:nvPr>
-            <p:ph type="body" sz="quarter" idx="3"/>
-          </p:nvPr>
-        </p:nvSpPr>
-        <p:spPr/>
-        <p:txBody>
-          <a:bodyPr/>
-          <a:lstStyle/>
-          <a:p>
-            <a:r>
-              <a:rPr lang="en-US" dirty="0" smtClean="0"/>
-              <a:t>Color &amp; Typography</a:t>
-            </a:r>
-            <a:endParaRPr lang="en-US" dirty="0"/>
-          </a:p>
-        </p:txBody>
-      </p:sp>
-      <p:sp>
-        <p:nvSpPr>
-          <p:cNvPr id="7" name="Content Placeholder 6"/>
-          <p:cNvSpPr>
-            <a:spLocks noGrp="1"/>
-          </p:cNvSpPr>
-          <p:nvPr>
-            <p:ph sz="quarter" idx="13"/>
-          </p:nvPr>
-        </p:nvSpPr>
-        <p:spPr/>
-        <p:txBody>
-          <a:bodyPr/>
-          <a:lstStyle/>
-          <a:p>
-            <a:pPr>
-              <a:buFont typeface="Wingdings" charset="2"/>
-              <a:buChar char="v"/>
-            </a:pPr>
-            <a:r>
-              <a:rPr lang="en-US" dirty="0" smtClean="0"/>
-              <a:t>Move something</a:t>
-            </a:r>
-          </a:p>
-          <a:p>
-            <a:pPr>
-              <a:buFont typeface="Wingdings" charset="2"/>
-              <a:buChar char="v"/>
-            </a:pPr>
-            <a:r>
-              <a:rPr lang="en-US" dirty="0" smtClean="0"/>
-              <a:t>Hide something</a:t>
-            </a:r>
-          </a:p>
-          <a:p>
-            <a:pPr>
-              <a:buFont typeface="Wingdings" charset="2"/>
-              <a:buChar char="v"/>
-            </a:pPr>
-            <a:r>
-              <a:rPr lang="en-US" dirty="0" smtClean="0"/>
-              <a:t>Change width, height</a:t>
-            </a:r>
-          </a:p>
-          <a:p>
-            <a:pPr>
-              <a:buFont typeface="Wingdings" charset="2"/>
-              <a:buChar char="v"/>
-            </a:pPr>
-            <a:r>
-              <a:rPr lang="en-US" dirty="0" smtClean="0"/>
-              <a:t>Change margin, padding</a:t>
-            </a:r>
-          </a:p>
-          <a:p>
-            <a:pPr>
-              <a:buFont typeface="Wingdings" charset="2"/>
-              <a:buChar char="v"/>
-            </a:pPr>
-            <a:r>
-              <a:rPr lang="en-US" dirty="0" smtClean="0"/>
-              <a:t>Float something</a:t>
-            </a:r>
-          </a:p>
-          <a:p>
-            <a:pPr>
-              <a:buFont typeface="Wingdings" charset="2"/>
-              <a:buChar char="v"/>
-            </a:pPr>
-            <a:r>
-              <a:rPr lang="en-US" dirty="0" smtClean="0"/>
-              <a:t>Change list-style</a:t>
-            </a:r>
-          </a:p>
-        </p:txBody>
-      </p:sp>
-      <p:sp>
-        <p:nvSpPr>
-          <p:cNvPr id="8" name="Content Placeholder 7"/>
-          <p:cNvSpPr>
-            <a:spLocks noGrp="1"/>
-          </p:cNvSpPr>
-          <p:nvPr>
-            <p:ph sz="quarter" idx="14"/>
-          </p:nvPr>
-        </p:nvSpPr>
-        <p:spPr/>
-        <p:txBody>
-          <a:bodyPr/>
-          <a:lstStyle/>
-          <a:p>
-            <a:r>
-              <a:rPr lang="en-US" dirty="0" smtClean="0"/>
-              <a:t>Change color, background</a:t>
-            </a:r>
-          </a:p>
-          <a:p>
-            <a:r>
-              <a:rPr lang="en-US" dirty="0" smtClean="0"/>
-              <a:t>Add border</a:t>
-            </a:r>
-          </a:p>
-          <a:p>
-            <a:r>
-              <a:rPr lang="en-US" dirty="0" smtClean="0"/>
-              <a:t>Make italic, bold, uppercase, small caps</a:t>
-            </a:r>
-          </a:p>
-          <a:p>
-            <a:r>
-              <a:rPr lang="en-US" dirty="0" smtClean="0"/>
-              <a:t>Change font size, family, alignment</a:t>
-            </a:r>
-          </a:p>
-          <a:p>
+          <p:cNvPr id="3" name="Content Placeholder 2"/>
+          <p:cNvSpPr>
+            <a:spLocks noGrp="1"/>
+          </p:cNvSpPr>
+          <p:nvPr>
+            <p:ph idx="1"/>
+          </p:nvPr>
+        </p:nvSpPr>
+        <p:spPr/>
+        <p:txBody>
+          <a:bodyPr/>
+          <a:lstStyle/>
+          <a:p>
+            <a:r>
+              <a:rPr lang="en-US" dirty="0" smtClean="0"/>
+              <a:t>Learn more: </a:t>
+            </a:r>
+            <a:r>
+              <a:rPr lang="en-US" dirty="0" smtClean="0">
+                <a:hlinkClick r:id="rId2"/>
+              </a:rPr>
+              <a:t>http://www.w3.org/TR/CSS21/visuren.html - position-props</a:t>
+            </a:r>
+            <a:endParaRPr lang="en-US" dirty="0" smtClean="0"/>
+          </a:p>
+          <a:p>
+            <a:r>
+              <a:rPr lang="en-US" dirty="0" smtClean="0"/>
+              <a:t>Sets how much to offset the position</a:t>
+            </a:r>
+          </a:p>
+          <a:p>
+            <a:r>
+              <a:rPr lang="en-US" dirty="0" smtClean="0"/>
+              <a:t>Can be length, %, or auto</a:t>
+            </a:r>
+          </a:p>
+          <a:p>
+            <a:r>
+              <a:rPr lang="en-US" dirty="0" smtClean="0"/>
+              <a:t>Can be negative</a:t>
+            </a:r>
+          </a:p>
+          <a:p>
+            <a:r>
+              <a:rPr lang="en-US" sz="2000" dirty="0" smtClean="0">
+                <a:latin typeface="Courier New"/>
+                <a:cs typeface="Courier New"/>
+              </a:rPr>
+              <a:t>top: 8px; right: -20%;</a:t>
+            </a:r>
+            <a:endParaRPr lang="en-US" sz="2000" dirty="0">
+              <a:latin typeface="Courier New"/>
+              <a:cs typeface="Courier New"/>
+            </a:endParaRPr>
+          </a:p>
+        </p:txBody>
+      </p:sp>
+      <p:sp>
+        <p:nvSpPr>
+          <p:cNvPr id="4" name="Footer Placeholder 3"/>
+          <p:cNvSpPr>
+            <a:spLocks noGrp="1"/>
+          </p:cNvSpPr>
+          <p:nvPr>
+            <p:ph type="ftr" sz="quarter" idx="11"/>
+          </p:nvPr>
+        </p:nvSpPr>
+        <p:spPr/>
+        <p:txBody>
+          <a:bodyPr/>
+          <a:lstStyle/>
+          <a:p>
+            <a:r>
+              <a:rPr lang="en-US" dirty="0" smtClean="0"/>
+              <a:t>http://</a:t>
+            </a:r>
+            <a:r>
+              <a:rPr lang="en-US" dirty="0" err="1" smtClean="0"/>
+              <a:t>dl.dropbox.com</a:t>
+            </a:r>
+            <a:r>
+              <a:rPr lang="en-US" dirty="0" smtClean="0"/>
+              <a:t>/u/41609448/art329/slides/</a:t>
+            </a:r>
+            <a:r>
+              <a:rPr lang="en-US" dirty="0" err="1" smtClean="0"/>
+              <a:t>classfive</a:t>
+            </a:r>
+            <a:r>
+              <a:rPr lang="en-US" dirty="0" smtClean="0"/>
+              <a:t>/slides/</a:t>
+            </a:r>
+            <a:r>
+              <a:rPr lang="en-US" dirty="0" err="1" smtClean="0"/>
+              <a:t>position_offset</a:t>
+            </a:r>
+            <a:r>
+              <a:rPr lang="en-US" dirty="0" smtClean="0"/>
+              <a:t>/</a:t>
+            </a:r>
+            <a:r>
+              <a:rPr lang="en-US" dirty="0" err="1" smtClean="0"/>
+              <a:t>index.html</a:t>
+            </a:r>
             <a:endParaRPr lang="en-US" dirty="0"/>
           </a:p>
         </p:txBody>
@@ -6827,20 +6774,13 @@
     </p:spTree>
     <p:extLst>
       <p:ext uri="{BB962C8B-B14F-4D97-AF65-F5344CB8AC3E}">
-        <p14:creationId xmlns:p14="http://schemas.microsoft.com/office/powerpoint/2010/main" val="276724819"/>
+        <p14:creationId xmlns:p14="http://schemas.microsoft.com/office/powerpoint/2010/main" val="2571923580"/>
       </p:ext>
     </p:extLst>
   </p:cSld>
   <p:clrMapOvr>
     <a:masterClrMapping/>
   </p:clrMapOvr>
-  <p:timing>
-    <p:tnLst>
-      <p:par>
-        <p:cTn xmlns:p14="http://schemas.microsoft.com/office/powerpoint/2010/main" id="1" dur="indefinite" restart="never" nodeType="tmRoot"/>
-      </p:par>
-    </p:tnLst>
-  </p:timing>
 </p:sld>
 </file>
 
@@ -6863,6 +6803,2567 @@
       </p:grpSpPr>
       <p:sp>
         <p:nvSpPr>
+          <p:cNvPr id="2" name="Title 1"/>
+          <p:cNvSpPr>
+            <a:spLocks noGrp="1"/>
+          </p:cNvSpPr>
+          <p:nvPr>
+            <p:ph type="title"/>
+          </p:nvPr>
+        </p:nvSpPr>
+        <p:spPr/>
+        <p:txBody>
+          <a:bodyPr/>
+          <a:lstStyle/>
+          <a:p>
+            <a:r>
+              <a:rPr lang="en-US" dirty="0" smtClean="0"/>
+              <a:t>z-index</a:t>
+            </a:r>
+            <a:endParaRPr lang="en-US" dirty="0"/>
+          </a:p>
+        </p:txBody>
+      </p:sp>
+      <p:sp>
+        <p:nvSpPr>
+          <p:cNvPr id="3" name="Content Placeholder 2"/>
+          <p:cNvSpPr>
+            <a:spLocks noGrp="1"/>
+          </p:cNvSpPr>
+          <p:nvPr>
+            <p:ph idx="1"/>
+          </p:nvPr>
+        </p:nvSpPr>
+        <p:spPr/>
+        <p:txBody>
+          <a:bodyPr>
+            <a:normAutofit/>
+          </a:bodyPr>
+          <a:lstStyle/>
+          <a:p>
+            <a:r>
+              <a:rPr lang="en-US" dirty="0" smtClean="0"/>
+              <a:t>Learn more: </a:t>
+            </a:r>
+            <a:r>
+              <a:rPr lang="en-US" dirty="0" smtClean="0">
+                <a:hlinkClick r:id="rId2"/>
+              </a:rPr>
+              <a:t>http://www.w3.org/TR/CSS21/visuren.html - z-index</a:t>
+            </a:r>
+            <a:endParaRPr lang="en-US" dirty="0" smtClean="0"/>
+          </a:p>
+          <a:p>
+            <a:r>
+              <a:rPr lang="en-US" dirty="0" smtClean="0"/>
+              <a:t>Sets the "stack level" of a positioned element</a:t>
+            </a:r>
+          </a:p>
+          <a:p>
+            <a:r>
+              <a:rPr lang="en-US" dirty="0" smtClean="0"/>
+              <a:t>Can be auto, integer</a:t>
+            </a:r>
+          </a:p>
+          <a:p>
+            <a:r>
+              <a:rPr lang="en-US" dirty="0" smtClean="0"/>
+              <a:t>Higher numbers are "in front of" lower numbers</a:t>
+            </a:r>
+          </a:p>
+          <a:p>
+            <a:r>
+              <a:rPr lang="en-US" sz="2000" dirty="0" smtClean="0">
+                <a:latin typeface="Courier New"/>
+                <a:cs typeface="Courier New"/>
+              </a:rPr>
+              <a:t>z-index: 99;</a:t>
+            </a:r>
+            <a:endParaRPr lang="en-US" sz="2000" dirty="0">
+              <a:latin typeface="Courier New"/>
+              <a:cs typeface="Courier New"/>
+            </a:endParaRPr>
+          </a:p>
+        </p:txBody>
+      </p:sp>
+      <p:sp>
+        <p:nvSpPr>
+          <p:cNvPr id="4" name="Footer Placeholder 3"/>
+          <p:cNvSpPr>
+            <a:spLocks noGrp="1"/>
+          </p:cNvSpPr>
+          <p:nvPr>
+            <p:ph type="ftr" sz="quarter" idx="11"/>
+          </p:nvPr>
+        </p:nvSpPr>
+        <p:spPr/>
+        <p:txBody>
+          <a:bodyPr/>
+          <a:lstStyle/>
+          <a:p>
+            <a:r>
+              <a:rPr lang="en-US" dirty="0" smtClean="0"/>
+              <a:t>http://</a:t>
+            </a:r>
+            <a:r>
+              <a:rPr lang="en-US" dirty="0" err="1" smtClean="0"/>
+              <a:t>dl.dropbox.com</a:t>
+            </a:r>
+            <a:r>
+              <a:rPr lang="en-US" dirty="0" smtClean="0"/>
+              <a:t>/u/41609448/art329/slides/</a:t>
+            </a:r>
+            <a:r>
+              <a:rPr lang="en-US" dirty="0" err="1" smtClean="0"/>
+              <a:t>classfive</a:t>
+            </a:r>
+            <a:r>
+              <a:rPr lang="en-US" dirty="0" smtClean="0"/>
+              <a:t>/slides/</a:t>
+            </a:r>
+            <a:r>
+              <a:rPr lang="en-US" dirty="0" err="1" smtClean="0"/>
+              <a:t>zindex</a:t>
+            </a:r>
+            <a:r>
+              <a:rPr lang="en-US" dirty="0" smtClean="0"/>
+              <a:t>/</a:t>
+            </a:r>
+            <a:r>
+              <a:rPr lang="en-US" dirty="0" err="1" smtClean="0"/>
+              <a:t>index.html</a:t>
+            </a:r>
+            <a:r>
+              <a:rPr lang="en-US" dirty="0" smtClean="0"/>
+              <a:t> </a:t>
+            </a:r>
+            <a:endParaRPr lang="en-US" dirty="0"/>
+          </a:p>
+        </p:txBody>
+      </p:sp>
+    </p:spTree>
+    <p:extLst>
+      <p:ext uri="{BB962C8B-B14F-4D97-AF65-F5344CB8AC3E}">
+        <p14:creationId xmlns:p14="http://schemas.microsoft.com/office/powerpoint/2010/main" val="1765848951"/>
+      </p:ext>
+    </p:extLst>
+  </p:cSld>
+  <p:clrMapOvr>
+    <a:masterClrMapping/>
+  </p:clrMapOvr>
+</p:sld>
+</file>
+
+<file path=ppt/slides/slide13.xml><?xml version="1.0" encoding="utf-8"?>
+<p:sld xmlns:a="http://schemas.openxmlformats.org/drawingml/2006/main" xmlns:r="http://schemas.openxmlformats.org/officeDocument/2006/relationships" xmlns:p="http://schemas.openxmlformats.org/presentationml/2006/main">
+  <p:cSld>
+    <p:spTree>
+      <p:nvGrpSpPr>
+        <p:cNvPr id="1" name=""/>
+        <p:cNvGrpSpPr/>
+        <p:nvPr/>
+      </p:nvGrpSpPr>
+      <p:grpSpPr>
+        <a:xfrm>
+          <a:off x="0" y="0"/>
+          <a:ext cx="0" cy="0"/>
+          <a:chOff x="0" y="0"/>
+          <a:chExt cx="0" cy="0"/>
+        </a:xfrm>
+      </p:grpSpPr>
+      <p:sp>
+        <p:nvSpPr>
+          <p:cNvPr id="2" name="Title 1"/>
+          <p:cNvSpPr>
+            <a:spLocks noGrp="1"/>
+          </p:cNvSpPr>
+          <p:nvPr>
+            <p:ph type="title"/>
+          </p:nvPr>
+        </p:nvSpPr>
+        <p:spPr/>
+        <p:txBody>
+          <a:bodyPr/>
+          <a:lstStyle/>
+          <a:p>
+            <a:r>
+              <a:rPr lang="en-US" dirty="0" smtClean="0"/>
+              <a:t>float</a:t>
+            </a:r>
+            <a:endParaRPr lang="en-US" dirty="0"/>
+          </a:p>
+        </p:txBody>
+      </p:sp>
+      <p:sp>
+        <p:nvSpPr>
+          <p:cNvPr id="3" name="Content Placeholder 2"/>
+          <p:cNvSpPr>
+            <a:spLocks noGrp="1"/>
+          </p:cNvSpPr>
+          <p:nvPr>
+            <p:ph idx="1"/>
+          </p:nvPr>
+        </p:nvSpPr>
+        <p:spPr/>
+        <p:txBody>
+          <a:bodyPr/>
+          <a:lstStyle/>
+          <a:p>
+            <a:r>
+              <a:rPr lang="en-US" dirty="0" smtClean="0"/>
+              <a:t>Learn more: </a:t>
+            </a:r>
+            <a:r>
+              <a:rPr lang="en-US" dirty="0" smtClean="0">
+                <a:hlinkClick r:id="rId2"/>
+              </a:rPr>
+              <a:t>http://www.w3.org/TR/CSS21/visuren.html - propdef-float</a:t>
+            </a:r>
+            <a:endParaRPr lang="en-US" dirty="0" smtClean="0"/>
+          </a:p>
+          <a:p>
+            <a:r>
+              <a:rPr lang="en-US" dirty="0" smtClean="0"/>
+              <a:t>Used to float an element along other elements</a:t>
+            </a:r>
+          </a:p>
+          <a:p>
+            <a:r>
+              <a:rPr lang="en-US" dirty="0" smtClean="0"/>
+              <a:t>Can be left, right, none</a:t>
+            </a:r>
+          </a:p>
+          <a:p>
+            <a:r>
+              <a:rPr lang="en-US" sz="2000" dirty="0" smtClean="0">
+                <a:latin typeface="Courier New"/>
+                <a:cs typeface="Courier New"/>
+              </a:rPr>
+              <a:t>float: left;</a:t>
+            </a:r>
+            <a:endParaRPr lang="en-US" sz="2000" dirty="0">
+              <a:latin typeface="Courier New"/>
+              <a:cs typeface="Courier New"/>
+            </a:endParaRPr>
+          </a:p>
+        </p:txBody>
+      </p:sp>
+      <p:sp>
+        <p:nvSpPr>
+          <p:cNvPr id="4" name="Footer Placeholder 3"/>
+          <p:cNvSpPr>
+            <a:spLocks noGrp="1"/>
+          </p:cNvSpPr>
+          <p:nvPr>
+            <p:ph type="ftr" sz="quarter" idx="11"/>
+          </p:nvPr>
+        </p:nvSpPr>
+        <p:spPr/>
+        <p:txBody>
+          <a:bodyPr/>
+          <a:lstStyle/>
+          <a:p>
+            <a:r>
+              <a:rPr lang="en-US" smtClean="0"/>
+              <a:t>http://dl.dropbox.com/u/41609448/art329/slides/classfive/slides/float/index.html  </a:t>
+            </a:r>
+            <a:endParaRPr lang="en-US"/>
+          </a:p>
+        </p:txBody>
+      </p:sp>
+    </p:spTree>
+    <p:extLst>
+      <p:ext uri="{BB962C8B-B14F-4D97-AF65-F5344CB8AC3E}">
+        <p14:creationId xmlns:p14="http://schemas.microsoft.com/office/powerpoint/2010/main" val="409718624"/>
+      </p:ext>
+    </p:extLst>
+  </p:cSld>
+  <p:clrMapOvr>
+    <a:masterClrMapping/>
+  </p:clrMapOvr>
+</p:sld>
+</file>
+
+<file path=ppt/slides/slide14.xml><?xml version="1.0" encoding="utf-8"?>
+<p:sld xmlns:a="http://schemas.openxmlformats.org/drawingml/2006/main" xmlns:r="http://schemas.openxmlformats.org/officeDocument/2006/relationships" xmlns:p="http://schemas.openxmlformats.org/presentationml/2006/main">
+  <p:cSld>
+    <p:spTree>
+      <p:nvGrpSpPr>
+        <p:cNvPr id="1" name=""/>
+        <p:cNvGrpSpPr/>
+        <p:nvPr/>
+      </p:nvGrpSpPr>
+      <p:grpSpPr>
+        <a:xfrm>
+          <a:off x="0" y="0"/>
+          <a:ext cx="0" cy="0"/>
+          <a:chOff x="0" y="0"/>
+          <a:chExt cx="0" cy="0"/>
+        </a:xfrm>
+      </p:grpSpPr>
+      <p:sp>
+        <p:nvSpPr>
+          <p:cNvPr id="2" name="Title 1"/>
+          <p:cNvSpPr>
+            <a:spLocks noGrp="1"/>
+          </p:cNvSpPr>
+          <p:nvPr>
+            <p:ph type="title"/>
+          </p:nvPr>
+        </p:nvSpPr>
+        <p:spPr/>
+        <p:txBody>
+          <a:bodyPr/>
+          <a:lstStyle/>
+          <a:p>
+            <a:r>
+              <a:rPr lang="en-US" dirty="0" smtClean="0"/>
+              <a:t>clear</a:t>
+            </a:r>
+            <a:endParaRPr lang="en-US" dirty="0"/>
+          </a:p>
+        </p:txBody>
+      </p:sp>
+      <p:sp>
+        <p:nvSpPr>
+          <p:cNvPr id="3" name="Content Placeholder 2"/>
+          <p:cNvSpPr>
+            <a:spLocks noGrp="1"/>
+          </p:cNvSpPr>
+          <p:nvPr>
+            <p:ph idx="1"/>
+          </p:nvPr>
+        </p:nvSpPr>
+        <p:spPr/>
+        <p:txBody>
+          <a:bodyPr/>
+          <a:lstStyle/>
+          <a:p>
+            <a:r>
+              <a:rPr lang="en-US" dirty="0" smtClean="0"/>
+              <a:t>Learn more: </a:t>
+            </a:r>
+            <a:r>
+              <a:rPr lang="en-US" dirty="0" smtClean="0">
+                <a:hlinkClick r:id="rId2"/>
+              </a:rPr>
+              <a:t>http://www.w3.org/TR/CSS21/visuren.html - flow-control</a:t>
+            </a:r>
+            <a:endParaRPr lang="en-US" dirty="0" smtClean="0"/>
+          </a:p>
+          <a:p>
+            <a:r>
+              <a:rPr lang="en-US" dirty="0" smtClean="0"/>
+              <a:t>Clears previous floated elements</a:t>
+            </a:r>
+          </a:p>
+          <a:p>
+            <a:r>
+              <a:rPr lang="en-US" dirty="0" smtClean="0"/>
+              <a:t>Can be none, left, right, both</a:t>
+            </a:r>
+          </a:p>
+          <a:p>
+            <a:r>
+              <a:rPr lang="en-US" sz="2000" dirty="0" smtClean="0">
+                <a:latin typeface="Courier New"/>
+                <a:cs typeface="Courier New"/>
+              </a:rPr>
+              <a:t>clear: left;</a:t>
+            </a:r>
+            <a:endParaRPr lang="en-US" sz="2000" dirty="0">
+              <a:latin typeface="Courier New"/>
+              <a:cs typeface="Courier New"/>
+            </a:endParaRPr>
+          </a:p>
+        </p:txBody>
+      </p:sp>
+      <p:sp>
+        <p:nvSpPr>
+          <p:cNvPr id="4" name="Footer Placeholder 3"/>
+          <p:cNvSpPr>
+            <a:spLocks noGrp="1"/>
+          </p:cNvSpPr>
+          <p:nvPr>
+            <p:ph type="ftr" sz="quarter" idx="11"/>
+          </p:nvPr>
+        </p:nvSpPr>
+        <p:spPr/>
+        <p:txBody>
+          <a:bodyPr/>
+          <a:lstStyle/>
+          <a:p>
+            <a:r>
+              <a:rPr lang="en-US" dirty="0" smtClean="0"/>
+              <a:t>http://</a:t>
+            </a:r>
+            <a:r>
+              <a:rPr lang="en-US" dirty="0" err="1" smtClean="0"/>
+              <a:t>dl.dropbox.com</a:t>
+            </a:r>
+            <a:r>
+              <a:rPr lang="en-US" dirty="0" smtClean="0"/>
+              <a:t>/u/41609448/art329/slides/</a:t>
+            </a:r>
+            <a:r>
+              <a:rPr lang="en-US" dirty="0" err="1" smtClean="0"/>
+              <a:t>classfive</a:t>
+            </a:r>
+            <a:r>
+              <a:rPr lang="en-US" dirty="0" smtClean="0"/>
+              <a:t>/slides/clear/</a:t>
+            </a:r>
+            <a:r>
+              <a:rPr lang="en-US" dirty="0" err="1" smtClean="0"/>
+              <a:t>index.html</a:t>
+            </a:r>
+            <a:r>
+              <a:rPr lang="en-US" dirty="0" smtClean="0"/>
+              <a:t>  </a:t>
+            </a:r>
+            <a:endParaRPr lang="en-US" dirty="0"/>
+          </a:p>
+        </p:txBody>
+      </p:sp>
+    </p:spTree>
+    <p:extLst>
+      <p:ext uri="{BB962C8B-B14F-4D97-AF65-F5344CB8AC3E}">
+        <p14:creationId xmlns:p14="http://schemas.microsoft.com/office/powerpoint/2010/main" val="3042433382"/>
+      </p:ext>
+    </p:extLst>
+  </p:cSld>
+  <p:clrMapOvr>
+    <a:masterClrMapping/>
+  </p:clrMapOvr>
+</p:sld>
+</file>
+
+<file path=ppt/slides/slide15.xml><?xml version="1.0" encoding="utf-8"?>
+<p:sld xmlns:a="http://schemas.openxmlformats.org/drawingml/2006/main" xmlns:r="http://schemas.openxmlformats.org/officeDocument/2006/relationships" xmlns:p="http://schemas.openxmlformats.org/presentationml/2006/main">
+  <p:cSld>
+    <p:spTree>
+      <p:nvGrpSpPr>
+        <p:cNvPr id="1" name=""/>
+        <p:cNvGrpSpPr/>
+        <p:nvPr/>
+      </p:nvGrpSpPr>
+      <p:grpSpPr>
+        <a:xfrm>
+          <a:off x="0" y="0"/>
+          <a:ext cx="0" cy="0"/>
+          <a:chOff x="0" y="0"/>
+          <a:chExt cx="0" cy="0"/>
+        </a:xfrm>
+      </p:grpSpPr>
+      <p:sp>
+        <p:nvSpPr>
+          <p:cNvPr id="3" name="Title 2"/>
+          <p:cNvSpPr>
+            <a:spLocks noGrp="1"/>
+          </p:cNvSpPr>
+          <p:nvPr>
+            <p:ph type="title"/>
+          </p:nvPr>
+        </p:nvSpPr>
+        <p:spPr/>
+        <p:txBody>
+          <a:bodyPr/>
+          <a:lstStyle/>
+          <a:p>
+            <a:r>
+              <a:rPr lang="en-US" dirty="0" smtClean="0"/>
+              <a:t>Break</a:t>
+            </a:r>
+            <a:endParaRPr lang="en-US" dirty="0"/>
+          </a:p>
+        </p:txBody>
+      </p:sp>
+      <p:sp>
+        <p:nvSpPr>
+          <p:cNvPr id="4" name="Text Placeholder 3"/>
+          <p:cNvSpPr>
+            <a:spLocks noGrp="1"/>
+          </p:cNvSpPr>
+          <p:nvPr>
+            <p:ph type="body" idx="1"/>
+          </p:nvPr>
+        </p:nvSpPr>
+        <p:spPr/>
+        <p:txBody>
+          <a:bodyPr/>
+          <a:lstStyle/>
+          <a:p>
+            <a:endParaRPr lang="en-US"/>
+          </a:p>
+        </p:txBody>
+      </p:sp>
+    </p:spTree>
+    <p:extLst>
+      <p:ext uri="{BB962C8B-B14F-4D97-AF65-F5344CB8AC3E}">
+        <p14:creationId xmlns:p14="http://schemas.microsoft.com/office/powerpoint/2010/main" val="691192380"/>
+      </p:ext>
+    </p:extLst>
+  </p:cSld>
+  <p:clrMapOvr>
+    <a:masterClrMapping/>
+  </p:clrMapOvr>
+  <p:timing>
+    <p:tnLst>
+      <p:par>
+        <p:cTn xmlns:p14="http://schemas.microsoft.com/office/powerpoint/2010/main" id="1" dur="indefinite" restart="never" nodeType="tmRoot"/>
+      </p:par>
+    </p:tnLst>
+  </p:timing>
+</p:sld>
+</file>
+
+<file path=ppt/slides/slide16.xml><?xml version="1.0" encoding="utf-8"?>
+<p:sld xmlns:a="http://schemas.openxmlformats.org/drawingml/2006/main" xmlns:r="http://schemas.openxmlformats.org/officeDocument/2006/relationships" xmlns:p="http://schemas.openxmlformats.org/presentationml/2006/main">
+  <p:cSld>
+    <p:spTree>
+      <p:nvGrpSpPr>
+        <p:cNvPr id="1" name=""/>
+        <p:cNvGrpSpPr/>
+        <p:nvPr/>
+      </p:nvGrpSpPr>
+      <p:grpSpPr>
+        <a:xfrm>
+          <a:off x="0" y="0"/>
+          <a:ext cx="0" cy="0"/>
+          <a:chOff x="0" y="0"/>
+          <a:chExt cx="0" cy="0"/>
+        </a:xfrm>
+      </p:grpSpPr>
+      <p:sp>
+        <p:nvSpPr>
+          <p:cNvPr id="2" name="Title 1"/>
+          <p:cNvSpPr>
+            <a:spLocks noGrp="1"/>
+          </p:cNvSpPr>
+          <p:nvPr>
+            <p:ph type="title"/>
+          </p:nvPr>
+        </p:nvSpPr>
+        <p:spPr/>
+        <p:txBody>
+          <a:bodyPr>
+            <a:normAutofit fontScale="90000"/>
+          </a:bodyPr>
+          <a:lstStyle/>
+          <a:p>
+            <a:r>
+              <a:rPr lang="en-US" dirty="0" smtClean="0"/>
+              <a:t>width,</a:t>
+            </a:r>
+            <a:br>
+              <a:rPr lang="en-US" dirty="0" smtClean="0"/>
+            </a:br>
+            <a:r>
+              <a:rPr lang="en-US" dirty="0" smtClean="0"/>
+              <a:t>min-width, max-width</a:t>
+            </a:r>
+            <a:endParaRPr lang="en-US" dirty="0"/>
+          </a:p>
+        </p:txBody>
+      </p:sp>
+      <p:sp>
+        <p:nvSpPr>
+          <p:cNvPr id="3" name="Content Placeholder 2"/>
+          <p:cNvSpPr>
+            <a:spLocks noGrp="1"/>
+          </p:cNvSpPr>
+          <p:nvPr>
+            <p:ph idx="1"/>
+          </p:nvPr>
+        </p:nvSpPr>
+        <p:spPr/>
+        <p:txBody>
+          <a:bodyPr/>
+          <a:lstStyle/>
+          <a:p>
+            <a:r>
+              <a:rPr lang="en-US" dirty="0" smtClean="0"/>
+              <a:t>Learn more: </a:t>
+            </a:r>
+            <a:r>
+              <a:rPr lang="en-US" dirty="0" smtClean="0">
+                <a:hlinkClick r:id="rId2"/>
+              </a:rPr>
+              <a:t>http://www.w3.org/TR/CSS21/visudet.html - the-width-property</a:t>
+            </a:r>
+            <a:endParaRPr lang="en-US" dirty="0" smtClean="0"/>
+          </a:p>
+          <a:p>
+            <a:r>
+              <a:rPr lang="en-US" dirty="0" smtClean="0"/>
+              <a:t>Sets the width of the element</a:t>
+            </a:r>
+          </a:p>
+          <a:p>
+            <a:r>
+              <a:rPr lang="en-US" dirty="0" smtClean="0"/>
+              <a:t>Can also set the minimum width and maximum width</a:t>
+            </a:r>
+          </a:p>
+          <a:p>
+            <a:r>
+              <a:rPr lang="en-US" dirty="0" smtClean="0"/>
+              <a:t>Can be length, %, auto</a:t>
+            </a:r>
+          </a:p>
+          <a:p>
+            <a:r>
+              <a:rPr lang="en-US" sz="2000" dirty="0" smtClean="0">
+                <a:latin typeface="Courier New"/>
+                <a:cs typeface="Courier New"/>
+              </a:rPr>
+              <a:t>width: 100px; min-width: 50px; max-width: 150px;</a:t>
+            </a:r>
+            <a:endParaRPr lang="en-US" sz="2000" dirty="0">
+              <a:latin typeface="Courier New"/>
+              <a:cs typeface="Courier New"/>
+            </a:endParaRPr>
+          </a:p>
+        </p:txBody>
+      </p:sp>
+      <p:sp>
+        <p:nvSpPr>
+          <p:cNvPr id="4" name="Footer Placeholder 3"/>
+          <p:cNvSpPr>
+            <a:spLocks noGrp="1"/>
+          </p:cNvSpPr>
+          <p:nvPr>
+            <p:ph type="ftr" sz="quarter" idx="11"/>
+          </p:nvPr>
+        </p:nvSpPr>
+        <p:spPr/>
+        <p:txBody>
+          <a:bodyPr/>
+          <a:lstStyle/>
+          <a:p>
+            <a:r>
+              <a:rPr lang="en-US" smtClean="0"/>
+              <a:t>http://dl.dropbox.com/u/41609448/art329/slides/classfive/slides/width/index.html   </a:t>
+            </a:r>
+            <a:endParaRPr lang="en-US"/>
+          </a:p>
+        </p:txBody>
+      </p:sp>
+    </p:spTree>
+    <p:extLst>
+      <p:ext uri="{BB962C8B-B14F-4D97-AF65-F5344CB8AC3E}">
+        <p14:creationId xmlns:p14="http://schemas.microsoft.com/office/powerpoint/2010/main" val="1259737556"/>
+      </p:ext>
+    </p:extLst>
+  </p:cSld>
+  <p:clrMapOvr>
+    <a:masterClrMapping/>
+  </p:clrMapOvr>
+</p:sld>
+</file>
+
+<file path=ppt/slides/slide17.xml><?xml version="1.0" encoding="utf-8"?>
+<p:sld xmlns:a="http://schemas.openxmlformats.org/drawingml/2006/main" xmlns:r="http://schemas.openxmlformats.org/officeDocument/2006/relationships" xmlns:p="http://schemas.openxmlformats.org/presentationml/2006/main">
+  <p:cSld>
+    <p:spTree>
+      <p:nvGrpSpPr>
+        <p:cNvPr id="1" name=""/>
+        <p:cNvGrpSpPr/>
+        <p:nvPr/>
+      </p:nvGrpSpPr>
+      <p:grpSpPr>
+        <a:xfrm>
+          <a:off x="0" y="0"/>
+          <a:ext cx="0" cy="0"/>
+          <a:chOff x="0" y="0"/>
+          <a:chExt cx="0" cy="0"/>
+        </a:xfrm>
+      </p:grpSpPr>
+      <p:sp>
+        <p:nvSpPr>
+          <p:cNvPr id="2" name="Title 1"/>
+          <p:cNvSpPr>
+            <a:spLocks noGrp="1"/>
+          </p:cNvSpPr>
+          <p:nvPr>
+            <p:ph type="title"/>
+          </p:nvPr>
+        </p:nvSpPr>
+        <p:spPr/>
+        <p:txBody>
+          <a:bodyPr>
+            <a:normAutofit fontScale="90000"/>
+          </a:bodyPr>
+          <a:lstStyle/>
+          <a:p>
+            <a:r>
+              <a:rPr lang="en-US" dirty="0" smtClean="0"/>
+              <a:t>height,</a:t>
+            </a:r>
+            <a:br>
+              <a:rPr lang="en-US" dirty="0" smtClean="0"/>
+            </a:br>
+            <a:r>
+              <a:rPr lang="en-US" dirty="0" smtClean="0"/>
+              <a:t>min-height, max-height</a:t>
+            </a:r>
+            <a:endParaRPr lang="en-US" dirty="0"/>
+          </a:p>
+        </p:txBody>
+      </p:sp>
+      <p:sp>
+        <p:nvSpPr>
+          <p:cNvPr id="3" name="Content Placeholder 2"/>
+          <p:cNvSpPr>
+            <a:spLocks noGrp="1"/>
+          </p:cNvSpPr>
+          <p:nvPr>
+            <p:ph idx="1"/>
+          </p:nvPr>
+        </p:nvSpPr>
+        <p:spPr/>
+        <p:txBody>
+          <a:bodyPr/>
+          <a:lstStyle/>
+          <a:p>
+            <a:r>
+              <a:rPr lang="en-US" dirty="0" smtClean="0"/>
+              <a:t>Learn more: </a:t>
+            </a:r>
+            <a:r>
+              <a:rPr lang="en-US" dirty="0" smtClean="0">
+                <a:hlinkClick r:id="rId2"/>
+              </a:rPr>
+              <a:t>http://www.w3.org/TR/CSS21/visudet.html - the-height-property</a:t>
+            </a:r>
+            <a:endParaRPr lang="en-US" dirty="0" smtClean="0"/>
+          </a:p>
+          <a:p>
+            <a:r>
+              <a:rPr lang="en-US" dirty="0" smtClean="0"/>
+              <a:t>Sets the height of the element</a:t>
+            </a:r>
+          </a:p>
+          <a:p>
+            <a:r>
+              <a:rPr lang="en-US" dirty="0" smtClean="0"/>
+              <a:t>Can also set the minimum height and maximum height</a:t>
+            </a:r>
+          </a:p>
+          <a:p>
+            <a:r>
+              <a:rPr lang="en-US" dirty="0" smtClean="0"/>
+              <a:t>Can be length, %, auto</a:t>
+            </a:r>
+          </a:p>
+          <a:p>
+            <a:r>
+              <a:rPr lang="en-US" sz="2000" dirty="0" smtClean="0">
+                <a:latin typeface="Courier New"/>
+                <a:cs typeface="Courier New"/>
+              </a:rPr>
+              <a:t>height: 100px; min-height: 50px; max-height: 150px;</a:t>
+            </a:r>
+            <a:endParaRPr lang="en-US" sz="2000" dirty="0">
+              <a:latin typeface="Courier New"/>
+              <a:cs typeface="Courier New"/>
+            </a:endParaRPr>
+          </a:p>
+        </p:txBody>
+      </p:sp>
+      <p:sp>
+        <p:nvSpPr>
+          <p:cNvPr id="4" name="Footer Placeholder 3"/>
+          <p:cNvSpPr>
+            <a:spLocks noGrp="1"/>
+          </p:cNvSpPr>
+          <p:nvPr>
+            <p:ph type="ftr" sz="quarter" idx="11"/>
+          </p:nvPr>
+        </p:nvSpPr>
+        <p:spPr/>
+        <p:txBody>
+          <a:bodyPr/>
+          <a:lstStyle/>
+          <a:p>
+            <a:r>
+              <a:rPr lang="en-US" dirty="0" smtClean="0"/>
+              <a:t>http://</a:t>
+            </a:r>
+            <a:r>
+              <a:rPr lang="en-US" dirty="0" err="1" smtClean="0"/>
+              <a:t>dl.dropbox.com</a:t>
+            </a:r>
+            <a:r>
+              <a:rPr lang="en-US" dirty="0" smtClean="0"/>
+              <a:t>/u/41609448/art329/slides/</a:t>
+            </a:r>
+            <a:r>
+              <a:rPr lang="en-US" dirty="0" err="1" smtClean="0"/>
+              <a:t>classfive</a:t>
+            </a:r>
+            <a:r>
+              <a:rPr lang="en-US" dirty="0" smtClean="0"/>
+              <a:t>/slides/height/</a:t>
+            </a:r>
+            <a:r>
+              <a:rPr lang="en-US" dirty="0" err="1" smtClean="0"/>
+              <a:t>index.html</a:t>
+            </a:r>
+            <a:r>
+              <a:rPr lang="en-US" dirty="0" smtClean="0"/>
+              <a:t>   </a:t>
+            </a:r>
+            <a:endParaRPr lang="en-US" dirty="0"/>
+          </a:p>
+        </p:txBody>
+      </p:sp>
+    </p:spTree>
+    <p:extLst>
+      <p:ext uri="{BB962C8B-B14F-4D97-AF65-F5344CB8AC3E}">
+        <p14:creationId xmlns:p14="http://schemas.microsoft.com/office/powerpoint/2010/main" val="841147867"/>
+      </p:ext>
+    </p:extLst>
+  </p:cSld>
+  <p:clrMapOvr>
+    <a:masterClrMapping/>
+  </p:clrMapOvr>
+</p:sld>
+</file>
+
+<file path=ppt/slides/slide18.xml><?xml version="1.0" encoding="utf-8"?>
+<p:sld xmlns:a="http://schemas.openxmlformats.org/drawingml/2006/main" xmlns:r="http://schemas.openxmlformats.org/officeDocument/2006/relationships" xmlns:p="http://schemas.openxmlformats.org/presentationml/2006/main">
+  <p:cSld>
+    <p:spTree>
+      <p:nvGrpSpPr>
+        <p:cNvPr id="1" name=""/>
+        <p:cNvGrpSpPr/>
+        <p:nvPr/>
+      </p:nvGrpSpPr>
+      <p:grpSpPr>
+        <a:xfrm>
+          <a:off x="0" y="0"/>
+          <a:ext cx="0" cy="0"/>
+          <a:chOff x="0" y="0"/>
+          <a:chExt cx="0" cy="0"/>
+        </a:xfrm>
+      </p:grpSpPr>
+      <p:sp>
+        <p:nvSpPr>
+          <p:cNvPr id="2" name="Title 1"/>
+          <p:cNvSpPr>
+            <a:spLocks noGrp="1"/>
+          </p:cNvSpPr>
+          <p:nvPr>
+            <p:ph type="title"/>
+          </p:nvPr>
+        </p:nvSpPr>
+        <p:spPr/>
+        <p:txBody>
+          <a:bodyPr/>
+          <a:lstStyle/>
+          <a:p>
+            <a:r>
+              <a:rPr lang="en-US" dirty="0" smtClean="0"/>
+              <a:t>overflow</a:t>
+            </a:r>
+            <a:endParaRPr lang="en-US" dirty="0"/>
+          </a:p>
+        </p:txBody>
+      </p:sp>
+      <p:sp>
+        <p:nvSpPr>
+          <p:cNvPr id="3" name="Content Placeholder 2"/>
+          <p:cNvSpPr>
+            <a:spLocks noGrp="1"/>
+          </p:cNvSpPr>
+          <p:nvPr>
+            <p:ph idx="1"/>
+          </p:nvPr>
+        </p:nvSpPr>
+        <p:spPr/>
+        <p:txBody>
+          <a:bodyPr>
+            <a:normAutofit/>
+          </a:bodyPr>
+          <a:lstStyle/>
+          <a:p>
+            <a:r>
+              <a:rPr lang="en-US" dirty="0" smtClean="0"/>
+              <a:t>Learn more: </a:t>
+            </a:r>
+            <a:r>
+              <a:rPr lang="en-US" dirty="0" smtClean="0">
+                <a:hlinkClick r:id="rId2"/>
+              </a:rPr>
+              <a:t>http://www.w3.org/TR/CSS21/visufx.html - propdef-overflow</a:t>
+            </a:r>
+            <a:endParaRPr lang="en-US" dirty="0" smtClean="0"/>
+          </a:p>
+          <a:p>
+            <a:r>
+              <a:rPr lang="en-US" dirty="0" smtClean="0"/>
+              <a:t>Handles content that overflows the box</a:t>
+            </a:r>
+          </a:p>
+          <a:p>
+            <a:r>
+              <a:rPr lang="en-US" dirty="0" smtClean="0"/>
+              <a:t>Can be visible, hidden, scroll, auto</a:t>
+            </a:r>
+          </a:p>
+          <a:p>
+            <a:r>
+              <a:rPr lang="en-US" sz="2000" dirty="0" smtClean="0">
+                <a:latin typeface="Courier New"/>
+                <a:cs typeface="Courier New"/>
+              </a:rPr>
+              <a:t>overflow: scroll;</a:t>
+            </a:r>
+            <a:endParaRPr lang="en-US" sz="2000" dirty="0">
+              <a:latin typeface="Courier New"/>
+              <a:cs typeface="Courier New"/>
+            </a:endParaRPr>
+          </a:p>
+        </p:txBody>
+      </p:sp>
+      <p:sp>
+        <p:nvSpPr>
+          <p:cNvPr id="4" name="Footer Placeholder 3"/>
+          <p:cNvSpPr>
+            <a:spLocks noGrp="1"/>
+          </p:cNvSpPr>
+          <p:nvPr>
+            <p:ph type="ftr" sz="quarter" idx="11"/>
+          </p:nvPr>
+        </p:nvSpPr>
+        <p:spPr/>
+        <p:txBody>
+          <a:bodyPr/>
+          <a:lstStyle/>
+          <a:p>
+            <a:r>
+              <a:rPr lang="en-US" dirty="0" smtClean="0"/>
+              <a:t>http://</a:t>
+            </a:r>
+            <a:r>
+              <a:rPr lang="en-US" dirty="0" err="1" smtClean="0"/>
+              <a:t>dl.dropbox.com</a:t>
+            </a:r>
+            <a:r>
+              <a:rPr lang="en-US" dirty="0" smtClean="0"/>
+              <a:t>/u/41609448/art329/slides/</a:t>
+            </a:r>
+            <a:r>
+              <a:rPr lang="en-US" dirty="0" err="1" smtClean="0"/>
+              <a:t>classfive</a:t>
+            </a:r>
+            <a:r>
+              <a:rPr lang="en-US" dirty="0" smtClean="0"/>
+              <a:t>/slides/overflow/</a:t>
+            </a:r>
+            <a:r>
+              <a:rPr lang="en-US" dirty="0" err="1" smtClean="0"/>
+              <a:t>index.html</a:t>
+            </a:r>
+            <a:endParaRPr lang="en-US" dirty="0"/>
+          </a:p>
+        </p:txBody>
+      </p:sp>
+    </p:spTree>
+    <p:extLst>
+      <p:ext uri="{BB962C8B-B14F-4D97-AF65-F5344CB8AC3E}">
+        <p14:creationId xmlns:p14="http://schemas.microsoft.com/office/powerpoint/2010/main" val="754560617"/>
+      </p:ext>
+    </p:extLst>
+  </p:cSld>
+  <p:clrMapOvr>
+    <a:masterClrMapping/>
+  </p:clrMapOvr>
+</p:sld>
+</file>
+
+<file path=ppt/slides/slide19.xml><?xml version="1.0" encoding="utf-8"?>
+<p:sld xmlns:a="http://schemas.openxmlformats.org/drawingml/2006/main" xmlns:r="http://schemas.openxmlformats.org/officeDocument/2006/relationships" xmlns:p="http://schemas.openxmlformats.org/presentationml/2006/main">
+  <p:cSld>
+    <p:spTree>
+      <p:nvGrpSpPr>
+        <p:cNvPr id="1" name=""/>
+        <p:cNvGrpSpPr/>
+        <p:nvPr/>
+      </p:nvGrpSpPr>
+      <p:grpSpPr>
+        <a:xfrm>
+          <a:off x="0" y="0"/>
+          <a:ext cx="0" cy="0"/>
+          <a:chOff x="0" y="0"/>
+          <a:chExt cx="0" cy="0"/>
+        </a:xfrm>
+      </p:grpSpPr>
+      <p:sp>
+        <p:nvSpPr>
+          <p:cNvPr id="2" name="Title 1"/>
+          <p:cNvSpPr>
+            <a:spLocks noGrp="1"/>
+          </p:cNvSpPr>
+          <p:nvPr>
+            <p:ph type="title"/>
+          </p:nvPr>
+        </p:nvSpPr>
+        <p:spPr/>
+        <p:txBody>
+          <a:bodyPr/>
+          <a:lstStyle/>
+          <a:p>
+            <a:r>
+              <a:rPr lang="en-US" dirty="0" smtClean="0"/>
+              <a:t>vertical-align</a:t>
+            </a:r>
+            <a:endParaRPr lang="en-US" dirty="0"/>
+          </a:p>
+        </p:txBody>
+      </p:sp>
+      <p:sp>
+        <p:nvSpPr>
+          <p:cNvPr id="3" name="Content Placeholder 2"/>
+          <p:cNvSpPr>
+            <a:spLocks noGrp="1"/>
+          </p:cNvSpPr>
+          <p:nvPr>
+            <p:ph idx="1"/>
+          </p:nvPr>
+        </p:nvSpPr>
+        <p:spPr/>
+        <p:txBody>
+          <a:bodyPr/>
+          <a:lstStyle/>
+          <a:p>
+            <a:r>
+              <a:rPr lang="en-US" dirty="0" smtClean="0"/>
+              <a:t>Learn more: </a:t>
+            </a:r>
+            <a:r>
+              <a:rPr lang="en-US" dirty="0" smtClean="0">
+                <a:hlinkClick r:id="rId2"/>
+              </a:rPr>
+              <a:t>http://www.w3.org/TR/CSS21/visudet.html - propdef-vertical-align</a:t>
+            </a:r>
+            <a:endParaRPr lang="en-US" dirty="0" smtClean="0"/>
+          </a:p>
+          <a:p>
+            <a:r>
+              <a:rPr lang="en-US" dirty="0" smtClean="0"/>
+              <a:t>Sets the vertical positioning for inline boxes</a:t>
+            </a:r>
+          </a:p>
+          <a:p>
+            <a:r>
+              <a:rPr lang="en-US" dirty="0" smtClean="0"/>
+              <a:t>Can be baseline, sub, super, top, </a:t>
+            </a:r>
+            <a:r>
+              <a:rPr lang="en-US" dirty="0"/>
+              <a:t>text-</a:t>
+            </a:r>
+            <a:r>
+              <a:rPr lang="en-US" dirty="0" smtClean="0"/>
+              <a:t>top, middle, bottom, text</a:t>
+            </a:r>
+            <a:r>
+              <a:rPr lang="en-US" dirty="0"/>
+              <a:t>-</a:t>
+            </a:r>
+            <a:r>
+              <a:rPr lang="en-US" dirty="0" smtClean="0"/>
+              <a:t>bottom, %, length</a:t>
+            </a:r>
+          </a:p>
+          <a:p>
+            <a:r>
+              <a:rPr lang="en-US" sz="2000" dirty="0" smtClean="0">
+                <a:latin typeface="Courier New"/>
+                <a:cs typeface="Courier New"/>
+              </a:rPr>
+              <a:t>vertical-align: top;</a:t>
+            </a:r>
+            <a:endParaRPr lang="en-US" sz="2000" dirty="0">
+              <a:latin typeface="Courier New"/>
+              <a:cs typeface="Courier New"/>
+            </a:endParaRPr>
+          </a:p>
+        </p:txBody>
+      </p:sp>
+      <p:sp>
+        <p:nvSpPr>
+          <p:cNvPr id="4" name="Footer Placeholder 3"/>
+          <p:cNvSpPr>
+            <a:spLocks noGrp="1"/>
+          </p:cNvSpPr>
+          <p:nvPr>
+            <p:ph type="ftr" sz="quarter" idx="11"/>
+          </p:nvPr>
+        </p:nvSpPr>
+        <p:spPr/>
+        <p:txBody>
+          <a:bodyPr/>
+          <a:lstStyle/>
+          <a:p>
+            <a:r>
+              <a:rPr lang="en-US" smtClean="0"/>
+              <a:t>http://dl.dropbox.com/u/41609448/art329/slides/classfive/slides/verticalalign/index.html</a:t>
+            </a:r>
+            <a:endParaRPr lang="en-US"/>
+          </a:p>
+        </p:txBody>
+      </p:sp>
+    </p:spTree>
+    <p:extLst>
+      <p:ext uri="{BB962C8B-B14F-4D97-AF65-F5344CB8AC3E}">
+        <p14:creationId xmlns:p14="http://schemas.microsoft.com/office/powerpoint/2010/main" val="508701135"/>
+      </p:ext>
+    </p:extLst>
+  </p:cSld>
+  <p:clrMapOvr>
+    <a:masterClrMapping/>
+  </p:clrMapOvr>
+</p:sld>
+</file>
+
+<file path=ppt/slides/slide2.xml><?xml version="1.0" encoding="utf-8"?>
+<p:sld xmlns:a="http://schemas.openxmlformats.org/drawingml/2006/main" xmlns:r="http://schemas.openxmlformats.org/officeDocument/2006/relationships" xmlns:p="http://schemas.openxmlformats.org/presentationml/2006/main">
+  <p:cSld>
+    <p:spTree>
+      <p:nvGrpSpPr>
+        <p:cNvPr id="1" name=""/>
+        <p:cNvGrpSpPr/>
+        <p:nvPr/>
+      </p:nvGrpSpPr>
+      <p:grpSpPr>
+        <a:xfrm>
+          <a:off x="0" y="0"/>
+          <a:ext cx="0" cy="0"/>
+          <a:chOff x="0" y="0"/>
+          <a:chExt cx="0" cy="0"/>
+        </a:xfrm>
+      </p:grpSpPr>
+      <p:sp>
+        <p:nvSpPr>
+          <p:cNvPr id="2" name="Title 1"/>
+          <p:cNvSpPr>
+            <a:spLocks noGrp="1"/>
+          </p:cNvSpPr>
+          <p:nvPr>
+            <p:ph type="title"/>
+          </p:nvPr>
+        </p:nvSpPr>
+        <p:spPr/>
+        <p:txBody>
+          <a:bodyPr/>
+          <a:lstStyle/>
+          <a:p>
+            <a:r>
+              <a:rPr lang="en-US" dirty="0" smtClean="0"/>
+              <a:t>Overview</a:t>
+            </a:r>
+            <a:endParaRPr lang="en-US" dirty="0"/>
+          </a:p>
+        </p:txBody>
+      </p:sp>
+      <p:sp>
+        <p:nvSpPr>
+          <p:cNvPr id="3" name="Content Placeholder 2"/>
+          <p:cNvSpPr>
+            <a:spLocks noGrp="1"/>
+          </p:cNvSpPr>
+          <p:nvPr>
+            <p:ph idx="1"/>
+          </p:nvPr>
+        </p:nvSpPr>
+        <p:spPr/>
+        <p:txBody>
+          <a:bodyPr/>
+          <a:lstStyle/>
+          <a:p>
+            <a:pPr>
+              <a:buFont typeface="Wingdings" charset="2"/>
+              <a:buChar char="v"/>
+            </a:pPr>
+            <a:r>
+              <a:rPr lang="en-US" dirty="0" smtClean="0"/>
+              <a:t>What's new?</a:t>
+            </a:r>
+          </a:p>
+          <a:p>
+            <a:pPr>
+              <a:buFont typeface="Wingdings" charset="2"/>
+              <a:buChar char="v"/>
+            </a:pPr>
+            <a:r>
+              <a:rPr lang="en-US" dirty="0" smtClean="0"/>
+              <a:t>Attendance</a:t>
+            </a:r>
+          </a:p>
+          <a:p>
+            <a:pPr>
+              <a:buFont typeface="Wingdings" charset="2"/>
+              <a:buChar char="v"/>
+            </a:pPr>
+            <a:r>
+              <a:rPr lang="en-US" dirty="0" smtClean="0"/>
+              <a:t>Quiz</a:t>
+            </a:r>
+          </a:p>
+          <a:p>
+            <a:pPr>
+              <a:buFont typeface="Wingdings" charset="2"/>
+              <a:buChar char="v"/>
+            </a:pPr>
+            <a:r>
+              <a:rPr lang="en-US" dirty="0" smtClean="0"/>
+              <a:t>Autopsy</a:t>
+            </a:r>
+            <a:endParaRPr lang="en-US" dirty="0"/>
+          </a:p>
+          <a:p>
+            <a:r>
+              <a:rPr lang="en-US" dirty="0" smtClean="0"/>
+              <a:t>CSS Layout</a:t>
+            </a:r>
+            <a:endParaRPr lang="en-US" dirty="0"/>
+          </a:p>
+          <a:p>
+            <a:pPr>
+              <a:buFont typeface="Wingdings" charset="2"/>
+              <a:buChar char="v"/>
+            </a:pPr>
+            <a:r>
+              <a:rPr lang="en-US" dirty="0" smtClean="0"/>
+              <a:t>The Chapter</a:t>
+            </a:r>
+            <a:endParaRPr lang="en-US" dirty="0"/>
+          </a:p>
+        </p:txBody>
+      </p:sp>
+    </p:spTree>
+    <p:extLst>
+      <p:ext uri="{BB962C8B-B14F-4D97-AF65-F5344CB8AC3E}">
+        <p14:creationId xmlns:p14="http://schemas.microsoft.com/office/powerpoint/2010/main" val="3889961293"/>
+      </p:ext>
+    </p:extLst>
+  </p:cSld>
+  <p:clrMapOvr>
+    <a:masterClrMapping/>
+  </p:clrMapOvr>
+  <p:timing>
+    <p:tnLst>
+      <p:par>
+        <p:cTn xmlns:p14="http://schemas.microsoft.com/office/powerpoint/2010/main" id="1" dur="indefinite" restart="never" nodeType="tmRoot"/>
+      </p:par>
+    </p:tnLst>
+  </p:timing>
+</p:sld>
+</file>
+
+<file path=ppt/slides/slide20.xml><?xml version="1.0" encoding="utf-8"?>
+<p:sld xmlns:a="http://schemas.openxmlformats.org/drawingml/2006/main" xmlns:r="http://schemas.openxmlformats.org/officeDocument/2006/relationships" xmlns:p="http://schemas.openxmlformats.org/presentationml/2006/main">
+  <p:cSld>
+    <p:spTree>
+      <p:nvGrpSpPr>
+        <p:cNvPr id="1" name=""/>
+        <p:cNvGrpSpPr/>
+        <p:nvPr/>
+      </p:nvGrpSpPr>
+      <p:grpSpPr>
+        <a:xfrm>
+          <a:off x="0" y="0"/>
+          <a:ext cx="0" cy="0"/>
+          <a:chOff x="0" y="0"/>
+          <a:chExt cx="0" cy="0"/>
+        </a:xfrm>
+      </p:grpSpPr>
+      <p:sp>
+        <p:nvSpPr>
+          <p:cNvPr id="2" name="Title 1"/>
+          <p:cNvSpPr>
+            <a:spLocks noGrp="1"/>
+          </p:cNvSpPr>
+          <p:nvPr>
+            <p:ph type="title"/>
+          </p:nvPr>
+        </p:nvSpPr>
+        <p:spPr/>
+        <p:txBody>
+          <a:bodyPr/>
+          <a:lstStyle/>
+          <a:p>
+            <a:r>
+              <a:rPr lang="en-US" dirty="0" smtClean="0"/>
+              <a:t>padding</a:t>
+            </a:r>
+            <a:endParaRPr lang="en-US" dirty="0"/>
+          </a:p>
+        </p:txBody>
+      </p:sp>
+      <p:sp>
+        <p:nvSpPr>
+          <p:cNvPr id="3" name="Content Placeholder 2"/>
+          <p:cNvSpPr>
+            <a:spLocks noGrp="1"/>
+          </p:cNvSpPr>
+          <p:nvPr>
+            <p:ph idx="1"/>
+          </p:nvPr>
+        </p:nvSpPr>
+        <p:spPr/>
+        <p:txBody>
+          <a:bodyPr>
+            <a:normAutofit/>
+          </a:bodyPr>
+          <a:lstStyle/>
+          <a:p>
+            <a:r>
+              <a:rPr lang="en-US" dirty="0" smtClean="0"/>
+              <a:t>Learn more: </a:t>
+            </a:r>
+            <a:r>
+              <a:rPr lang="en-US" dirty="0" smtClean="0">
+                <a:hlinkClick r:id="rId2"/>
+              </a:rPr>
+              <a:t>http://www.w3.org/TR/CSS21/box.html - propdef-padding</a:t>
+            </a:r>
+            <a:endParaRPr lang="en-US" dirty="0" smtClean="0"/>
+          </a:p>
+          <a:p>
+            <a:r>
+              <a:rPr lang="en-US" dirty="0" smtClean="0"/>
+              <a:t>Pads the inside of an element</a:t>
+            </a:r>
+          </a:p>
+          <a:p>
+            <a:r>
+              <a:rPr lang="en-US" dirty="0" smtClean="0"/>
+              <a:t>Can be a length, %</a:t>
+            </a:r>
+          </a:p>
+          <a:p>
+            <a:r>
+              <a:rPr lang="en-US" dirty="0" smtClean="0"/>
+              <a:t>Use "clock" shorthand or use padding-top, padding-right, padding-bottom, padding-left</a:t>
+            </a:r>
+          </a:p>
+          <a:p>
+            <a:r>
+              <a:rPr lang="en-US" sz="2000" dirty="0" smtClean="0">
+                <a:latin typeface="Courier New"/>
+                <a:cs typeface="Courier New"/>
+              </a:rPr>
+              <a:t>padding: 8px;</a:t>
+            </a:r>
+            <a:endParaRPr lang="en-US" sz="2000" dirty="0">
+              <a:latin typeface="Courier New"/>
+              <a:cs typeface="Courier New"/>
+            </a:endParaRPr>
+          </a:p>
+        </p:txBody>
+      </p:sp>
+      <p:sp>
+        <p:nvSpPr>
+          <p:cNvPr id="4" name="Footer Placeholder 3"/>
+          <p:cNvSpPr>
+            <a:spLocks noGrp="1"/>
+          </p:cNvSpPr>
+          <p:nvPr>
+            <p:ph type="ftr" sz="quarter" idx="11"/>
+          </p:nvPr>
+        </p:nvSpPr>
+        <p:spPr/>
+        <p:txBody>
+          <a:bodyPr/>
+          <a:lstStyle/>
+          <a:p>
+            <a:r>
+              <a:rPr lang="en-US" smtClean="0"/>
+              <a:t>http://dl.dropbox.com/u/41609448/art329/slides/classfive/slides/padding/index.html</a:t>
+            </a:r>
+            <a:endParaRPr lang="en-US"/>
+          </a:p>
+        </p:txBody>
+      </p:sp>
+    </p:spTree>
+    <p:extLst>
+      <p:ext uri="{BB962C8B-B14F-4D97-AF65-F5344CB8AC3E}">
+        <p14:creationId xmlns:p14="http://schemas.microsoft.com/office/powerpoint/2010/main" val="616782289"/>
+      </p:ext>
+    </p:extLst>
+  </p:cSld>
+  <p:clrMapOvr>
+    <a:masterClrMapping/>
+  </p:clrMapOvr>
+</p:sld>
+</file>
+
+<file path=ppt/slides/slide21.xml><?xml version="1.0" encoding="utf-8"?>
+<p:sld xmlns:a="http://schemas.openxmlformats.org/drawingml/2006/main" xmlns:r="http://schemas.openxmlformats.org/officeDocument/2006/relationships" xmlns:p="http://schemas.openxmlformats.org/presentationml/2006/main">
+  <p:cSld>
+    <p:spTree>
+      <p:nvGrpSpPr>
+        <p:cNvPr id="1" name=""/>
+        <p:cNvGrpSpPr/>
+        <p:nvPr/>
+      </p:nvGrpSpPr>
+      <p:grpSpPr>
+        <a:xfrm>
+          <a:off x="0" y="0"/>
+          <a:ext cx="0" cy="0"/>
+          <a:chOff x="0" y="0"/>
+          <a:chExt cx="0" cy="0"/>
+        </a:xfrm>
+      </p:grpSpPr>
+      <p:sp>
+        <p:nvSpPr>
+          <p:cNvPr id="2" name="Title 1"/>
+          <p:cNvSpPr>
+            <a:spLocks noGrp="1"/>
+          </p:cNvSpPr>
+          <p:nvPr>
+            <p:ph type="title"/>
+          </p:nvPr>
+        </p:nvSpPr>
+        <p:spPr/>
+        <p:txBody>
+          <a:bodyPr/>
+          <a:lstStyle/>
+          <a:p>
+            <a:r>
+              <a:rPr lang="en-US" dirty="0" smtClean="0"/>
+              <a:t>"Clock" Shorthand</a:t>
+            </a:r>
+            <a:endParaRPr lang="en-US" dirty="0"/>
+          </a:p>
+        </p:txBody>
+      </p:sp>
+      <p:sp>
+        <p:nvSpPr>
+          <p:cNvPr id="3" name="Content Placeholder 2"/>
+          <p:cNvSpPr>
+            <a:spLocks noGrp="1"/>
+          </p:cNvSpPr>
+          <p:nvPr>
+            <p:ph idx="1"/>
+          </p:nvPr>
+        </p:nvSpPr>
+        <p:spPr/>
+        <p:txBody>
+          <a:bodyPr>
+            <a:normAutofit lnSpcReduction="10000"/>
+          </a:bodyPr>
+          <a:lstStyle/>
+          <a:p>
+            <a:r>
+              <a:rPr lang="en-US" dirty="0" smtClean="0"/>
+              <a:t>Goes clockwise</a:t>
+            </a:r>
+          </a:p>
+          <a:p>
+            <a:r>
+              <a:rPr lang="en-US" dirty="0" smtClean="0"/>
+              <a:t>Used by padding, margin, and border</a:t>
+            </a:r>
+          </a:p>
+          <a:p>
+            <a:r>
+              <a:rPr lang="en-US" dirty="0" smtClean="0"/>
+              <a:t>1 value: applies to all sides</a:t>
+            </a:r>
+          </a:p>
+          <a:p>
+            <a:r>
+              <a:rPr lang="en-US" dirty="0" smtClean="0"/>
+              <a:t>2 values: 1</a:t>
+            </a:r>
+            <a:r>
+              <a:rPr lang="en-US" baseline="30000" dirty="0" smtClean="0"/>
+              <a:t>st</a:t>
+            </a:r>
+            <a:r>
+              <a:rPr lang="en-US" dirty="0" smtClean="0"/>
+              <a:t> number is top/bottom, 2</a:t>
+            </a:r>
+            <a:r>
+              <a:rPr lang="en-US" baseline="30000" dirty="0" smtClean="0"/>
+              <a:t>nd</a:t>
+            </a:r>
+            <a:r>
+              <a:rPr lang="en-US" dirty="0" smtClean="0"/>
+              <a:t> is right/left</a:t>
+            </a:r>
+          </a:p>
+          <a:p>
+            <a:r>
+              <a:rPr lang="en-US" dirty="0" smtClean="0"/>
+              <a:t>3 values: 1</a:t>
+            </a:r>
+            <a:r>
+              <a:rPr lang="en-US" baseline="30000" dirty="0" smtClean="0"/>
+              <a:t>st</a:t>
+            </a:r>
+            <a:r>
+              <a:rPr lang="en-US" dirty="0" smtClean="0"/>
+              <a:t> number is top, 2</a:t>
+            </a:r>
+            <a:r>
+              <a:rPr lang="en-US" baseline="30000" dirty="0" smtClean="0"/>
+              <a:t>nd</a:t>
+            </a:r>
+            <a:r>
+              <a:rPr lang="en-US" dirty="0" smtClean="0"/>
+              <a:t> is right/left, 3</a:t>
+            </a:r>
+            <a:r>
+              <a:rPr lang="en-US" baseline="30000" dirty="0" smtClean="0"/>
+              <a:t>rd</a:t>
+            </a:r>
+            <a:r>
+              <a:rPr lang="en-US" dirty="0" smtClean="0"/>
+              <a:t> is bottom</a:t>
+            </a:r>
+          </a:p>
+          <a:p>
+            <a:r>
+              <a:rPr lang="en-US" dirty="0" smtClean="0"/>
+              <a:t>4 values: 1</a:t>
+            </a:r>
+            <a:r>
+              <a:rPr lang="en-US" baseline="30000" dirty="0" smtClean="0"/>
+              <a:t>st</a:t>
+            </a:r>
+            <a:r>
+              <a:rPr lang="en-US" dirty="0" smtClean="0"/>
+              <a:t> number is top, 2</a:t>
+            </a:r>
+            <a:r>
+              <a:rPr lang="en-US" baseline="30000" dirty="0" smtClean="0"/>
+              <a:t>nd</a:t>
+            </a:r>
+            <a:r>
+              <a:rPr lang="en-US" dirty="0" smtClean="0"/>
+              <a:t> is right, 3</a:t>
+            </a:r>
+            <a:r>
+              <a:rPr lang="en-US" baseline="30000" dirty="0" smtClean="0"/>
+              <a:t>rd</a:t>
+            </a:r>
+            <a:r>
+              <a:rPr lang="en-US" dirty="0" smtClean="0"/>
+              <a:t> is bottom, 4</a:t>
+            </a:r>
+            <a:r>
+              <a:rPr lang="en-US" baseline="30000" dirty="0" smtClean="0"/>
+              <a:t>th</a:t>
+            </a:r>
+            <a:r>
+              <a:rPr lang="en-US" dirty="0" smtClean="0"/>
+              <a:t> is left</a:t>
+            </a:r>
+            <a:endParaRPr lang="en-US" dirty="0"/>
+          </a:p>
+        </p:txBody>
+      </p:sp>
+    </p:spTree>
+    <p:extLst>
+      <p:ext uri="{BB962C8B-B14F-4D97-AF65-F5344CB8AC3E}">
+        <p14:creationId xmlns:p14="http://schemas.microsoft.com/office/powerpoint/2010/main" val="3689856785"/>
+      </p:ext>
+    </p:extLst>
+  </p:cSld>
+  <p:clrMapOvr>
+    <a:masterClrMapping/>
+  </p:clrMapOvr>
+</p:sld>
+</file>
+
+<file path=ppt/slides/slide22.xml><?xml version="1.0" encoding="utf-8"?>
+<p:sld xmlns:a="http://schemas.openxmlformats.org/drawingml/2006/main" xmlns:r="http://schemas.openxmlformats.org/officeDocument/2006/relationships" xmlns:p="http://schemas.openxmlformats.org/presentationml/2006/main">
+  <p:cSld>
+    <p:spTree>
+      <p:nvGrpSpPr>
+        <p:cNvPr id="1" name=""/>
+        <p:cNvGrpSpPr/>
+        <p:nvPr/>
+      </p:nvGrpSpPr>
+      <p:grpSpPr>
+        <a:xfrm>
+          <a:off x="0" y="0"/>
+          <a:ext cx="0" cy="0"/>
+          <a:chOff x="0" y="0"/>
+          <a:chExt cx="0" cy="0"/>
+        </a:xfrm>
+      </p:grpSpPr>
+      <p:sp>
+        <p:nvSpPr>
+          <p:cNvPr id="2" name="Title 1"/>
+          <p:cNvSpPr>
+            <a:spLocks noGrp="1"/>
+          </p:cNvSpPr>
+          <p:nvPr>
+            <p:ph type="title"/>
+          </p:nvPr>
+        </p:nvSpPr>
+        <p:spPr/>
+        <p:txBody>
+          <a:bodyPr/>
+          <a:lstStyle/>
+          <a:p>
+            <a:r>
+              <a:rPr lang="en-US" dirty="0" smtClean="0"/>
+              <a:t>border</a:t>
+            </a:r>
+            <a:endParaRPr lang="en-US" dirty="0"/>
+          </a:p>
+        </p:txBody>
+      </p:sp>
+      <p:sp>
+        <p:nvSpPr>
+          <p:cNvPr id="3" name="Content Placeholder 2"/>
+          <p:cNvSpPr>
+            <a:spLocks noGrp="1"/>
+          </p:cNvSpPr>
+          <p:nvPr>
+            <p:ph idx="1"/>
+          </p:nvPr>
+        </p:nvSpPr>
+        <p:spPr/>
+        <p:txBody>
+          <a:bodyPr>
+            <a:normAutofit/>
+          </a:bodyPr>
+          <a:lstStyle/>
+          <a:p>
+            <a:r>
+              <a:rPr lang="en-US" dirty="0" smtClean="0"/>
+              <a:t>Learn more: </a:t>
+            </a:r>
+            <a:r>
+              <a:rPr lang="en-US" dirty="0" smtClean="0">
+                <a:hlinkClick r:id="rId2"/>
+              </a:rPr>
+              <a:t>http://www.w3.org/TR/CSS21/box.html - border-properties</a:t>
+            </a:r>
+            <a:endParaRPr lang="en-US" dirty="0" smtClean="0"/>
+          </a:p>
+          <a:p>
+            <a:r>
+              <a:rPr lang="en-US" dirty="0" smtClean="0"/>
+              <a:t>Sets the border properties: width, style, color</a:t>
+            </a:r>
+          </a:p>
+          <a:p>
+            <a:r>
+              <a:rPr lang="en-US" dirty="0"/>
+              <a:t>Use "clock" shorthand or use border-</a:t>
+            </a:r>
+            <a:r>
+              <a:rPr lang="en-US" dirty="0" smtClean="0"/>
+              <a:t>top, </a:t>
+            </a:r>
+            <a:r>
+              <a:rPr lang="en-US" dirty="0"/>
+              <a:t>border-</a:t>
+            </a:r>
+            <a:r>
+              <a:rPr lang="en-US" dirty="0" smtClean="0"/>
+              <a:t>right, </a:t>
+            </a:r>
+            <a:r>
+              <a:rPr lang="en-US" dirty="0"/>
+              <a:t>border-</a:t>
+            </a:r>
+            <a:r>
+              <a:rPr lang="en-US" dirty="0" smtClean="0"/>
+              <a:t>bottom, </a:t>
+            </a:r>
+            <a:r>
+              <a:rPr lang="en-US" dirty="0"/>
+              <a:t>border-</a:t>
+            </a:r>
+            <a:r>
+              <a:rPr lang="en-US" dirty="0" smtClean="0"/>
+              <a:t>left</a:t>
+            </a:r>
+          </a:p>
+          <a:p>
+            <a:r>
+              <a:rPr lang="en-US" sz="2000" dirty="0" smtClean="0">
+                <a:latin typeface="Courier New"/>
+                <a:cs typeface="Courier New"/>
+              </a:rPr>
+              <a:t>border: 1px solid #000;</a:t>
+            </a:r>
+            <a:endParaRPr lang="en-US" sz="2000" dirty="0">
+              <a:latin typeface="Courier New"/>
+              <a:cs typeface="Courier New"/>
+            </a:endParaRPr>
+          </a:p>
+        </p:txBody>
+      </p:sp>
+      <p:sp>
+        <p:nvSpPr>
+          <p:cNvPr id="4" name="Footer Placeholder 3"/>
+          <p:cNvSpPr>
+            <a:spLocks noGrp="1"/>
+          </p:cNvSpPr>
+          <p:nvPr>
+            <p:ph type="ftr" sz="quarter" idx="11"/>
+          </p:nvPr>
+        </p:nvSpPr>
+        <p:spPr/>
+        <p:txBody>
+          <a:bodyPr/>
+          <a:lstStyle/>
+          <a:p>
+            <a:r>
+              <a:rPr lang="en-US" dirty="0" smtClean="0"/>
+              <a:t>http://</a:t>
+            </a:r>
+            <a:r>
+              <a:rPr lang="en-US" dirty="0" err="1" smtClean="0"/>
+              <a:t>dl.dropbox.com</a:t>
+            </a:r>
+            <a:r>
+              <a:rPr lang="en-US" dirty="0" smtClean="0"/>
+              <a:t>/u/41609448/art329/slides/</a:t>
+            </a:r>
+            <a:r>
+              <a:rPr lang="en-US" dirty="0" err="1" smtClean="0"/>
+              <a:t>classfour</a:t>
+            </a:r>
+            <a:r>
+              <a:rPr lang="en-US" dirty="0" smtClean="0"/>
+              <a:t>/slides/border/</a:t>
+            </a:r>
+            <a:r>
+              <a:rPr lang="en-US" dirty="0" err="1" smtClean="0"/>
+              <a:t>index.html</a:t>
+            </a:r>
+            <a:endParaRPr lang="en-US" dirty="0"/>
+          </a:p>
+        </p:txBody>
+      </p:sp>
+    </p:spTree>
+    <p:extLst>
+      <p:ext uri="{BB962C8B-B14F-4D97-AF65-F5344CB8AC3E}">
+        <p14:creationId xmlns:p14="http://schemas.microsoft.com/office/powerpoint/2010/main" val="3192035239"/>
+      </p:ext>
+    </p:extLst>
+  </p:cSld>
+  <p:clrMapOvr>
+    <a:masterClrMapping/>
+  </p:clrMapOvr>
+</p:sld>
+</file>
+
+<file path=ppt/slides/slide23.xml><?xml version="1.0" encoding="utf-8"?>
+<p:sld xmlns:a="http://schemas.openxmlformats.org/drawingml/2006/main" xmlns:r="http://schemas.openxmlformats.org/officeDocument/2006/relationships" xmlns:p="http://schemas.openxmlformats.org/presentationml/2006/main">
+  <p:cSld>
+    <p:spTree>
+      <p:nvGrpSpPr>
+        <p:cNvPr id="1" name=""/>
+        <p:cNvGrpSpPr/>
+        <p:nvPr/>
+      </p:nvGrpSpPr>
+      <p:grpSpPr>
+        <a:xfrm>
+          <a:off x="0" y="0"/>
+          <a:ext cx="0" cy="0"/>
+          <a:chOff x="0" y="0"/>
+          <a:chExt cx="0" cy="0"/>
+        </a:xfrm>
+      </p:grpSpPr>
+      <p:sp>
+        <p:nvSpPr>
+          <p:cNvPr id="2" name="Title 1"/>
+          <p:cNvSpPr>
+            <a:spLocks noGrp="1"/>
+          </p:cNvSpPr>
+          <p:nvPr>
+            <p:ph type="title"/>
+          </p:nvPr>
+        </p:nvSpPr>
+        <p:spPr/>
+        <p:txBody>
+          <a:bodyPr/>
+          <a:lstStyle/>
+          <a:p>
+            <a:r>
+              <a:rPr lang="en-US" dirty="0" smtClean="0"/>
+              <a:t>border-width</a:t>
+            </a:r>
+            <a:endParaRPr lang="en-US" dirty="0"/>
+          </a:p>
+        </p:txBody>
+      </p:sp>
+      <p:sp>
+        <p:nvSpPr>
+          <p:cNvPr id="3" name="Content Placeholder 2"/>
+          <p:cNvSpPr>
+            <a:spLocks noGrp="1"/>
+          </p:cNvSpPr>
+          <p:nvPr>
+            <p:ph idx="1"/>
+          </p:nvPr>
+        </p:nvSpPr>
+        <p:spPr/>
+        <p:txBody>
+          <a:bodyPr>
+            <a:normAutofit/>
+          </a:bodyPr>
+          <a:lstStyle/>
+          <a:p>
+            <a:r>
+              <a:rPr lang="en-US" dirty="0" smtClean="0"/>
+              <a:t>Learn more: </a:t>
+            </a:r>
+            <a:r>
+              <a:rPr lang="en-US" dirty="0" smtClean="0">
+                <a:hlinkClick r:id="rId2"/>
+              </a:rPr>
+              <a:t>http://www.w3.org/TR/CSS21/box.html - propdef-border-top-width</a:t>
+            </a:r>
+            <a:endParaRPr lang="en-US" dirty="0" smtClean="0"/>
+          </a:p>
+          <a:p>
+            <a:r>
+              <a:rPr lang="en-US" dirty="0" smtClean="0"/>
+              <a:t>Sets the border width</a:t>
+            </a:r>
+          </a:p>
+          <a:p>
+            <a:r>
+              <a:rPr lang="en-US" dirty="0" smtClean="0"/>
+              <a:t>Can be thin, medium, thick, length</a:t>
+            </a:r>
+          </a:p>
+          <a:p>
+            <a:r>
+              <a:rPr lang="en-US" dirty="0"/>
+              <a:t>Use </a:t>
+            </a:r>
+            <a:r>
+              <a:rPr lang="en-US" dirty="0" smtClean="0"/>
+              <a:t>"clock" shorthand </a:t>
+            </a:r>
+            <a:r>
+              <a:rPr lang="en-US" dirty="0"/>
+              <a:t>or use </a:t>
+            </a:r>
+            <a:r>
+              <a:rPr lang="en-US" dirty="0" smtClean="0"/>
+              <a:t>border-top-width, </a:t>
+            </a:r>
+            <a:r>
+              <a:rPr lang="en-US" dirty="0"/>
+              <a:t>border</a:t>
+            </a:r>
+            <a:r>
+              <a:rPr lang="en-US" dirty="0" smtClean="0"/>
+              <a:t>-right-</a:t>
+            </a:r>
+            <a:r>
+              <a:rPr lang="en-US" dirty="0"/>
+              <a:t>width</a:t>
+            </a:r>
+            <a:r>
+              <a:rPr lang="en-US" dirty="0" smtClean="0"/>
+              <a:t>, </a:t>
+            </a:r>
+            <a:r>
+              <a:rPr lang="en-US" dirty="0"/>
+              <a:t>border</a:t>
+            </a:r>
+            <a:r>
+              <a:rPr lang="en-US" dirty="0" smtClean="0"/>
+              <a:t>-bottom-</a:t>
+            </a:r>
+            <a:r>
+              <a:rPr lang="en-US" dirty="0"/>
+              <a:t>width</a:t>
+            </a:r>
+            <a:r>
+              <a:rPr lang="en-US" dirty="0" smtClean="0"/>
+              <a:t>, </a:t>
+            </a:r>
+            <a:r>
+              <a:rPr lang="en-US" dirty="0"/>
+              <a:t>border</a:t>
+            </a:r>
+            <a:r>
+              <a:rPr lang="en-US" dirty="0" smtClean="0"/>
+              <a:t>-left-</a:t>
+            </a:r>
+            <a:r>
+              <a:rPr lang="en-US" dirty="0"/>
+              <a:t>width</a:t>
+            </a:r>
+          </a:p>
+          <a:p>
+            <a:r>
+              <a:rPr lang="en-US" sz="2000" dirty="0">
+                <a:latin typeface="Courier New"/>
+                <a:cs typeface="Courier New"/>
+              </a:rPr>
+              <a:t>b</a:t>
+            </a:r>
+            <a:r>
+              <a:rPr lang="en-US" sz="2000" dirty="0" smtClean="0">
+                <a:latin typeface="Courier New"/>
+                <a:cs typeface="Courier New"/>
+              </a:rPr>
+              <a:t>order-width: medium;</a:t>
+            </a:r>
+          </a:p>
+        </p:txBody>
+      </p:sp>
+      <p:sp>
+        <p:nvSpPr>
+          <p:cNvPr id="4" name="Footer Placeholder 3"/>
+          <p:cNvSpPr>
+            <a:spLocks noGrp="1"/>
+          </p:cNvSpPr>
+          <p:nvPr>
+            <p:ph type="ftr" sz="quarter" idx="11"/>
+          </p:nvPr>
+        </p:nvSpPr>
+        <p:spPr/>
+        <p:txBody>
+          <a:bodyPr/>
+          <a:lstStyle/>
+          <a:p>
+            <a:r>
+              <a:rPr lang="en-US" dirty="0" smtClean="0"/>
+              <a:t>http://</a:t>
+            </a:r>
+            <a:r>
+              <a:rPr lang="en-US" dirty="0" err="1" smtClean="0"/>
+              <a:t>dl.dropbox.com</a:t>
+            </a:r>
+            <a:r>
+              <a:rPr lang="en-US" dirty="0" smtClean="0"/>
+              <a:t>/u/41609448/art329/slides/</a:t>
+            </a:r>
+            <a:r>
+              <a:rPr lang="en-US" dirty="0" err="1" smtClean="0"/>
+              <a:t>classfour</a:t>
+            </a:r>
+            <a:r>
+              <a:rPr lang="en-US" dirty="0" smtClean="0"/>
+              <a:t>/slides/border/</a:t>
+            </a:r>
+            <a:r>
+              <a:rPr lang="en-US" dirty="0" err="1" smtClean="0"/>
+              <a:t>index.html</a:t>
+            </a:r>
+            <a:r>
+              <a:rPr lang="en-US" dirty="0" smtClean="0"/>
+              <a:t> </a:t>
+            </a:r>
+            <a:endParaRPr lang="en-US" dirty="0"/>
+          </a:p>
+        </p:txBody>
+      </p:sp>
+    </p:spTree>
+    <p:extLst>
+      <p:ext uri="{BB962C8B-B14F-4D97-AF65-F5344CB8AC3E}">
+        <p14:creationId xmlns:p14="http://schemas.microsoft.com/office/powerpoint/2010/main" val="3601305251"/>
+      </p:ext>
+    </p:extLst>
+  </p:cSld>
+  <p:clrMapOvr>
+    <a:masterClrMapping/>
+  </p:clrMapOvr>
+</p:sld>
+</file>
+
+<file path=ppt/slides/slide24.xml><?xml version="1.0" encoding="utf-8"?>
+<p:sld xmlns:a="http://schemas.openxmlformats.org/drawingml/2006/main" xmlns:r="http://schemas.openxmlformats.org/officeDocument/2006/relationships" xmlns:p="http://schemas.openxmlformats.org/presentationml/2006/main">
+  <p:cSld>
+    <p:spTree>
+      <p:nvGrpSpPr>
+        <p:cNvPr id="1" name=""/>
+        <p:cNvGrpSpPr/>
+        <p:nvPr/>
+      </p:nvGrpSpPr>
+      <p:grpSpPr>
+        <a:xfrm>
+          <a:off x="0" y="0"/>
+          <a:ext cx="0" cy="0"/>
+          <a:chOff x="0" y="0"/>
+          <a:chExt cx="0" cy="0"/>
+        </a:xfrm>
+      </p:grpSpPr>
+      <p:sp>
+        <p:nvSpPr>
+          <p:cNvPr id="2" name="Title 1"/>
+          <p:cNvSpPr>
+            <a:spLocks noGrp="1"/>
+          </p:cNvSpPr>
+          <p:nvPr>
+            <p:ph type="title"/>
+          </p:nvPr>
+        </p:nvSpPr>
+        <p:spPr/>
+        <p:txBody>
+          <a:bodyPr/>
+          <a:lstStyle/>
+          <a:p>
+            <a:r>
+              <a:rPr lang="en-US" dirty="0" smtClean="0"/>
+              <a:t>border-color</a:t>
+            </a:r>
+            <a:endParaRPr lang="en-US" dirty="0"/>
+          </a:p>
+        </p:txBody>
+      </p:sp>
+      <p:sp>
+        <p:nvSpPr>
+          <p:cNvPr id="3" name="Content Placeholder 2"/>
+          <p:cNvSpPr>
+            <a:spLocks noGrp="1"/>
+          </p:cNvSpPr>
+          <p:nvPr>
+            <p:ph idx="1"/>
+          </p:nvPr>
+        </p:nvSpPr>
+        <p:spPr/>
+        <p:txBody>
+          <a:bodyPr>
+            <a:normAutofit/>
+          </a:bodyPr>
+          <a:lstStyle/>
+          <a:p>
+            <a:r>
+              <a:rPr lang="en-US" dirty="0" smtClean="0"/>
+              <a:t>Learn more: </a:t>
+            </a:r>
+            <a:r>
+              <a:rPr lang="en-US" dirty="0" smtClean="0">
+                <a:hlinkClick r:id="rId2"/>
+              </a:rPr>
+              <a:t>http://www.w3.org/TR/CSS21/box.html - propdef-border-top-color</a:t>
+            </a:r>
+            <a:endParaRPr lang="en-US" dirty="0" smtClean="0"/>
+          </a:p>
+          <a:p>
+            <a:r>
+              <a:rPr lang="en-US" dirty="0" smtClean="0"/>
+              <a:t>Sets the border color</a:t>
+            </a:r>
+          </a:p>
+          <a:p>
+            <a:r>
+              <a:rPr lang="en-US" dirty="0" smtClean="0"/>
+              <a:t>Can be color, transparent</a:t>
+            </a:r>
+          </a:p>
+          <a:p>
+            <a:r>
+              <a:rPr lang="en-US" dirty="0"/>
+              <a:t>Use </a:t>
+            </a:r>
+            <a:r>
+              <a:rPr lang="en-US" dirty="0" smtClean="0"/>
+              <a:t>"clock" shorthand </a:t>
+            </a:r>
+            <a:r>
+              <a:rPr lang="en-US" dirty="0"/>
+              <a:t>or use </a:t>
+            </a:r>
+            <a:r>
+              <a:rPr lang="en-US" dirty="0" smtClean="0"/>
+              <a:t>border-top-color, </a:t>
+            </a:r>
+            <a:r>
+              <a:rPr lang="en-US" dirty="0"/>
+              <a:t>border</a:t>
+            </a:r>
+            <a:r>
+              <a:rPr lang="en-US" dirty="0" smtClean="0"/>
+              <a:t>-right-color, </a:t>
+            </a:r>
+            <a:r>
+              <a:rPr lang="en-US" dirty="0"/>
+              <a:t>border</a:t>
+            </a:r>
+            <a:r>
+              <a:rPr lang="en-US" dirty="0" smtClean="0"/>
+              <a:t>-bottom-color, </a:t>
+            </a:r>
+            <a:r>
+              <a:rPr lang="en-US" dirty="0"/>
+              <a:t>border</a:t>
+            </a:r>
+            <a:r>
+              <a:rPr lang="en-US" dirty="0" smtClean="0"/>
+              <a:t>-left-color</a:t>
+            </a:r>
+            <a:endParaRPr lang="en-US" dirty="0"/>
+          </a:p>
+          <a:p>
+            <a:r>
+              <a:rPr lang="en-US" sz="2000" dirty="0">
+                <a:latin typeface="Courier New"/>
+                <a:cs typeface="Courier New"/>
+              </a:rPr>
+              <a:t>b</a:t>
+            </a:r>
+            <a:r>
+              <a:rPr lang="en-US" sz="2000" dirty="0" smtClean="0">
+                <a:latin typeface="Courier New"/>
+                <a:cs typeface="Courier New"/>
+              </a:rPr>
+              <a:t>order-color: red;</a:t>
+            </a:r>
+          </a:p>
+        </p:txBody>
+      </p:sp>
+      <p:sp>
+        <p:nvSpPr>
+          <p:cNvPr id="4" name="Footer Placeholder 3"/>
+          <p:cNvSpPr>
+            <a:spLocks noGrp="1"/>
+          </p:cNvSpPr>
+          <p:nvPr>
+            <p:ph type="ftr" sz="quarter" idx="11"/>
+          </p:nvPr>
+        </p:nvSpPr>
+        <p:spPr/>
+        <p:txBody>
+          <a:bodyPr/>
+          <a:lstStyle/>
+          <a:p>
+            <a:r>
+              <a:rPr lang="en-US" dirty="0" smtClean="0"/>
+              <a:t>http://</a:t>
+            </a:r>
+            <a:r>
+              <a:rPr lang="en-US" dirty="0" err="1" smtClean="0"/>
+              <a:t>dl.dropbox.com</a:t>
+            </a:r>
+            <a:r>
+              <a:rPr lang="en-US" dirty="0" smtClean="0"/>
+              <a:t>/u/41609448/art329/slides/</a:t>
+            </a:r>
+            <a:r>
+              <a:rPr lang="en-US" dirty="0" err="1" smtClean="0"/>
+              <a:t>classfour</a:t>
+            </a:r>
+            <a:r>
+              <a:rPr lang="en-US" dirty="0" smtClean="0"/>
+              <a:t>/slides/border/</a:t>
+            </a:r>
+            <a:r>
+              <a:rPr lang="en-US" dirty="0" err="1" smtClean="0"/>
+              <a:t>index.html</a:t>
+            </a:r>
+            <a:r>
+              <a:rPr lang="en-US" dirty="0" smtClean="0"/>
+              <a:t> </a:t>
+            </a:r>
+            <a:endParaRPr lang="en-US" dirty="0"/>
+          </a:p>
+        </p:txBody>
+      </p:sp>
+    </p:spTree>
+    <p:extLst>
+      <p:ext uri="{BB962C8B-B14F-4D97-AF65-F5344CB8AC3E}">
+        <p14:creationId xmlns:p14="http://schemas.microsoft.com/office/powerpoint/2010/main" val="3456313812"/>
+      </p:ext>
+    </p:extLst>
+  </p:cSld>
+  <p:clrMapOvr>
+    <a:masterClrMapping/>
+  </p:clrMapOvr>
+</p:sld>
+</file>
+
+<file path=ppt/slides/slide25.xml><?xml version="1.0" encoding="utf-8"?>
+<p:sld xmlns:a="http://schemas.openxmlformats.org/drawingml/2006/main" xmlns:r="http://schemas.openxmlformats.org/officeDocument/2006/relationships" xmlns:p="http://schemas.openxmlformats.org/presentationml/2006/main">
+  <p:cSld>
+    <p:spTree>
+      <p:nvGrpSpPr>
+        <p:cNvPr id="1" name=""/>
+        <p:cNvGrpSpPr/>
+        <p:nvPr/>
+      </p:nvGrpSpPr>
+      <p:grpSpPr>
+        <a:xfrm>
+          <a:off x="0" y="0"/>
+          <a:ext cx="0" cy="0"/>
+          <a:chOff x="0" y="0"/>
+          <a:chExt cx="0" cy="0"/>
+        </a:xfrm>
+      </p:grpSpPr>
+      <p:sp>
+        <p:nvSpPr>
+          <p:cNvPr id="2" name="Title 1"/>
+          <p:cNvSpPr>
+            <a:spLocks noGrp="1"/>
+          </p:cNvSpPr>
+          <p:nvPr>
+            <p:ph type="title"/>
+          </p:nvPr>
+        </p:nvSpPr>
+        <p:spPr/>
+        <p:txBody>
+          <a:bodyPr/>
+          <a:lstStyle/>
+          <a:p>
+            <a:r>
+              <a:rPr lang="en-US" dirty="0" smtClean="0"/>
+              <a:t>border-style</a:t>
+            </a:r>
+            <a:endParaRPr lang="en-US" dirty="0"/>
+          </a:p>
+        </p:txBody>
+      </p:sp>
+      <p:sp>
+        <p:nvSpPr>
+          <p:cNvPr id="3" name="Content Placeholder 2"/>
+          <p:cNvSpPr>
+            <a:spLocks noGrp="1"/>
+          </p:cNvSpPr>
+          <p:nvPr>
+            <p:ph idx="1"/>
+          </p:nvPr>
+        </p:nvSpPr>
+        <p:spPr/>
+        <p:txBody>
+          <a:bodyPr>
+            <a:normAutofit fontScale="92500" lnSpcReduction="10000"/>
+          </a:bodyPr>
+          <a:lstStyle/>
+          <a:p>
+            <a:r>
+              <a:rPr lang="en-US" dirty="0" smtClean="0"/>
+              <a:t>Learn more: </a:t>
+            </a:r>
+            <a:r>
+              <a:rPr lang="en-US" dirty="0" smtClean="0">
+                <a:hlinkClick r:id="rId2"/>
+              </a:rPr>
+              <a:t>http://www.w3.org/TR/CSS21/box.html - propdef-border-top-style</a:t>
+            </a:r>
+            <a:endParaRPr lang="en-US" dirty="0" smtClean="0"/>
+          </a:p>
+          <a:p>
+            <a:r>
+              <a:rPr lang="en-US" dirty="0" smtClean="0"/>
+              <a:t>Sets the border style</a:t>
+            </a:r>
+          </a:p>
+          <a:p>
+            <a:r>
+              <a:rPr lang="en-US" dirty="0" smtClean="0"/>
+              <a:t>Can be none, hidden, dotted, dashed, solid, double, groove, ridge, inset, outset</a:t>
+            </a:r>
+          </a:p>
+          <a:p>
+            <a:r>
+              <a:rPr lang="en-US" dirty="0"/>
+              <a:t>Use </a:t>
+            </a:r>
+            <a:r>
+              <a:rPr lang="en-US" dirty="0" smtClean="0"/>
+              <a:t>"clock" shorthand </a:t>
+            </a:r>
+            <a:r>
+              <a:rPr lang="en-US" dirty="0"/>
+              <a:t>or use </a:t>
+            </a:r>
+            <a:r>
+              <a:rPr lang="en-US" dirty="0" smtClean="0"/>
+              <a:t>border-top-color, </a:t>
+            </a:r>
+            <a:r>
+              <a:rPr lang="en-US" dirty="0"/>
+              <a:t>border</a:t>
+            </a:r>
+            <a:r>
+              <a:rPr lang="en-US" dirty="0" smtClean="0"/>
+              <a:t>-right-color, </a:t>
+            </a:r>
+            <a:r>
+              <a:rPr lang="en-US" dirty="0"/>
+              <a:t>border</a:t>
+            </a:r>
+            <a:r>
+              <a:rPr lang="en-US" dirty="0" smtClean="0"/>
+              <a:t>-bottom-color, </a:t>
+            </a:r>
+            <a:r>
+              <a:rPr lang="en-US" dirty="0"/>
+              <a:t>border</a:t>
+            </a:r>
+            <a:r>
+              <a:rPr lang="en-US" dirty="0" smtClean="0"/>
+              <a:t>-left-color</a:t>
+            </a:r>
+            <a:endParaRPr lang="en-US" dirty="0"/>
+          </a:p>
+          <a:p>
+            <a:r>
+              <a:rPr lang="en-US" sz="2000" dirty="0">
+                <a:latin typeface="Courier New"/>
+                <a:cs typeface="Courier New"/>
+              </a:rPr>
+              <a:t>b</a:t>
+            </a:r>
+            <a:r>
+              <a:rPr lang="en-US" sz="2000" dirty="0" smtClean="0">
+                <a:latin typeface="Courier New"/>
+                <a:cs typeface="Courier New"/>
+              </a:rPr>
+              <a:t>order-style: solid;</a:t>
+            </a:r>
+          </a:p>
+        </p:txBody>
+      </p:sp>
+      <p:sp>
+        <p:nvSpPr>
+          <p:cNvPr id="4" name="Footer Placeholder 3"/>
+          <p:cNvSpPr>
+            <a:spLocks noGrp="1"/>
+          </p:cNvSpPr>
+          <p:nvPr>
+            <p:ph type="ftr" sz="quarter" idx="11"/>
+          </p:nvPr>
+        </p:nvSpPr>
+        <p:spPr/>
+        <p:txBody>
+          <a:bodyPr/>
+          <a:lstStyle/>
+          <a:p>
+            <a:r>
+              <a:rPr lang="en-US" dirty="0" smtClean="0"/>
+              <a:t>http://</a:t>
+            </a:r>
+            <a:r>
+              <a:rPr lang="en-US" dirty="0" err="1" smtClean="0"/>
+              <a:t>dl.dropbox.com</a:t>
+            </a:r>
+            <a:r>
+              <a:rPr lang="en-US" dirty="0" smtClean="0"/>
+              <a:t>/u/41609448/art329/slides/</a:t>
+            </a:r>
+            <a:r>
+              <a:rPr lang="en-US" dirty="0" err="1" smtClean="0"/>
+              <a:t>classfour</a:t>
+            </a:r>
+            <a:r>
+              <a:rPr lang="en-US" dirty="0" smtClean="0"/>
+              <a:t>/slides/border/</a:t>
+            </a:r>
+            <a:r>
+              <a:rPr lang="en-US" dirty="0" err="1" smtClean="0"/>
+              <a:t>index.html</a:t>
+            </a:r>
+            <a:r>
+              <a:rPr lang="en-US" dirty="0" smtClean="0"/>
+              <a:t> </a:t>
+            </a:r>
+            <a:endParaRPr lang="en-US" dirty="0"/>
+          </a:p>
+        </p:txBody>
+      </p:sp>
+    </p:spTree>
+    <p:extLst>
+      <p:ext uri="{BB962C8B-B14F-4D97-AF65-F5344CB8AC3E}">
+        <p14:creationId xmlns:p14="http://schemas.microsoft.com/office/powerpoint/2010/main" val="1392145779"/>
+      </p:ext>
+    </p:extLst>
+  </p:cSld>
+  <p:clrMapOvr>
+    <a:masterClrMapping/>
+  </p:clrMapOvr>
+</p:sld>
+</file>
+
+<file path=ppt/slides/slide26.xml><?xml version="1.0" encoding="utf-8"?>
+<p:sld xmlns:a="http://schemas.openxmlformats.org/drawingml/2006/main" xmlns:r="http://schemas.openxmlformats.org/officeDocument/2006/relationships" xmlns:p="http://schemas.openxmlformats.org/presentationml/2006/main">
+  <p:cSld>
+    <p:spTree>
+      <p:nvGrpSpPr>
+        <p:cNvPr id="1" name=""/>
+        <p:cNvGrpSpPr/>
+        <p:nvPr/>
+      </p:nvGrpSpPr>
+      <p:grpSpPr>
+        <a:xfrm>
+          <a:off x="0" y="0"/>
+          <a:ext cx="0" cy="0"/>
+          <a:chOff x="0" y="0"/>
+          <a:chExt cx="0" cy="0"/>
+        </a:xfrm>
+      </p:grpSpPr>
+      <p:sp>
+        <p:nvSpPr>
+          <p:cNvPr id="2" name="Title 1"/>
+          <p:cNvSpPr>
+            <a:spLocks noGrp="1"/>
+          </p:cNvSpPr>
+          <p:nvPr>
+            <p:ph type="title"/>
+          </p:nvPr>
+        </p:nvSpPr>
+        <p:spPr/>
+        <p:txBody>
+          <a:bodyPr/>
+          <a:lstStyle/>
+          <a:p>
+            <a:r>
+              <a:rPr lang="en-US" dirty="0" smtClean="0"/>
+              <a:t>margin</a:t>
+            </a:r>
+            <a:endParaRPr lang="en-US" dirty="0"/>
+          </a:p>
+        </p:txBody>
+      </p:sp>
+      <p:sp>
+        <p:nvSpPr>
+          <p:cNvPr id="3" name="Content Placeholder 2"/>
+          <p:cNvSpPr>
+            <a:spLocks noGrp="1"/>
+          </p:cNvSpPr>
+          <p:nvPr>
+            <p:ph idx="1"/>
+          </p:nvPr>
+        </p:nvSpPr>
+        <p:spPr/>
+        <p:txBody>
+          <a:bodyPr>
+            <a:normAutofit/>
+          </a:bodyPr>
+          <a:lstStyle/>
+          <a:p>
+            <a:r>
+              <a:rPr lang="en-US" dirty="0" smtClean="0"/>
+              <a:t>Learn more: </a:t>
+            </a:r>
+            <a:r>
+              <a:rPr lang="en-US" dirty="0" smtClean="0">
+                <a:hlinkClick r:id="rId2"/>
+              </a:rPr>
+              <a:t>http://www.w3.org/TR/CSS21/box.html - propdef-margin</a:t>
+            </a:r>
+            <a:endParaRPr lang="en-US" dirty="0" smtClean="0"/>
+          </a:p>
+          <a:p>
+            <a:r>
+              <a:rPr lang="en-US" dirty="0" smtClean="0"/>
+              <a:t>Pads the outside of an element</a:t>
+            </a:r>
+          </a:p>
+          <a:p>
+            <a:r>
+              <a:rPr lang="en-US" dirty="0" smtClean="0"/>
+              <a:t>Can be a length, %, auto</a:t>
+            </a:r>
+          </a:p>
+          <a:p>
+            <a:r>
+              <a:rPr lang="en-US" dirty="0" smtClean="0"/>
+              <a:t>Use "clock" shorthand or use margin-top, margin-right, margin-bottom, margin-left</a:t>
+            </a:r>
+          </a:p>
+          <a:p>
+            <a:r>
+              <a:rPr lang="en-US" sz="2000" dirty="0" smtClean="0">
+                <a:latin typeface="Courier New"/>
+                <a:cs typeface="Courier New"/>
+              </a:rPr>
+              <a:t>margin: 8px;</a:t>
+            </a:r>
+            <a:endParaRPr lang="en-US" sz="2000" dirty="0">
+              <a:latin typeface="Courier New"/>
+              <a:cs typeface="Courier New"/>
+            </a:endParaRPr>
+          </a:p>
+        </p:txBody>
+      </p:sp>
+      <p:sp>
+        <p:nvSpPr>
+          <p:cNvPr id="4" name="Footer Placeholder 3"/>
+          <p:cNvSpPr>
+            <a:spLocks noGrp="1"/>
+          </p:cNvSpPr>
+          <p:nvPr>
+            <p:ph type="ftr" sz="quarter" idx="11"/>
+          </p:nvPr>
+        </p:nvSpPr>
+        <p:spPr/>
+        <p:txBody>
+          <a:bodyPr/>
+          <a:lstStyle/>
+          <a:p>
+            <a:r>
+              <a:rPr lang="en-US" dirty="0" smtClean="0"/>
+              <a:t>http://</a:t>
+            </a:r>
+            <a:r>
+              <a:rPr lang="en-US" dirty="0" err="1" smtClean="0"/>
+              <a:t>dl.dropbox.com</a:t>
+            </a:r>
+            <a:r>
+              <a:rPr lang="en-US" dirty="0" smtClean="0"/>
+              <a:t>/u/41609448/art329/slides/</a:t>
+            </a:r>
+            <a:r>
+              <a:rPr lang="en-US" dirty="0" err="1" smtClean="0"/>
+              <a:t>classfive</a:t>
+            </a:r>
+            <a:r>
+              <a:rPr lang="en-US" dirty="0" smtClean="0"/>
+              <a:t>/slides/margin/</a:t>
+            </a:r>
+            <a:r>
+              <a:rPr lang="en-US" dirty="0" err="1" smtClean="0"/>
+              <a:t>index.html</a:t>
+            </a:r>
+            <a:endParaRPr lang="en-US" dirty="0"/>
+          </a:p>
+        </p:txBody>
+      </p:sp>
+    </p:spTree>
+    <p:extLst>
+      <p:ext uri="{BB962C8B-B14F-4D97-AF65-F5344CB8AC3E}">
+        <p14:creationId xmlns:p14="http://schemas.microsoft.com/office/powerpoint/2010/main" val="2343118388"/>
+      </p:ext>
+    </p:extLst>
+  </p:cSld>
+  <p:clrMapOvr>
+    <a:masterClrMapping/>
+  </p:clrMapOvr>
+</p:sld>
+</file>
+
+<file path=ppt/slides/slide27.xml><?xml version="1.0" encoding="utf-8"?>
+<p:sld xmlns:a="http://schemas.openxmlformats.org/drawingml/2006/main" xmlns:r="http://schemas.openxmlformats.org/officeDocument/2006/relationships" xmlns:p="http://schemas.openxmlformats.org/presentationml/2006/main">
+  <p:cSld>
+    <p:spTree>
+      <p:nvGrpSpPr>
+        <p:cNvPr id="1" name=""/>
+        <p:cNvGrpSpPr/>
+        <p:nvPr/>
+      </p:nvGrpSpPr>
+      <p:grpSpPr>
+        <a:xfrm>
+          <a:off x="0" y="0"/>
+          <a:ext cx="0" cy="0"/>
+          <a:chOff x="0" y="0"/>
+          <a:chExt cx="0" cy="0"/>
+        </a:xfrm>
+      </p:grpSpPr>
+      <p:sp>
+        <p:nvSpPr>
           <p:cNvPr id="3" name="Title 2"/>
           <p:cNvSpPr>
             <a:spLocks noGrp="1"/>
@@ -6923,7 +9424,7 @@
 </p:sld>
 </file>
 
-<file path=ppt/slides/slide13.xml><?xml version="1.0" encoding="utf-8"?>
+<file path=ppt/slides/slide28.xml><?xml version="1.0" encoding="utf-8"?>
 <p:sld xmlns:a="http://schemas.openxmlformats.org/drawingml/2006/main" xmlns:r="http://schemas.openxmlformats.org/officeDocument/2006/relationships" xmlns:p="http://schemas.openxmlformats.org/presentationml/2006/main">
   <p:cSld>
     <p:spTree>
@@ -7010,7 +9511,7 @@
 </p:sld>
 </file>
 
-<file path=ppt/slides/slide14.xml><?xml version="1.0" encoding="utf-8"?>
+<file path=ppt/slides/slide29.xml><?xml version="1.0" encoding="utf-8"?>
 <p:sld xmlns:a="http://schemas.openxmlformats.org/drawingml/2006/main" xmlns:r="http://schemas.openxmlformats.org/officeDocument/2006/relationships" xmlns:p="http://schemas.openxmlformats.org/presentationml/2006/main">
   <p:cSld>
     <p:spTree>
@@ -7029,7 +9530,7 @@
       </p:grpSpPr>
       <p:sp>
         <p:nvSpPr>
-          <p:cNvPr id="9" name="Title 8"/>
+          <p:cNvPr id="2" name="Title 1"/>
           <p:cNvSpPr>
             <a:spLocks noGrp="1"/>
           </p:cNvSpPr>
@@ -7044,11 +9545,7 @@
           <a:p>
             <a:r>
               <a:rPr lang="en-US" dirty="0" smtClean="0"/>
-              <a:t>Class </a:t>
-            </a:r>
-            <a:r>
-              <a:rPr lang="en-US" dirty="0" smtClean="0"/>
-              <a:t>Six</a:t>
+              <a:t>Navigation</a:t>
             </a:r>
             <a:endParaRPr lang="en-US" dirty="0"/>
           </a:p>
@@ -7056,230 +9553,54 @@
       </p:sp>
       <p:sp>
         <p:nvSpPr>
-          <p:cNvPr id="10" name="Text Placeholder 9"/>
-          <p:cNvSpPr>
-            <a:spLocks noGrp="1"/>
-          </p:cNvSpPr>
-          <p:nvPr>
-            <p:ph type="body" idx="1"/>
-          </p:nvPr>
-        </p:nvSpPr>
-        <p:spPr/>
-        <p:txBody>
-          <a:bodyPr/>
-          <a:lstStyle/>
-          <a:p>
-            <a:r>
-              <a:rPr lang="en-US" dirty="0"/>
-              <a:t>Organizing Your Site (Part </a:t>
-            </a:r>
-            <a:r>
-              <a:rPr lang="en-US" dirty="0" smtClean="0"/>
-              <a:t>II)</a:t>
-            </a:r>
-            <a:endParaRPr lang="en-US" dirty="0"/>
-          </a:p>
-        </p:txBody>
-      </p:sp>
-      <p:sp>
-        <p:nvSpPr>
-          <p:cNvPr id="11" name="Footer Placeholder 10"/>
-          <p:cNvSpPr>
-            <a:spLocks noGrp="1"/>
-          </p:cNvSpPr>
-          <p:nvPr>
-            <p:ph type="ftr" sz="quarter" idx="11"/>
-          </p:nvPr>
-        </p:nvSpPr>
-        <p:spPr/>
-        <p:txBody>
-          <a:bodyPr/>
-          <a:lstStyle/>
-          <a:p>
-            <a:r>
-              <a:rPr lang="en-US" dirty="0"/>
-              <a:t>Assignment: Read Chapter 3 (pages 100 – 107)</a:t>
-            </a:r>
-            <a:r>
-              <a:rPr lang="en-US" dirty="0" smtClean="0"/>
-              <a:t>,</a:t>
-            </a:r>
-          </a:p>
-          <a:p>
-            <a:r>
-              <a:rPr lang="en-US" dirty="0" smtClean="0"/>
-              <a:t>markup </a:t>
-            </a:r>
-            <a:r>
-              <a:rPr lang="en-US" dirty="0"/>
-              <a:t>your storyboard</a:t>
-            </a:r>
-            <a:endParaRPr lang="en-US" dirty="0"/>
+          <p:cNvPr id="3" name="Content Placeholder 2"/>
+          <p:cNvSpPr>
+            <a:spLocks noGrp="1"/>
+          </p:cNvSpPr>
+          <p:nvPr>
+            <p:ph idx="1"/>
+          </p:nvPr>
+        </p:nvSpPr>
+        <p:spPr/>
+        <p:txBody>
+          <a:bodyPr/>
+          <a:lstStyle/>
+          <a:p>
+            <a:r>
+              <a:rPr lang="en-US" dirty="0" smtClean="0"/>
+              <a:t>Users are impatient</a:t>
+            </a:r>
+          </a:p>
+          <a:p>
+            <a:r>
+              <a:rPr lang="en-US" dirty="0" smtClean="0"/>
+              <a:t>Google increased page load from .4 to .9 and lost 20% traffic</a:t>
+            </a:r>
+          </a:p>
+          <a:p>
+            <a:r>
+              <a:rPr lang="en-US" dirty="0" smtClean="0"/>
+              <a:t>If they can't find their way around your website, they will leave</a:t>
+            </a:r>
+          </a:p>
+          <a:p>
+            <a:r>
+              <a:rPr lang="en-US" dirty="0" smtClean="0"/>
+              <a:t>Navigation is key to answering this impatience</a:t>
+            </a:r>
           </a:p>
         </p:txBody>
       </p:sp>
     </p:spTree>
     <p:extLst>
       <p:ext uri="{BB962C8B-B14F-4D97-AF65-F5344CB8AC3E}">
-        <p14:creationId xmlns:p14="http://schemas.microsoft.com/office/powerpoint/2010/main" val="472547524"/>
+        <p14:creationId xmlns:p14="http://schemas.microsoft.com/office/powerpoint/2010/main" val="584142683"/>
       </p:ext>
     </p:extLst>
   </p:cSld>
   <p:clrMapOvr>
     <a:masterClrMapping/>
   </p:clrMapOvr>
-  <p:timing>
-    <p:tnLst>
-      <p:par>
-        <p:cTn xmlns:p14="http://schemas.microsoft.com/office/powerpoint/2010/main" id="1" dur="indefinite" restart="never" nodeType="tmRoot"/>
-      </p:par>
-    </p:tnLst>
-  </p:timing>
-</p:sld>
-</file>
-
-<file path=ppt/slides/slide2.xml><?xml version="1.0" encoding="utf-8"?>
-<p:sld xmlns:a="http://schemas.openxmlformats.org/drawingml/2006/main" xmlns:r="http://schemas.openxmlformats.org/officeDocument/2006/relationships" xmlns:p="http://schemas.openxmlformats.org/presentationml/2006/main">
-  <p:cSld>
-    <p:spTree>
-      <p:nvGrpSpPr>
-        <p:cNvPr id="1" name=""/>
-        <p:cNvGrpSpPr/>
-        <p:nvPr/>
-      </p:nvGrpSpPr>
-      <p:grpSpPr>
-        <a:xfrm>
-          <a:off x="0" y="0"/>
-          <a:ext cx="0" cy="0"/>
-          <a:chOff x="0" y="0"/>
-          <a:chExt cx="0" cy="0"/>
-        </a:xfrm>
-      </p:grpSpPr>
-      <p:sp>
-        <p:nvSpPr>
-          <p:cNvPr id="2" name="Title 1"/>
-          <p:cNvSpPr>
-            <a:spLocks noGrp="1"/>
-          </p:cNvSpPr>
-          <p:nvPr>
-            <p:ph type="title"/>
-          </p:nvPr>
-        </p:nvSpPr>
-        <p:spPr/>
-        <p:txBody>
-          <a:bodyPr/>
-          <a:lstStyle/>
-          <a:p>
-            <a:r>
-              <a:rPr lang="en-US" dirty="0" smtClean="0"/>
-              <a:t>Overview</a:t>
-            </a:r>
-            <a:endParaRPr lang="en-US" dirty="0"/>
-          </a:p>
-        </p:txBody>
-      </p:sp>
-      <p:sp>
-        <p:nvSpPr>
-          <p:cNvPr id="3" name="Content Placeholder 2"/>
-          <p:cNvSpPr>
-            <a:spLocks noGrp="1"/>
-          </p:cNvSpPr>
-          <p:nvPr>
-            <p:ph idx="1"/>
-          </p:nvPr>
-        </p:nvSpPr>
-        <p:spPr/>
-        <p:txBody>
-          <a:bodyPr/>
-          <a:lstStyle/>
-          <a:p>
-            <a:pPr>
-              <a:buFont typeface="Wingdings" charset="2"/>
-              <a:buChar char="v"/>
-            </a:pPr>
-            <a:r>
-              <a:rPr lang="en-US" dirty="0" smtClean="0"/>
-              <a:t>What's new?</a:t>
-            </a:r>
-          </a:p>
-          <a:p>
-            <a:pPr>
-              <a:buFont typeface="Wingdings" charset="2"/>
-              <a:buChar char="v"/>
-            </a:pPr>
-            <a:r>
-              <a:rPr lang="en-US" dirty="0" smtClean="0"/>
-              <a:t>Attendance</a:t>
-            </a:r>
-          </a:p>
-          <a:p>
-            <a:pPr>
-              <a:buFont typeface="Wingdings" charset="2"/>
-              <a:buChar char="v"/>
-            </a:pPr>
-            <a:r>
-              <a:rPr lang="en-US" dirty="0" smtClean="0"/>
-              <a:t>Quiz</a:t>
-            </a:r>
-          </a:p>
-          <a:p>
-            <a:pPr>
-              <a:buFont typeface="Wingdings" charset="2"/>
-              <a:buChar char="v"/>
-            </a:pPr>
-            <a:r>
-              <a:rPr lang="en-US" dirty="0" smtClean="0"/>
-              <a:t>Theme</a:t>
-            </a:r>
-          </a:p>
-          <a:p>
-            <a:pPr>
-              <a:buFont typeface="Wingdings" charset="2"/>
-              <a:buChar char="v"/>
-            </a:pPr>
-            <a:r>
-              <a:rPr lang="en-US" dirty="0" smtClean="0"/>
-              <a:t>Autopsy</a:t>
-            </a:r>
-            <a:endParaRPr lang="en-US" dirty="0"/>
-          </a:p>
-          <a:p>
-            <a:r>
-              <a:rPr lang="en-US" dirty="0" smtClean="0"/>
-              <a:t>CSS Layout</a:t>
-            </a:r>
-            <a:endParaRPr lang="en-US" dirty="0"/>
-          </a:p>
-          <a:p>
-            <a:pPr>
-              <a:buFont typeface="Wingdings" charset="2"/>
-              <a:buChar char="v"/>
-            </a:pPr>
-            <a:r>
-              <a:rPr lang="en-US" dirty="0" smtClean="0"/>
-              <a:t>The Chapter</a:t>
-            </a:r>
-            <a:endParaRPr lang="en-US" dirty="0"/>
-          </a:p>
-        </p:txBody>
-      </p:sp>
-    </p:spTree>
-    <p:extLst>
-      <p:ext uri="{BB962C8B-B14F-4D97-AF65-F5344CB8AC3E}">
-        <p14:creationId xmlns:p14="http://schemas.microsoft.com/office/powerpoint/2010/main" val="3889961293"/>
-      </p:ext>
-    </p:extLst>
-  </p:cSld>
-  <p:clrMapOvr>
-    <a:masterClrMapping/>
-  </p:clrMapOvr>
-  <p:timing>
-    <p:tnLst>
-      <p:par>
-        <p:cTn xmlns:p14="http://schemas.microsoft.com/office/powerpoint/2010/main" id="1" dur="indefinite" restart="never" nodeType="tmRoot"/>
-      </p:par>
-    </p:tnLst>
-  </p:timing>
 </p:sld>
 </file>
 
@@ -7352,6 +9673,575 @@
   <p:clrMapOvr>
     <a:masterClrMapping/>
   </p:clrMapOvr>
+</p:sld>
+</file>
+
+<file path=ppt/slides/slide30.xml><?xml version="1.0" encoding="utf-8"?>
+<p:sld xmlns:a="http://schemas.openxmlformats.org/drawingml/2006/main" xmlns:r="http://schemas.openxmlformats.org/officeDocument/2006/relationships" xmlns:p="http://schemas.openxmlformats.org/presentationml/2006/main">
+  <p:cSld>
+    <p:spTree>
+      <p:nvGrpSpPr>
+        <p:cNvPr id="1" name=""/>
+        <p:cNvGrpSpPr/>
+        <p:nvPr/>
+      </p:nvGrpSpPr>
+      <p:grpSpPr>
+        <a:xfrm>
+          <a:off x="0" y="0"/>
+          <a:ext cx="0" cy="0"/>
+          <a:chOff x="0" y="0"/>
+          <a:chExt cx="0" cy="0"/>
+        </a:xfrm>
+      </p:grpSpPr>
+      <p:sp>
+        <p:nvSpPr>
+          <p:cNvPr id="2" name="Title 1"/>
+          <p:cNvSpPr>
+            <a:spLocks noGrp="1"/>
+          </p:cNvSpPr>
+          <p:nvPr>
+            <p:ph type="title"/>
+          </p:nvPr>
+        </p:nvSpPr>
+        <p:spPr/>
+        <p:txBody>
+          <a:bodyPr/>
+          <a:lstStyle/>
+          <a:p>
+            <a:r>
+              <a:rPr lang="en-US" dirty="0" smtClean="0"/>
+              <a:t>Organize Content</a:t>
+            </a:r>
+            <a:endParaRPr lang="en-US" dirty="0"/>
+          </a:p>
+        </p:txBody>
+      </p:sp>
+      <p:sp>
+        <p:nvSpPr>
+          <p:cNvPr id="3" name="Content Placeholder 2"/>
+          <p:cNvSpPr>
+            <a:spLocks noGrp="1"/>
+          </p:cNvSpPr>
+          <p:nvPr>
+            <p:ph idx="1"/>
+          </p:nvPr>
+        </p:nvSpPr>
+        <p:spPr/>
+        <p:txBody>
+          <a:bodyPr/>
+          <a:lstStyle/>
+          <a:p>
+            <a:r>
+              <a:rPr lang="en-US" dirty="0" smtClean="0"/>
+              <a:t>Take chunks of content</a:t>
+            </a:r>
+          </a:p>
+          <a:p>
+            <a:r>
+              <a:rPr lang="en-US" dirty="0" smtClean="0"/>
+              <a:t>Organize into categories</a:t>
+            </a:r>
+          </a:p>
+          <a:p>
+            <a:r>
+              <a:rPr lang="en-US" dirty="0" smtClean="0"/>
+              <a:t>Update categories if need be</a:t>
+            </a:r>
+          </a:p>
+          <a:p>
+            <a:r>
+              <a:rPr lang="en-US" dirty="0" smtClean="0"/>
+              <a:t>Organize chunks of content into categories</a:t>
+            </a:r>
+          </a:p>
+          <a:p>
+            <a:r>
+              <a:rPr lang="en-US" dirty="0" smtClean="0"/>
+              <a:t>Repeat</a:t>
+            </a:r>
+            <a:endParaRPr lang="en-US" dirty="0"/>
+          </a:p>
+        </p:txBody>
+      </p:sp>
+    </p:spTree>
+    <p:extLst>
+      <p:ext uri="{BB962C8B-B14F-4D97-AF65-F5344CB8AC3E}">
+        <p14:creationId xmlns:p14="http://schemas.microsoft.com/office/powerpoint/2010/main" val="2619404490"/>
+      </p:ext>
+    </p:extLst>
+  </p:cSld>
+  <p:clrMapOvr>
+    <a:masterClrMapping/>
+  </p:clrMapOvr>
+</p:sld>
+</file>
+
+<file path=ppt/slides/slide31.xml><?xml version="1.0" encoding="utf-8"?>
+<p:sld xmlns:a="http://schemas.openxmlformats.org/drawingml/2006/main" xmlns:r="http://schemas.openxmlformats.org/officeDocument/2006/relationships" xmlns:p="http://schemas.openxmlformats.org/presentationml/2006/main">
+  <p:cSld>
+    <p:spTree>
+      <p:nvGrpSpPr>
+        <p:cNvPr id="1" name=""/>
+        <p:cNvGrpSpPr/>
+        <p:nvPr/>
+      </p:nvGrpSpPr>
+      <p:grpSpPr>
+        <a:xfrm>
+          <a:off x="0" y="0"/>
+          <a:ext cx="0" cy="0"/>
+          <a:chOff x="0" y="0"/>
+          <a:chExt cx="0" cy="0"/>
+        </a:xfrm>
+      </p:grpSpPr>
+      <p:sp>
+        <p:nvSpPr>
+          <p:cNvPr id="2" name="Title 1"/>
+          <p:cNvSpPr>
+            <a:spLocks noGrp="1"/>
+          </p:cNvSpPr>
+          <p:nvPr>
+            <p:ph type="title"/>
+          </p:nvPr>
+        </p:nvSpPr>
+        <p:spPr/>
+        <p:txBody>
+          <a:bodyPr/>
+          <a:lstStyle/>
+          <a:p>
+            <a:r>
+              <a:rPr lang="en-US" dirty="0" smtClean="0"/>
+              <a:t>Card Sorting</a:t>
+            </a:r>
+            <a:endParaRPr lang="en-US" dirty="0"/>
+          </a:p>
+        </p:txBody>
+      </p:sp>
+      <p:sp>
+        <p:nvSpPr>
+          <p:cNvPr id="3" name="Content Placeholder 2"/>
+          <p:cNvSpPr>
+            <a:spLocks noGrp="1"/>
+          </p:cNvSpPr>
+          <p:nvPr>
+            <p:ph idx="1"/>
+          </p:nvPr>
+        </p:nvSpPr>
+        <p:spPr/>
+        <p:txBody>
+          <a:bodyPr>
+            <a:normAutofit lnSpcReduction="10000"/>
+          </a:bodyPr>
+          <a:lstStyle/>
+          <a:p>
+            <a:r>
+              <a:rPr lang="en-US" dirty="0" smtClean="0"/>
+              <a:t>Get a stack of 3x5 cards</a:t>
+            </a:r>
+          </a:p>
+          <a:p>
+            <a:r>
+              <a:rPr lang="en-US" dirty="0" smtClean="0"/>
+              <a:t>Create a card for each chunk of content</a:t>
+            </a:r>
+          </a:p>
+          <a:p>
+            <a:pPr lvl="1"/>
+            <a:r>
+              <a:rPr lang="en-US" dirty="0" smtClean="0"/>
+              <a:t>Title of content</a:t>
+            </a:r>
+          </a:p>
+          <a:p>
+            <a:pPr lvl="1"/>
+            <a:r>
+              <a:rPr lang="en-US" dirty="0" smtClean="0"/>
+              <a:t>Brief description of content</a:t>
+            </a:r>
+          </a:p>
+          <a:p>
+            <a:r>
+              <a:rPr lang="en-US" dirty="0" smtClean="0"/>
+              <a:t>Write down everything</a:t>
+            </a:r>
+          </a:p>
+          <a:p>
+            <a:r>
+              <a:rPr lang="en-US" dirty="0" smtClean="0"/>
+              <a:t>Write down stack names</a:t>
+            </a:r>
+          </a:p>
+          <a:p>
+            <a:r>
+              <a:rPr lang="en-US" dirty="0" smtClean="0"/>
+              <a:t>Sort cards into stacks</a:t>
+            </a:r>
+          </a:p>
+          <a:p>
+            <a:r>
+              <a:rPr lang="en-US" dirty="0" smtClean="0"/>
+              <a:t>Take a picture</a:t>
+            </a:r>
+          </a:p>
+          <a:p>
+            <a:r>
+              <a:rPr lang="en-US" dirty="0" smtClean="0"/>
+              <a:t>Repeat</a:t>
+            </a:r>
+            <a:endParaRPr lang="en-US" dirty="0"/>
+          </a:p>
+        </p:txBody>
+      </p:sp>
+    </p:spTree>
+    <p:extLst>
+      <p:ext uri="{BB962C8B-B14F-4D97-AF65-F5344CB8AC3E}">
+        <p14:creationId xmlns:p14="http://schemas.microsoft.com/office/powerpoint/2010/main" val="3687906851"/>
+      </p:ext>
+    </p:extLst>
+  </p:cSld>
+  <p:clrMapOvr>
+    <a:masterClrMapping/>
+  </p:clrMapOvr>
+</p:sld>
+</file>
+
+<file path=ppt/slides/slide32.xml><?xml version="1.0" encoding="utf-8"?>
+<p:sld xmlns:a="http://schemas.openxmlformats.org/drawingml/2006/main" xmlns:r="http://schemas.openxmlformats.org/officeDocument/2006/relationships" xmlns:p="http://schemas.openxmlformats.org/presentationml/2006/main">
+  <p:cSld>
+    <p:spTree>
+      <p:nvGrpSpPr>
+        <p:cNvPr id="1" name=""/>
+        <p:cNvGrpSpPr/>
+        <p:nvPr/>
+      </p:nvGrpSpPr>
+      <p:grpSpPr>
+        <a:xfrm>
+          <a:off x="0" y="0"/>
+          <a:ext cx="0" cy="0"/>
+          <a:chOff x="0" y="0"/>
+          <a:chExt cx="0" cy="0"/>
+        </a:xfrm>
+      </p:grpSpPr>
+      <p:sp>
+        <p:nvSpPr>
+          <p:cNvPr id="2" name="Title 1"/>
+          <p:cNvSpPr>
+            <a:spLocks noGrp="1"/>
+          </p:cNvSpPr>
+          <p:nvPr>
+            <p:ph type="title"/>
+          </p:nvPr>
+        </p:nvSpPr>
+        <p:spPr/>
+        <p:txBody>
+          <a:bodyPr/>
+          <a:lstStyle/>
+          <a:p>
+            <a:r>
+              <a:rPr lang="en-US" dirty="0" smtClean="0"/>
+              <a:t>Card Sort Hierarchy</a:t>
+            </a:r>
+            <a:endParaRPr lang="en-US" dirty="0"/>
+          </a:p>
+        </p:txBody>
+      </p:sp>
+      <p:sp>
+        <p:nvSpPr>
+          <p:cNvPr id="3" name="Content Placeholder 2"/>
+          <p:cNvSpPr>
+            <a:spLocks noGrp="1"/>
+          </p:cNvSpPr>
+          <p:nvPr>
+            <p:ph idx="1"/>
+          </p:nvPr>
+        </p:nvSpPr>
+        <p:spPr/>
+        <p:txBody>
+          <a:bodyPr/>
+          <a:lstStyle/>
+          <a:p>
+            <a:r>
+              <a:rPr lang="en-US" dirty="0" smtClean="0"/>
+              <a:t>Pick the sort you like best</a:t>
+            </a:r>
+          </a:p>
+          <a:p>
+            <a:r>
+              <a:rPr lang="en-US" dirty="0" smtClean="0"/>
+              <a:t>Create "Homepage" card</a:t>
+            </a:r>
+          </a:p>
+          <a:p>
+            <a:r>
+              <a:rPr lang="en-US" dirty="0" smtClean="0"/>
+              <a:t>Move stack name cards to main navigation</a:t>
+            </a:r>
+          </a:p>
+          <a:p>
+            <a:r>
+              <a:rPr lang="en-US" dirty="0" smtClean="0"/>
+              <a:t>Move remaining cards below stacks</a:t>
+            </a:r>
+          </a:p>
+          <a:p>
+            <a:r>
+              <a:rPr lang="en-US" dirty="0" smtClean="0"/>
+              <a:t>Organize cards</a:t>
+            </a:r>
+            <a:endParaRPr lang="en-US" dirty="0"/>
+          </a:p>
+        </p:txBody>
+      </p:sp>
+    </p:spTree>
+    <p:extLst>
+      <p:ext uri="{BB962C8B-B14F-4D97-AF65-F5344CB8AC3E}">
+        <p14:creationId xmlns:p14="http://schemas.microsoft.com/office/powerpoint/2010/main" val="4183314552"/>
+      </p:ext>
+    </p:extLst>
+  </p:cSld>
+  <p:clrMapOvr>
+    <a:masterClrMapping/>
+  </p:clrMapOvr>
+</p:sld>
+</file>
+
+<file path=ppt/slides/slide33.xml><?xml version="1.0" encoding="utf-8"?>
+<p:sld xmlns:a="http://schemas.openxmlformats.org/drawingml/2006/main" xmlns:r="http://schemas.openxmlformats.org/officeDocument/2006/relationships" xmlns:p="http://schemas.openxmlformats.org/presentationml/2006/main">
+  <p:cSld>
+    <p:spTree>
+      <p:nvGrpSpPr>
+        <p:cNvPr id="1" name=""/>
+        <p:cNvGrpSpPr/>
+        <p:nvPr/>
+      </p:nvGrpSpPr>
+      <p:grpSpPr>
+        <a:xfrm>
+          <a:off x="0" y="0"/>
+          <a:ext cx="0" cy="0"/>
+          <a:chOff x="0" y="0"/>
+          <a:chExt cx="0" cy="0"/>
+        </a:xfrm>
+      </p:grpSpPr>
+      <p:sp>
+        <p:nvSpPr>
+          <p:cNvPr id="2" name="Title 1"/>
+          <p:cNvSpPr>
+            <a:spLocks noGrp="1"/>
+          </p:cNvSpPr>
+          <p:nvPr>
+            <p:ph type="title"/>
+          </p:nvPr>
+        </p:nvSpPr>
+        <p:spPr/>
+        <p:txBody>
+          <a:bodyPr/>
+          <a:lstStyle/>
+          <a:p>
+            <a:r>
+              <a:rPr lang="en-US" smtClean="0"/>
+              <a:t>Exercise</a:t>
+            </a:r>
+            <a:endParaRPr lang="en-US" dirty="0"/>
+          </a:p>
+        </p:txBody>
+      </p:sp>
+      <p:sp>
+        <p:nvSpPr>
+          <p:cNvPr id="3" name="Content Placeholder 2"/>
+          <p:cNvSpPr>
+            <a:spLocks noGrp="1"/>
+          </p:cNvSpPr>
+          <p:nvPr>
+            <p:ph idx="1"/>
+          </p:nvPr>
+        </p:nvSpPr>
+        <p:spPr/>
+        <p:txBody>
+          <a:bodyPr/>
+          <a:lstStyle/>
+          <a:p>
+            <a:r>
+              <a:rPr lang="en-US" dirty="0" smtClean="0"/>
+              <a:t>Download </a:t>
+            </a:r>
+            <a:r>
+              <a:rPr lang="en-US" dirty="0" err="1" smtClean="0"/>
+              <a:t>Omnigraffle</a:t>
+            </a:r>
+            <a:r>
+              <a:rPr lang="en-US" dirty="0" smtClean="0"/>
+              <a:t>: </a:t>
+            </a:r>
+            <a:r>
+              <a:rPr lang="en-US" dirty="0" smtClean="0">
+                <a:hlinkClick r:id="rId2"/>
+              </a:rPr>
+              <a:t>http://www.omnigroup.com/products/omnigraffle/download/</a:t>
+            </a:r>
+            <a:endParaRPr lang="en-US" dirty="0" smtClean="0"/>
+          </a:p>
+          <a:p>
+            <a:r>
+              <a:rPr lang="en-US" dirty="0" smtClean="0"/>
+              <a:t>Or use </a:t>
+            </a:r>
+            <a:r>
+              <a:rPr lang="en-US" dirty="0" err="1" smtClean="0"/>
+              <a:t>LucidChart</a:t>
+            </a:r>
+            <a:r>
+              <a:rPr lang="en-US" dirty="0" smtClean="0"/>
+              <a:t>: </a:t>
+            </a:r>
+            <a:r>
+              <a:rPr lang="en-US" dirty="0" smtClean="0">
+                <a:hlinkClick r:id="rId3"/>
+              </a:rPr>
+              <a:t>http://www.lucidchart.com/</a:t>
+            </a:r>
+            <a:endParaRPr lang="en-US" dirty="0" smtClean="0"/>
+          </a:p>
+          <a:p>
+            <a:r>
+              <a:rPr lang="en-US" dirty="0" smtClean="0"/>
+              <a:t>Diagram!</a:t>
+            </a:r>
+            <a:endParaRPr lang="en-US" dirty="0"/>
+          </a:p>
+        </p:txBody>
+      </p:sp>
+    </p:spTree>
+    <p:extLst>
+      <p:ext uri="{BB962C8B-B14F-4D97-AF65-F5344CB8AC3E}">
+        <p14:creationId xmlns:p14="http://schemas.microsoft.com/office/powerpoint/2010/main" val="1457591344"/>
+      </p:ext>
+    </p:extLst>
+  </p:cSld>
+  <p:clrMapOvr>
+    <a:masterClrMapping/>
+  </p:clrMapOvr>
+</p:sld>
+</file>
+
+<file path=ppt/slides/slide34.xml><?xml version="1.0" encoding="utf-8"?>
+<p:sld xmlns:a="http://schemas.openxmlformats.org/drawingml/2006/main" xmlns:r="http://schemas.openxmlformats.org/officeDocument/2006/relationships" xmlns:p="http://schemas.openxmlformats.org/presentationml/2006/main">
+  <p:cSld>
+    <p:spTree>
+      <p:nvGrpSpPr>
+        <p:cNvPr id="1" name=""/>
+        <p:cNvGrpSpPr/>
+        <p:nvPr/>
+      </p:nvGrpSpPr>
+      <p:grpSpPr>
+        <a:xfrm>
+          <a:off x="0" y="0"/>
+          <a:ext cx="0" cy="0"/>
+          <a:chOff x="0" y="0"/>
+          <a:chExt cx="0" cy="0"/>
+        </a:xfrm>
+      </p:grpSpPr>
+      <p:sp>
+        <p:nvSpPr>
+          <p:cNvPr id="9" name="Title 8"/>
+          <p:cNvSpPr>
+            <a:spLocks noGrp="1"/>
+          </p:cNvSpPr>
+          <p:nvPr>
+            <p:ph type="title"/>
+          </p:nvPr>
+        </p:nvSpPr>
+        <p:spPr/>
+        <p:txBody>
+          <a:bodyPr/>
+          <a:lstStyle/>
+          <a:p>
+            <a:r>
+              <a:rPr lang="en-US" dirty="0" smtClean="0"/>
+              <a:t>Class Six</a:t>
+            </a:r>
+            <a:endParaRPr lang="en-US" dirty="0"/>
+          </a:p>
+        </p:txBody>
+      </p:sp>
+      <p:sp>
+        <p:nvSpPr>
+          <p:cNvPr id="10" name="Text Placeholder 9"/>
+          <p:cNvSpPr>
+            <a:spLocks noGrp="1"/>
+          </p:cNvSpPr>
+          <p:nvPr>
+            <p:ph type="body" idx="1"/>
+          </p:nvPr>
+        </p:nvSpPr>
+        <p:spPr/>
+        <p:txBody>
+          <a:bodyPr/>
+          <a:lstStyle/>
+          <a:p>
+            <a:r>
+              <a:rPr lang="en-US" dirty="0"/>
+              <a:t>Organizing Your Site (Part </a:t>
+            </a:r>
+            <a:r>
+              <a:rPr lang="en-US" dirty="0" smtClean="0"/>
+              <a:t>II)</a:t>
+            </a:r>
+            <a:endParaRPr lang="en-US" dirty="0"/>
+          </a:p>
+        </p:txBody>
+      </p:sp>
+      <p:sp>
+        <p:nvSpPr>
+          <p:cNvPr id="11" name="Footer Placeholder 10"/>
+          <p:cNvSpPr>
+            <a:spLocks noGrp="1"/>
+          </p:cNvSpPr>
+          <p:nvPr>
+            <p:ph type="ftr" sz="quarter" idx="11"/>
+          </p:nvPr>
+        </p:nvSpPr>
+        <p:spPr/>
+        <p:txBody>
+          <a:bodyPr/>
+          <a:lstStyle/>
+          <a:p>
+            <a:r>
+              <a:rPr lang="en-US" dirty="0"/>
+              <a:t>Assignment: Read Chapter 3 (pages 100 – 107)</a:t>
+            </a:r>
+            <a:r>
+              <a:rPr lang="en-US" dirty="0" smtClean="0"/>
+              <a:t>,</a:t>
+            </a:r>
+          </a:p>
+          <a:p>
+            <a:r>
+              <a:rPr lang="en-US" dirty="0" smtClean="0"/>
+              <a:t>markup </a:t>
+            </a:r>
+            <a:r>
+              <a:rPr lang="en-US" dirty="0"/>
+              <a:t>your storyboard</a:t>
+            </a:r>
+          </a:p>
+        </p:txBody>
+      </p:sp>
+    </p:spTree>
+    <p:extLst>
+      <p:ext uri="{BB962C8B-B14F-4D97-AF65-F5344CB8AC3E}">
+        <p14:creationId xmlns:p14="http://schemas.microsoft.com/office/powerpoint/2010/main" val="472547524"/>
+      </p:ext>
+    </p:extLst>
+  </p:cSld>
+  <p:clrMapOvr>
+    <a:masterClrMapping/>
+  </p:clrMapOvr>
+  <p:timing>
+    <p:tnLst>
+      <p:par>
+        <p:cTn xmlns:p14="http://schemas.microsoft.com/office/powerpoint/2010/main" id="1" dur="indefinite" restart="never" nodeType="tmRoot"/>
+      </p:par>
+    </p:tnLst>
+  </p:timing>
 </p:sld>
 </file>
 
@@ -7530,11 +10420,7 @@
           <a:p>
             <a:r>
               <a:rPr lang="en-US" dirty="0" smtClean="0"/>
-              <a:t>Lesson: </a:t>
-            </a:r>
-            <a:r>
-              <a:rPr lang="en-US" dirty="0" smtClean="0"/>
-              <a:t>CSS Layout</a:t>
+              <a:t>Lesson: CSS Layout</a:t>
             </a:r>
             <a:endParaRPr lang="en-US" dirty="0"/>
           </a:p>
@@ -7613,21 +10499,29 @@
         <p:spPr/>
         <p:txBody>
           <a:bodyPr>
-            <a:normAutofit fontScale="92500" lnSpcReduction="20000"/>
+            <a:normAutofit fontScale="62500" lnSpcReduction="20000"/>
           </a:bodyPr>
           <a:lstStyle/>
           <a:p>
             <a:r>
               <a:rPr lang="en-US" dirty="0" smtClean="0"/>
-              <a:t>position – absolute, </a:t>
-            </a:r>
+              <a:t>display</a:t>
+            </a:r>
+          </a:p>
+          <a:p>
             <a:r>
               <a:rPr lang="en-US" dirty="0"/>
-              <a:t>relative, fixed, </a:t>
-            </a:r>
-            <a:r>
-              <a:rPr lang="en-US" dirty="0" smtClean="0"/>
-              <a:t>static</a:t>
+              <a:t>list-</a:t>
+            </a:r>
+            <a:r>
+              <a:rPr lang="en-US" dirty="0" smtClean="0"/>
+              <a:t>style</a:t>
+            </a:r>
+          </a:p>
+          <a:p>
+            <a:r>
+              <a:rPr lang="en-US" dirty="0" smtClean="0"/>
+              <a:t>position</a:t>
             </a:r>
           </a:p>
           <a:p>
@@ -7643,14 +10537,6 @@
               <a:rPr lang="en-US" dirty="0" smtClean="0"/>
               <a:t>bottom</a:t>
             </a:r>
-            <a:r>
-              <a:rPr lang="en-US" dirty="0"/>
-              <a:t> </a:t>
-            </a:r>
-            <a:r>
-              <a:rPr lang="en-US" dirty="0" smtClean="0"/>
-              <a:t>– where to position</a:t>
-            </a:r>
           </a:p>
           <a:p>
             <a:r>
@@ -7659,73 +10545,64 @@
             </a:r>
             <a:r>
               <a:rPr lang="en-US" dirty="0" smtClean="0"/>
-              <a:t>index - number</a:t>
-            </a:r>
-          </a:p>
-          <a:p>
-            <a:r>
-              <a:rPr lang="en-US" dirty="0" smtClean="0"/>
-              <a:t>float – left, right, none</a:t>
-            </a:r>
-          </a:p>
-          <a:p>
-            <a:r>
-              <a:rPr lang="en-US" dirty="0" smtClean="0"/>
-              <a:t>display – block, inline, inline-block, none</a:t>
-            </a:r>
-          </a:p>
-          <a:p>
-            <a:r>
-              <a:rPr lang="en-US" dirty="0" smtClean="0"/>
-              <a:t>width</a:t>
-            </a:r>
+              <a:t>index</a:t>
+            </a:r>
+          </a:p>
+          <a:p>
+            <a:r>
+              <a:rPr lang="en-US" dirty="0" smtClean="0"/>
+              <a:t>float</a:t>
+            </a:r>
+          </a:p>
+          <a:p>
+            <a:r>
+              <a:rPr lang="en-US" dirty="0" smtClean="0"/>
+              <a:t>clear</a:t>
+            </a:r>
+          </a:p>
+          <a:p>
+            <a:r>
+              <a:rPr lang="en-US" dirty="0" smtClean="0"/>
+              <a:t>width, min-width, max-width</a:t>
+            </a:r>
+          </a:p>
+          <a:p>
+            <a:r>
+              <a:rPr lang="en-US" dirty="0" smtClean="0"/>
+              <a:t>height, min-height, max-height</a:t>
+            </a:r>
+          </a:p>
+          <a:p>
+            <a:r>
+              <a:rPr lang="en-US" dirty="0" smtClean="0"/>
+              <a:t>overflow</a:t>
+            </a:r>
+          </a:p>
+          <a:p>
+            <a:r>
+              <a:rPr lang="en-US" dirty="0" smtClean="0"/>
+              <a:t>vertical-align</a:t>
+            </a:r>
+          </a:p>
+          <a:p>
             <a:r>
               <a:rPr lang="en-US" dirty="0"/>
-              <a:t>, </a:t>
-            </a:r>
-            <a:r>
-              <a:rPr lang="en-US" dirty="0" smtClean="0"/>
-              <a:t>height – number in pixels (usually)</a:t>
-            </a:r>
+              <a:t>padding</a:t>
+            </a:r>
+            <a:endParaRPr lang="en-US" dirty="0" smtClean="0"/>
+          </a:p>
+          <a:p>
+            <a:r>
+              <a:rPr lang="en-US" dirty="0" smtClean="0"/>
+              <a:t>border</a:t>
+            </a:r>
+            <a:endParaRPr lang="en-US" dirty="0"/>
           </a:p>
           <a:p>
             <a:r>
               <a:rPr lang="en-US" dirty="0" smtClean="0"/>
               <a:t>margin</a:t>
             </a:r>
-            <a:r>
-              <a:rPr lang="en-US" dirty="0"/>
-              <a:t>, </a:t>
-            </a:r>
-            <a:r>
-              <a:rPr lang="en-US" dirty="0" smtClean="0"/>
-              <a:t>padding – number in pixels (usually)</a:t>
-            </a:r>
-          </a:p>
-          <a:p>
-            <a:r>
-              <a:rPr lang="en-US" dirty="0"/>
-              <a:t>border – size, type, </a:t>
-            </a:r>
-            <a:r>
-              <a:rPr lang="en-US" dirty="0" smtClean="0"/>
-              <a:t>color</a:t>
-            </a:r>
-            <a:endParaRPr lang="en-US" dirty="0"/>
-          </a:p>
-          <a:p>
-            <a:r>
-              <a:rPr lang="en-US" dirty="0" smtClean="0"/>
-              <a:t>list-style: image, position, type</a:t>
-            </a:r>
-            <a:endParaRPr lang="en-US" dirty="0"/>
-          </a:p>
-          <a:p>
-            <a:r>
-              <a:rPr lang="en-US" dirty="0" smtClean="0"/>
-              <a:t>overflow – auto, hidden, scroll, visible</a:t>
-            </a:r>
-            <a:endParaRPr lang="en-US" dirty="0"/>
           </a:p>
         </p:txBody>
       </p:sp>
@@ -7768,7 +10645,7 @@
       </p:grpSpPr>
       <p:sp>
         <p:nvSpPr>
-          <p:cNvPr id="4" name="Title 3"/>
+          <p:cNvPr id="2" name="Title 1"/>
           <p:cNvSpPr>
             <a:spLocks noGrp="1"/>
           </p:cNvSpPr>
@@ -7783,7 +10660,7 @@
           <a:p>
             <a:r>
               <a:rPr lang="en-US" dirty="0" smtClean="0"/>
-              <a:t>position</a:t>
+              <a:t>display</a:t>
             </a:r>
             <a:endParaRPr lang="en-US" dirty="0"/>
           </a:p>
@@ -7791,180 +10668,84 @@
       </p:sp>
       <p:sp>
         <p:nvSpPr>
-          <p:cNvPr id="5" name="Content Placeholder 4"/>
-          <p:cNvSpPr>
-            <a:spLocks noGrp="1"/>
-          </p:cNvSpPr>
-          <p:nvPr>
-            <p:ph sz="quarter" idx="13"/>
-          </p:nvPr>
-        </p:nvSpPr>
-        <p:spPr/>
-        <p:txBody>
-          <a:bodyPr>
-            <a:normAutofit/>
-          </a:bodyPr>
-          <a:lstStyle/>
-          <a:p>
-            <a:pPr marL="0" indent="0">
-              <a:buNone/>
-            </a:pPr>
-            <a:r>
-              <a:rPr lang="en-US" sz="1800" dirty="0" smtClean="0">
+          <p:cNvPr id="3" name="Content Placeholder 2"/>
+          <p:cNvSpPr>
+            <a:spLocks noGrp="1"/>
+          </p:cNvSpPr>
+          <p:nvPr>
+            <p:ph idx="1"/>
+          </p:nvPr>
+        </p:nvSpPr>
+        <p:spPr/>
+        <p:txBody>
+          <a:bodyPr/>
+          <a:lstStyle/>
+          <a:p>
+            <a:r>
+              <a:rPr lang="en-US" dirty="0" smtClean="0"/>
+              <a:t>Learn more: </a:t>
+            </a:r>
+            <a:r>
+              <a:rPr lang="en-US" dirty="0" smtClean="0">
+                <a:hlinkClick r:id="rId2"/>
+              </a:rPr>
+              <a:t>http://www.w3.org/TR/CSS21/visuren.html - propdef-display</a:t>
+            </a:r>
+            <a:endParaRPr lang="en-US" dirty="0" smtClean="0"/>
+          </a:p>
+          <a:p>
+            <a:r>
+              <a:rPr lang="en-US" dirty="0" smtClean="0"/>
+              <a:t>Sets the type of a box an element lives in</a:t>
+            </a:r>
+          </a:p>
+          <a:p>
+            <a:r>
+              <a:rPr lang="en-US" dirty="0" smtClean="0"/>
+              <a:t>Can be inline, block, list-item, inline-block, none</a:t>
+            </a:r>
+          </a:p>
+          <a:p>
+            <a:r>
+              <a:rPr lang="en-US" sz="2000" dirty="0" smtClean="0">
                 <a:latin typeface="Courier New"/>
                 <a:cs typeface="Courier New"/>
               </a:rPr>
-              <a:t>&lt;div id="big</a:t>
-            </a:r>
-            <a:r>
-              <a:rPr lang="en-US" sz="1800" dirty="0">
-                <a:latin typeface="Courier New"/>
-                <a:cs typeface="Courier New"/>
-              </a:rPr>
-              <a:t>"</a:t>
-            </a:r>
-            <a:r>
-              <a:rPr lang="en-US" sz="1800" dirty="0" smtClean="0">
-                <a:latin typeface="Courier New"/>
-                <a:cs typeface="Courier New"/>
-              </a:rPr>
-              <a:t>&gt;</a:t>
-            </a:r>
-          </a:p>
-          <a:p>
-            <a:pPr marL="0" indent="0">
-              <a:buNone/>
-            </a:pPr>
-            <a:r>
-              <a:rPr lang="en-US" sz="1800" dirty="0" smtClean="0">
-                <a:latin typeface="Courier New"/>
-                <a:cs typeface="Courier New"/>
-              </a:rPr>
-              <a:t>I am big.</a:t>
-            </a:r>
-          </a:p>
-          <a:p>
-            <a:pPr marL="0" indent="0">
-              <a:buNone/>
-            </a:pPr>
-            <a:r>
-              <a:rPr lang="en-US" sz="1800" dirty="0" smtClean="0">
-                <a:latin typeface="Courier New"/>
-                <a:cs typeface="Courier New"/>
-              </a:rPr>
-              <a:t>&lt;div id="small</a:t>
-            </a:r>
-            <a:r>
-              <a:rPr lang="en-US" sz="1800" dirty="0">
-                <a:latin typeface="Courier New"/>
-                <a:cs typeface="Courier New"/>
-              </a:rPr>
-              <a:t>"</a:t>
-            </a:r>
-            <a:r>
-              <a:rPr lang="en-US" sz="1800" dirty="0" smtClean="0">
-                <a:latin typeface="Courier New"/>
-                <a:cs typeface="Courier New"/>
-              </a:rPr>
-              <a:t>&gt;</a:t>
-            </a:r>
-          </a:p>
-          <a:p>
-            <a:pPr marL="0" indent="0">
-              <a:buNone/>
-            </a:pPr>
-            <a:r>
-              <a:rPr lang="en-US" sz="1800" dirty="0" smtClean="0">
-                <a:latin typeface="Courier New"/>
-                <a:cs typeface="Courier New"/>
-              </a:rPr>
-              <a:t>I am small.</a:t>
-            </a:r>
-          </a:p>
-          <a:p>
-            <a:pPr marL="0" indent="0">
-              <a:buNone/>
-            </a:pPr>
-            <a:r>
-              <a:rPr lang="en-US" sz="1800" dirty="0" smtClean="0">
-                <a:latin typeface="Courier New"/>
-                <a:cs typeface="Courier New"/>
-              </a:rPr>
-              <a:t>&lt;/div&gt;</a:t>
-            </a:r>
-            <a:endParaRPr lang="en-US" sz="1800" dirty="0">
-              <a:latin typeface="Courier New"/>
-              <a:cs typeface="Courier New"/>
-            </a:endParaRPr>
-          </a:p>
-          <a:p>
-            <a:pPr marL="0" indent="0">
-              <a:buNone/>
-            </a:pPr>
-            <a:r>
-              <a:rPr lang="en-US" sz="1800" dirty="0" smtClean="0">
-                <a:latin typeface="Courier New"/>
-                <a:cs typeface="Courier New"/>
-              </a:rPr>
-              <a:t>&lt;/div&gt;</a:t>
-            </a:r>
-            <a:endParaRPr lang="en-US" sz="1800" dirty="0">
-              <a:latin typeface="Courier New"/>
-              <a:cs typeface="Courier New"/>
-            </a:endParaRPr>
-          </a:p>
-        </p:txBody>
-      </p:sp>
-      <p:sp>
-        <p:nvSpPr>
-          <p:cNvPr id="6" name="Content Placeholder 5"/>
-          <p:cNvSpPr>
-            <a:spLocks noGrp="1"/>
-          </p:cNvSpPr>
-          <p:nvPr>
-            <p:ph sz="quarter" idx="14"/>
-          </p:nvPr>
-        </p:nvSpPr>
-        <p:spPr/>
-        <p:txBody>
-          <a:bodyPr>
-            <a:normAutofit/>
-          </a:bodyPr>
-          <a:lstStyle/>
-          <a:p>
-            <a:pPr marL="0" indent="0">
-              <a:buNone/>
-            </a:pPr>
-            <a:r>
-              <a:rPr lang="en-US" sz="1800" dirty="0" smtClean="0">
-                <a:latin typeface="Courier New"/>
-                <a:cs typeface="Courier New"/>
-              </a:rPr>
-              <a:t>#big { position: absolute; top: 0; left: 0; width: 400px; height: 400px; background: red; }</a:t>
-            </a:r>
-          </a:p>
-          <a:p>
-            <a:pPr marL="0" indent="0">
-              <a:buNone/>
-            </a:pPr>
-            <a:r>
-              <a:rPr lang="en-US" sz="1800" dirty="0" smtClean="0">
-                <a:latin typeface="Courier New"/>
-                <a:cs typeface="Courier New"/>
-              </a:rPr>
-              <a:t>#small { position: absolute; right: 0; bottom: 0; width: 100px; height: 100px; background: yellow; }</a:t>
-            </a:r>
-            <a:endParaRPr lang="en-US" sz="1800" dirty="0">
-              <a:latin typeface="Courier New"/>
-              <a:cs typeface="Courier New"/>
-            </a:endParaRPr>
+              <a:t>display: block;</a:t>
+            </a:r>
+          </a:p>
+          <a:p>
+            <a:endParaRPr lang="en-US" dirty="0"/>
+          </a:p>
+        </p:txBody>
+      </p:sp>
+      <p:sp>
+        <p:nvSpPr>
+          <p:cNvPr id="4" name="Footer Placeholder 3"/>
+          <p:cNvSpPr>
+            <a:spLocks noGrp="1"/>
+          </p:cNvSpPr>
+          <p:nvPr>
+            <p:ph type="ftr" sz="quarter" idx="11"/>
+          </p:nvPr>
+        </p:nvSpPr>
+        <p:spPr/>
+        <p:txBody>
+          <a:bodyPr/>
+          <a:lstStyle/>
+          <a:p>
+            <a:r>
+              <a:rPr lang="en-US" smtClean="0"/>
+              <a:t>http://dl.dropbox.com/u/41609448/art329/slides/classfive/slides/display/index.html  </a:t>
+            </a:r>
+            <a:endParaRPr lang="en-US"/>
           </a:p>
         </p:txBody>
       </p:sp>
     </p:spTree>
     <p:extLst>
       <p:ext uri="{BB962C8B-B14F-4D97-AF65-F5344CB8AC3E}">
-        <p14:creationId xmlns:p14="http://schemas.microsoft.com/office/powerpoint/2010/main" val="2601200652"/>
+        <p14:creationId xmlns:p14="http://schemas.microsoft.com/office/powerpoint/2010/main" val="103994896"/>
       </p:ext>
     </p:extLst>
   </p:cSld>
@@ -8008,7 +10789,7 @@
           <a:p>
             <a:r>
               <a:rPr lang="en-US" dirty="0" smtClean="0"/>
-              <a:t>border</a:t>
+              <a:t>list-style</a:t>
             </a:r>
             <a:endParaRPr lang="en-US" dirty="0"/>
           </a:p>
@@ -8027,7 +10808,7 @@
         <p:spPr/>
         <p:txBody>
           <a:bodyPr>
-            <a:normAutofit fontScale="70000" lnSpcReduction="20000"/>
+            <a:normAutofit fontScale="85000" lnSpcReduction="20000"/>
           </a:bodyPr>
           <a:lstStyle/>
           <a:p>
@@ -8039,194 +10820,153 @@
               <a:rPr lang="en-US" dirty="0" smtClean="0">
                 <a:hlinkClick r:id="rId2"/>
               </a:rPr>
-              <a:t>http://www.w3.org/TR/CSS2/box.html - border-properties</a:t>
+              <a:t>http://www.w3.org/TR/CSS21/generate.html - propdef-list-style</a:t>
             </a:r>
             <a:endParaRPr lang="en-US" dirty="0" smtClean="0"/>
           </a:p>
           <a:p>
             <a:r>
               <a:rPr lang="en-US" dirty="0" smtClean="0"/>
-              <a:t>Sets the border properties</a:t>
-            </a:r>
-          </a:p>
-          <a:p>
-            <a:r>
-              <a:rPr lang="en-US" dirty="0" smtClean="0"/>
-              <a:t>Four sides: top, left, right, bottom</a:t>
-            </a:r>
-          </a:p>
-          <a:p>
-            <a:r>
-              <a:rPr lang="en-US" dirty="0" smtClean="0"/>
-              <a:t>border-top-width, border-left-width, border-right-width, border-bottom-width, border-width: thin, medium, thick, 2px</a:t>
-            </a:r>
-          </a:p>
-          <a:p>
+              <a:t>Sets the style properties of the list: type, position, image</a:t>
+            </a:r>
+          </a:p>
+          <a:p>
+            <a:r>
+              <a:rPr lang="en-US" dirty="0" smtClean="0"/>
+              <a:t>list-style</a:t>
+            </a:r>
             <a:r>
               <a:rPr lang="en-US" dirty="0"/>
-              <a:t>border-top</a:t>
-            </a:r>
-            <a:r>
-              <a:rPr lang="en-US" dirty="0" smtClean="0"/>
-              <a:t>-color, </a:t>
+              <a:t>-type: </a:t>
+            </a:r>
+            <a:r>
+              <a:rPr lang="en-US" dirty="0" smtClean="0"/>
+              <a:t>disc, circle, square, decimal, </a:t>
             </a:r>
             <a:r>
               <a:rPr lang="en-US" dirty="0"/>
-              <a:t>border-left</a:t>
-            </a:r>
-            <a:r>
-              <a:rPr lang="en-US" dirty="0" smtClean="0"/>
-              <a:t>-</a:t>
+              <a:t>decimal-leading-</a:t>
+            </a:r>
+            <a:r>
+              <a:rPr lang="en-US" dirty="0" smtClean="0"/>
+              <a:t>zero, </a:t>
             </a:r>
             <a:r>
               <a:rPr lang="en-US" dirty="0"/>
-              <a:t>color</a:t>
-            </a:r>
-            <a:r>
-              <a:rPr lang="en-US" dirty="0" smtClean="0"/>
-              <a:t>, </a:t>
+              <a:t>lower-</a:t>
+            </a:r>
+            <a:r>
+              <a:rPr lang="en-US" dirty="0" smtClean="0"/>
+              <a:t>roman, </a:t>
             </a:r>
             <a:r>
               <a:rPr lang="en-US" dirty="0"/>
-              <a:t>border-right</a:t>
-            </a:r>
-            <a:r>
-              <a:rPr lang="en-US" dirty="0" smtClean="0"/>
-              <a:t>-</a:t>
+              <a:t>upper-</a:t>
+            </a:r>
+            <a:r>
+              <a:rPr lang="en-US" dirty="0" smtClean="0"/>
+              <a:t>roman, </a:t>
             </a:r>
             <a:r>
               <a:rPr lang="en-US" dirty="0"/>
-              <a:t>color</a:t>
-            </a:r>
-            <a:r>
-              <a:rPr lang="en-US" dirty="0" smtClean="0"/>
-              <a:t>, </a:t>
+              <a:t>lower-</a:t>
+            </a:r>
+            <a:r>
+              <a:rPr lang="en-US" dirty="0" err="1" smtClean="0"/>
+              <a:t>greek</a:t>
+            </a:r>
+            <a:r>
+              <a:rPr lang="en-US" dirty="0" smtClean="0"/>
+              <a:t>, lower-</a:t>
+            </a:r>
+            <a:r>
+              <a:rPr lang="en-US" dirty="0" err="1" smtClean="0"/>
+              <a:t>latin</a:t>
             </a:r>
             <a:r>
               <a:rPr lang="en-US" dirty="0"/>
-              <a:t>border-bottom</a:t>
-            </a:r>
-            <a:r>
-              <a:rPr lang="en-US" dirty="0" smtClean="0"/>
-              <a:t>-</a:t>
+              <a:t>,</a:t>
+            </a:r>
+            <a:r>
+              <a:rPr lang="en-US" dirty="0" smtClean="0"/>
+              <a:t> upper-</a:t>
+            </a:r>
+            <a:r>
+              <a:rPr lang="en-US" dirty="0" err="1" smtClean="0"/>
+              <a:t>latin</a:t>
             </a:r>
             <a:r>
               <a:rPr lang="en-US" dirty="0"/>
-              <a:t>color</a:t>
-            </a:r>
-            <a:r>
-              <a:rPr lang="en-US" dirty="0" smtClean="0"/>
-              <a:t>, </a:t>
+              <a:t>,</a:t>
+            </a:r>
+            <a:r>
+              <a:rPr lang="en-US" dirty="0" smtClean="0"/>
+              <a:t> </a:t>
+            </a:r>
+            <a:r>
+              <a:rPr lang="en-US" dirty="0" err="1" smtClean="0"/>
+              <a:t>armenian</a:t>
             </a:r>
             <a:r>
               <a:rPr lang="en-US" dirty="0"/>
-              <a:t>border</a:t>
-            </a:r>
-            <a:r>
-              <a:rPr lang="en-US" dirty="0" smtClean="0"/>
-              <a:t>-</a:t>
+              <a:t>,</a:t>
+            </a:r>
+            <a:r>
+              <a:rPr lang="en-US" dirty="0" smtClean="0"/>
+              <a:t> </a:t>
+            </a:r>
+            <a:r>
+              <a:rPr lang="en-US" dirty="0" err="1" smtClean="0"/>
+              <a:t>georgian</a:t>
             </a:r>
             <a:r>
               <a:rPr lang="en-US" dirty="0"/>
-              <a:t>color</a:t>
-            </a:r>
-            <a:r>
-              <a:rPr lang="en-US" dirty="0" smtClean="0"/>
-              <a:t>: color, transparent</a:t>
-            </a:r>
-          </a:p>
-          <a:p>
-            <a:r>
-              <a:rPr lang="en-US" dirty="0"/>
-              <a:t>border-top</a:t>
-            </a:r>
-            <a:r>
-              <a:rPr lang="en-US" dirty="0" smtClean="0"/>
-              <a:t>-style, </a:t>
-            </a:r>
-            <a:r>
-              <a:rPr lang="en-US" dirty="0"/>
-              <a:t>border-left</a:t>
-            </a:r>
-            <a:r>
-              <a:rPr lang="en-US" dirty="0" smtClean="0"/>
-              <a:t>-</a:t>
-            </a:r>
-            <a:r>
-              <a:rPr lang="en-US" dirty="0"/>
-              <a:t>style</a:t>
-            </a:r>
-            <a:r>
-              <a:rPr lang="en-US" dirty="0" smtClean="0"/>
-              <a:t>, </a:t>
-            </a:r>
-            <a:r>
-              <a:rPr lang="en-US" dirty="0"/>
-              <a:t>border-right</a:t>
-            </a:r>
-            <a:r>
-              <a:rPr lang="en-US" dirty="0" smtClean="0"/>
-              <a:t>-</a:t>
-            </a:r>
-            <a:r>
-              <a:rPr lang="en-US" dirty="0"/>
-              <a:t>style</a:t>
-            </a:r>
-            <a:r>
-              <a:rPr lang="en-US" dirty="0" smtClean="0"/>
-              <a:t>, </a:t>
-            </a:r>
-            <a:r>
-              <a:rPr lang="en-US" dirty="0"/>
-              <a:t>border-bottom</a:t>
-            </a:r>
-            <a:r>
-              <a:rPr lang="en-US" dirty="0" smtClean="0"/>
-              <a:t>-</a:t>
-            </a:r>
-            <a:r>
-              <a:rPr lang="en-US" dirty="0"/>
-              <a:t>style</a:t>
-            </a:r>
-            <a:r>
-              <a:rPr lang="en-US" dirty="0" smtClean="0"/>
-              <a:t>, </a:t>
-            </a:r>
-            <a:r>
-              <a:rPr lang="en-US" dirty="0"/>
-              <a:t>border</a:t>
-            </a:r>
-            <a:r>
-              <a:rPr lang="en-US" dirty="0" smtClean="0"/>
-              <a:t>-</a:t>
-            </a:r>
-            <a:r>
-              <a:rPr lang="en-US" dirty="0"/>
-              <a:t>style</a:t>
-            </a:r>
-            <a:r>
-              <a:rPr lang="en-US" dirty="0" smtClean="0"/>
-              <a:t>: none, dotted, dashed, solid, double, groove, ridge, inset, outset</a:t>
-            </a:r>
-          </a:p>
-          <a:p>
-            <a:r>
-              <a:rPr lang="en-US" dirty="0" smtClean="0"/>
-              <a:t>border: width, style, color</a:t>
-            </a:r>
-          </a:p>
-          <a:p>
-            <a:r>
-              <a:rPr lang="en-US" dirty="0" smtClean="0">
+              <a:t>,</a:t>
+            </a:r>
+            <a:r>
+              <a:rPr lang="en-US" dirty="0" smtClean="0"/>
+              <a:t> lower-alpha, upper-alpha, none</a:t>
+            </a:r>
+          </a:p>
+          <a:p>
+            <a:r>
+              <a:rPr lang="en-US" dirty="0" smtClean="0"/>
+              <a:t>list-style-position: inside, outside</a:t>
+            </a:r>
+          </a:p>
+          <a:p>
+            <a:r>
+              <a:rPr lang="en-US" dirty="0" smtClean="0"/>
+              <a:t>List-style-image: </a:t>
+            </a:r>
+            <a:r>
+              <a:rPr lang="en-US" dirty="0" err="1" smtClean="0"/>
+              <a:t>url</a:t>
+            </a:r>
+            <a:r>
+              <a:rPr lang="en-US" dirty="0" smtClean="0"/>
+              <a:t>('</a:t>
+            </a:r>
+            <a:r>
+              <a:rPr lang="en-US" dirty="0" err="1" smtClean="0"/>
+              <a:t>bullet.png</a:t>
+            </a:r>
+            <a:r>
+              <a:rPr lang="en-US" dirty="0" smtClean="0"/>
+              <a:t>'), none</a:t>
+            </a:r>
+          </a:p>
+          <a:p>
+            <a:r>
+              <a:rPr lang="en-US" sz="2000" dirty="0" smtClean="0">
                 <a:latin typeface="Courier New"/>
                 <a:cs typeface="Courier New"/>
               </a:rPr>
-              <a:t>border: 1px solid #000;</a:t>
-            </a:r>
-            <a:endParaRPr lang="en-US" dirty="0">
-              <a:latin typeface="Courier New"/>
-              <a:cs typeface="Courier New"/>
-            </a:endParaRPr>
+              <a:t>list-style: disc inside none;</a:t>
+            </a:r>
+          </a:p>
+          <a:p>
+            <a:endParaRPr lang="en-US" dirty="0"/>
           </a:p>
         </p:txBody>
       </p:sp>
@@ -8246,32 +10986,40 @@
           <a:lstStyle/>
           <a:p>
             <a:r>
-              <a:rPr lang="en-US" dirty="0" smtClean="0"/>
+              <a:rPr lang="en-US" dirty="0"/>
               <a:t>http://</a:t>
             </a:r>
             <a:r>
+              <a:rPr lang="en-US" dirty="0" err="1"/>
+              <a:t>dl.dropbox.com</a:t>
+            </a:r>
+            <a:r>
+              <a:rPr lang="en-US" dirty="0"/>
+              <a:t>/u/41609448/art329/slides/</a:t>
+            </a:r>
+            <a:r>
+              <a:rPr lang="en-US" dirty="0" err="1"/>
+              <a:t>classfour</a:t>
+            </a:r>
+            <a:r>
+              <a:rPr lang="en-US" dirty="0"/>
+              <a:t>/slides</a:t>
+            </a:r>
+            <a:r>
+              <a:rPr lang="en-US" dirty="0" smtClean="0"/>
+              <a:t>/</a:t>
+            </a:r>
+            <a:r>
               <a:rPr lang="en-US" dirty="0" err="1" smtClean="0"/>
-              <a:t>dl.dropbox.com</a:t>
-            </a:r>
-            <a:r>
-              <a:rPr lang="en-US" dirty="0" smtClean="0"/>
-              <a:t>/u/41609448/art329/slides/</a:t>
-            </a:r>
-            <a:r>
-              <a:rPr lang="en-US" dirty="0" err="1" smtClean="0"/>
-              <a:t>classfour</a:t>
-            </a:r>
-            <a:r>
-              <a:rPr lang="en-US" dirty="0" smtClean="0"/>
-              <a:t>/slides/border/</a:t>
-            </a:r>
-            <a:r>
-              <a:rPr lang="en-US" dirty="0" err="1" smtClean="0"/>
+              <a:t>liststyle</a:t>
+            </a:r>
+            <a:r>
+              <a:rPr lang="en-US" dirty="0" smtClean="0"/>
+              <a:t>/</a:t>
+            </a:r>
+            <a:r>
+              <a:rPr lang="en-US" dirty="0" err="1"/>
               <a:t>index.html</a:t>
-            </a:r>
-            <a:r>
-              <a:rPr lang="en-US" dirty="0" smtClean="0"/>
-              <a:t> </a:t>
             </a:r>
             <a:endParaRPr lang="en-US" dirty="0"/>
           </a:p>
@@ -8280,7 +11028,7 @@
     </p:spTree>
     <p:extLst>
       <p:ext uri="{BB962C8B-B14F-4D97-AF65-F5344CB8AC3E}">
-        <p14:creationId xmlns:p14="http://schemas.microsoft.com/office/powerpoint/2010/main" val="3601305251"/>
+        <p14:creationId xmlns:p14="http://schemas.microsoft.com/office/powerpoint/2010/main" val="3840415387"/>
       </p:ext>
     </p:extLst>
   </p:cSld>

--- a/slides/classfive/slides.pptx
+++ b/slides/classfive/slides.pptx
@@ -225,7 +225,7 @@
           <a:p>
             <a:fld id="{9B5D41C8-0A92-DD47-AB00-F0EFFD66679B}" type="datetimeFigureOut">
               <a:rPr lang="en-US" smtClean="0"/>
-              <a:t>10/7/11</a:t>
+              <a:t>10/10/11</a:t>
             </a:fld>
             <a:endParaRPr lang="en-US"/>
           </a:p>
@@ -1841,7 +1841,7 @@
             <a:fld id="{B7C3F878-F5E8-489B-AC8A-64F2A7E22C28}" type="datetimeFigureOut">
               <a:rPr lang="en-US" smtClean="0"/>
               <a:pPr/>
-              <a:t>10/7/11</a:t>
+              <a:t>10/10/11</a:t>
             </a:fld>
             <a:endParaRPr lang="en-US"/>
           </a:p>
@@ -2048,7 +2048,7 @@
             <a:fld id="{B7C3F878-F5E8-489B-AC8A-64F2A7E22C28}" type="datetimeFigureOut">
               <a:rPr lang="en-US" smtClean="0"/>
               <a:pPr/>
-              <a:t>10/7/11</a:t>
+              <a:t>10/10/11</a:t>
             </a:fld>
             <a:endParaRPr lang="en-US"/>
           </a:p>
@@ -2255,7 +2255,7 @@
             <a:fld id="{B7C3F878-F5E8-489B-AC8A-64F2A7E22C28}" type="datetimeFigureOut">
               <a:rPr lang="en-US" smtClean="0"/>
               <a:pPr/>
-              <a:t>10/7/11</a:t>
+              <a:t>10/10/11</a:t>
             </a:fld>
             <a:endParaRPr lang="en-US"/>
           </a:p>
@@ -2448,7 +2448,7 @@
             <a:fld id="{B7C3F878-F5E8-489B-AC8A-64F2A7E22C28}" type="datetimeFigureOut">
               <a:rPr lang="en-US" smtClean="0"/>
               <a:pPr/>
-              <a:t>10/7/11</a:t>
+              <a:t>10/10/11</a:t>
             </a:fld>
             <a:endParaRPr lang="en-US"/>
           </a:p>
@@ -2689,7 +2689,7 @@
             <a:fld id="{B7C3F878-F5E8-489B-AC8A-64F2A7E22C28}" type="datetimeFigureOut">
               <a:rPr lang="en-US" smtClean="0"/>
               <a:pPr/>
-              <a:t>10/7/11</a:t>
+              <a:t>10/10/11</a:t>
             </a:fld>
             <a:endParaRPr lang="en-US"/>
           </a:p>
@@ -2804,7 +2804,7 @@
             <a:fld id="{B7C3F878-F5E8-489B-AC8A-64F2A7E22C28}" type="datetimeFigureOut">
               <a:rPr lang="en-US" smtClean="0"/>
               <a:pPr/>
-              <a:t>10/7/11</a:t>
+              <a:t>10/10/11</a:t>
             </a:fld>
             <a:endParaRPr lang="en-US"/>
           </a:p>
@@ -3236,7 +3236,7 @@
             <a:fld id="{B7C3F878-F5E8-489B-AC8A-64F2A7E22C28}" type="datetimeFigureOut">
               <a:rPr lang="en-US" smtClean="0"/>
               <a:pPr/>
-              <a:t>10/7/11</a:t>
+              <a:t>10/10/11</a:t>
             </a:fld>
             <a:endParaRPr lang="en-US"/>
           </a:p>
@@ -3517,7 +3517,7 @@
             <a:fld id="{B7C3F878-F5E8-489B-AC8A-64F2A7E22C28}" type="datetimeFigureOut">
               <a:rPr lang="en-US" smtClean="0"/>
               <a:pPr/>
-              <a:t>10/7/11</a:t>
+              <a:t>10/10/11</a:t>
             </a:fld>
             <a:endParaRPr lang="en-US"/>
           </a:p>
@@ -3609,7 +3609,7 @@
             <a:fld id="{B7C3F878-F5E8-489B-AC8A-64F2A7E22C28}" type="datetimeFigureOut">
               <a:rPr lang="en-US" smtClean="0"/>
               <a:pPr/>
-              <a:t>10/7/11</a:t>
+              <a:t>10/10/11</a:t>
             </a:fld>
             <a:endParaRPr lang="en-US"/>
           </a:p>
@@ -4448,7 +4448,7 @@
             <a:fld id="{B7C3F878-F5E8-489B-AC8A-64F2A7E22C28}" type="datetimeFigureOut">
               <a:rPr lang="en-US" smtClean="0"/>
               <a:pPr/>
-              <a:t>10/7/11</a:t>
+              <a:t>10/10/11</a:t>
             </a:fld>
             <a:endParaRPr lang="en-US"/>
           </a:p>
@@ -5281,7 +5281,7 @@
             <a:fld id="{B7C3F878-F5E8-489B-AC8A-64F2A7E22C28}" type="datetimeFigureOut">
               <a:rPr lang="en-US" smtClean="0"/>
               <a:pPr/>
-              <a:t>10/7/11</a:t>
+              <a:t>10/10/11</a:t>
             </a:fld>
             <a:endParaRPr lang="en-US"/>
           </a:p>
@@ -5937,7 +5937,7 @@
             <a:fld id="{B7C3F878-F5E8-489B-AC8A-64F2A7E22C28}" type="datetimeFigureOut">
               <a:rPr lang="en-US" smtClean="0"/>
               <a:pPr/>
-              <a:t>10/7/11</a:t>
+              <a:t>10/10/11</a:t>
             </a:fld>
             <a:endParaRPr lang="en-US" dirty="0"/>
           </a:p>
@@ -9659,6 +9659,10 @@
           <a:bodyPr/>
           <a:lstStyle/>
           <a:p>
+            <a:r>
+              <a:rPr lang="en-US" dirty="0" smtClean="0"/>
+              <a:t>Nothing</a:t>
+            </a:r>
             <a:endParaRPr lang="en-US" dirty="0"/>
           </a:p>
         </p:txBody>
@@ -10096,7 +10100,41 @@
               <a:rPr lang="en-US" dirty="0" smtClean="0">
                 <a:hlinkClick r:id="rId3"/>
               </a:rPr>
-              <a:t>http://www.lucidchart.com/</a:t>
+              <a:t>http://www.lucidchart.com</a:t>
+            </a:r>
+            <a:r>
+              <a:rPr lang="en-US" dirty="0" smtClean="0">
+                <a:hlinkClick r:id="rId3"/>
+              </a:rPr>
+              <a:t>/</a:t>
+            </a:r>
+            <a:endParaRPr lang="en-US" dirty="0" smtClean="0"/>
+          </a:p>
+          <a:p>
+            <a:r>
+              <a:rPr lang="en-US" dirty="0" smtClean="0"/>
+              <a:t>Or use </a:t>
+            </a:r>
+            <a:r>
+              <a:rPr lang="en-US" dirty="0" err="1" smtClean="0"/>
+              <a:t>Trello</a:t>
+            </a:r>
+            <a:r>
+              <a:rPr lang="en-US" dirty="0" smtClean="0"/>
+              <a:t>: </a:t>
+            </a:r>
+            <a:r>
+              <a:rPr lang="en-US" dirty="0" smtClean="0">
+                <a:hlinkClick r:id="rId4"/>
+              </a:rPr>
+              <a:t>https://trello.com/</a:t>
+            </a:r>
+            <a:endParaRPr lang="en-US" dirty="0" smtClean="0"/>
+          </a:p>
+          <a:p>
+            <a:r>
+              <a:rPr lang="en-US" dirty="0" smtClean="0"/>
+              <a:t>Or use Microsoft Word or PowerPoint</a:t>
             </a:r>
             <a:endParaRPr lang="en-US" dirty="0" smtClean="0"/>
           </a:p>

--- a/slides/classfive/slides.pptx
+++ b/slides/classfive/slides.pptx
@@ -5,43 +5,45 @@
     <p:sldMasterId id="2147483660" r:id="rId1"/>
   </p:sldMasterIdLst>
   <p:notesMasterIdLst>
-    <p:notesMasterId r:id="rId36"/>
+    <p:notesMasterId r:id="rId38"/>
   </p:notesMasterIdLst>
   <p:sldIdLst>
     <p:sldId id="256" r:id="rId2"/>
     <p:sldId id="257" r:id="rId3"/>
-    <p:sldId id="342" r:id="rId4"/>
-    <p:sldId id="258" r:id="rId5"/>
-    <p:sldId id="259" r:id="rId6"/>
-    <p:sldId id="311" r:id="rId7"/>
-    <p:sldId id="315" r:id="rId8"/>
-    <p:sldId id="367" r:id="rId9"/>
-    <p:sldId id="382" r:id="rId10"/>
-    <p:sldId id="366" r:id="rId11"/>
-    <p:sldId id="368" r:id="rId12"/>
-    <p:sldId id="369" r:id="rId13"/>
-    <p:sldId id="370" r:id="rId14"/>
-    <p:sldId id="371" r:id="rId15"/>
-    <p:sldId id="383" r:id="rId16"/>
-    <p:sldId id="372" r:id="rId17"/>
-    <p:sldId id="373" r:id="rId18"/>
-    <p:sldId id="381" r:id="rId19"/>
-    <p:sldId id="374" r:id="rId20"/>
-    <p:sldId id="375" r:id="rId21"/>
-    <p:sldId id="376" r:id="rId22"/>
-    <p:sldId id="378" r:id="rId23"/>
-    <p:sldId id="356" r:id="rId24"/>
-    <p:sldId id="379" r:id="rId25"/>
-    <p:sldId id="380" r:id="rId26"/>
-    <p:sldId id="377" r:id="rId27"/>
-    <p:sldId id="312" r:id="rId28"/>
-    <p:sldId id="268" r:id="rId29"/>
-    <p:sldId id="361" r:id="rId30"/>
-    <p:sldId id="362" r:id="rId31"/>
-    <p:sldId id="363" r:id="rId32"/>
-    <p:sldId id="364" r:id="rId33"/>
-    <p:sldId id="365" r:id="rId34"/>
-    <p:sldId id="267" r:id="rId35"/>
+    <p:sldId id="384" r:id="rId4"/>
+    <p:sldId id="385" r:id="rId5"/>
+    <p:sldId id="342" r:id="rId6"/>
+    <p:sldId id="258" r:id="rId7"/>
+    <p:sldId id="259" r:id="rId8"/>
+    <p:sldId id="311" r:id="rId9"/>
+    <p:sldId id="315" r:id="rId10"/>
+    <p:sldId id="367" r:id="rId11"/>
+    <p:sldId id="382" r:id="rId12"/>
+    <p:sldId id="366" r:id="rId13"/>
+    <p:sldId id="368" r:id="rId14"/>
+    <p:sldId id="369" r:id="rId15"/>
+    <p:sldId id="370" r:id="rId16"/>
+    <p:sldId id="371" r:id="rId17"/>
+    <p:sldId id="383" r:id="rId18"/>
+    <p:sldId id="372" r:id="rId19"/>
+    <p:sldId id="373" r:id="rId20"/>
+    <p:sldId id="381" r:id="rId21"/>
+    <p:sldId id="374" r:id="rId22"/>
+    <p:sldId id="375" r:id="rId23"/>
+    <p:sldId id="376" r:id="rId24"/>
+    <p:sldId id="378" r:id="rId25"/>
+    <p:sldId id="356" r:id="rId26"/>
+    <p:sldId id="379" r:id="rId27"/>
+    <p:sldId id="380" r:id="rId28"/>
+    <p:sldId id="377" r:id="rId29"/>
+    <p:sldId id="312" r:id="rId30"/>
+    <p:sldId id="268" r:id="rId31"/>
+    <p:sldId id="361" r:id="rId32"/>
+    <p:sldId id="362" r:id="rId33"/>
+    <p:sldId id="363" r:id="rId34"/>
+    <p:sldId id="364" r:id="rId35"/>
+    <p:sldId id="365" r:id="rId36"/>
+    <p:sldId id="267" r:id="rId37"/>
   </p:sldIdLst>
   <p:sldSz cx="9144000" cy="6858000" type="screen4x3"/>
   <p:notesSz cx="6858000" cy="9144000"/>
@@ -650,7 +652,7 @@
           <a:p>
             <a:fld id="{F0AB357A-3C6D-9E43-AB07-807CDFEA83A0}" type="slidenum">
               <a:rPr lang="en-US" smtClean="0"/>
-              <a:t>4</a:t>
+              <a:t>6</a:t>
             </a:fld>
             <a:endParaRPr lang="en-US"/>
           </a:p>
@@ -746,7 +748,7 @@
           <a:p>
             <a:fld id="{F0AB357A-3C6D-9E43-AB07-807CDFEA83A0}" type="slidenum">
               <a:rPr lang="en-US" smtClean="0"/>
-              <a:t>5</a:t>
+              <a:t>7</a:t>
             </a:fld>
             <a:endParaRPr lang="en-US"/>
           </a:p>
@@ -834,7 +836,7 @@
           <a:p>
             <a:fld id="{F0AB357A-3C6D-9E43-AB07-807CDFEA83A0}" type="slidenum">
               <a:rPr lang="en-US" smtClean="0"/>
-              <a:t>6</a:t>
+              <a:t>8</a:t>
             </a:fld>
             <a:endParaRPr lang="en-US"/>
           </a:p>
@@ -922,7 +924,7 @@
           <a:p>
             <a:fld id="{F0AB357A-3C6D-9E43-AB07-807CDFEA83A0}" type="slidenum">
               <a:rPr lang="en-US" smtClean="0"/>
-              <a:t>15</a:t>
+              <a:t>17</a:t>
             </a:fld>
             <a:endParaRPr lang="en-US"/>
           </a:p>
@@ -1010,7 +1012,7 @@
           <a:p>
             <a:fld id="{F0AB357A-3C6D-9E43-AB07-807CDFEA83A0}" type="slidenum">
               <a:rPr lang="en-US" smtClean="0"/>
-              <a:t>27</a:t>
+              <a:t>29</a:t>
             </a:fld>
             <a:endParaRPr lang="en-US"/>
           </a:p>
@@ -1098,7 +1100,7 @@
           <a:p>
             <a:fld id="{F0AB357A-3C6D-9E43-AB07-807CDFEA83A0}" type="slidenum">
               <a:rPr lang="en-US" smtClean="0"/>
-              <a:t>28</a:t>
+              <a:t>30</a:t>
             </a:fld>
             <a:endParaRPr lang="en-US"/>
           </a:p>
@@ -1194,7 +1196,7 @@
           <a:p>
             <a:fld id="{F0AB357A-3C6D-9E43-AB07-807CDFEA83A0}" type="slidenum">
               <a:rPr lang="en-US" smtClean="0"/>
-              <a:t>34</a:t>
+              <a:t>36</a:t>
             </a:fld>
             <a:endParaRPr lang="en-US"/>
           </a:p>
@@ -6498,7 +6500,7 @@
           <a:p>
             <a:r>
               <a:rPr lang="en-US" dirty="0" smtClean="0"/>
-              <a:t>position</a:t>
+              <a:t>display</a:t>
             </a:r>
             <a:endParaRPr lang="en-US" dirty="0"/>
           </a:p>
@@ -6527,20 +6529,20 @@
               <a:rPr lang="en-US" dirty="0" smtClean="0">
                 <a:hlinkClick r:id="rId2"/>
               </a:rPr>
-              <a:t>http://www.w3.org/TR/CSS21/visuren.html - propdef-position</a:t>
+              <a:t>http://www.w3.org/TR/CSS21/visuren.html - propdef-display</a:t>
             </a:r>
             <a:endParaRPr lang="en-US" dirty="0" smtClean="0"/>
           </a:p>
           <a:p>
             <a:r>
               <a:rPr lang="en-US" dirty="0" smtClean="0"/>
-              <a:t>Positions an element</a:t>
-            </a:r>
-          </a:p>
-          <a:p>
-            <a:r>
-              <a:rPr lang="en-US" dirty="0" smtClean="0"/>
-              <a:t>Can be static, relative, absolute, fixed</a:t>
+              <a:t>Sets the type of a box an element lives in</a:t>
+            </a:r>
+          </a:p>
+          <a:p>
+            <a:r>
+              <a:rPr lang="en-US" dirty="0" smtClean="0"/>
+              <a:t>Can be inline, block, list-item, inline-block, none</a:t>
             </a:r>
           </a:p>
           <a:p>
@@ -6549,14 +6551,11 @@
                 <a:latin typeface="Courier New"/>
                 <a:cs typeface="Courier New"/>
               </a:rPr>
-              <a:t>position: absolute;</a:t>
-            </a:r>
-          </a:p>
-          <a:p>
-            <a:endParaRPr lang="en-US" dirty="0" smtClean="0"/>
-          </a:p>
-          <a:p>
-            <a:endParaRPr lang="en-US" dirty="0" smtClean="0"/>
+              <a:t>display: block;</a:t>
+            </a:r>
+          </a:p>
+          <a:p>
+            <a:endParaRPr lang="en-US" dirty="0"/>
           </a:p>
         </p:txBody>
       </p:sp>
@@ -6576,41 +6575,17 @@
           <a:lstStyle/>
           <a:p>
             <a:r>
-              <a:rPr lang="en-US" dirty="0" smtClean="0"/>
-              <a:t>http://</a:t>
-            </a:r>
-            <a:r>
-              <a:rPr lang="en-US" dirty="0" err="1" smtClean="0"/>
-              <a:t>dl.dropbox.com</a:t>
-            </a:r>
-            <a:r>
-              <a:rPr lang="en-US" dirty="0" smtClean="0"/>
-              <a:t>/u/41609448/art329/slides/</a:t>
-            </a:r>
-            <a:r>
-              <a:rPr lang="en-US" dirty="0" err="1" smtClean="0"/>
-              <a:t>classfive</a:t>
-            </a:r>
-            <a:r>
-              <a:rPr lang="en-US" dirty="0" smtClean="0"/>
-              <a:t>/slides/position/</a:t>
-            </a:r>
-            <a:r>
-              <a:rPr lang="en-US" dirty="0" err="1" smtClean="0"/>
-              <a:t>index.html</a:t>
-            </a:r>
-            <a:r>
-              <a:rPr lang="en-US" dirty="0" smtClean="0"/>
-              <a:t> </a:t>
-            </a:r>
-            <a:endParaRPr lang="en-US" dirty="0"/>
+              <a:rPr lang="en-US" smtClean="0"/>
+              <a:t>http://dl.dropbox.com/u/41609448/art329/slides/classfive/slides/display/index.html  </a:t>
+            </a:r>
+            <a:endParaRPr lang="en-US"/>
           </a:p>
         </p:txBody>
       </p:sp>
     </p:spTree>
     <p:extLst>
       <p:ext uri="{BB962C8B-B14F-4D97-AF65-F5344CB8AC3E}">
-        <p14:creationId xmlns:p14="http://schemas.microsoft.com/office/powerpoint/2010/main" val="857961007"/>
+        <p14:creationId xmlns:p14="http://schemas.microsoft.com/office/powerpoint/2010/main" val="103994896"/>
       </p:ext>
     </p:extLst>
   </p:cSld>
@@ -6654,7 +6629,7 @@
           <a:p>
             <a:r>
               <a:rPr lang="en-US" dirty="0" smtClean="0"/>
-              <a:t>top, right, bottom, left</a:t>
+              <a:t>list-style</a:t>
             </a:r>
             <a:endParaRPr lang="en-US" dirty="0"/>
           </a:p>
@@ -6672,7 +6647,9 @@
         </p:nvSpPr>
         <p:spPr/>
         <p:txBody>
-          <a:bodyPr/>
+          <a:bodyPr>
+            <a:normAutofit fontScale="85000" lnSpcReduction="20000"/>
+          </a:bodyPr>
           <a:lstStyle/>
           <a:p>
             <a:r>
@@ -6683,26 +6660,140 @@
               <a:rPr lang="en-US" dirty="0" smtClean="0">
                 <a:hlinkClick r:id="rId2"/>
               </a:rPr>
-              <a:t>http://www.w3.org/TR/CSS21/visuren.html - position-props</a:t>
+              <a:t>http://www.w3.org/TR/CSS21/generate.html - propdef-list-style</a:t>
             </a:r>
             <a:endParaRPr lang="en-US" dirty="0" smtClean="0"/>
           </a:p>
           <a:p>
             <a:r>
               <a:rPr lang="en-US" dirty="0" smtClean="0"/>
-              <a:t>Sets how much to offset the position</a:t>
-            </a:r>
-          </a:p>
-          <a:p>
-            <a:r>
-              <a:rPr lang="en-US" dirty="0" smtClean="0"/>
-              <a:t>Can be length, %, or auto</a:t>
-            </a:r>
-          </a:p>
-          <a:p>
-            <a:r>
-              <a:rPr lang="en-US" dirty="0" smtClean="0"/>
-              <a:t>Can be negative</a:t>
+              <a:t>Sets the style properties of the list: type, position, image</a:t>
+            </a:r>
+          </a:p>
+          <a:p>
+            <a:r>
+              <a:rPr lang="en-US" dirty="0" smtClean="0"/>
+              <a:t>list-style</a:t>
+            </a:r>
+            <a:r>
+              <a:rPr lang="en-US" dirty="0"/>
+              <a:t>-type: </a:t>
+            </a:r>
+            <a:r>
+              <a:rPr lang="en-US" dirty="0" smtClean="0"/>
+              <a:t>disc, circle, square, decimal, </a:t>
+            </a:r>
+            <a:r>
+              <a:rPr lang="en-US" dirty="0"/>
+              <a:t>decimal-leading-</a:t>
+            </a:r>
+            <a:r>
+              <a:rPr lang="en-US" dirty="0" smtClean="0"/>
+              <a:t>zero, </a:t>
+            </a:r>
+            <a:r>
+              <a:rPr lang="en-US" dirty="0"/>
+              <a:t>lower-</a:t>
+            </a:r>
+            <a:r>
+              <a:rPr lang="en-US" dirty="0" smtClean="0"/>
+              <a:t>roman, </a:t>
+            </a:r>
+            <a:r>
+              <a:rPr lang="en-US" dirty="0"/>
+              <a:t>upper-</a:t>
+            </a:r>
+            <a:r>
+              <a:rPr lang="en-US" dirty="0" smtClean="0"/>
+              <a:t>roman, </a:t>
+            </a:r>
+            <a:r>
+              <a:rPr lang="en-US" dirty="0"/>
+              <a:t>lower-</a:t>
+            </a:r>
+            <a:r>
+              <a:rPr lang="en-US" dirty="0" err="1" smtClean="0"/>
+              <a:t>greek</a:t>
+            </a:r>
+            <a:r>
+              <a:rPr lang="en-US" dirty="0" smtClean="0"/>
+              <a:t>, lower-</a:t>
+            </a:r>
+            <a:r>
+              <a:rPr lang="en-US" dirty="0" err="1" smtClean="0"/>
+              <a:t>latin</a:t>
+            </a:r>
+            <a:r>
+              <a:rPr lang="en-US" dirty="0"/>
+              <a:t>,</a:t>
+            </a:r>
+            <a:r>
+              <a:rPr lang="en-US" dirty="0" smtClean="0"/>
+              <a:t> upper-</a:t>
+            </a:r>
+            <a:r>
+              <a:rPr lang="en-US" dirty="0" err="1" smtClean="0"/>
+              <a:t>latin</a:t>
+            </a:r>
+            <a:r>
+              <a:rPr lang="en-US" dirty="0"/>
+              <a:t>,</a:t>
+            </a:r>
+            <a:r>
+              <a:rPr lang="en-US" dirty="0" smtClean="0"/>
+              <a:t> </a:t>
+            </a:r>
+            <a:r>
+              <a:rPr lang="en-US" dirty="0" err="1" smtClean="0"/>
+              <a:t>armenian</a:t>
+            </a:r>
+            <a:r>
+              <a:rPr lang="en-US" dirty="0"/>
+              <a:t>,</a:t>
+            </a:r>
+            <a:r>
+              <a:rPr lang="en-US" dirty="0" smtClean="0"/>
+              <a:t> </a:t>
+            </a:r>
+            <a:r>
+              <a:rPr lang="en-US" dirty="0" err="1" smtClean="0"/>
+              <a:t>georgian</a:t>
+            </a:r>
+            <a:r>
+              <a:rPr lang="en-US" dirty="0"/>
+              <a:t>,</a:t>
+            </a:r>
+            <a:r>
+              <a:rPr lang="en-US" dirty="0" smtClean="0"/>
+              <a:t> lower-alpha, upper-alpha, none</a:t>
+            </a:r>
+          </a:p>
+          <a:p>
+            <a:r>
+              <a:rPr lang="en-US" dirty="0" smtClean="0"/>
+              <a:t>list-style-position: inside, outside</a:t>
+            </a:r>
+          </a:p>
+          <a:p>
+            <a:r>
+              <a:rPr lang="en-US" dirty="0" smtClean="0"/>
+              <a:t>List-style-image: </a:t>
+            </a:r>
+            <a:r>
+              <a:rPr lang="en-US" dirty="0" err="1" smtClean="0"/>
+              <a:t>url</a:t>
+            </a:r>
+            <a:r>
+              <a:rPr lang="en-US" dirty="0" smtClean="0"/>
+              <a:t>('</a:t>
+            </a:r>
+            <a:r>
+              <a:rPr lang="en-US" dirty="0" err="1" smtClean="0"/>
+              <a:t>bullet.png</a:t>
+            </a:r>
+            <a:r>
+              <a:rPr lang="en-US" dirty="0" smtClean="0"/>
+              <a:t>'), none</a:t>
             </a:r>
           </a:p>
           <a:p>
@@ -6711,12 +6802,11 @@
                 <a:latin typeface="Courier New"/>
                 <a:cs typeface="Courier New"/>
               </a:rPr>
-              <a:t>top: 8px; right: -20%;</a:t>
-            </a:r>
-            <a:endParaRPr lang="en-US" sz="2000" dirty="0">
-              <a:latin typeface="Courier New"/>
-              <a:cs typeface="Courier New"/>
-            </a:endParaRPr>
+              <a:t>list-style: disc inside none;</a:t>
+            </a:r>
+          </a:p>
+          <a:p>
+            <a:endParaRPr lang="en-US" dirty="0"/>
           </a:p>
         </p:txBody>
       </p:sp>
@@ -6736,35 +6826,39 @@
           <a:lstStyle/>
           <a:p>
             <a:r>
-              <a:rPr lang="en-US" dirty="0" smtClean="0"/>
+              <a:rPr lang="en-US" dirty="0"/>
               <a:t>http://</a:t>
             </a:r>
             <a:r>
+              <a:rPr lang="en-US" dirty="0" err="1"/>
+              <a:t>dl.dropbox.com</a:t>
+            </a:r>
+            <a:r>
+              <a:rPr lang="en-US" dirty="0"/>
+              <a:t>/u/41609448/art329/slides/</a:t>
+            </a:r>
+            <a:r>
+              <a:rPr lang="en-US" dirty="0" err="1"/>
+              <a:t>classfour</a:t>
+            </a:r>
+            <a:r>
+              <a:rPr lang="en-US" dirty="0"/>
+              <a:t>/slides</a:t>
+            </a:r>
+            <a:r>
+              <a:rPr lang="en-US" dirty="0" smtClean="0"/>
+              <a:t>/</a:t>
+            </a:r>
+            <a:r>
               <a:rPr lang="en-US" dirty="0" err="1" smtClean="0"/>
-              <a:t>dl.dropbox.com</a:t>
-            </a:r>
-            <a:r>
-              <a:rPr lang="en-US" dirty="0" smtClean="0"/>
-              <a:t>/u/41609448/art329/slides/</a:t>
-            </a:r>
-            <a:r>
-              <a:rPr lang="en-US" dirty="0" err="1" smtClean="0"/>
-              <a:t>classfive</a:t>
-            </a:r>
-            <a:r>
-              <a:rPr lang="en-US" dirty="0" smtClean="0"/>
-              <a:t>/slides/</a:t>
-            </a:r>
-            <a:r>
-              <a:rPr lang="en-US" dirty="0" err="1" smtClean="0"/>
-              <a:t>position_offset</a:t>
+              <a:t>liststyle</a:t>
             </a:r>
             <a:r>
               <a:rPr lang="en-US" dirty="0" smtClean="0"/>
               <a:t>/</a:t>
             </a:r>
             <a:r>
-              <a:rPr lang="en-US" dirty="0" err="1" smtClean="0"/>
+              <a:rPr lang="en-US" dirty="0" err="1"/>
               <a:t>index.html</a:t>
             </a:r>
             <a:endParaRPr lang="en-US" dirty="0"/>
@@ -6774,7 +6868,7 @@
     </p:spTree>
     <p:extLst>
       <p:ext uri="{BB962C8B-B14F-4D97-AF65-F5344CB8AC3E}">
-        <p14:creationId xmlns:p14="http://schemas.microsoft.com/office/powerpoint/2010/main" val="2571923580"/>
+        <p14:creationId xmlns:p14="http://schemas.microsoft.com/office/powerpoint/2010/main" val="3840415387"/>
       </p:ext>
     </p:extLst>
   </p:cSld>
@@ -6818,7 +6912,7 @@
           <a:p>
             <a:r>
               <a:rPr lang="en-US" dirty="0" smtClean="0"/>
-              <a:t>z-index</a:t>
+              <a:t>position</a:t>
             </a:r>
             <a:endParaRPr lang="en-US" dirty="0"/>
           </a:p>
@@ -6836,9 +6930,7 @@
         </p:nvSpPr>
         <p:spPr/>
         <p:txBody>
-          <a:bodyPr>
-            <a:normAutofit/>
-          </a:bodyPr>
+          <a:bodyPr/>
           <a:lstStyle/>
           <a:p>
             <a:r>
@@ -6849,26 +6941,20 @@
               <a:rPr lang="en-US" dirty="0" smtClean="0">
                 <a:hlinkClick r:id="rId2"/>
               </a:rPr>
-              <a:t>http://www.w3.org/TR/CSS21/visuren.html - z-index</a:t>
+              <a:t>http://www.w3.org/TR/CSS21/visuren.html - propdef-position</a:t>
             </a:r>
             <a:endParaRPr lang="en-US" dirty="0" smtClean="0"/>
           </a:p>
           <a:p>
             <a:r>
               <a:rPr lang="en-US" dirty="0" smtClean="0"/>
-              <a:t>Sets the "stack level" of a positioned element</a:t>
-            </a:r>
-          </a:p>
-          <a:p>
-            <a:r>
-              <a:rPr lang="en-US" dirty="0" smtClean="0"/>
-              <a:t>Can be auto, integer</a:t>
-            </a:r>
-          </a:p>
-          <a:p>
-            <a:r>
-              <a:rPr lang="en-US" dirty="0" smtClean="0"/>
-              <a:t>Higher numbers are "in front of" lower numbers</a:t>
+              <a:t>Positions an element</a:t>
+            </a:r>
+          </a:p>
+          <a:p>
+            <a:r>
+              <a:rPr lang="en-US" dirty="0" smtClean="0"/>
+              <a:t>Can be static, relative, absolute, fixed</a:t>
             </a:r>
           </a:p>
           <a:p>
@@ -6877,12 +6963,14 @@
                 <a:latin typeface="Courier New"/>
                 <a:cs typeface="Courier New"/>
               </a:rPr>
-              <a:t>z-index: 99;</a:t>
-            </a:r>
-            <a:endParaRPr lang="en-US" sz="2000" dirty="0">
-              <a:latin typeface="Courier New"/>
-              <a:cs typeface="Courier New"/>
-            </a:endParaRPr>
+              <a:t>position: absolute;</a:t>
+            </a:r>
+          </a:p>
+          <a:p>
+            <a:endParaRPr lang="en-US" dirty="0" smtClean="0"/>
+          </a:p>
+          <a:p>
+            <a:endParaRPr lang="en-US" dirty="0" smtClean="0"/>
           </a:p>
         </p:txBody>
       </p:sp>
@@ -6919,15 +7007,7 @@
             </a:r>
             <a:r>
               <a:rPr lang="en-US" dirty="0" smtClean="0"/>
-              <a:t>/slides/</a:t>
-            </a:r>
-            <a:r>
-              <a:rPr lang="en-US" dirty="0" err="1" smtClean="0"/>
-              <a:t>zindex</a:t>
-            </a:r>
-            <a:r>
-              <a:rPr lang="en-US" dirty="0" smtClean="0"/>
-              <a:t>/</a:t>
+              <a:t>/slides/position/</a:t>
             </a:r>
             <a:r>
               <a:rPr lang="en-US" dirty="0" err="1" smtClean="0"/>
@@ -6944,7 +7024,7 @@
     </p:spTree>
     <p:extLst>
       <p:ext uri="{BB962C8B-B14F-4D97-AF65-F5344CB8AC3E}">
-        <p14:creationId xmlns:p14="http://schemas.microsoft.com/office/powerpoint/2010/main" val="1765848951"/>
+        <p14:creationId xmlns:p14="http://schemas.microsoft.com/office/powerpoint/2010/main" val="857961007"/>
       </p:ext>
     </p:extLst>
   </p:cSld>
@@ -6988,7 +7068,7 @@
           <a:p>
             <a:r>
               <a:rPr lang="en-US" dirty="0" smtClean="0"/>
-              <a:t>float</a:t>
+              <a:t>top, right, bottom, left</a:t>
             </a:r>
             <a:endParaRPr lang="en-US" dirty="0"/>
           </a:p>
@@ -7017,20 +7097,26 @@
               <a:rPr lang="en-US" dirty="0" smtClean="0">
                 <a:hlinkClick r:id="rId2"/>
               </a:rPr>
-              <a:t>http://www.w3.org/TR/CSS21/visuren.html - propdef-float</a:t>
+              <a:t>http://www.w3.org/TR/CSS21/visuren.html - position-props</a:t>
             </a:r>
             <a:endParaRPr lang="en-US" dirty="0" smtClean="0"/>
           </a:p>
           <a:p>
             <a:r>
               <a:rPr lang="en-US" dirty="0" smtClean="0"/>
-              <a:t>Used to float an element along other elements</a:t>
-            </a:r>
-          </a:p>
-          <a:p>
-            <a:r>
-              <a:rPr lang="en-US" dirty="0" smtClean="0"/>
-              <a:t>Can be left, right, none</a:t>
+              <a:t>Sets how much to offset the position</a:t>
+            </a:r>
+          </a:p>
+          <a:p>
+            <a:r>
+              <a:rPr lang="en-US" dirty="0" smtClean="0"/>
+              <a:t>Can be length, %, or auto</a:t>
+            </a:r>
+          </a:p>
+          <a:p>
+            <a:r>
+              <a:rPr lang="en-US" dirty="0" smtClean="0"/>
+              <a:t>Can be negative</a:t>
             </a:r>
           </a:p>
           <a:p>
@@ -7039,7 +7125,7 @@
                 <a:latin typeface="Courier New"/>
                 <a:cs typeface="Courier New"/>
               </a:rPr>
-              <a:t>float: left;</a:t>
+              <a:t>top: 8px; right: -20%;</a:t>
             </a:r>
             <a:endParaRPr lang="en-US" sz="2000" dirty="0">
               <a:latin typeface="Courier New"/>
@@ -7064,17 +7150,45 @@
           <a:lstStyle/>
           <a:p>
             <a:r>
-              <a:rPr lang="en-US" smtClean="0"/>
-              <a:t>http://dl.dropbox.com/u/41609448/art329/slides/classfive/slides/float/index.html  </a:t>
-            </a:r>
-            <a:endParaRPr lang="en-US"/>
+              <a:rPr lang="en-US" dirty="0" smtClean="0"/>
+              <a:t>http://</a:t>
+            </a:r>
+            <a:r>
+              <a:rPr lang="en-US" dirty="0" err="1" smtClean="0"/>
+              <a:t>dl.dropbox.com</a:t>
+            </a:r>
+            <a:r>
+              <a:rPr lang="en-US" dirty="0" smtClean="0"/>
+              <a:t>/u/41609448/art329/slides/</a:t>
+            </a:r>
+            <a:r>
+              <a:rPr lang="en-US" dirty="0" err="1" smtClean="0"/>
+              <a:t>classfive</a:t>
+            </a:r>
+            <a:r>
+              <a:rPr lang="en-US" dirty="0" smtClean="0"/>
+              <a:t>/slides/</a:t>
+            </a:r>
+            <a:r>
+              <a:rPr lang="en-US" dirty="0" err="1" smtClean="0"/>
+              <a:t>position_offset</a:t>
+            </a:r>
+            <a:r>
+              <a:rPr lang="en-US" dirty="0" smtClean="0"/>
+              <a:t>/</a:t>
+            </a:r>
+            <a:r>
+              <a:rPr lang="en-US" dirty="0" err="1" smtClean="0"/>
+              <a:t>index.html</a:t>
+            </a:r>
+            <a:endParaRPr lang="en-US" dirty="0"/>
           </a:p>
         </p:txBody>
       </p:sp>
     </p:spTree>
     <p:extLst>
       <p:ext uri="{BB962C8B-B14F-4D97-AF65-F5344CB8AC3E}">
-        <p14:creationId xmlns:p14="http://schemas.microsoft.com/office/powerpoint/2010/main" val="409718624"/>
+        <p14:creationId xmlns:p14="http://schemas.microsoft.com/office/powerpoint/2010/main" val="2571923580"/>
       </p:ext>
     </p:extLst>
   </p:cSld>
@@ -7118,7 +7232,7 @@
           <a:p>
             <a:r>
               <a:rPr lang="en-US" dirty="0" smtClean="0"/>
-              <a:t>clear</a:t>
+              <a:t>z-index</a:t>
             </a:r>
             <a:endParaRPr lang="en-US" dirty="0"/>
           </a:p>
@@ -7136,7 +7250,9 @@
         </p:nvSpPr>
         <p:spPr/>
         <p:txBody>
-          <a:bodyPr/>
+          <a:bodyPr>
+            <a:normAutofit/>
+          </a:bodyPr>
           <a:lstStyle/>
           <a:p>
             <a:r>
@@ -7147,20 +7263,26 @@
               <a:rPr lang="en-US" dirty="0" smtClean="0">
                 <a:hlinkClick r:id="rId2"/>
               </a:rPr>
-              <a:t>http://www.w3.org/TR/CSS21/visuren.html - flow-control</a:t>
+              <a:t>http://www.w3.org/TR/CSS21/visuren.html - z-index</a:t>
             </a:r>
             <a:endParaRPr lang="en-US" dirty="0" smtClean="0"/>
           </a:p>
           <a:p>
             <a:r>
               <a:rPr lang="en-US" dirty="0" smtClean="0"/>
-              <a:t>Clears previous floated elements</a:t>
-            </a:r>
-          </a:p>
-          <a:p>
-            <a:r>
-              <a:rPr lang="en-US" dirty="0" smtClean="0"/>
-              <a:t>Can be none, left, right, both</a:t>
+              <a:t>Sets the "stack level" of a positioned element</a:t>
+            </a:r>
+          </a:p>
+          <a:p>
+            <a:r>
+              <a:rPr lang="en-US" dirty="0" smtClean="0"/>
+              <a:t>Can be auto, integer</a:t>
+            </a:r>
+          </a:p>
+          <a:p>
+            <a:r>
+              <a:rPr lang="en-US" dirty="0" smtClean="0"/>
+              <a:t>Higher numbers are "in front of" lower numbers</a:t>
             </a:r>
           </a:p>
           <a:p>
@@ -7169,7 +7291,7 @@
                 <a:latin typeface="Courier New"/>
                 <a:cs typeface="Courier New"/>
               </a:rPr>
-              <a:t>clear: left;</a:t>
+              <a:t>z-index: 99;</a:t>
             </a:r>
             <a:endParaRPr lang="en-US" sz="2000" dirty="0">
               <a:latin typeface="Courier New"/>
@@ -7211,7 +7333,15 @@
             </a:r>
             <a:r>
               <a:rPr lang="en-US" dirty="0" smtClean="0"/>
-              <a:t>/slides/clear/</a:t>
+              <a:t>/slides/</a:t>
+            </a:r>
+            <a:r>
+              <a:rPr lang="en-US" dirty="0" err="1" smtClean="0"/>
+              <a:t>zindex</a:t>
+            </a:r>
+            <a:r>
+              <a:rPr lang="en-US" dirty="0" smtClean="0"/>
+              <a:t>/</a:t>
             </a:r>
             <a:r>
               <a:rPr lang="en-US" dirty="0" err="1" smtClean="0"/>
@@ -7219,7 +7349,7 @@
             </a:r>
             <a:r>
               <a:rPr lang="en-US" dirty="0" smtClean="0"/>
-              <a:t>  </a:t>
+              <a:t> </a:t>
             </a:r>
             <a:endParaRPr lang="en-US" dirty="0"/>
           </a:p>
@@ -7228,7 +7358,7 @@
     </p:spTree>
     <p:extLst>
       <p:ext uri="{BB962C8B-B14F-4D97-AF65-F5344CB8AC3E}">
-        <p14:creationId xmlns:p14="http://schemas.microsoft.com/office/powerpoint/2010/main" val="3042433382"/>
+        <p14:creationId xmlns:p14="http://schemas.microsoft.com/office/powerpoint/2010/main" val="1765848951"/>
       </p:ext>
     </p:extLst>
   </p:cSld>
@@ -7257,7 +7387,7 @@
       </p:grpSpPr>
       <p:sp>
         <p:nvSpPr>
-          <p:cNvPr id="3" name="Title 2"/>
+          <p:cNvPr id="2" name="Title 1"/>
           <p:cNvSpPr>
             <a:spLocks noGrp="1"/>
           </p:cNvSpPr>
@@ -7272,7 +7402,7 @@
           <a:p>
             <a:r>
               <a:rPr lang="en-US" dirty="0" smtClean="0"/>
-              <a:t>Break</a:t>
+              <a:t>float</a:t>
             </a:r>
             <a:endParaRPr lang="en-US" dirty="0"/>
           </a:p>
@@ -7280,19 +7410,77 @@
       </p:sp>
       <p:sp>
         <p:nvSpPr>
-          <p:cNvPr id="4" name="Text Placeholder 3"/>
-          <p:cNvSpPr>
-            <a:spLocks noGrp="1"/>
-          </p:cNvSpPr>
-          <p:nvPr>
-            <p:ph type="body" idx="1"/>
-          </p:nvPr>
-        </p:nvSpPr>
-        <p:spPr/>
-        <p:txBody>
-          <a:bodyPr/>
-          <a:lstStyle/>
-          <a:p>
+          <p:cNvPr id="3" name="Content Placeholder 2"/>
+          <p:cNvSpPr>
+            <a:spLocks noGrp="1"/>
+          </p:cNvSpPr>
+          <p:nvPr>
+            <p:ph idx="1"/>
+          </p:nvPr>
+        </p:nvSpPr>
+        <p:spPr/>
+        <p:txBody>
+          <a:bodyPr/>
+          <a:lstStyle/>
+          <a:p>
+            <a:r>
+              <a:rPr lang="en-US" dirty="0" smtClean="0"/>
+              <a:t>Learn more: </a:t>
+            </a:r>
+            <a:r>
+              <a:rPr lang="en-US" dirty="0" smtClean="0">
+                <a:hlinkClick r:id="rId2"/>
+              </a:rPr>
+              <a:t>http://www.w3.org/TR/CSS21/visuren.html - propdef-float</a:t>
+            </a:r>
+            <a:endParaRPr lang="en-US" dirty="0" smtClean="0"/>
+          </a:p>
+          <a:p>
+            <a:r>
+              <a:rPr lang="en-US" dirty="0" smtClean="0"/>
+              <a:t>Used to float an element along other elements</a:t>
+            </a:r>
+          </a:p>
+          <a:p>
+            <a:r>
+              <a:rPr lang="en-US" dirty="0" smtClean="0"/>
+              <a:t>Can be left, right, none</a:t>
+            </a:r>
+          </a:p>
+          <a:p>
+            <a:r>
+              <a:rPr lang="en-US" sz="2000" dirty="0" smtClean="0">
+                <a:latin typeface="Courier New"/>
+                <a:cs typeface="Courier New"/>
+              </a:rPr>
+              <a:t>float: left;</a:t>
+            </a:r>
+            <a:endParaRPr lang="en-US" sz="2000" dirty="0">
+              <a:latin typeface="Courier New"/>
+              <a:cs typeface="Courier New"/>
+            </a:endParaRPr>
+          </a:p>
+        </p:txBody>
+      </p:sp>
+      <p:sp>
+        <p:nvSpPr>
+          <p:cNvPr id="4" name="Footer Placeholder 3"/>
+          <p:cNvSpPr>
+            <a:spLocks noGrp="1"/>
+          </p:cNvSpPr>
+          <p:nvPr>
+            <p:ph type="ftr" sz="quarter" idx="11"/>
+          </p:nvPr>
+        </p:nvSpPr>
+        <p:spPr/>
+        <p:txBody>
+          <a:bodyPr/>
+          <a:lstStyle/>
+          <a:p>
+            <a:r>
+              <a:rPr lang="en-US" smtClean="0"/>
+              <a:t>http://dl.dropbox.com/u/41609448/art329/slides/classfive/slides/float/index.html  </a:t>
+            </a:r>
             <a:endParaRPr lang="en-US"/>
           </a:p>
         </p:txBody>
@@ -7300,20 +7488,13 @@
     </p:spTree>
     <p:extLst>
       <p:ext uri="{BB962C8B-B14F-4D97-AF65-F5344CB8AC3E}">
-        <p14:creationId xmlns:p14="http://schemas.microsoft.com/office/powerpoint/2010/main" val="691192380"/>
+        <p14:creationId xmlns:p14="http://schemas.microsoft.com/office/powerpoint/2010/main" val="409718624"/>
       </p:ext>
     </p:extLst>
   </p:cSld>
   <p:clrMapOvr>
     <a:masterClrMapping/>
   </p:clrMapOvr>
-  <p:timing>
-    <p:tnLst>
-      <p:par>
-        <p:cTn xmlns:p14="http://schemas.microsoft.com/office/powerpoint/2010/main" id="1" dur="indefinite" restart="never" nodeType="tmRoot"/>
-      </p:par>
-    </p:tnLst>
-  </p:timing>
 </p:sld>
 </file>
 
@@ -7346,21 +7527,12 @@
         </p:nvSpPr>
         <p:spPr/>
         <p:txBody>
-          <a:bodyPr>
-            <a:normAutofit fontScale="90000"/>
-          </a:bodyPr>
-          <a:lstStyle/>
-          <a:p>
-            <a:r>
-              <a:rPr lang="en-US" dirty="0" smtClean="0"/>
-              <a:t>width,</a:t>
-            </a:r>
-            <a:br>
-              <a:rPr lang="en-US" dirty="0" smtClean="0"/>
-            </a:br>
-            <a:r>
-              <a:rPr lang="en-US" dirty="0" smtClean="0"/>
-              <a:t>min-width, max-width</a:t>
+          <a:bodyPr/>
+          <a:lstStyle/>
+          <a:p>
+            <a:r>
+              <a:rPr lang="en-US" dirty="0" smtClean="0"/>
+              <a:t>clear</a:t>
             </a:r>
             <a:endParaRPr lang="en-US" dirty="0"/>
           </a:p>
@@ -7389,26 +7561,20 @@
               <a:rPr lang="en-US" dirty="0" smtClean="0">
                 <a:hlinkClick r:id="rId2"/>
               </a:rPr>
-              <a:t>http://www.w3.org/TR/CSS21/visudet.html - the-width-property</a:t>
+              <a:t>http://www.w3.org/TR/CSS21/visuren.html - flow-control</a:t>
             </a:r>
             <a:endParaRPr lang="en-US" dirty="0" smtClean="0"/>
           </a:p>
           <a:p>
             <a:r>
               <a:rPr lang="en-US" dirty="0" smtClean="0"/>
-              <a:t>Sets the width of the element</a:t>
-            </a:r>
-          </a:p>
-          <a:p>
-            <a:r>
-              <a:rPr lang="en-US" dirty="0" smtClean="0"/>
-              <a:t>Can also set the minimum width and maximum width</a:t>
-            </a:r>
-          </a:p>
-          <a:p>
-            <a:r>
-              <a:rPr lang="en-US" dirty="0" smtClean="0"/>
-              <a:t>Can be length, %, auto</a:t>
+              <a:t>Clears previous floated elements</a:t>
+            </a:r>
+          </a:p>
+          <a:p>
+            <a:r>
+              <a:rPr lang="en-US" dirty="0" smtClean="0"/>
+              <a:t>Can be none, left, right, both</a:t>
             </a:r>
           </a:p>
           <a:p>
@@ -7417,7 +7583,7 @@
                 <a:latin typeface="Courier New"/>
                 <a:cs typeface="Courier New"/>
               </a:rPr>
-              <a:t>width: 100px; min-width: 50px; max-width: 150px;</a:t>
+              <a:t>clear: left;</a:t>
             </a:r>
             <a:endParaRPr lang="en-US" sz="2000" dirty="0">
               <a:latin typeface="Courier New"/>
@@ -7442,17 +7608,41 @@
           <a:lstStyle/>
           <a:p>
             <a:r>
-              <a:rPr lang="en-US" smtClean="0"/>
-              <a:t>http://dl.dropbox.com/u/41609448/art329/slides/classfive/slides/width/index.html   </a:t>
-            </a:r>
-            <a:endParaRPr lang="en-US"/>
+              <a:rPr lang="en-US" dirty="0" smtClean="0"/>
+              <a:t>http://</a:t>
+            </a:r>
+            <a:r>
+              <a:rPr lang="en-US" dirty="0" err="1" smtClean="0"/>
+              <a:t>dl.dropbox.com</a:t>
+            </a:r>
+            <a:r>
+              <a:rPr lang="en-US" dirty="0" smtClean="0"/>
+              <a:t>/u/41609448/art329/slides/</a:t>
+            </a:r>
+            <a:r>
+              <a:rPr lang="en-US" dirty="0" err="1" smtClean="0"/>
+              <a:t>classfive</a:t>
+            </a:r>
+            <a:r>
+              <a:rPr lang="en-US" dirty="0" smtClean="0"/>
+              <a:t>/slides/clear/</a:t>
+            </a:r>
+            <a:r>
+              <a:rPr lang="en-US" dirty="0" err="1" smtClean="0"/>
+              <a:t>index.html</a:t>
+            </a:r>
+            <a:r>
+              <a:rPr lang="en-US" dirty="0" smtClean="0"/>
+              <a:t>  </a:t>
+            </a:r>
+            <a:endParaRPr lang="en-US" dirty="0"/>
           </a:p>
         </p:txBody>
       </p:sp>
     </p:spTree>
     <p:extLst>
       <p:ext uri="{BB962C8B-B14F-4D97-AF65-F5344CB8AC3E}">
-        <p14:creationId xmlns:p14="http://schemas.microsoft.com/office/powerpoint/2010/main" val="1259737556"/>
+        <p14:creationId xmlns:p14="http://schemas.microsoft.com/office/powerpoint/2010/main" val="3042433382"/>
       </p:ext>
     </p:extLst>
   </p:cSld>
@@ -7481,7 +7671,7 @@
       </p:grpSpPr>
       <p:sp>
         <p:nvSpPr>
-          <p:cNvPr id="2" name="Title 1"/>
+          <p:cNvPr id="3" name="Title 2"/>
           <p:cNvSpPr>
             <a:spLocks noGrp="1"/>
           </p:cNvSpPr>
@@ -7491,21 +7681,12 @@
         </p:nvSpPr>
         <p:spPr/>
         <p:txBody>
-          <a:bodyPr>
-            <a:normAutofit fontScale="90000"/>
-          </a:bodyPr>
-          <a:lstStyle/>
-          <a:p>
-            <a:r>
-              <a:rPr lang="en-US" dirty="0" smtClean="0"/>
-              <a:t>height,</a:t>
-            </a:r>
-            <a:br>
-              <a:rPr lang="en-US" dirty="0" smtClean="0"/>
-            </a:br>
-            <a:r>
-              <a:rPr lang="en-US" dirty="0" smtClean="0"/>
-              <a:t>min-height, max-height</a:t>
+          <a:bodyPr/>
+          <a:lstStyle/>
+          <a:p>
+            <a:r>
+              <a:rPr lang="en-US" dirty="0" smtClean="0"/>
+              <a:t>Break</a:t>
             </a:r>
             <a:endParaRPr lang="en-US" dirty="0"/>
           </a:p>
@@ -7513,121 +7694,40 @@
       </p:sp>
       <p:sp>
         <p:nvSpPr>
-          <p:cNvPr id="3" name="Content Placeholder 2"/>
-          <p:cNvSpPr>
-            <a:spLocks noGrp="1"/>
-          </p:cNvSpPr>
-          <p:nvPr>
-            <p:ph idx="1"/>
-          </p:nvPr>
-        </p:nvSpPr>
-        <p:spPr/>
-        <p:txBody>
-          <a:bodyPr/>
-          <a:lstStyle/>
-          <a:p>
-            <a:r>
-              <a:rPr lang="en-US" dirty="0" smtClean="0"/>
-              <a:t>Learn more: </a:t>
-            </a:r>
-            <a:r>
-              <a:rPr lang="en-US" dirty="0" smtClean="0">
-                <a:hlinkClick r:id="rId2"/>
-              </a:rPr>
-              <a:t>http://www.w3.org/TR/CSS21/visudet.html - the-height-property</a:t>
-            </a:r>
-            <a:endParaRPr lang="en-US" dirty="0" smtClean="0"/>
-          </a:p>
-          <a:p>
-            <a:r>
-              <a:rPr lang="en-US" dirty="0" smtClean="0"/>
-              <a:t>Sets the height of the element</a:t>
-            </a:r>
-          </a:p>
-          <a:p>
-            <a:r>
-              <a:rPr lang="en-US" dirty="0" smtClean="0"/>
-              <a:t>Can also set the minimum height and maximum height</a:t>
-            </a:r>
-          </a:p>
-          <a:p>
-            <a:r>
-              <a:rPr lang="en-US" dirty="0" smtClean="0"/>
-              <a:t>Can be length, %, auto</a:t>
-            </a:r>
-          </a:p>
-          <a:p>
-            <a:r>
-              <a:rPr lang="en-US" sz="2000" dirty="0" smtClean="0">
-                <a:latin typeface="Courier New"/>
-                <a:cs typeface="Courier New"/>
-              </a:rPr>
-              <a:t>height: 100px; min-height: 50px; max-height: 150px;</a:t>
-            </a:r>
-            <a:endParaRPr lang="en-US" sz="2000" dirty="0">
-              <a:latin typeface="Courier New"/>
-              <a:cs typeface="Courier New"/>
-            </a:endParaRPr>
-          </a:p>
-        </p:txBody>
-      </p:sp>
-      <p:sp>
-        <p:nvSpPr>
-          <p:cNvPr id="4" name="Footer Placeholder 3"/>
-          <p:cNvSpPr>
-            <a:spLocks noGrp="1"/>
-          </p:cNvSpPr>
-          <p:nvPr>
-            <p:ph type="ftr" sz="quarter" idx="11"/>
-          </p:nvPr>
-        </p:nvSpPr>
-        <p:spPr/>
-        <p:txBody>
-          <a:bodyPr/>
-          <a:lstStyle/>
-          <a:p>
-            <a:r>
-              <a:rPr lang="en-US" dirty="0" smtClean="0"/>
-              <a:t>http://</a:t>
-            </a:r>
-            <a:r>
-              <a:rPr lang="en-US" dirty="0" err="1" smtClean="0"/>
-              <a:t>dl.dropbox.com</a:t>
-            </a:r>
-            <a:r>
-              <a:rPr lang="en-US" dirty="0" smtClean="0"/>
-              <a:t>/u/41609448/art329/slides/</a:t>
-            </a:r>
-            <a:r>
-              <a:rPr lang="en-US" dirty="0" err="1" smtClean="0"/>
-              <a:t>classfive</a:t>
-            </a:r>
-            <a:r>
-              <a:rPr lang="en-US" dirty="0" smtClean="0"/>
-              <a:t>/slides/height/</a:t>
-            </a:r>
-            <a:r>
-              <a:rPr lang="en-US" dirty="0" err="1" smtClean="0"/>
-              <a:t>index.html</a:t>
-            </a:r>
-            <a:r>
-              <a:rPr lang="en-US" dirty="0" smtClean="0"/>
-              <a:t>   </a:t>
-            </a:r>
-            <a:endParaRPr lang="en-US" dirty="0"/>
+          <p:cNvPr id="4" name="Text Placeholder 3"/>
+          <p:cNvSpPr>
+            <a:spLocks noGrp="1"/>
+          </p:cNvSpPr>
+          <p:nvPr>
+            <p:ph type="body" idx="1"/>
+          </p:nvPr>
+        </p:nvSpPr>
+        <p:spPr/>
+        <p:txBody>
+          <a:bodyPr/>
+          <a:lstStyle/>
+          <a:p>
+            <a:endParaRPr lang="en-US"/>
           </a:p>
         </p:txBody>
       </p:sp>
     </p:spTree>
     <p:extLst>
       <p:ext uri="{BB962C8B-B14F-4D97-AF65-F5344CB8AC3E}">
-        <p14:creationId xmlns:p14="http://schemas.microsoft.com/office/powerpoint/2010/main" val="841147867"/>
+        <p14:creationId xmlns:p14="http://schemas.microsoft.com/office/powerpoint/2010/main" val="691192380"/>
       </p:ext>
     </p:extLst>
   </p:cSld>
   <p:clrMapOvr>
     <a:masterClrMapping/>
   </p:clrMapOvr>
+  <p:timing>
+    <p:tnLst>
+      <p:par>
+        <p:cTn xmlns:p14="http://schemas.microsoft.com/office/powerpoint/2010/main" id="1" dur="indefinite" restart="never" nodeType="tmRoot"/>
+      </p:par>
+    </p:tnLst>
+  </p:timing>
 </p:sld>
 </file>
 
@@ -7660,12 +7760,21 @@
         </p:nvSpPr>
         <p:spPr/>
         <p:txBody>
-          <a:bodyPr/>
-          <a:lstStyle/>
-          <a:p>
-            <a:r>
-              <a:rPr lang="en-US" dirty="0" smtClean="0"/>
-              <a:t>overflow</a:t>
+          <a:bodyPr>
+            <a:normAutofit fontScale="90000"/>
+          </a:bodyPr>
+          <a:lstStyle/>
+          <a:p>
+            <a:r>
+              <a:rPr lang="en-US" dirty="0" smtClean="0"/>
+              <a:t>width,</a:t>
+            </a:r>
+            <a:br>
+              <a:rPr lang="en-US" dirty="0" smtClean="0"/>
+            </a:br>
+            <a:r>
+              <a:rPr lang="en-US" dirty="0" smtClean="0"/>
+              <a:t>min-width, max-width</a:t>
             </a:r>
             <a:endParaRPr lang="en-US" dirty="0"/>
           </a:p>
@@ -7683,9 +7792,7 @@
         </p:nvSpPr>
         <p:spPr/>
         <p:txBody>
-          <a:bodyPr>
-            <a:normAutofit/>
-          </a:bodyPr>
+          <a:bodyPr/>
           <a:lstStyle/>
           <a:p>
             <a:r>
@@ -7696,20 +7803,26 @@
               <a:rPr lang="en-US" dirty="0" smtClean="0">
                 <a:hlinkClick r:id="rId2"/>
               </a:rPr>
-              <a:t>http://www.w3.org/TR/CSS21/visufx.html - propdef-overflow</a:t>
+              <a:t>http://www.w3.org/TR/CSS21/visudet.html - the-width-property</a:t>
             </a:r>
             <a:endParaRPr lang="en-US" dirty="0" smtClean="0"/>
           </a:p>
           <a:p>
             <a:r>
               <a:rPr lang="en-US" dirty="0" smtClean="0"/>
-              <a:t>Handles content that overflows the box</a:t>
-            </a:r>
-          </a:p>
-          <a:p>
-            <a:r>
-              <a:rPr lang="en-US" dirty="0" smtClean="0"/>
-              <a:t>Can be visible, hidden, scroll, auto</a:t>
+              <a:t>Sets the width of the element</a:t>
+            </a:r>
+          </a:p>
+          <a:p>
+            <a:r>
+              <a:rPr lang="en-US" dirty="0" smtClean="0"/>
+              <a:t>Can also set the minimum width and maximum width</a:t>
+            </a:r>
+          </a:p>
+          <a:p>
+            <a:r>
+              <a:rPr lang="en-US" dirty="0" smtClean="0"/>
+              <a:t>Can be length, %, auto</a:t>
             </a:r>
           </a:p>
           <a:p>
@@ -7718,7 +7831,7 @@
                 <a:latin typeface="Courier New"/>
                 <a:cs typeface="Courier New"/>
               </a:rPr>
-              <a:t>overflow: scroll;</a:t>
+              <a:t>width: 100px; min-width: 50px; max-width: 150px;</a:t>
             </a:r>
             <a:endParaRPr lang="en-US" sz="2000" dirty="0">
               <a:latin typeface="Courier New"/>
@@ -7743,37 +7856,17 @@
           <a:lstStyle/>
           <a:p>
             <a:r>
-              <a:rPr lang="en-US" dirty="0" smtClean="0"/>
-              <a:t>http://</a:t>
-            </a:r>
-            <a:r>
-              <a:rPr lang="en-US" dirty="0" err="1" smtClean="0"/>
-              <a:t>dl.dropbox.com</a:t>
-            </a:r>
-            <a:r>
-              <a:rPr lang="en-US" dirty="0" smtClean="0"/>
-              <a:t>/u/41609448/art329/slides/</a:t>
-            </a:r>
-            <a:r>
-              <a:rPr lang="en-US" dirty="0" err="1" smtClean="0"/>
-              <a:t>classfive</a:t>
-            </a:r>
-            <a:r>
-              <a:rPr lang="en-US" dirty="0" smtClean="0"/>
-              <a:t>/slides/overflow/</a:t>
-            </a:r>
-            <a:r>
-              <a:rPr lang="en-US" dirty="0" err="1" smtClean="0"/>
-              <a:t>index.html</a:t>
-            </a:r>
-            <a:endParaRPr lang="en-US" dirty="0"/>
+              <a:rPr lang="en-US" smtClean="0"/>
+              <a:t>http://dl.dropbox.com/u/41609448/art329/slides/classfive/slides/width/index.html   </a:t>
+            </a:r>
+            <a:endParaRPr lang="en-US"/>
           </a:p>
         </p:txBody>
       </p:sp>
     </p:spTree>
     <p:extLst>
       <p:ext uri="{BB962C8B-B14F-4D97-AF65-F5344CB8AC3E}">
-        <p14:creationId xmlns:p14="http://schemas.microsoft.com/office/powerpoint/2010/main" val="754560617"/>
+        <p14:creationId xmlns:p14="http://schemas.microsoft.com/office/powerpoint/2010/main" val="1259737556"/>
       </p:ext>
     </p:extLst>
   </p:cSld>
@@ -7812,12 +7905,21 @@
         </p:nvSpPr>
         <p:spPr/>
         <p:txBody>
-          <a:bodyPr/>
-          <a:lstStyle/>
-          <a:p>
-            <a:r>
-              <a:rPr lang="en-US" dirty="0" smtClean="0"/>
-              <a:t>vertical-align</a:t>
+          <a:bodyPr>
+            <a:normAutofit fontScale="90000"/>
+          </a:bodyPr>
+          <a:lstStyle/>
+          <a:p>
+            <a:r>
+              <a:rPr lang="en-US" dirty="0" smtClean="0"/>
+              <a:t>height,</a:t>
+            </a:r>
+            <a:br>
+              <a:rPr lang="en-US" dirty="0" smtClean="0"/>
+            </a:br>
+            <a:r>
+              <a:rPr lang="en-US" dirty="0" smtClean="0"/>
+              <a:t>min-height, max-height</a:t>
             </a:r>
             <a:endParaRPr lang="en-US" dirty="0"/>
           </a:p>
@@ -7846,36 +7948,26 @@
               <a:rPr lang="en-US" dirty="0" smtClean="0">
                 <a:hlinkClick r:id="rId2"/>
               </a:rPr>
-              <a:t>http://www.w3.org/TR/CSS21/visudet.html - propdef-vertical-align</a:t>
+              <a:t>http://www.w3.org/TR/CSS21/visudet.html - the-height-property</a:t>
             </a:r>
             <a:endParaRPr lang="en-US" dirty="0" smtClean="0"/>
           </a:p>
           <a:p>
             <a:r>
               <a:rPr lang="en-US" dirty="0" smtClean="0"/>
-              <a:t>Sets the vertical positioning for inline boxes</a:t>
-            </a:r>
-          </a:p>
-          <a:p>
-            <a:r>
-              <a:rPr lang="en-US" dirty="0" smtClean="0"/>
-              <a:t>Can be baseline, sub, super, top, </a:t>
-            </a:r>
-            <a:r>
-              <a:rPr lang="en-US" dirty="0"/>
-              <a:t>text-</a:t>
-            </a:r>
-            <a:r>
-              <a:rPr lang="en-US" dirty="0" smtClean="0"/>
-              <a:t>top, middle, bottom, text</a:t>
-            </a:r>
-            <a:r>
-              <a:rPr lang="en-US" dirty="0"/>
-              <a:t>-</a:t>
-            </a:r>
-            <a:r>
-              <a:rPr lang="en-US" dirty="0" smtClean="0"/>
-              <a:t>bottom, %, length</a:t>
+              <a:t>Sets the height of the element</a:t>
+            </a:r>
+          </a:p>
+          <a:p>
+            <a:r>
+              <a:rPr lang="en-US" dirty="0" smtClean="0"/>
+              <a:t>Can also set the minimum height and maximum height</a:t>
+            </a:r>
+          </a:p>
+          <a:p>
+            <a:r>
+              <a:rPr lang="en-US" dirty="0" smtClean="0"/>
+              <a:t>Can be length, %, auto</a:t>
             </a:r>
           </a:p>
           <a:p>
@@ -7884,7 +7976,7 @@
                 <a:latin typeface="Courier New"/>
                 <a:cs typeface="Courier New"/>
               </a:rPr>
-              <a:t>vertical-align: top;</a:t>
+              <a:t>height: 100px; min-height: 50px; max-height: 150px;</a:t>
             </a:r>
             <a:endParaRPr lang="en-US" sz="2000" dirty="0">
               <a:latin typeface="Courier New"/>
@@ -7909,17 +8001,41 @@
           <a:lstStyle/>
           <a:p>
             <a:r>
-              <a:rPr lang="en-US" smtClean="0"/>
-              <a:t>http://dl.dropbox.com/u/41609448/art329/slides/classfive/slides/verticalalign/index.html</a:t>
-            </a:r>
-            <a:endParaRPr lang="en-US"/>
+              <a:rPr lang="en-US" dirty="0" smtClean="0"/>
+              <a:t>http://</a:t>
+            </a:r>
+            <a:r>
+              <a:rPr lang="en-US" dirty="0" err="1" smtClean="0"/>
+              <a:t>dl.dropbox.com</a:t>
+            </a:r>
+            <a:r>
+              <a:rPr lang="en-US" dirty="0" smtClean="0"/>
+              <a:t>/u/41609448/art329/slides/</a:t>
+            </a:r>
+            <a:r>
+              <a:rPr lang="en-US" dirty="0" err="1" smtClean="0"/>
+              <a:t>classfive</a:t>
+            </a:r>
+            <a:r>
+              <a:rPr lang="en-US" dirty="0" smtClean="0"/>
+              <a:t>/slides/height/</a:t>
+            </a:r>
+            <a:r>
+              <a:rPr lang="en-US" dirty="0" err="1" smtClean="0"/>
+              <a:t>index.html</a:t>
+            </a:r>
+            <a:r>
+              <a:rPr lang="en-US" dirty="0" smtClean="0"/>
+              <a:t>   </a:t>
+            </a:r>
+            <a:endParaRPr lang="en-US" dirty="0"/>
           </a:p>
         </p:txBody>
       </p:sp>
     </p:spTree>
     <p:extLst>
       <p:ext uri="{BB962C8B-B14F-4D97-AF65-F5344CB8AC3E}">
-        <p14:creationId xmlns:p14="http://schemas.microsoft.com/office/powerpoint/2010/main" val="508701135"/>
+        <p14:creationId xmlns:p14="http://schemas.microsoft.com/office/powerpoint/2010/main" val="841147867"/>
       </p:ext>
     </p:extLst>
   </p:cSld>
@@ -7990,8 +8106,9 @@
             </a:pPr>
             <a:r>
               <a:rPr lang="en-US" dirty="0" smtClean="0"/>
-              <a:t>What's new?</a:t>
-            </a:r>
+              <a:t>Review</a:t>
+            </a:r>
+            <a:endParaRPr lang="en-US" dirty="0" smtClean="0"/>
           </a:p>
           <a:p>
             <a:pPr>
@@ -8098,7 +8215,7 @@
           <a:p>
             <a:r>
               <a:rPr lang="en-US" dirty="0" smtClean="0"/>
-              <a:t>padding</a:t>
+              <a:t>overflow</a:t>
             </a:r>
             <a:endParaRPr lang="en-US" dirty="0"/>
           </a:p>
@@ -8129,26 +8246,20 @@
               <a:rPr lang="en-US" dirty="0" smtClean="0">
                 <a:hlinkClick r:id="rId2"/>
               </a:rPr>
-              <a:t>http://www.w3.org/TR/CSS21/box.html - propdef-padding</a:t>
+              <a:t>http://www.w3.org/TR/CSS21/visufx.html - propdef-overflow</a:t>
             </a:r>
             <a:endParaRPr lang="en-US" dirty="0" smtClean="0"/>
           </a:p>
           <a:p>
             <a:r>
               <a:rPr lang="en-US" dirty="0" smtClean="0"/>
-              <a:t>Pads the inside of an element</a:t>
-            </a:r>
-          </a:p>
-          <a:p>
-            <a:r>
-              <a:rPr lang="en-US" dirty="0" smtClean="0"/>
-              <a:t>Can be a length, %</a:t>
-            </a:r>
-          </a:p>
-          <a:p>
-            <a:r>
-              <a:rPr lang="en-US" dirty="0" smtClean="0"/>
-              <a:t>Use "clock" shorthand or use padding-top, padding-right, padding-bottom, padding-left</a:t>
+              <a:t>Handles content that overflows the box</a:t>
+            </a:r>
+          </a:p>
+          <a:p>
+            <a:r>
+              <a:rPr lang="en-US" dirty="0" smtClean="0"/>
+              <a:t>Can be visible, hidden, scroll, auto</a:t>
             </a:r>
           </a:p>
           <a:p>
@@ -8157,7 +8268,7 @@
                 <a:latin typeface="Courier New"/>
                 <a:cs typeface="Courier New"/>
               </a:rPr>
-              <a:t>padding: 8px;</a:t>
+              <a:t>overflow: scroll;</a:t>
             </a:r>
             <a:endParaRPr lang="en-US" sz="2000" dirty="0">
               <a:latin typeface="Courier New"/>
@@ -8182,17 +8293,37 @@
           <a:lstStyle/>
           <a:p>
             <a:r>
-              <a:rPr lang="en-US" smtClean="0"/>
-              <a:t>http://dl.dropbox.com/u/41609448/art329/slides/classfive/slides/padding/index.html</a:t>
-            </a:r>
-            <a:endParaRPr lang="en-US"/>
+              <a:rPr lang="en-US" dirty="0" smtClean="0"/>
+              <a:t>http://</a:t>
+            </a:r>
+            <a:r>
+              <a:rPr lang="en-US" dirty="0" err="1" smtClean="0"/>
+              <a:t>dl.dropbox.com</a:t>
+            </a:r>
+            <a:r>
+              <a:rPr lang="en-US" dirty="0" smtClean="0"/>
+              <a:t>/u/41609448/art329/slides/</a:t>
+            </a:r>
+            <a:r>
+              <a:rPr lang="en-US" dirty="0" err="1" smtClean="0"/>
+              <a:t>classfive</a:t>
+            </a:r>
+            <a:r>
+              <a:rPr lang="en-US" dirty="0" smtClean="0"/>
+              <a:t>/slides/overflow/</a:t>
+            </a:r>
+            <a:r>
+              <a:rPr lang="en-US" dirty="0" err="1" smtClean="0"/>
+              <a:t>index.html</a:t>
+            </a:r>
+            <a:endParaRPr lang="en-US" dirty="0"/>
           </a:p>
         </p:txBody>
       </p:sp>
     </p:spTree>
     <p:extLst>
       <p:ext uri="{BB962C8B-B14F-4D97-AF65-F5344CB8AC3E}">
-        <p14:creationId xmlns:p14="http://schemas.microsoft.com/office/powerpoint/2010/main" val="616782289"/>
+        <p14:creationId xmlns:p14="http://schemas.microsoft.com/office/powerpoint/2010/main" val="754560617"/>
       </p:ext>
     </p:extLst>
   </p:cSld>
@@ -8236,7 +8367,7 @@
           <a:p>
             <a:r>
               <a:rPr lang="en-US" dirty="0" smtClean="0"/>
-              <a:t>"Clock" Shorthand</a:t>
+              <a:t>vertical-align</a:t>
             </a:r>
             <a:endParaRPr lang="en-US" dirty="0"/>
           </a:p>
@@ -8254,125 +8385,91 @@
         </p:nvSpPr>
         <p:spPr/>
         <p:txBody>
-          <a:bodyPr>
-            <a:normAutofit lnSpcReduction="10000"/>
-          </a:bodyPr>
-          <a:lstStyle/>
-          <a:p>
-            <a:r>
-              <a:rPr lang="en-US" dirty="0" smtClean="0"/>
-              <a:t>Goes clockwise</a:t>
-            </a:r>
-          </a:p>
-          <a:p>
-            <a:r>
-              <a:rPr lang="en-US" dirty="0" smtClean="0"/>
-              <a:t>Used by padding, margin, and border</a:t>
-            </a:r>
-          </a:p>
-          <a:p>
-            <a:r>
-              <a:rPr lang="en-US" dirty="0" smtClean="0"/>
-              <a:t>1 value: applies to all sides</a:t>
-            </a:r>
-          </a:p>
-          <a:p>
-            <a:r>
-              <a:rPr lang="en-US" dirty="0" smtClean="0"/>
-              <a:t>2 values: 1</a:t>
-            </a:r>
-            <a:r>
-              <a:rPr lang="en-US" baseline="30000" dirty="0" smtClean="0"/>
-              <a:t>st</a:t>
-            </a:r>
-            <a:r>
-              <a:rPr lang="en-US" dirty="0" smtClean="0"/>
-              <a:t> number is top/bottom, 2</a:t>
-            </a:r>
-            <a:r>
-              <a:rPr lang="en-US" baseline="30000" dirty="0" smtClean="0"/>
-              <a:t>nd</a:t>
-            </a:r>
-            <a:r>
-              <a:rPr lang="en-US" dirty="0" smtClean="0"/>
-              <a:t> is right/left</a:t>
-            </a:r>
-          </a:p>
-          <a:p>
-            <a:r>
-              <a:rPr lang="en-US" dirty="0" smtClean="0"/>
-              <a:t>3 values: 1</a:t>
-            </a:r>
-            <a:r>
-              <a:rPr lang="en-US" baseline="30000" dirty="0" smtClean="0"/>
-              <a:t>st</a:t>
-            </a:r>
-            <a:r>
-              <a:rPr lang="en-US" dirty="0" smtClean="0"/>
-              <a:t> number is top, 2</a:t>
-            </a:r>
-            <a:r>
-              <a:rPr lang="en-US" baseline="30000" dirty="0" smtClean="0"/>
-              <a:t>nd</a:t>
-            </a:r>
-            <a:r>
-              <a:rPr lang="en-US" dirty="0" smtClean="0"/>
-              <a:t> is right/left, 3</a:t>
-            </a:r>
-            <a:r>
-              <a:rPr lang="en-US" baseline="30000" dirty="0" smtClean="0"/>
-              <a:t>rd</a:t>
-            </a:r>
-            <a:r>
-              <a:rPr lang="en-US" dirty="0" smtClean="0"/>
-              <a:t> is bottom</a:t>
-            </a:r>
-          </a:p>
-          <a:p>
-            <a:r>
-              <a:rPr lang="en-US" dirty="0" smtClean="0"/>
-              <a:t>4 values: 1</a:t>
-            </a:r>
-            <a:r>
-              <a:rPr lang="en-US" baseline="30000" dirty="0" smtClean="0"/>
-              <a:t>st</a:t>
-            </a:r>
-            <a:r>
-              <a:rPr lang="en-US" dirty="0" smtClean="0"/>
-              <a:t> number is top, 2</a:t>
-            </a:r>
-            <a:r>
-              <a:rPr lang="en-US" baseline="30000" dirty="0" smtClean="0"/>
-              <a:t>nd</a:t>
-            </a:r>
-            <a:r>
-              <a:rPr lang="en-US" dirty="0" smtClean="0"/>
-              <a:t> is right, 3</a:t>
-            </a:r>
-            <a:r>
-              <a:rPr lang="en-US" baseline="30000" dirty="0" smtClean="0"/>
-              <a:t>rd</a:t>
-            </a:r>
-            <a:r>
-              <a:rPr lang="en-US" dirty="0" smtClean="0"/>
-              <a:t> is bottom, 4</a:t>
-            </a:r>
-            <a:r>
-              <a:rPr lang="en-US" baseline="30000" dirty="0" smtClean="0"/>
-              <a:t>th</a:t>
-            </a:r>
-            <a:r>
-              <a:rPr lang="en-US" dirty="0" smtClean="0"/>
-              <a:t> is left</a:t>
-            </a:r>
-            <a:endParaRPr lang="en-US" dirty="0"/>
+          <a:bodyPr/>
+          <a:lstStyle/>
+          <a:p>
+            <a:r>
+              <a:rPr lang="en-US" dirty="0" smtClean="0"/>
+              <a:t>Learn more: </a:t>
+            </a:r>
+            <a:r>
+              <a:rPr lang="en-US" dirty="0" smtClean="0">
+                <a:hlinkClick r:id="rId2"/>
+              </a:rPr>
+              <a:t>http://www.w3.org/TR/CSS21/visudet.html - propdef-vertical-align</a:t>
+            </a:r>
+            <a:endParaRPr lang="en-US" dirty="0" smtClean="0"/>
+          </a:p>
+          <a:p>
+            <a:r>
+              <a:rPr lang="en-US" dirty="0" smtClean="0"/>
+              <a:t>Sets the vertical positioning for inline boxes</a:t>
+            </a:r>
+          </a:p>
+          <a:p>
+            <a:r>
+              <a:rPr lang="en-US" dirty="0" smtClean="0"/>
+              <a:t>Can be baseline, sub, super, top, </a:t>
+            </a:r>
+            <a:r>
+              <a:rPr lang="en-US" dirty="0"/>
+              <a:t>text-</a:t>
+            </a:r>
+            <a:r>
+              <a:rPr lang="en-US" dirty="0" smtClean="0"/>
+              <a:t>top, middle, bottom, text</a:t>
+            </a:r>
+            <a:r>
+              <a:rPr lang="en-US" dirty="0"/>
+              <a:t>-</a:t>
+            </a:r>
+            <a:r>
+              <a:rPr lang="en-US" dirty="0" smtClean="0"/>
+              <a:t>bottom, %, length</a:t>
+            </a:r>
+          </a:p>
+          <a:p>
+            <a:r>
+              <a:rPr lang="en-US" sz="2000" dirty="0" smtClean="0">
+                <a:latin typeface="Courier New"/>
+                <a:cs typeface="Courier New"/>
+              </a:rPr>
+              <a:t>vertical-align: top;</a:t>
+            </a:r>
+            <a:endParaRPr lang="en-US" sz="2000" dirty="0">
+              <a:latin typeface="Courier New"/>
+              <a:cs typeface="Courier New"/>
+            </a:endParaRPr>
+          </a:p>
+        </p:txBody>
+      </p:sp>
+      <p:sp>
+        <p:nvSpPr>
+          <p:cNvPr id="4" name="Footer Placeholder 3"/>
+          <p:cNvSpPr>
+            <a:spLocks noGrp="1"/>
+          </p:cNvSpPr>
+          <p:nvPr>
+            <p:ph type="ftr" sz="quarter" idx="11"/>
+          </p:nvPr>
+        </p:nvSpPr>
+        <p:spPr/>
+        <p:txBody>
+          <a:bodyPr/>
+          <a:lstStyle/>
+          <a:p>
+            <a:r>
+              <a:rPr lang="en-US" smtClean="0"/>
+              <a:t>http://dl.dropbox.com/u/41609448/art329/slides/classfive/slides/verticalalign/index.html</a:t>
+            </a:r>
+            <a:endParaRPr lang="en-US"/>
           </a:p>
         </p:txBody>
       </p:sp>
     </p:spTree>
     <p:extLst>
       <p:ext uri="{BB962C8B-B14F-4D97-AF65-F5344CB8AC3E}">
-        <p14:creationId xmlns:p14="http://schemas.microsoft.com/office/powerpoint/2010/main" val="3689856785"/>
+        <p14:creationId xmlns:p14="http://schemas.microsoft.com/office/powerpoint/2010/main" val="508701135"/>
       </p:ext>
     </p:extLst>
   </p:cSld>
@@ -8416,7 +8513,7 @@
           <a:p>
             <a:r>
               <a:rPr lang="en-US" dirty="0" smtClean="0"/>
-              <a:t>border</a:t>
+              <a:t>padding</a:t>
             </a:r>
             <a:endParaRPr lang="en-US" dirty="0"/>
           </a:p>
@@ -8447,48 +8544,26 @@
               <a:rPr lang="en-US" dirty="0" smtClean="0">
                 <a:hlinkClick r:id="rId2"/>
               </a:rPr>
-              <a:t>http://www.w3.org/TR/CSS21/box.html - border-properties</a:t>
+              <a:t>http://www.w3.org/TR/CSS21/box.html - propdef-padding</a:t>
             </a:r>
             <a:endParaRPr lang="en-US" dirty="0" smtClean="0"/>
           </a:p>
           <a:p>
             <a:r>
               <a:rPr lang="en-US" dirty="0" smtClean="0"/>
-              <a:t>Sets the border properties: width, style, color</a:t>
-            </a:r>
-          </a:p>
-          <a:p>
-            <a:r>
-              <a:rPr lang="en-US" dirty="0"/>
-              <a:t>Use "clock" shorthand or use border-</a:t>
-            </a:r>
-            <a:r>
-              <a:rPr lang="en-US" dirty="0" smtClean="0"/>
-              <a:t>top, </a:t>
-            </a:r>
-            <a:r>
-              <a:rPr lang="en-US" dirty="0"/>
-              <a:t>border-</a:t>
-            </a:r>
-            <a:r>
-              <a:rPr lang="en-US" dirty="0" smtClean="0"/>
-              <a:t>right, </a:t>
-            </a:r>
-            <a:r>
-              <a:rPr lang="en-US" dirty="0"/>
-              <a:t>border-</a:t>
-            </a:r>
-            <a:r>
-              <a:rPr lang="en-US" dirty="0" smtClean="0"/>
-              <a:t>bottom, </a:t>
-            </a:r>
-            <a:r>
-              <a:rPr lang="en-US" dirty="0"/>
-              <a:t>border-</a:t>
-            </a:r>
-            <a:r>
-              <a:rPr lang="en-US" dirty="0" smtClean="0"/>
-              <a:t>left</a:t>
+              <a:t>Pads the inside of an element</a:t>
+            </a:r>
+          </a:p>
+          <a:p>
+            <a:r>
+              <a:rPr lang="en-US" dirty="0" smtClean="0"/>
+              <a:t>Can be a length, %</a:t>
+            </a:r>
+          </a:p>
+          <a:p>
+            <a:r>
+              <a:rPr lang="en-US" dirty="0" smtClean="0"/>
+              <a:t>Use "clock" shorthand or use padding-top, padding-right, padding-bottom, padding-left</a:t>
             </a:r>
           </a:p>
           <a:p>
@@ -8497,7 +8572,7 @@
                 <a:latin typeface="Courier New"/>
                 <a:cs typeface="Courier New"/>
               </a:rPr>
-              <a:t>border: 1px solid #000;</a:t>
+              <a:t>padding: 8px;</a:t>
             </a:r>
             <a:endParaRPr lang="en-US" sz="2000" dirty="0">
               <a:latin typeface="Courier New"/>
@@ -8522,37 +8597,17 @@
           <a:lstStyle/>
           <a:p>
             <a:r>
-              <a:rPr lang="en-US" dirty="0" smtClean="0"/>
-              <a:t>http://</a:t>
-            </a:r>
-            <a:r>
-              <a:rPr lang="en-US" dirty="0" err="1" smtClean="0"/>
-              <a:t>dl.dropbox.com</a:t>
-            </a:r>
-            <a:r>
-              <a:rPr lang="en-US" dirty="0" smtClean="0"/>
-              <a:t>/u/41609448/art329/slides/</a:t>
-            </a:r>
-            <a:r>
-              <a:rPr lang="en-US" dirty="0" err="1" smtClean="0"/>
-              <a:t>classfour</a:t>
-            </a:r>
-            <a:r>
-              <a:rPr lang="en-US" dirty="0" smtClean="0"/>
-              <a:t>/slides/border/</a:t>
-            </a:r>
-            <a:r>
-              <a:rPr lang="en-US" dirty="0" err="1" smtClean="0"/>
-              <a:t>index.html</a:t>
-            </a:r>
-            <a:endParaRPr lang="en-US" dirty="0"/>
+              <a:rPr lang="en-US" smtClean="0"/>
+              <a:t>http://dl.dropbox.com/u/41609448/art329/slides/classfive/slides/padding/index.html</a:t>
+            </a:r>
+            <a:endParaRPr lang="en-US"/>
           </a:p>
         </p:txBody>
       </p:sp>
     </p:spTree>
     <p:extLst>
       <p:ext uri="{BB962C8B-B14F-4D97-AF65-F5344CB8AC3E}">
-        <p14:creationId xmlns:p14="http://schemas.microsoft.com/office/powerpoint/2010/main" val="3192035239"/>
+        <p14:creationId xmlns:p14="http://schemas.microsoft.com/office/powerpoint/2010/main" val="616782289"/>
       </p:ext>
     </p:extLst>
   </p:cSld>
@@ -8596,7 +8651,7 @@
           <a:p>
             <a:r>
               <a:rPr lang="en-US" dirty="0" smtClean="0"/>
-              <a:t>border-width</a:t>
+              <a:t>"Clock" Shorthand</a:t>
             </a:r>
             <a:endParaRPr lang="en-US" dirty="0"/>
           </a:p>
@@ -8615,156 +8670,115 @@
         <p:spPr/>
         <p:txBody>
           <a:bodyPr>
-            <a:normAutofit/>
+            <a:normAutofit lnSpcReduction="10000"/>
           </a:bodyPr>
           <a:lstStyle/>
           <a:p>
             <a:r>
               <a:rPr lang="en-US" dirty="0" smtClean="0"/>
-              <a:t>Learn more: </a:t>
-            </a:r>
-            <a:r>
-              <a:rPr lang="en-US" dirty="0" smtClean="0">
-                <a:hlinkClick r:id="rId2"/>
-              </a:rPr>
-              <a:t>http://www.w3.org/TR/CSS21/box.html - propdef-border-top-width</a:t>
-            </a:r>
-            <a:endParaRPr lang="en-US" dirty="0" smtClean="0"/>
-          </a:p>
-          <a:p>
-            <a:r>
-              <a:rPr lang="en-US" dirty="0" smtClean="0"/>
-              <a:t>Sets the border width</a:t>
-            </a:r>
-          </a:p>
-          <a:p>
-            <a:r>
-              <a:rPr lang="en-US" dirty="0" smtClean="0"/>
-              <a:t>Can be thin, medium, thick, length</a:t>
-            </a:r>
-          </a:p>
-          <a:p>
-            <a:r>
-              <a:rPr lang="en-US" dirty="0"/>
-              <a:t>Use </a:t>
-            </a:r>
-            <a:r>
-              <a:rPr lang="en-US" dirty="0" smtClean="0"/>
-              <a:t>"clock" shorthand </a:t>
-            </a:r>
-            <a:r>
-              <a:rPr lang="en-US" dirty="0"/>
-              <a:t>or use </a:t>
-            </a:r>
-            <a:r>
-              <a:rPr lang="en-US" dirty="0" smtClean="0"/>
-              <a:t>border-top-width, </a:t>
-            </a:r>
-            <a:r>
-              <a:rPr lang="en-US" dirty="0"/>
-              <a:t>border</a:t>
-            </a:r>
-            <a:r>
-              <a:rPr lang="en-US" dirty="0" smtClean="0"/>
-              <a:t>-right-</a:t>
-            </a:r>
-            <a:r>
-              <a:rPr lang="en-US" dirty="0"/>
-              <a:t>width</a:t>
-            </a:r>
-            <a:r>
-              <a:rPr lang="en-US" dirty="0" smtClean="0"/>
-              <a:t>, </a:t>
-            </a:r>
-            <a:r>
-              <a:rPr lang="en-US" dirty="0"/>
-              <a:t>border</a:t>
-            </a:r>
-            <a:r>
-              <a:rPr lang="en-US" dirty="0" smtClean="0"/>
-              <a:t>-bottom-</a:t>
-            </a:r>
-            <a:r>
-              <a:rPr lang="en-US" dirty="0"/>
-              <a:t>width</a:t>
-            </a:r>
-            <a:r>
-              <a:rPr lang="en-US" dirty="0" smtClean="0"/>
-              <a:t>, </a:t>
-            </a:r>
-            <a:r>
-              <a:rPr lang="en-US" dirty="0"/>
-              <a:t>border</a:t>
-            </a:r>
-            <a:r>
-              <a:rPr lang="en-US" dirty="0" smtClean="0"/>
-              <a:t>-left-</a:t>
-            </a:r>
-            <a:r>
-              <a:rPr lang="en-US" dirty="0"/>
-              <a:t>width</a:t>
-            </a:r>
-          </a:p>
-          <a:p>
-            <a:r>
-              <a:rPr lang="en-US" sz="2000" dirty="0">
-                <a:latin typeface="Courier New"/>
-                <a:cs typeface="Courier New"/>
-              </a:rPr>
-              <a:t>b</a:t>
-            </a:r>
-            <a:r>
-              <a:rPr lang="en-US" sz="2000" dirty="0" smtClean="0">
-                <a:latin typeface="Courier New"/>
-                <a:cs typeface="Courier New"/>
-              </a:rPr>
-              <a:t>order-width: medium;</a:t>
-            </a:r>
-          </a:p>
-        </p:txBody>
-      </p:sp>
-      <p:sp>
-        <p:nvSpPr>
-          <p:cNvPr id="4" name="Footer Placeholder 3"/>
-          <p:cNvSpPr>
-            <a:spLocks noGrp="1"/>
-          </p:cNvSpPr>
-          <p:nvPr>
-            <p:ph type="ftr" sz="quarter" idx="11"/>
-          </p:nvPr>
-        </p:nvSpPr>
-        <p:spPr/>
-        <p:txBody>
-          <a:bodyPr/>
-          <a:lstStyle/>
-          <a:p>
-            <a:r>
-              <a:rPr lang="en-US" dirty="0" smtClean="0"/>
-              <a:t>http://</a:t>
-            </a:r>
-            <a:r>
-              <a:rPr lang="en-US" dirty="0" err="1" smtClean="0"/>
-              <a:t>dl.dropbox.com</a:t>
-            </a:r>
-            <a:r>
-              <a:rPr lang="en-US" dirty="0" smtClean="0"/>
-              <a:t>/u/41609448/art329/slides/</a:t>
-            </a:r>
-            <a:r>
-              <a:rPr lang="en-US" dirty="0" err="1" smtClean="0"/>
-              <a:t>classfour</a:t>
-            </a:r>
-            <a:r>
-              <a:rPr lang="en-US" dirty="0" smtClean="0"/>
-              <a:t>/slides/border/</a:t>
-            </a:r>
-            <a:r>
-              <a:rPr lang="en-US" dirty="0" err="1" smtClean="0"/>
-              <a:t>index.html</a:t>
-            </a:r>
-            <a:r>
-              <a:rPr lang="en-US" dirty="0" smtClean="0"/>
-              <a:t> </a:t>
+              <a:t>Goes clockwise</a:t>
+            </a:r>
+          </a:p>
+          <a:p>
+            <a:r>
+              <a:rPr lang="en-US" dirty="0" smtClean="0"/>
+              <a:t>Used by padding, margin, and border</a:t>
+            </a:r>
+          </a:p>
+          <a:p>
+            <a:r>
+              <a:rPr lang="en-US" dirty="0" smtClean="0"/>
+              <a:t>1 value: applies to all sides</a:t>
+            </a:r>
+          </a:p>
+          <a:p>
+            <a:r>
+              <a:rPr lang="en-US" dirty="0" smtClean="0"/>
+              <a:t>2 values: 1</a:t>
+            </a:r>
+            <a:r>
+              <a:rPr lang="en-US" baseline="30000" dirty="0" smtClean="0"/>
+              <a:t>st</a:t>
+            </a:r>
+            <a:r>
+              <a:rPr lang="en-US" dirty="0" smtClean="0"/>
+              <a:t> number is top/bottom, 2</a:t>
+            </a:r>
+            <a:r>
+              <a:rPr lang="en-US" baseline="30000" dirty="0" smtClean="0"/>
+              <a:t>nd</a:t>
+            </a:r>
+            <a:r>
+              <a:rPr lang="en-US" dirty="0" smtClean="0"/>
+              <a:t> is right/left</a:t>
+            </a:r>
+          </a:p>
+          <a:p>
+            <a:r>
+              <a:rPr lang="en-US" dirty="0" smtClean="0"/>
+              <a:t>3 values: 1</a:t>
+            </a:r>
+            <a:r>
+              <a:rPr lang="en-US" baseline="30000" dirty="0" smtClean="0"/>
+              <a:t>st</a:t>
+            </a:r>
+            <a:r>
+              <a:rPr lang="en-US" dirty="0" smtClean="0"/>
+              <a:t> number is top, 2</a:t>
+            </a:r>
+            <a:r>
+              <a:rPr lang="en-US" baseline="30000" dirty="0" smtClean="0"/>
+              <a:t>nd</a:t>
+            </a:r>
+            <a:r>
+              <a:rPr lang="en-US" dirty="0" smtClean="0"/>
+              <a:t> is right/left, 3</a:t>
+            </a:r>
+            <a:r>
+              <a:rPr lang="en-US" baseline="30000" dirty="0" smtClean="0"/>
+              <a:t>rd</a:t>
+            </a:r>
+            <a:r>
+              <a:rPr lang="en-US" dirty="0" smtClean="0"/>
+              <a:t> is bottom</a:t>
+            </a:r>
+          </a:p>
+          <a:p>
+            <a:r>
+              <a:rPr lang="en-US" dirty="0" smtClean="0"/>
+              <a:t>4 values: 1</a:t>
+            </a:r>
+            <a:r>
+              <a:rPr lang="en-US" baseline="30000" dirty="0" smtClean="0"/>
+              <a:t>st</a:t>
+            </a:r>
+            <a:r>
+              <a:rPr lang="en-US" dirty="0" smtClean="0"/>
+              <a:t> number is top, 2</a:t>
+            </a:r>
+            <a:r>
+              <a:rPr lang="en-US" baseline="30000" dirty="0" smtClean="0"/>
+              <a:t>nd</a:t>
+            </a:r>
+            <a:r>
+              <a:rPr lang="en-US" dirty="0" smtClean="0"/>
+              <a:t> is right, 3</a:t>
+            </a:r>
+            <a:r>
+              <a:rPr lang="en-US" baseline="30000" dirty="0" smtClean="0"/>
+              <a:t>rd</a:t>
+            </a:r>
+            <a:r>
+              <a:rPr lang="en-US" dirty="0" smtClean="0"/>
+              <a:t> is bottom, 4</a:t>
+            </a:r>
+            <a:r>
+              <a:rPr lang="en-US" baseline="30000" dirty="0" smtClean="0"/>
+              <a:t>th</a:t>
+            </a:r>
+            <a:r>
+              <a:rPr lang="en-US" dirty="0" smtClean="0"/>
+              <a:t> is left</a:t>
             </a:r>
             <a:endParaRPr lang="en-US" dirty="0"/>
           </a:p>
@@ -8773,7 +8787,7 @@
     </p:spTree>
     <p:extLst>
       <p:ext uri="{BB962C8B-B14F-4D97-AF65-F5344CB8AC3E}">
-        <p14:creationId xmlns:p14="http://schemas.microsoft.com/office/powerpoint/2010/main" val="3601305251"/>
+        <p14:creationId xmlns:p14="http://schemas.microsoft.com/office/powerpoint/2010/main" val="3689856785"/>
       </p:ext>
     </p:extLst>
   </p:cSld>
@@ -8817,7 +8831,7 @@
           <a:p>
             <a:r>
               <a:rPr lang="en-US" dirty="0" smtClean="0"/>
-              <a:t>border-color</a:t>
+              <a:t>border</a:t>
             </a:r>
             <a:endParaRPr lang="en-US" dirty="0"/>
           </a:p>
@@ -8848,80 +8862,62 @@
               <a:rPr lang="en-US" dirty="0" smtClean="0">
                 <a:hlinkClick r:id="rId2"/>
               </a:rPr>
-              <a:t>http://www.w3.org/TR/CSS21/box.html - propdef-border-top-color</a:t>
+              <a:t>http://www.w3.org/TR/CSS21/box.html - border-properties</a:t>
             </a:r>
             <a:endParaRPr lang="en-US" dirty="0" smtClean="0"/>
           </a:p>
           <a:p>
             <a:r>
               <a:rPr lang="en-US" dirty="0" smtClean="0"/>
-              <a:t>Sets the border color</a:t>
-            </a:r>
-          </a:p>
-          <a:p>
-            <a:r>
-              <a:rPr lang="en-US" dirty="0" smtClean="0"/>
-              <a:t>Can be color, transparent</a:t>
+              <a:t>Sets the border properties: width, style, color</a:t>
             </a:r>
           </a:p>
           <a:p>
             <a:r>
               <a:rPr lang="en-US" dirty="0"/>
-              <a:t>Use </a:t>
-            </a:r>
-            <a:r>
-              <a:rPr lang="en-US" dirty="0" smtClean="0"/>
-              <a:t>"clock" shorthand </a:t>
+              <a:t>Use "clock" shorthand or use border-</a:t>
+            </a:r>
+            <a:r>
+              <a:rPr lang="en-US" dirty="0" smtClean="0"/>
+              <a:t>top, </a:t>
             </a:r>
             <a:r>
               <a:rPr lang="en-US" dirty="0"/>
-              <a:t>or use </a:t>
-            </a:r>
-            <a:r>
-              <a:rPr lang="en-US" dirty="0" smtClean="0"/>
-              <a:t>border-top-color, </a:t>
+              <a:t>border-</a:t>
+            </a:r>
+            <a:r>
+              <a:rPr lang="en-US" dirty="0" smtClean="0"/>
+              <a:t>right, </a:t>
             </a:r>
             <a:r>
               <a:rPr lang="en-US" dirty="0"/>
-              <a:t>border</a:t>
-            </a:r>
-            <a:r>
-              <a:rPr lang="en-US" dirty="0" smtClean="0"/>
-              <a:t>-right-color, </a:t>
+              <a:t>border-</a:t>
+            </a:r>
+            <a:r>
+              <a:rPr lang="en-US" dirty="0" smtClean="0"/>
+              <a:t>bottom, </a:t>
             </a:r>
             <a:r>
               <a:rPr lang="en-US" dirty="0"/>
-              <a:t>border</a:t>
-            </a:r>
-            <a:r>
-              <a:rPr lang="en-US" dirty="0" smtClean="0"/>
-              <a:t>-bottom-color, </a:t>
-            </a:r>
-            <a:r>
-              <a:rPr lang="en-US" dirty="0"/>
-              <a:t>border</a:t>
-            </a:r>
-            <a:r>
-              <a:rPr lang="en-US" dirty="0" smtClean="0"/>
-              <a:t>-left-color</a:t>
-            </a:r>
-            <a:endParaRPr lang="en-US" dirty="0"/>
-          </a:p>
-          <a:p>
-            <a:r>
-              <a:rPr lang="en-US" sz="2000" dirty="0">
-                <a:latin typeface="Courier New"/>
-                <a:cs typeface="Courier New"/>
-              </a:rPr>
-              <a:t>b</a:t>
-            </a:r>
+              <a:t>border-</a:t>
+            </a:r>
+            <a:r>
+              <a:rPr lang="en-US" dirty="0" smtClean="0"/>
+              <a:t>left</a:t>
+            </a:r>
+          </a:p>
+          <a:p>
             <a:r>
               <a:rPr lang="en-US" sz="2000" dirty="0" smtClean="0">
                 <a:latin typeface="Courier New"/>
                 <a:cs typeface="Courier New"/>
               </a:rPr>
-              <a:t>order-color: red;</a:t>
-            </a:r>
+              <a:t>border: 1px solid #000;</a:t>
+            </a:r>
+            <a:endParaRPr lang="en-US" sz="2000" dirty="0">
+              <a:latin typeface="Courier New"/>
+              <a:cs typeface="Courier New"/>
+            </a:endParaRPr>
           </a:p>
         </p:txBody>
       </p:sp>
@@ -8963,10 +8959,6 @@
             <a:r>
               <a:rPr lang="en-US" dirty="0" err="1" smtClean="0"/>
               <a:t>index.html</a:t>
-            </a:r>
-            <a:r>
-              <a:rPr lang="en-US" dirty="0" smtClean="0"/>
-              <a:t> </a:t>
             </a:r>
             <a:endParaRPr lang="en-US" dirty="0"/>
           </a:p>
@@ -8975,7 +8967,7 @@
     </p:spTree>
     <p:extLst>
       <p:ext uri="{BB962C8B-B14F-4D97-AF65-F5344CB8AC3E}">
-        <p14:creationId xmlns:p14="http://schemas.microsoft.com/office/powerpoint/2010/main" val="3456313812"/>
+        <p14:creationId xmlns:p14="http://schemas.microsoft.com/office/powerpoint/2010/main" val="3192035239"/>
       </p:ext>
     </p:extLst>
   </p:cSld>
@@ -9019,7 +9011,7 @@
           <a:p>
             <a:r>
               <a:rPr lang="en-US" dirty="0" smtClean="0"/>
-              <a:t>border-style</a:t>
+              <a:t>border-width</a:t>
             </a:r>
             <a:endParaRPr lang="en-US" dirty="0"/>
           </a:p>
@@ -9038,7 +9030,7 @@
         <p:spPr/>
         <p:txBody>
           <a:bodyPr>
-            <a:normAutofit fontScale="92500" lnSpcReduction="10000"/>
+            <a:normAutofit/>
           </a:bodyPr>
           <a:lstStyle/>
           <a:p>
@@ -9050,20 +9042,20 @@
               <a:rPr lang="en-US" dirty="0" smtClean="0">
                 <a:hlinkClick r:id="rId2"/>
               </a:rPr>
-              <a:t>http://www.w3.org/TR/CSS21/box.html - propdef-border-top-style</a:t>
+              <a:t>http://www.w3.org/TR/CSS21/box.html - propdef-border-top-width</a:t>
             </a:r>
             <a:endParaRPr lang="en-US" dirty="0" smtClean="0"/>
           </a:p>
           <a:p>
             <a:r>
               <a:rPr lang="en-US" dirty="0" smtClean="0"/>
-              <a:t>Sets the border style</a:t>
-            </a:r>
-          </a:p>
-          <a:p>
-            <a:r>
-              <a:rPr lang="en-US" dirty="0" smtClean="0"/>
-              <a:t>Can be none, hidden, dotted, dashed, solid, double, groove, ridge, inset, outset</a:t>
+              <a:t>Sets the border width</a:t>
+            </a:r>
+          </a:p>
+          <a:p>
+            <a:r>
+              <a:rPr lang="en-US" dirty="0" smtClean="0"/>
+              <a:t>Can be thin, medium, thick, length</a:t>
             </a:r>
           </a:p>
           <a:p>
@@ -9081,7 +9073,7 @@
             </a:r>
             <a:r>
               <a:rPr lang="en-US" dirty="0" smtClean="0"/>
-              <a:t>border-top-color, </a:t>
+              <a:t>border-top-width, </a:t>
             </a:r>
             <a:r>
               <a:rPr lang="en-US" dirty="0"/>
@@ -9089,7 +9081,15 @@
             </a:r>
             <a:r>
               <a:rPr lang="en-US" dirty="0" smtClean="0"/>
-              <a:t>-right-color, </a:t>
+              <a:t>-right-</a:t>
+            </a:r>
+            <a:r>
+              <a:rPr lang="en-US" dirty="0"/>
+              <a:t>width</a:t>
+            </a:r>
+            <a:r>
+              <a:rPr lang="en-US" dirty="0" smtClean="0"/>
+              <a:t>, </a:t>
             </a:r>
             <a:r>
               <a:rPr lang="en-US" dirty="0"/>
@@ -9097,7 +9097,15 @@
             </a:r>
             <a:r>
               <a:rPr lang="en-US" dirty="0" smtClean="0"/>
-              <a:t>-bottom-color, </a:t>
+              <a:t>-bottom-</a:t>
+            </a:r>
+            <a:r>
+              <a:rPr lang="en-US" dirty="0"/>
+              <a:t>width</a:t>
+            </a:r>
+            <a:r>
+              <a:rPr lang="en-US" dirty="0" smtClean="0"/>
+              <a:t>, </a:t>
             </a:r>
             <a:r>
               <a:rPr lang="en-US" dirty="0"/>
@@ -9105,9 +9113,12 @@
             </a:r>
             <a:r>
               <a:rPr lang="en-US" dirty="0" smtClean="0"/>
-              <a:t>-left-color</a:t>
-            </a:r>
-            <a:endParaRPr lang="en-US" dirty="0"/>
+              <a:t>-left-</a:t>
+            </a:r>
+            <a:r>
+              <a:rPr lang="en-US" dirty="0"/>
+              <a:t>width</a:t>
+            </a:r>
           </a:p>
           <a:p>
             <a:r>
@@ -9122,7 +9133,7 @@
                 <a:latin typeface="Courier New"/>
                 <a:cs typeface="Courier New"/>
               </a:rPr>
-              <a:t>order-style: solid;</a:t>
+              <a:t>order-width: medium;</a:t>
             </a:r>
           </a:p>
         </p:txBody>
@@ -9177,7 +9188,7 @@
     </p:spTree>
     <p:extLst>
       <p:ext uri="{BB962C8B-B14F-4D97-AF65-F5344CB8AC3E}">
-        <p14:creationId xmlns:p14="http://schemas.microsoft.com/office/powerpoint/2010/main" val="1392145779"/>
+        <p14:creationId xmlns:p14="http://schemas.microsoft.com/office/powerpoint/2010/main" val="3601305251"/>
       </p:ext>
     </p:extLst>
   </p:cSld>
@@ -9221,7 +9232,7 @@
           <a:p>
             <a:r>
               <a:rPr lang="en-US" dirty="0" smtClean="0"/>
-              <a:t>margin</a:t>
+              <a:t>border-color</a:t>
             </a:r>
             <a:endParaRPr lang="en-US" dirty="0"/>
           </a:p>
@@ -9252,40 +9263,80 @@
               <a:rPr lang="en-US" dirty="0" smtClean="0">
                 <a:hlinkClick r:id="rId2"/>
               </a:rPr>
-              <a:t>http://www.w3.org/TR/CSS21/box.html - propdef-margin</a:t>
+              <a:t>http://www.w3.org/TR/CSS21/box.html - propdef-border-top-color</a:t>
             </a:r>
             <a:endParaRPr lang="en-US" dirty="0" smtClean="0"/>
           </a:p>
           <a:p>
             <a:r>
               <a:rPr lang="en-US" dirty="0" smtClean="0"/>
-              <a:t>Pads the outside of an element</a:t>
-            </a:r>
-          </a:p>
-          <a:p>
-            <a:r>
-              <a:rPr lang="en-US" dirty="0" smtClean="0"/>
-              <a:t>Can be a length, %, auto</a:t>
-            </a:r>
-          </a:p>
-          <a:p>
-            <a:r>
-              <a:rPr lang="en-US" dirty="0" smtClean="0"/>
-              <a:t>Use "clock" shorthand or use margin-top, margin-right, margin-bottom, margin-left</a:t>
-            </a:r>
-          </a:p>
-          <a:p>
+              <a:t>Sets the border color</a:t>
+            </a:r>
+          </a:p>
+          <a:p>
+            <a:r>
+              <a:rPr lang="en-US" dirty="0" smtClean="0"/>
+              <a:t>Can be color, transparent</a:t>
+            </a:r>
+          </a:p>
+          <a:p>
+            <a:r>
+              <a:rPr lang="en-US" dirty="0"/>
+              <a:t>Use </a:t>
+            </a:r>
+            <a:r>
+              <a:rPr lang="en-US" dirty="0" smtClean="0"/>
+              <a:t>"clock" shorthand </a:t>
+            </a:r>
+            <a:r>
+              <a:rPr lang="en-US" dirty="0"/>
+              <a:t>or use </a:t>
+            </a:r>
+            <a:r>
+              <a:rPr lang="en-US" dirty="0" smtClean="0"/>
+              <a:t>border-top-color, </a:t>
+            </a:r>
+            <a:r>
+              <a:rPr lang="en-US" dirty="0"/>
+              <a:t>border</a:t>
+            </a:r>
+            <a:r>
+              <a:rPr lang="en-US" dirty="0" smtClean="0"/>
+              <a:t>-right-color, </a:t>
+            </a:r>
+            <a:r>
+              <a:rPr lang="en-US" dirty="0"/>
+              <a:t>border</a:t>
+            </a:r>
+            <a:r>
+              <a:rPr lang="en-US" dirty="0" smtClean="0"/>
+              <a:t>-bottom-color, </a:t>
+            </a:r>
+            <a:r>
+              <a:rPr lang="en-US" dirty="0"/>
+              <a:t>border</a:t>
+            </a:r>
+            <a:r>
+              <a:rPr lang="en-US" dirty="0" smtClean="0"/>
+              <a:t>-left-color</a:t>
+            </a:r>
+            <a:endParaRPr lang="en-US" dirty="0"/>
+          </a:p>
+          <a:p>
+            <a:r>
+              <a:rPr lang="en-US" sz="2000" dirty="0">
+                <a:latin typeface="Courier New"/>
+                <a:cs typeface="Courier New"/>
+              </a:rPr>
+              <a:t>b</a:t>
+            </a:r>
             <a:r>
               <a:rPr lang="en-US" sz="2000" dirty="0" smtClean="0">
                 <a:latin typeface="Courier New"/>
                 <a:cs typeface="Courier New"/>
               </a:rPr>
-              <a:t>margin: 8px;</a:t>
-            </a:r>
-            <a:endParaRPr lang="en-US" sz="2000" dirty="0">
-              <a:latin typeface="Courier New"/>
-              <a:cs typeface="Courier New"/>
-            </a:endParaRPr>
+              <a:t>order-color: red;</a:t>
+            </a:r>
           </a:p>
         </p:txBody>
       </p:sp>
@@ -9318,15 +9369,19 @@
             </a:r>
             <a:r>
               <a:rPr lang="en-US" dirty="0" err="1" smtClean="0"/>
-              <a:t>classfive</a:t>
-            </a:r>
-            <a:r>
-              <a:rPr lang="en-US" dirty="0" smtClean="0"/>
-              <a:t>/slides/margin/</a:t>
+              <a:t>classfour</a:t>
+            </a:r>
+            <a:r>
+              <a:rPr lang="en-US" dirty="0" smtClean="0"/>
+              <a:t>/slides/border/</a:t>
             </a:r>
             <a:r>
               <a:rPr lang="en-US" dirty="0" err="1" smtClean="0"/>
               <a:t>index.html</a:t>
+            </a:r>
+            <a:r>
+              <a:rPr lang="en-US" dirty="0" smtClean="0"/>
+              <a:t> </a:t>
             </a:r>
             <a:endParaRPr lang="en-US" dirty="0"/>
           </a:p>
@@ -9335,7 +9390,7 @@
     </p:spTree>
     <p:extLst>
       <p:ext uri="{BB962C8B-B14F-4D97-AF65-F5344CB8AC3E}">
-        <p14:creationId xmlns:p14="http://schemas.microsoft.com/office/powerpoint/2010/main" val="2343118388"/>
+        <p14:creationId xmlns:p14="http://schemas.microsoft.com/office/powerpoint/2010/main" val="3456313812"/>
       </p:ext>
     </p:extLst>
   </p:cSld>
@@ -9364,6 +9419,366 @@
       </p:grpSpPr>
       <p:sp>
         <p:nvSpPr>
+          <p:cNvPr id="2" name="Title 1"/>
+          <p:cNvSpPr>
+            <a:spLocks noGrp="1"/>
+          </p:cNvSpPr>
+          <p:nvPr>
+            <p:ph type="title"/>
+          </p:nvPr>
+        </p:nvSpPr>
+        <p:spPr/>
+        <p:txBody>
+          <a:bodyPr/>
+          <a:lstStyle/>
+          <a:p>
+            <a:r>
+              <a:rPr lang="en-US" dirty="0" smtClean="0"/>
+              <a:t>border-style</a:t>
+            </a:r>
+            <a:endParaRPr lang="en-US" dirty="0"/>
+          </a:p>
+        </p:txBody>
+      </p:sp>
+      <p:sp>
+        <p:nvSpPr>
+          <p:cNvPr id="3" name="Content Placeholder 2"/>
+          <p:cNvSpPr>
+            <a:spLocks noGrp="1"/>
+          </p:cNvSpPr>
+          <p:nvPr>
+            <p:ph idx="1"/>
+          </p:nvPr>
+        </p:nvSpPr>
+        <p:spPr/>
+        <p:txBody>
+          <a:bodyPr>
+            <a:normAutofit fontScale="92500" lnSpcReduction="10000"/>
+          </a:bodyPr>
+          <a:lstStyle/>
+          <a:p>
+            <a:r>
+              <a:rPr lang="en-US" dirty="0" smtClean="0"/>
+              <a:t>Learn more: </a:t>
+            </a:r>
+            <a:r>
+              <a:rPr lang="en-US" dirty="0" smtClean="0">
+                <a:hlinkClick r:id="rId2"/>
+              </a:rPr>
+              <a:t>http://www.w3.org/TR/CSS21/box.html - propdef-border-top-style</a:t>
+            </a:r>
+            <a:endParaRPr lang="en-US" dirty="0" smtClean="0"/>
+          </a:p>
+          <a:p>
+            <a:r>
+              <a:rPr lang="en-US" dirty="0" smtClean="0"/>
+              <a:t>Sets the border style</a:t>
+            </a:r>
+          </a:p>
+          <a:p>
+            <a:r>
+              <a:rPr lang="en-US" dirty="0" smtClean="0"/>
+              <a:t>Can be none, hidden, dotted, dashed, solid, double, groove, ridge, inset, outset</a:t>
+            </a:r>
+          </a:p>
+          <a:p>
+            <a:r>
+              <a:rPr lang="en-US" dirty="0"/>
+              <a:t>Use </a:t>
+            </a:r>
+            <a:r>
+              <a:rPr lang="en-US" dirty="0" smtClean="0"/>
+              <a:t>"clock" shorthand </a:t>
+            </a:r>
+            <a:r>
+              <a:rPr lang="en-US" dirty="0"/>
+              <a:t>or use </a:t>
+            </a:r>
+            <a:r>
+              <a:rPr lang="en-US" dirty="0" smtClean="0"/>
+              <a:t>border-top-color, </a:t>
+            </a:r>
+            <a:r>
+              <a:rPr lang="en-US" dirty="0"/>
+              <a:t>border</a:t>
+            </a:r>
+            <a:r>
+              <a:rPr lang="en-US" dirty="0" smtClean="0"/>
+              <a:t>-right-color, </a:t>
+            </a:r>
+            <a:r>
+              <a:rPr lang="en-US" dirty="0"/>
+              <a:t>border</a:t>
+            </a:r>
+            <a:r>
+              <a:rPr lang="en-US" dirty="0" smtClean="0"/>
+              <a:t>-bottom-color, </a:t>
+            </a:r>
+            <a:r>
+              <a:rPr lang="en-US" dirty="0"/>
+              <a:t>border</a:t>
+            </a:r>
+            <a:r>
+              <a:rPr lang="en-US" dirty="0" smtClean="0"/>
+              <a:t>-left-color</a:t>
+            </a:r>
+            <a:endParaRPr lang="en-US" dirty="0"/>
+          </a:p>
+          <a:p>
+            <a:r>
+              <a:rPr lang="en-US" sz="2000" dirty="0">
+                <a:latin typeface="Courier New"/>
+                <a:cs typeface="Courier New"/>
+              </a:rPr>
+              <a:t>b</a:t>
+            </a:r>
+            <a:r>
+              <a:rPr lang="en-US" sz="2000" dirty="0" smtClean="0">
+                <a:latin typeface="Courier New"/>
+                <a:cs typeface="Courier New"/>
+              </a:rPr>
+              <a:t>order-style: solid;</a:t>
+            </a:r>
+          </a:p>
+        </p:txBody>
+      </p:sp>
+      <p:sp>
+        <p:nvSpPr>
+          <p:cNvPr id="4" name="Footer Placeholder 3"/>
+          <p:cNvSpPr>
+            <a:spLocks noGrp="1"/>
+          </p:cNvSpPr>
+          <p:nvPr>
+            <p:ph type="ftr" sz="quarter" idx="11"/>
+          </p:nvPr>
+        </p:nvSpPr>
+        <p:spPr/>
+        <p:txBody>
+          <a:bodyPr/>
+          <a:lstStyle/>
+          <a:p>
+            <a:r>
+              <a:rPr lang="en-US" dirty="0" smtClean="0"/>
+              <a:t>http://</a:t>
+            </a:r>
+            <a:r>
+              <a:rPr lang="en-US" dirty="0" err="1" smtClean="0"/>
+              <a:t>dl.dropbox.com</a:t>
+            </a:r>
+            <a:r>
+              <a:rPr lang="en-US" dirty="0" smtClean="0"/>
+              <a:t>/u/41609448/art329/slides/</a:t>
+            </a:r>
+            <a:r>
+              <a:rPr lang="en-US" dirty="0" err="1" smtClean="0"/>
+              <a:t>classfour</a:t>
+            </a:r>
+            <a:r>
+              <a:rPr lang="en-US" dirty="0" smtClean="0"/>
+              <a:t>/slides/border/</a:t>
+            </a:r>
+            <a:r>
+              <a:rPr lang="en-US" dirty="0" err="1" smtClean="0"/>
+              <a:t>index.html</a:t>
+            </a:r>
+            <a:r>
+              <a:rPr lang="en-US" dirty="0" smtClean="0"/>
+              <a:t> </a:t>
+            </a:r>
+            <a:endParaRPr lang="en-US" dirty="0"/>
+          </a:p>
+        </p:txBody>
+      </p:sp>
+    </p:spTree>
+    <p:extLst>
+      <p:ext uri="{BB962C8B-B14F-4D97-AF65-F5344CB8AC3E}">
+        <p14:creationId xmlns:p14="http://schemas.microsoft.com/office/powerpoint/2010/main" val="1392145779"/>
+      </p:ext>
+    </p:extLst>
+  </p:cSld>
+  <p:clrMapOvr>
+    <a:masterClrMapping/>
+  </p:clrMapOvr>
+</p:sld>
+</file>
+
+<file path=ppt/slides/slide28.xml><?xml version="1.0" encoding="utf-8"?>
+<p:sld xmlns:a="http://schemas.openxmlformats.org/drawingml/2006/main" xmlns:r="http://schemas.openxmlformats.org/officeDocument/2006/relationships" xmlns:p="http://schemas.openxmlformats.org/presentationml/2006/main">
+  <p:cSld>
+    <p:spTree>
+      <p:nvGrpSpPr>
+        <p:cNvPr id="1" name=""/>
+        <p:cNvGrpSpPr/>
+        <p:nvPr/>
+      </p:nvGrpSpPr>
+      <p:grpSpPr>
+        <a:xfrm>
+          <a:off x="0" y="0"/>
+          <a:ext cx="0" cy="0"/>
+          <a:chOff x="0" y="0"/>
+          <a:chExt cx="0" cy="0"/>
+        </a:xfrm>
+      </p:grpSpPr>
+      <p:sp>
+        <p:nvSpPr>
+          <p:cNvPr id="2" name="Title 1"/>
+          <p:cNvSpPr>
+            <a:spLocks noGrp="1"/>
+          </p:cNvSpPr>
+          <p:nvPr>
+            <p:ph type="title"/>
+          </p:nvPr>
+        </p:nvSpPr>
+        <p:spPr/>
+        <p:txBody>
+          <a:bodyPr/>
+          <a:lstStyle/>
+          <a:p>
+            <a:r>
+              <a:rPr lang="en-US" dirty="0" smtClean="0"/>
+              <a:t>margin</a:t>
+            </a:r>
+            <a:endParaRPr lang="en-US" dirty="0"/>
+          </a:p>
+        </p:txBody>
+      </p:sp>
+      <p:sp>
+        <p:nvSpPr>
+          <p:cNvPr id="3" name="Content Placeholder 2"/>
+          <p:cNvSpPr>
+            <a:spLocks noGrp="1"/>
+          </p:cNvSpPr>
+          <p:nvPr>
+            <p:ph idx="1"/>
+          </p:nvPr>
+        </p:nvSpPr>
+        <p:spPr/>
+        <p:txBody>
+          <a:bodyPr>
+            <a:normAutofit/>
+          </a:bodyPr>
+          <a:lstStyle/>
+          <a:p>
+            <a:r>
+              <a:rPr lang="en-US" dirty="0" smtClean="0"/>
+              <a:t>Learn more: </a:t>
+            </a:r>
+            <a:r>
+              <a:rPr lang="en-US" dirty="0" smtClean="0">
+                <a:hlinkClick r:id="rId2"/>
+              </a:rPr>
+              <a:t>http://www.w3.org/TR/CSS21/box.html - propdef-margin</a:t>
+            </a:r>
+            <a:endParaRPr lang="en-US" dirty="0" smtClean="0"/>
+          </a:p>
+          <a:p>
+            <a:r>
+              <a:rPr lang="en-US" dirty="0" smtClean="0"/>
+              <a:t>Pads the outside of an element</a:t>
+            </a:r>
+          </a:p>
+          <a:p>
+            <a:r>
+              <a:rPr lang="en-US" dirty="0" smtClean="0"/>
+              <a:t>Can be a length, %, auto</a:t>
+            </a:r>
+          </a:p>
+          <a:p>
+            <a:r>
+              <a:rPr lang="en-US" dirty="0" smtClean="0"/>
+              <a:t>Use "clock" shorthand or use margin-top, margin-right, margin-bottom, margin-left</a:t>
+            </a:r>
+          </a:p>
+          <a:p>
+            <a:r>
+              <a:rPr lang="en-US" sz="2000" dirty="0" smtClean="0">
+                <a:latin typeface="Courier New"/>
+                <a:cs typeface="Courier New"/>
+              </a:rPr>
+              <a:t>margin: 8px;</a:t>
+            </a:r>
+            <a:endParaRPr lang="en-US" sz="2000" dirty="0">
+              <a:latin typeface="Courier New"/>
+              <a:cs typeface="Courier New"/>
+            </a:endParaRPr>
+          </a:p>
+        </p:txBody>
+      </p:sp>
+      <p:sp>
+        <p:nvSpPr>
+          <p:cNvPr id="4" name="Footer Placeholder 3"/>
+          <p:cNvSpPr>
+            <a:spLocks noGrp="1"/>
+          </p:cNvSpPr>
+          <p:nvPr>
+            <p:ph type="ftr" sz="quarter" idx="11"/>
+          </p:nvPr>
+        </p:nvSpPr>
+        <p:spPr/>
+        <p:txBody>
+          <a:bodyPr/>
+          <a:lstStyle/>
+          <a:p>
+            <a:r>
+              <a:rPr lang="en-US" dirty="0" smtClean="0"/>
+              <a:t>http://</a:t>
+            </a:r>
+            <a:r>
+              <a:rPr lang="en-US" dirty="0" err="1" smtClean="0"/>
+              <a:t>dl.dropbox.com</a:t>
+            </a:r>
+            <a:r>
+              <a:rPr lang="en-US" dirty="0" smtClean="0"/>
+              <a:t>/u/41609448/art329/slides/</a:t>
+            </a:r>
+            <a:r>
+              <a:rPr lang="en-US" dirty="0" err="1" smtClean="0"/>
+              <a:t>classfive</a:t>
+            </a:r>
+            <a:r>
+              <a:rPr lang="en-US" dirty="0" smtClean="0"/>
+              <a:t>/slides/margin/</a:t>
+            </a:r>
+            <a:r>
+              <a:rPr lang="en-US" dirty="0" err="1" smtClean="0"/>
+              <a:t>index.html</a:t>
+            </a:r>
+            <a:endParaRPr lang="en-US" dirty="0"/>
+          </a:p>
+        </p:txBody>
+      </p:sp>
+    </p:spTree>
+    <p:extLst>
+      <p:ext uri="{BB962C8B-B14F-4D97-AF65-F5344CB8AC3E}">
+        <p14:creationId xmlns:p14="http://schemas.microsoft.com/office/powerpoint/2010/main" val="2343118388"/>
+      </p:ext>
+    </p:extLst>
+  </p:cSld>
+  <p:clrMapOvr>
+    <a:masterClrMapping/>
+  </p:clrMapOvr>
+</p:sld>
+</file>
+
+<file path=ppt/slides/slide29.xml><?xml version="1.0" encoding="utf-8"?>
+<p:sld xmlns:a="http://schemas.openxmlformats.org/drawingml/2006/main" xmlns:r="http://schemas.openxmlformats.org/officeDocument/2006/relationships" xmlns:p="http://schemas.openxmlformats.org/presentationml/2006/main">
+  <p:cSld>
+    <p:spTree>
+      <p:nvGrpSpPr>
+        <p:cNvPr id="1" name=""/>
+        <p:cNvGrpSpPr/>
+        <p:nvPr/>
+      </p:nvGrpSpPr>
+      <p:grpSpPr>
+        <a:xfrm>
+          <a:off x="0" y="0"/>
+          <a:ext cx="0" cy="0"/>
+          <a:chOff x="0" y="0"/>
+          <a:chExt cx="0" cy="0"/>
+        </a:xfrm>
+      </p:grpSpPr>
+      <p:sp>
+        <p:nvSpPr>
           <p:cNvPr id="3" name="Title 2"/>
           <p:cNvSpPr>
             <a:spLocks noGrp="1"/>
@@ -9424,7 +9839,108 @@
 </p:sld>
 </file>
 
-<file path=ppt/slides/slide28.xml><?xml version="1.0" encoding="utf-8"?>
+<file path=ppt/slides/slide3.xml><?xml version="1.0" encoding="utf-8"?>
+<p:sld xmlns:a="http://schemas.openxmlformats.org/drawingml/2006/main" xmlns:r="http://schemas.openxmlformats.org/officeDocument/2006/relationships" xmlns:p="http://schemas.openxmlformats.org/presentationml/2006/main">
+  <p:cSld>
+    <p:spTree>
+      <p:nvGrpSpPr>
+        <p:cNvPr id="1" name=""/>
+        <p:cNvGrpSpPr/>
+        <p:nvPr/>
+      </p:nvGrpSpPr>
+      <p:grpSpPr>
+        <a:xfrm>
+          <a:off x="0" y="0"/>
+          <a:ext cx="0" cy="0"/>
+          <a:chOff x="0" y="0"/>
+          <a:chExt cx="0" cy="0"/>
+        </a:xfrm>
+      </p:grpSpPr>
+      <p:sp>
+        <p:nvSpPr>
+          <p:cNvPr id="2" name="Title 1"/>
+          <p:cNvSpPr>
+            <a:spLocks noGrp="1"/>
+          </p:cNvSpPr>
+          <p:nvPr>
+            <p:ph type="title"/>
+          </p:nvPr>
+        </p:nvSpPr>
+        <p:spPr/>
+        <p:txBody>
+          <a:bodyPr/>
+          <a:lstStyle/>
+          <a:p>
+            <a:r>
+              <a:rPr lang="en-US" dirty="0" smtClean="0"/>
+              <a:t>Review - Theme</a:t>
+            </a:r>
+            <a:endParaRPr lang="en-US" dirty="0"/>
+          </a:p>
+        </p:txBody>
+      </p:sp>
+      <p:sp>
+        <p:nvSpPr>
+          <p:cNvPr id="3" name="Content Placeholder 2"/>
+          <p:cNvSpPr>
+            <a:spLocks noGrp="1"/>
+          </p:cNvSpPr>
+          <p:nvPr>
+            <p:ph idx="1"/>
+          </p:nvPr>
+        </p:nvSpPr>
+        <p:spPr/>
+        <p:txBody>
+          <a:bodyPr/>
+          <a:lstStyle/>
+          <a:p>
+            <a:r>
+              <a:rPr lang="en-US" dirty="0" smtClean="0"/>
+              <a:t>Represents your site's purpose and content</a:t>
+            </a:r>
+          </a:p>
+          <a:p>
+            <a:r>
+              <a:rPr lang="en-US" dirty="0" err="1" smtClean="0"/>
+              <a:t>Amazon.com</a:t>
+            </a:r>
+            <a:r>
+              <a:rPr lang="en-US" dirty="0" smtClean="0"/>
+              <a:t>: an online merchant that focuses on books</a:t>
+            </a:r>
+          </a:p>
+          <a:p>
+            <a:r>
+              <a:rPr lang="en-US" dirty="0" smtClean="0"/>
+              <a:t>Visual metaphor reinforces the theme</a:t>
+            </a:r>
+          </a:p>
+          <a:p>
+            <a:endParaRPr lang="en-US" dirty="0"/>
+          </a:p>
+        </p:txBody>
+      </p:sp>
+    </p:spTree>
+    <p:extLst>
+      <p:ext uri="{BB962C8B-B14F-4D97-AF65-F5344CB8AC3E}">
+        <p14:creationId xmlns:p14="http://schemas.microsoft.com/office/powerpoint/2010/main" val="1571346728"/>
+      </p:ext>
+    </p:extLst>
+  </p:cSld>
+  <p:clrMapOvr>
+    <a:masterClrMapping/>
+  </p:clrMapOvr>
+  <p:timing>
+    <p:tnLst>
+      <p:par>
+        <p:cTn xmlns:p14="http://schemas.microsoft.com/office/powerpoint/2010/main" id="1" dur="indefinite" restart="never" nodeType="tmRoot"/>
+      </p:par>
+    </p:tnLst>
+  </p:timing>
+</p:sld>
+</file>
+
+<file path=ppt/slides/slide30.xml><?xml version="1.0" encoding="utf-8"?>
 <p:sld xmlns:a="http://schemas.openxmlformats.org/drawingml/2006/main" xmlns:r="http://schemas.openxmlformats.org/officeDocument/2006/relationships" xmlns:p="http://schemas.openxmlformats.org/presentationml/2006/main">
   <p:cSld>
     <p:spTree>
@@ -9511,275 +10027,6 @@
 </p:sld>
 </file>
 
-<file path=ppt/slides/slide29.xml><?xml version="1.0" encoding="utf-8"?>
-<p:sld xmlns:a="http://schemas.openxmlformats.org/drawingml/2006/main" xmlns:r="http://schemas.openxmlformats.org/officeDocument/2006/relationships" xmlns:p="http://schemas.openxmlformats.org/presentationml/2006/main">
-  <p:cSld>
-    <p:spTree>
-      <p:nvGrpSpPr>
-        <p:cNvPr id="1" name=""/>
-        <p:cNvGrpSpPr/>
-        <p:nvPr/>
-      </p:nvGrpSpPr>
-      <p:grpSpPr>
-        <a:xfrm>
-          <a:off x="0" y="0"/>
-          <a:ext cx="0" cy="0"/>
-          <a:chOff x="0" y="0"/>
-          <a:chExt cx="0" cy="0"/>
-        </a:xfrm>
-      </p:grpSpPr>
-      <p:sp>
-        <p:nvSpPr>
-          <p:cNvPr id="2" name="Title 1"/>
-          <p:cNvSpPr>
-            <a:spLocks noGrp="1"/>
-          </p:cNvSpPr>
-          <p:nvPr>
-            <p:ph type="title"/>
-          </p:nvPr>
-        </p:nvSpPr>
-        <p:spPr/>
-        <p:txBody>
-          <a:bodyPr/>
-          <a:lstStyle/>
-          <a:p>
-            <a:r>
-              <a:rPr lang="en-US" dirty="0" smtClean="0"/>
-              <a:t>Navigation</a:t>
-            </a:r>
-            <a:endParaRPr lang="en-US" dirty="0"/>
-          </a:p>
-        </p:txBody>
-      </p:sp>
-      <p:sp>
-        <p:nvSpPr>
-          <p:cNvPr id="3" name="Content Placeholder 2"/>
-          <p:cNvSpPr>
-            <a:spLocks noGrp="1"/>
-          </p:cNvSpPr>
-          <p:nvPr>
-            <p:ph idx="1"/>
-          </p:nvPr>
-        </p:nvSpPr>
-        <p:spPr/>
-        <p:txBody>
-          <a:bodyPr/>
-          <a:lstStyle/>
-          <a:p>
-            <a:r>
-              <a:rPr lang="en-US" dirty="0" smtClean="0"/>
-              <a:t>Users are impatient</a:t>
-            </a:r>
-          </a:p>
-          <a:p>
-            <a:r>
-              <a:rPr lang="en-US" dirty="0" smtClean="0"/>
-              <a:t>Google increased page load from .4 to .9 and lost 20% traffic</a:t>
-            </a:r>
-          </a:p>
-          <a:p>
-            <a:r>
-              <a:rPr lang="en-US" dirty="0" smtClean="0"/>
-              <a:t>If they can't find their way around your website, they will leave</a:t>
-            </a:r>
-          </a:p>
-          <a:p>
-            <a:r>
-              <a:rPr lang="en-US" dirty="0" smtClean="0"/>
-              <a:t>Navigation is key to answering this impatience</a:t>
-            </a:r>
-          </a:p>
-        </p:txBody>
-      </p:sp>
-    </p:spTree>
-    <p:extLst>
-      <p:ext uri="{BB962C8B-B14F-4D97-AF65-F5344CB8AC3E}">
-        <p14:creationId xmlns:p14="http://schemas.microsoft.com/office/powerpoint/2010/main" val="584142683"/>
-      </p:ext>
-    </p:extLst>
-  </p:cSld>
-  <p:clrMapOvr>
-    <a:masterClrMapping/>
-  </p:clrMapOvr>
-</p:sld>
-</file>
-
-<file path=ppt/slides/slide3.xml><?xml version="1.0" encoding="utf-8"?>
-<p:sld xmlns:a="http://schemas.openxmlformats.org/drawingml/2006/main" xmlns:r="http://schemas.openxmlformats.org/officeDocument/2006/relationships" xmlns:p="http://schemas.openxmlformats.org/presentationml/2006/main">
-  <p:cSld>
-    <p:spTree>
-      <p:nvGrpSpPr>
-        <p:cNvPr id="1" name=""/>
-        <p:cNvGrpSpPr/>
-        <p:nvPr/>
-      </p:nvGrpSpPr>
-      <p:grpSpPr>
-        <a:xfrm>
-          <a:off x="0" y="0"/>
-          <a:ext cx="0" cy="0"/>
-          <a:chOff x="0" y="0"/>
-          <a:chExt cx="0" cy="0"/>
-        </a:xfrm>
-      </p:grpSpPr>
-      <p:sp>
-        <p:nvSpPr>
-          <p:cNvPr id="2" name="Title 1"/>
-          <p:cNvSpPr>
-            <a:spLocks noGrp="1"/>
-          </p:cNvSpPr>
-          <p:nvPr>
-            <p:ph type="title"/>
-          </p:nvPr>
-        </p:nvSpPr>
-        <p:spPr/>
-        <p:txBody>
-          <a:bodyPr/>
-          <a:lstStyle/>
-          <a:p>
-            <a:r>
-              <a:rPr lang="en-US" dirty="0" smtClean="0"/>
-              <a:t>What’s New?</a:t>
-            </a:r>
-            <a:endParaRPr lang="en-US" dirty="0"/>
-          </a:p>
-        </p:txBody>
-      </p:sp>
-      <p:sp>
-        <p:nvSpPr>
-          <p:cNvPr id="3" name="Content Placeholder 2"/>
-          <p:cNvSpPr>
-            <a:spLocks noGrp="1"/>
-          </p:cNvSpPr>
-          <p:nvPr>
-            <p:ph idx="1"/>
-          </p:nvPr>
-        </p:nvSpPr>
-        <p:spPr/>
-        <p:txBody>
-          <a:bodyPr/>
-          <a:lstStyle/>
-          <a:p>
-            <a:r>
-              <a:rPr lang="en-US" dirty="0" smtClean="0"/>
-              <a:t>Nothing</a:t>
-            </a:r>
-            <a:endParaRPr lang="en-US" dirty="0"/>
-          </a:p>
-        </p:txBody>
-      </p:sp>
-    </p:spTree>
-    <p:extLst>
-      <p:ext uri="{BB962C8B-B14F-4D97-AF65-F5344CB8AC3E}">
-        <p14:creationId xmlns:p14="http://schemas.microsoft.com/office/powerpoint/2010/main" val="2724553790"/>
-      </p:ext>
-    </p:extLst>
-  </p:cSld>
-  <p:clrMapOvr>
-    <a:masterClrMapping/>
-  </p:clrMapOvr>
-</p:sld>
-</file>
-
-<file path=ppt/slides/slide30.xml><?xml version="1.0" encoding="utf-8"?>
-<p:sld xmlns:a="http://schemas.openxmlformats.org/drawingml/2006/main" xmlns:r="http://schemas.openxmlformats.org/officeDocument/2006/relationships" xmlns:p="http://schemas.openxmlformats.org/presentationml/2006/main">
-  <p:cSld>
-    <p:spTree>
-      <p:nvGrpSpPr>
-        <p:cNvPr id="1" name=""/>
-        <p:cNvGrpSpPr/>
-        <p:nvPr/>
-      </p:nvGrpSpPr>
-      <p:grpSpPr>
-        <a:xfrm>
-          <a:off x="0" y="0"/>
-          <a:ext cx="0" cy="0"/>
-          <a:chOff x="0" y="0"/>
-          <a:chExt cx="0" cy="0"/>
-        </a:xfrm>
-      </p:grpSpPr>
-      <p:sp>
-        <p:nvSpPr>
-          <p:cNvPr id="2" name="Title 1"/>
-          <p:cNvSpPr>
-            <a:spLocks noGrp="1"/>
-          </p:cNvSpPr>
-          <p:nvPr>
-            <p:ph type="title"/>
-          </p:nvPr>
-        </p:nvSpPr>
-        <p:spPr/>
-        <p:txBody>
-          <a:bodyPr/>
-          <a:lstStyle/>
-          <a:p>
-            <a:r>
-              <a:rPr lang="en-US" dirty="0" smtClean="0"/>
-              <a:t>Organize Content</a:t>
-            </a:r>
-            <a:endParaRPr lang="en-US" dirty="0"/>
-          </a:p>
-        </p:txBody>
-      </p:sp>
-      <p:sp>
-        <p:nvSpPr>
-          <p:cNvPr id="3" name="Content Placeholder 2"/>
-          <p:cNvSpPr>
-            <a:spLocks noGrp="1"/>
-          </p:cNvSpPr>
-          <p:nvPr>
-            <p:ph idx="1"/>
-          </p:nvPr>
-        </p:nvSpPr>
-        <p:spPr/>
-        <p:txBody>
-          <a:bodyPr/>
-          <a:lstStyle/>
-          <a:p>
-            <a:r>
-              <a:rPr lang="en-US" dirty="0" smtClean="0"/>
-              <a:t>Take chunks of content</a:t>
-            </a:r>
-          </a:p>
-          <a:p>
-            <a:r>
-              <a:rPr lang="en-US" dirty="0" smtClean="0"/>
-              <a:t>Organize into categories</a:t>
-            </a:r>
-          </a:p>
-          <a:p>
-            <a:r>
-              <a:rPr lang="en-US" dirty="0" smtClean="0"/>
-              <a:t>Update categories if need be</a:t>
-            </a:r>
-          </a:p>
-          <a:p>
-            <a:r>
-              <a:rPr lang="en-US" dirty="0" smtClean="0"/>
-              <a:t>Organize chunks of content into categories</a:t>
-            </a:r>
-          </a:p>
-          <a:p>
-            <a:r>
-              <a:rPr lang="en-US" dirty="0" smtClean="0"/>
-              <a:t>Repeat</a:t>
-            </a:r>
-            <a:endParaRPr lang="en-US" dirty="0"/>
-          </a:p>
-        </p:txBody>
-      </p:sp>
-    </p:spTree>
-    <p:extLst>
-      <p:ext uri="{BB962C8B-B14F-4D97-AF65-F5344CB8AC3E}">
-        <p14:creationId xmlns:p14="http://schemas.microsoft.com/office/powerpoint/2010/main" val="2619404490"/>
-      </p:ext>
-    </p:extLst>
-  </p:cSld>
-  <p:clrMapOvr>
-    <a:masterClrMapping/>
-  </p:clrMapOvr>
-</p:sld>
-</file>
-
 <file path=ppt/slides/slide31.xml><?xml version="1.0" encoding="utf-8"?>
 <p:sld xmlns:a="http://schemas.openxmlformats.org/drawingml/2006/main" xmlns:r="http://schemas.openxmlformats.org/officeDocument/2006/relationships" xmlns:p="http://schemas.openxmlformats.org/presentationml/2006/main">
   <p:cSld>
@@ -9814,7 +10061,7 @@
           <a:p>
             <a:r>
               <a:rPr lang="en-US" dirty="0" smtClean="0"/>
-              <a:t>Card Sorting</a:t>
+              <a:t>Navigation</a:t>
             </a:r>
             <a:endParaRPr lang="en-US" dirty="0"/>
           </a:p>
@@ -9832,73 +10079,38 @@
         </p:nvSpPr>
         <p:spPr/>
         <p:txBody>
-          <a:bodyPr>
-            <a:normAutofit lnSpcReduction="10000"/>
-          </a:bodyPr>
-          <a:lstStyle/>
-          <a:p>
-            <a:r>
-              <a:rPr lang="en-US" dirty="0" smtClean="0"/>
-              <a:t>Get a stack of 3x5 cards</a:t>
-            </a:r>
-          </a:p>
-          <a:p>
-            <a:r>
-              <a:rPr lang="en-US" dirty="0" smtClean="0"/>
-              <a:t>Create a card for each chunk of content</a:t>
-            </a:r>
-          </a:p>
-          <a:p>
-            <a:pPr lvl="1"/>
-            <a:r>
-              <a:rPr lang="en-US" dirty="0" smtClean="0"/>
-              <a:t>Title of content</a:t>
-            </a:r>
-          </a:p>
-          <a:p>
-            <a:pPr lvl="1"/>
-            <a:r>
-              <a:rPr lang="en-US" dirty="0" smtClean="0"/>
-              <a:t>Brief description of content</a:t>
-            </a:r>
-          </a:p>
-          <a:p>
-            <a:r>
-              <a:rPr lang="en-US" dirty="0" smtClean="0"/>
-              <a:t>Write down everything</a:t>
-            </a:r>
-          </a:p>
-          <a:p>
-            <a:r>
-              <a:rPr lang="en-US" dirty="0" smtClean="0"/>
-              <a:t>Write down stack names</a:t>
-            </a:r>
-          </a:p>
-          <a:p>
-            <a:r>
-              <a:rPr lang="en-US" dirty="0" smtClean="0"/>
-              <a:t>Sort cards into stacks</a:t>
-            </a:r>
-          </a:p>
-          <a:p>
-            <a:r>
-              <a:rPr lang="en-US" dirty="0" smtClean="0"/>
-              <a:t>Take a picture</a:t>
-            </a:r>
-          </a:p>
-          <a:p>
-            <a:r>
-              <a:rPr lang="en-US" dirty="0" smtClean="0"/>
-              <a:t>Repeat</a:t>
-            </a:r>
-            <a:endParaRPr lang="en-US" dirty="0"/>
+          <a:bodyPr/>
+          <a:lstStyle/>
+          <a:p>
+            <a:r>
+              <a:rPr lang="en-US" dirty="0" smtClean="0"/>
+              <a:t>Users are impatient</a:t>
+            </a:r>
+          </a:p>
+          <a:p>
+            <a:r>
+              <a:rPr lang="en-US" dirty="0" smtClean="0"/>
+              <a:t>Google increased page load from .4 to .9 and lost 20% traffic</a:t>
+            </a:r>
+          </a:p>
+          <a:p>
+            <a:r>
+              <a:rPr lang="en-US" dirty="0" smtClean="0"/>
+              <a:t>If they can't find their way around your website, they will leave</a:t>
+            </a:r>
+          </a:p>
+          <a:p>
+            <a:r>
+              <a:rPr lang="en-US" dirty="0" smtClean="0"/>
+              <a:t>Navigation is key to answering this impatience</a:t>
+            </a:r>
           </a:p>
         </p:txBody>
       </p:sp>
     </p:spTree>
     <p:extLst>
       <p:ext uri="{BB962C8B-B14F-4D97-AF65-F5344CB8AC3E}">
-        <p14:creationId xmlns:p14="http://schemas.microsoft.com/office/powerpoint/2010/main" val="3687906851"/>
+        <p14:creationId xmlns:p14="http://schemas.microsoft.com/office/powerpoint/2010/main" val="584142683"/>
       </p:ext>
     </p:extLst>
   </p:cSld>
@@ -9942,7 +10154,7 @@
           <a:p>
             <a:r>
               <a:rPr lang="en-US" dirty="0" smtClean="0"/>
-              <a:t>Card Sort Hierarchy</a:t>
+              <a:t>Organize Content</a:t>
             </a:r>
             <a:endParaRPr lang="en-US" dirty="0"/>
           </a:p>
@@ -9965,31 +10177,31 @@
           <a:p>
             <a:r>
               <a:rPr lang="en-US" dirty="0" smtClean="0"/>
-              <a:t>Pick the sort you like best</a:t>
-            </a:r>
-          </a:p>
-          <a:p>
-            <a:r>
-              <a:rPr lang="en-US" dirty="0" smtClean="0"/>
-              <a:t>Create "Homepage" card</a:t>
-            </a:r>
-          </a:p>
-          <a:p>
-            <a:r>
-              <a:rPr lang="en-US" dirty="0" smtClean="0"/>
-              <a:t>Move stack name cards to main navigation</a:t>
-            </a:r>
-          </a:p>
-          <a:p>
-            <a:r>
-              <a:rPr lang="en-US" dirty="0" smtClean="0"/>
-              <a:t>Move remaining cards below stacks</a:t>
-            </a:r>
-          </a:p>
-          <a:p>
-            <a:r>
-              <a:rPr lang="en-US" dirty="0" smtClean="0"/>
-              <a:t>Organize cards</a:t>
+              <a:t>Take chunks of content</a:t>
+            </a:r>
+          </a:p>
+          <a:p>
+            <a:r>
+              <a:rPr lang="en-US" dirty="0" smtClean="0"/>
+              <a:t>Organize into categories</a:t>
+            </a:r>
+          </a:p>
+          <a:p>
+            <a:r>
+              <a:rPr lang="en-US" dirty="0" smtClean="0"/>
+              <a:t>Update categories if need be</a:t>
+            </a:r>
+          </a:p>
+          <a:p>
+            <a:r>
+              <a:rPr lang="en-US" dirty="0" smtClean="0"/>
+              <a:t>Organize chunks of content into categories</a:t>
+            </a:r>
+          </a:p>
+          <a:p>
+            <a:r>
+              <a:rPr lang="en-US" dirty="0" smtClean="0"/>
+              <a:t>Repeat</a:t>
             </a:r>
             <a:endParaRPr lang="en-US" dirty="0"/>
           </a:p>
@@ -9998,7 +10210,7 @@
     </p:spTree>
     <p:extLst>
       <p:ext uri="{BB962C8B-B14F-4D97-AF65-F5344CB8AC3E}">
-        <p14:creationId xmlns:p14="http://schemas.microsoft.com/office/powerpoint/2010/main" val="4183314552"/>
+        <p14:creationId xmlns:p14="http://schemas.microsoft.com/office/powerpoint/2010/main" val="2619404490"/>
       </p:ext>
     </p:extLst>
   </p:cSld>
@@ -10041,6 +10253,234 @@
           <a:lstStyle/>
           <a:p>
             <a:r>
+              <a:rPr lang="en-US" dirty="0" smtClean="0"/>
+              <a:t>Card Sorting</a:t>
+            </a:r>
+            <a:endParaRPr lang="en-US" dirty="0"/>
+          </a:p>
+        </p:txBody>
+      </p:sp>
+      <p:sp>
+        <p:nvSpPr>
+          <p:cNvPr id="3" name="Content Placeholder 2"/>
+          <p:cNvSpPr>
+            <a:spLocks noGrp="1"/>
+          </p:cNvSpPr>
+          <p:nvPr>
+            <p:ph idx="1"/>
+          </p:nvPr>
+        </p:nvSpPr>
+        <p:spPr/>
+        <p:txBody>
+          <a:bodyPr>
+            <a:normAutofit lnSpcReduction="10000"/>
+          </a:bodyPr>
+          <a:lstStyle/>
+          <a:p>
+            <a:r>
+              <a:rPr lang="en-US" dirty="0" smtClean="0"/>
+              <a:t>Get a stack of 3x5 cards</a:t>
+            </a:r>
+          </a:p>
+          <a:p>
+            <a:r>
+              <a:rPr lang="en-US" dirty="0" smtClean="0"/>
+              <a:t>Create a card for each chunk of content</a:t>
+            </a:r>
+          </a:p>
+          <a:p>
+            <a:pPr lvl="1"/>
+            <a:r>
+              <a:rPr lang="en-US" dirty="0" smtClean="0"/>
+              <a:t>Title of content</a:t>
+            </a:r>
+          </a:p>
+          <a:p>
+            <a:pPr lvl="1"/>
+            <a:r>
+              <a:rPr lang="en-US" dirty="0" smtClean="0"/>
+              <a:t>Brief description of content</a:t>
+            </a:r>
+          </a:p>
+          <a:p>
+            <a:r>
+              <a:rPr lang="en-US" dirty="0" smtClean="0"/>
+              <a:t>Write down everything</a:t>
+            </a:r>
+          </a:p>
+          <a:p>
+            <a:r>
+              <a:rPr lang="en-US" dirty="0" smtClean="0"/>
+              <a:t>Write down stack names</a:t>
+            </a:r>
+          </a:p>
+          <a:p>
+            <a:r>
+              <a:rPr lang="en-US" dirty="0" smtClean="0"/>
+              <a:t>Sort cards into stacks</a:t>
+            </a:r>
+          </a:p>
+          <a:p>
+            <a:r>
+              <a:rPr lang="en-US" dirty="0" smtClean="0"/>
+              <a:t>Take a picture</a:t>
+            </a:r>
+          </a:p>
+          <a:p>
+            <a:r>
+              <a:rPr lang="en-US" dirty="0" smtClean="0"/>
+              <a:t>Repeat</a:t>
+            </a:r>
+            <a:endParaRPr lang="en-US" dirty="0"/>
+          </a:p>
+        </p:txBody>
+      </p:sp>
+    </p:spTree>
+    <p:extLst>
+      <p:ext uri="{BB962C8B-B14F-4D97-AF65-F5344CB8AC3E}">
+        <p14:creationId xmlns:p14="http://schemas.microsoft.com/office/powerpoint/2010/main" val="3687906851"/>
+      </p:ext>
+    </p:extLst>
+  </p:cSld>
+  <p:clrMapOvr>
+    <a:masterClrMapping/>
+  </p:clrMapOvr>
+</p:sld>
+</file>
+
+<file path=ppt/slides/slide34.xml><?xml version="1.0" encoding="utf-8"?>
+<p:sld xmlns:a="http://schemas.openxmlformats.org/drawingml/2006/main" xmlns:r="http://schemas.openxmlformats.org/officeDocument/2006/relationships" xmlns:p="http://schemas.openxmlformats.org/presentationml/2006/main">
+  <p:cSld>
+    <p:spTree>
+      <p:nvGrpSpPr>
+        <p:cNvPr id="1" name=""/>
+        <p:cNvGrpSpPr/>
+        <p:nvPr/>
+      </p:nvGrpSpPr>
+      <p:grpSpPr>
+        <a:xfrm>
+          <a:off x="0" y="0"/>
+          <a:ext cx="0" cy="0"/>
+          <a:chOff x="0" y="0"/>
+          <a:chExt cx="0" cy="0"/>
+        </a:xfrm>
+      </p:grpSpPr>
+      <p:sp>
+        <p:nvSpPr>
+          <p:cNvPr id="2" name="Title 1"/>
+          <p:cNvSpPr>
+            <a:spLocks noGrp="1"/>
+          </p:cNvSpPr>
+          <p:nvPr>
+            <p:ph type="title"/>
+          </p:nvPr>
+        </p:nvSpPr>
+        <p:spPr/>
+        <p:txBody>
+          <a:bodyPr/>
+          <a:lstStyle/>
+          <a:p>
+            <a:r>
+              <a:rPr lang="en-US" dirty="0" smtClean="0"/>
+              <a:t>Card Sort Hierarchy</a:t>
+            </a:r>
+            <a:endParaRPr lang="en-US" dirty="0"/>
+          </a:p>
+        </p:txBody>
+      </p:sp>
+      <p:sp>
+        <p:nvSpPr>
+          <p:cNvPr id="3" name="Content Placeholder 2"/>
+          <p:cNvSpPr>
+            <a:spLocks noGrp="1"/>
+          </p:cNvSpPr>
+          <p:nvPr>
+            <p:ph idx="1"/>
+          </p:nvPr>
+        </p:nvSpPr>
+        <p:spPr/>
+        <p:txBody>
+          <a:bodyPr/>
+          <a:lstStyle/>
+          <a:p>
+            <a:r>
+              <a:rPr lang="en-US" dirty="0" smtClean="0"/>
+              <a:t>Pick the sort you like best</a:t>
+            </a:r>
+          </a:p>
+          <a:p>
+            <a:r>
+              <a:rPr lang="en-US" dirty="0" smtClean="0"/>
+              <a:t>Create "Homepage" card</a:t>
+            </a:r>
+          </a:p>
+          <a:p>
+            <a:r>
+              <a:rPr lang="en-US" dirty="0" smtClean="0"/>
+              <a:t>Move stack name cards to main navigation</a:t>
+            </a:r>
+          </a:p>
+          <a:p>
+            <a:r>
+              <a:rPr lang="en-US" dirty="0" smtClean="0"/>
+              <a:t>Move remaining cards below stacks</a:t>
+            </a:r>
+          </a:p>
+          <a:p>
+            <a:r>
+              <a:rPr lang="en-US" dirty="0" smtClean="0"/>
+              <a:t>Organize cards</a:t>
+            </a:r>
+            <a:endParaRPr lang="en-US" dirty="0"/>
+          </a:p>
+        </p:txBody>
+      </p:sp>
+    </p:spTree>
+    <p:extLst>
+      <p:ext uri="{BB962C8B-B14F-4D97-AF65-F5344CB8AC3E}">
+        <p14:creationId xmlns:p14="http://schemas.microsoft.com/office/powerpoint/2010/main" val="4183314552"/>
+      </p:ext>
+    </p:extLst>
+  </p:cSld>
+  <p:clrMapOvr>
+    <a:masterClrMapping/>
+  </p:clrMapOvr>
+</p:sld>
+</file>
+
+<file path=ppt/slides/slide35.xml><?xml version="1.0" encoding="utf-8"?>
+<p:sld xmlns:a="http://schemas.openxmlformats.org/drawingml/2006/main" xmlns:r="http://schemas.openxmlformats.org/officeDocument/2006/relationships" xmlns:p="http://schemas.openxmlformats.org/presentationml/2006/main">
+  <p:cSld>
+    <p:spTree>
+      <p:nvGrpSpPr>
+        <p:cNvPr id="1" name=""/>
+        <p:cNvGrpSpPr/>
+        <p:nvPr/>
+      </p:nvGrpSpPr>
+      <p:grpSpPr>
+        <a:xfrm>
+          <a:off x="0" y="0"/>
+          <a:ext cx="0" cy="0"/>
+          <a:chOff x="0" y="0"/>
+          <a:chExt cx="0" cy="0"/>
+        </a:xfrm>
+      </p:grpSpPr>
+      <p:sp>
+        <p:nvSpPr>
+          <p:cNvPr id="2" name="Title 1"/>
+          <p:cNvSpPr>
+            <a:spLocks noGrp="1"/>
+          </p:cNvSpPr>
+          <p:nvPr>
+            <p:ph type="title"/>
+          </p:nvPr>
+        </p:nvSpPr>
+        <p:spPr/>
+        <p:txBody>
+          <a:bodyPr/>
+          <a:lstStyle/>
+          <a:p>
+            <a:r>
               <a:rPr lang="en-US" smtClean="0"/>
               <a:t>Exercise</a:t>
             </a:r>
@@ -10100,13 +10540,7 @@
               <a:rPr lang="en-US" dirty="0" smtClean="0">
                 <a:hlinkClick r:id="rId3"/>
               </a:rPr>
-              <a:t>http://www.lucidchart.com</a:t>
-            </a:r>
-            <a:r>
-              <a:rPr lang="en-US" dirty="0" smtClean="0">
-                <a:hlinkClick r:id="rId3"/>
-              </a:rPr>
-              <a:t>/</a:t>
+              <a:t>http://www.lucidchart.com/</a:t>
             </a:r>
             <a:endParaRPr lang="en-US" dirty="0" smtClean="0"/>
           </a:p>
@@ -10136,7 +10570,6 @@
               <a:rPr lang="en-US" dirty="0" smtClean="0"/>
               <a:t>Or use Microsoft Word or PowerPoint</a:t>
             </a:r>
-            <a:endParaRPr lang="en-US" dirty="0" smtClean="0"/>
           </a:p>
           <a:p>
             <a:r>
@@ -10160,7 +10593,7 @@
 </p:sld>
 </file>
 
-<file path=ppt/slides/slide34.xml><?xml version="1.0" encoding="utf-8"?>
+<file path=ppt/slides/slide36.xml><?xml version="1.0" encoding="utf-8"?>
 <p:sld xmlns:a="http://schemas.openxmlformats.org/drawingml/2006/main" xmlns:r="http://schemas.openxmlformats.org/officeDocument/2006/relationships" xmlns:p="http://schemas.openxmlformats.org/presentationml/2006/main">
   <p:cSld>
     <p:spTree>
@@ -10317,16 +10750,61 @@
           <a:p>
             <a:r>
               <a:rPr lang="en-US" dirty="0" smtClean="0"/>
-              <a:t>Quiz Time</a:t>
+              <a:t>Review - Brainstorming</a:t>
             </a:r>
             <a:endParaRPr lang="en-US" dirty="0"/>
+          </a:p>
+        </p:txBody>
+      </p:sp>
+      <p:sp>
+        <p:nvSpPr>
+          <p:cNvPr id="3" name="Content Placeholder 2"/>
+          <p:cNvSpPr>
+            <a:spLocks noGrp="1"/>
+          </p:cNvSpPr>
+          <p:nvPr>
+            <p:ph idx="1"/>
+          </p:nvPr>
+        </p:nvSpPr>
+        <p:spPr/>
+        <p:txBody>
+          <a:bodyPr/>
+          <a:lstStyle/>
+          <a:p>
+            <a:r>
+              <a:rPr lang="en-US" dirty="0" smtClean="0"/>
+              <a:t>Helps develop visual metaphor</a:t>
+            </a:r>
+          </a:p>
+          <a:p>
+            <a:r>
+              <a:rPr lang="en-US" dirty="0" smtClean="0"/>
+              <a:t>Free-flow writing of ideas and thoughts</a:t>
+            </a:r>
+          </a:p>
+          <a:p>
+            <a:r>
+              <a:rPr lang="en-US" dirty="0" smtClean="0"/>
+              <a:t>Don't hold back; write everything</a:t>
+            </a:r>
+          </a:p>
+          <a:p>
+            <a:r>
+              <a:rPr lang="en-US" dirty="0" smtClean="0"/>
+              <a:t>Can be done several times for </a:t>
+            </a:r>
+            <a:r>
+              <a:rPr lang="en-US" smtClean="0"/>
+              <a:t>one project</a:t>
+            </a:r>
+            <a:endParaRPr lang="en-US"/>
           </a:p>
         </p:txBody>
       </p:sp>
     </p:spTree>
     <p:extLst>
       <p:ext uri="{BB962C8B-B14F-4D97-AF65-F5344CB8AC3E}">
-        <p14:creationId xmlns:p14="http://schemas.microsoft.com/office/powerpoint/2010/main" val="2813428287"/>
+        <p14:creationId xmlns:p14="http://schemas.microsoft.com/office/powerpoint/2010/main" val="272748499"/>
       </p:ext>
     </p:extLst>
   </p:cSld>
@@ -10377,7 +10855,7 @@
           <a:p>
             <a:r>
               <a:rPr lang="en-US" dirty="0" smtClean="0"/>
-              <a:t>Website Autopsy</a:t>
+              <a:t>Review - Activity</a:t>
             </a:r>
             <a:endParaRPr lang="en-US" dirty="0"/>
           </a:p>
@@ -10395,11 +10873,61 @@
         </p:nvSpPr>
         <p:spPr/>
         <p:txBody>
-          <a:bodyPr>
-            <a:normAutofit/>
-          </a:bodyPr>
-          <a:lstStyle/>
-          <a:p>
+          <a:bodyPr/>
+          <a:lstStyle/>
+          <a:p>
+            <a:r>
+              <a:rPr lang="en-US" dirty="0" smtClean="0"/>
+              <a:t>Theme</a:t>
+            </a:r>
+          </a:p>
+          <a:p>
+            <a:pPr lvl="1"/>
+            <a:r>
+              <a:rPr lang="en-US" dirty="0" smtClean="0"/>
+              <a:t>What is the purpose?</a:t>
+            </a:r>
+          </a:p>
+          <a:p>
+            <a:pPr lvl="1"/>
+            <a:r>
+              <a:rPr lang="en-US" dirty="0" smtClean="0"/>
+              <a:t>What is the content?</a:t>
+            </a:r>
+          </a:p>
+          <a:p>
+            <a:pPr lvl="1"/>
+            <a:r>
+              <a:rPr lang="en-US" dirty="0" smtClean="0"/>
+              <a:t>Make it a complete sentence</a:t>
+            </a:r>
+          </a:p>
+          <a:p>
+            <a:r>
+              <a:rPr lang="en-US" dirty="0" smtClean="0"/>
+              <a:t>Brainstorming</a:t>
+            </a:r>
+          </a:p>
+          <a:p>
+            <a:pPr lvl="1"/>
+            <a:r>
+              <a:rPr lang="en-US" dirty="0" smtClean="0"/>
+              <a:t>Start with a word</a:t>
+            </a:r>
+          </a:p>
+          <a:p>
+            <a:pPr lvl="1"/>
+            <a:r>
+              <a:rPr lang="en-US" dirty="0" smtClean="0"/>
+              <a:t>Write another word</a:t>
+            </a:r>
+          </a:p>
+          <a:p>
+            <a:pPr lvl="1"/>
+            <a:r>
+              <a:rPr lang="en-US" dirty="0" smtClean="0"/>
+              <a:t>Repeat</a:t>
+            </a:r>
             <a:endParaRPr lang="en-US" dirty="0"/>
           </a:p>
         </p:txBody>
@@ -10407,20 +10935,13 @@
     </p:spTree>
     <p:extLst>
       <p:ext uri="{BB962C8B-B14F-4D97-AF65-F5344CB8AC3E}">
-        <p14:creationId xmlns:p14="http://schemas.microsoft.com/office/powerpoint/2010/main" val="2577880583"/>
+        <p14:creationId xmlns:p14="http://schemas.microsoft.com/office/powerpoint/2010/main" val="2724553790"/>
       </p:ext>
     </p:extLst>
   </p:cSld>
   <p:clrMapOvr>
     <a:masterClrMapping/>
   </p:clrMapOvr>
-  <p:timing>
-    <p:tnLst>
-      <p:par>
-        <p:cTn xmlns:p14="http://schemas.microsoft.com/office/powerpoint/2010/main" id="1" dur="indefinite" restart="never" nodeType="tmRoot"/>
-      </p:par>
-    </p:tnLst>
-  </p:timing>
 </p:sld>
 </file>
 
@@ -10458,7 +10979,7 @@
           <a:p>
             <a:r>
               <a:rPr lang="en-US" dirty="0" smtClean="0"/>
-              <a:t>Lesson: CSS Layout</a:t>
+              <a:t>Quiz Time</a:t>
             </a:r>
             <a:endParaRPr lang="en-US" dirty="0"/>
           </a:p>
@@ -10467,7 +10988,7 @@
     </p:spTree>
     <p:extLst>
       <p:ext uri="{BB962C8B-B14F-4D97-AF65-F5344CB8AC3E}">
-        <p14:creationId xmlns:p14="http://schemas.microsoft.com/office/powerpoint/2010/main" val="2418307096"/>
+        <p14:creationId xmlns:p14="http://schemas.microsoft.com/office/powerpoint/2010/main" val="2813428287"/>
       </p:ext>
     </p:extLst>
   </p:cSld>
@@ -10518,7 +11039,7 @@
           <a:p>
             <a:r>
               <a:rPr lang="en-US" dirty="0" smtClean="0"/>
-              <a:t>Layout</a:t>
+              <a:t>Website Autopsy</a:t>
             </a:r>
             <a:endParaRPr lang="en-US" dirty="0"/>
           </a:p>
@@ -10537,117 +11058,41 @@
         <p:spPr/>
         <p:txBody>
           <a:bodyPr>
-            <a:normAutofit fontScale="62500" lnSpcReduction="20000"/>
+            <a:normAutofit/>
           </a:bodyPr>
           <a:lstStyle/>
           <a:p>
             <a:r>
               <a:rPr lang="en-US" dirty="0" smtClean="0"/>
-              <a:t>display</a:t>
-            </a:r>
-          </a:p>
-          <a:p>
-            <a:r>
-              <a:rPr lang="en-US" dirty="0"/>
-              <a:t>list-</a:t>
-            </a:r>
-            <a:r>
-              <a:rPr lang="en-US" dirty="0" smtClean="0"/>
-              <a:t>style</a:t>
-            </a:r>
-          </a:p>
-          <a:p>
-            <a:r>
-              <a:rPr lang="en-US" dirty="0" smtClean="0"/>
-              <a:t>position</a:t>
-            </a:r>
-          </a:p>
-          <a:p>
-            <a:r>
-              <a:rPr lang="en-US" dirty="0" smtClean="0"/>
-              <a:t>top</a:t>
-            </a:r>
-            <a:r>
-              <a:rPr lang="en-US" dirty="0"/>
-              <a:t>, left, right, </a:t>
-            </a:r>
-            <a:r>
-              <a:rPr lang="en-US" dirty="0" smtClean="0"/>
-              <a:t>bottom</a:t>
-            </a:r>
-          </a:p>
-          <a:p>
-            <a:r>
-              <a:rPr lang="en-US" dirty="0"/>
-              <a:t>z-</a:t>
-            </a:r>
-            <a:r>
-              <a:rPr lang="en-US" dirty="0" smtClean="0"/>
-              <a:t>index</a:t>
-            </a:r>
-          </a:p>
-          <a:p>
-            <a:r>
-              <a:rPr lang="en-US" dirty="0" smtClean="0"/>
-              <a:t>float</a:t>
-            </a:r>
-          </a:p>
-          <a:p>
-            <a:r>
-              <a:rPr lang="en-US" dirty="0" smtClean="0"/>
-              <a:t>clear</a:t>
-            </a:r>
-          </a:p>
-          <a:p>
-            <a:r>
-              <a:rPr lang="en-US" dirty="0" smtClean="0"/>
-              <a:t>width, min-width, max-width</a:t>
-            </a:r>
-          </a:p>
-          <a:p>
-            <a:r>
-              <a:rPr lang="en-US" dirty="0" smtClean="0"/>
-              <a:t>height, min-height, max-height</a:t>
-            </a:r>
-          </a:p>
-          <a:p>
-            <a:r>
-              <a:rPr lang="en-US" dirty="0" smtClean="0"/>
-              <a:t>overflow</a:t>
-            </a:r>
-          </a:p>
-          <a:p>
-            <a:r>
-              <a:rPr lang="en-US" dirty="0" smtClean="0"/>
-              <a:t>vertical-align</a:t>
-            </a:r>
-          </a:p>
-          <a:p>
-            <a:r>
-              <a:rPr lang="en-US" dirty="0"/>
-              <a:t>padding</a:t>
+              <a:t>Miles - </a:t>
+            </a:r>
+            <a:r>
+              <a:rPr lang="en-US" dirty="0" smtClean="0">
+                <a:hlinkClick r:id="rId3"/>
+              </a:rPr>
+              <a:t>http://thewildernessdowntown.com/</a:t>
             </a:r>
             <a:endParaRPr lang="en-US" dirty="0" smtClean="0"/>
           </a:p>
           <a:p>
             <a:r>
               <a:rPr lang="en-US" dirty="0" smtClean="0"/>
-              <a:t>border</a:t>
+              <a:t>Hannah - </a:t>
+            </a:r>
+            <a:r>
+              <a:rPr lang="en-US" dirty="0" smtClean="0">
+                <a:hlinkClick r:id="rId4"/>
+              </a:rPr>
+              <a:t>http://www.dakotachiropractic.com/</a:t>
             </a:r>
             <a:endParaRPr lang="en-US" dirty="0"/>
-          </a:p>
-          <a:p>
-            <a:r>
-              <a:rPr lang="en-US" dirty="0" smtClean="0"/>
-              <a:t>margin</a:t>
-            </a:r>
           </a:p>
         </p:txBody>
       </p:sp>
     </p:spTree>
     <p:extLst>
       <p:ext uri="{BB962C8B-B14F-4D97-AF65-F5344CB8AC3E}">
-        <p14:creationId xmlns:p14="http://schemas.microsoft.com/office/powerpoint/2010/main" val="1293711312"/>
+        <p14:creationId xmlns:p14="http://schemas.microsoft.com/office/powerpoint/2010/main" val="2577880583"/>
       </p:ext>
     </p:extLst>
   </p:cSld>
@@ -10698,98 +11143,29 @@
           <a:p>
             <a:r>
               <a:rPr lang="en-US" dirty="0" smtClean="0"/>
-              <a:t>display</a:t>
+              <a:t>Lesson: CSS Layout</a:t>
             </a:r>
             <a:endParaRPr lang="en-US" dirty="0"/>
-          </a:p>
-        </p:txBody>
-      </p:sp>
-      <p:sp>
-        <p:nvSpPr>
-          <p:cNvPr id="3" name="Content Placeholder 2"/>
-          <p:cNvSpPr>
-            <a:spLocks noGrp="1"/>
-          </p:cNvSpPr>
-          <p:nvPr>
-            <p:ph idx="1"/>
-          </p:nvPr>
-        </p:nvSpPr>
-        <p:spPr/>
-        <p:txBody>
-          <a:bodyPr/>
-          <a:lstStyle/>
-          <a:p>
-            <a:r>
-              <a:rPr lang="en-US" dirty="0" smtClean="0"/>
-              <a:t>Learn more: </a:t>
-            </a:r>
-            <a:r>
-              <a:rPr lang="en-US" dirty="0" smtClean="0">
-                <a:hlinkClick r:id="rId2"/>
-              </a:rPr>
-              <a:t>http://www.w3.org/TR/CSS21/visuren.html - propdef-display</a:t>
-            </a:r>
-            <a:endParaRPr lang="en-US" dirty="0" smtClean="0"/>
-          </a:p>
-          <a:p>
-            <a:r>
-              <a:rPr lang="en-US" dirty="0" smtClean="0"/>
-              <a:t>Sets the type of a box an element lives in</a:t>
-            </a:r>
-          </a:p>
-          <a:p>
-            <a:r>
-              <a:rPr lang="en-US" dirty="0" smtClean="0"/>
-              <a:t>Can be inline, block, list-item, inline-block, none</a:t>
-            </a:r>
-          </a:p>
-          <a:p>
-            <a:r>
-              <a:rPr lang="en-US" sz="2000" dirty="0" smtClean="0">
-                <a:latin typeface="Courier New"/>
-                <a:cs typeface="Courier New"/>
-              </a:rPr>
-              <a:t>display: block;</a:t>
-            </a:r>
-          </a:p>
-          <a:p>
-            <a:endParaRPr lang="en-US" dirty="0"/>
-          </a:p>
-        </p:txBody>
-      </p:sp>
-      <p:sp>
-        <p:nvSpPr>
-          <p:cNvPr id="4" name="Footer Placeholder 3"/>
-          <p:cNvSpPr>
-            <a:spLocks noGrp="1"/>
-          </p:cNvSpPr>
-          <p:nvPr>
-            <p:ph type="ftr" sz="quarter" idx="11"/>
-          </p:nvPr>
-        </p:nvSpPr>
-        <p:spPr/>
-        <p:txBody>
-          <a:bodyPr/>
-          <a:lstStyle/>
-          <a:p>
-            <a:r>
-              <a:rPr lang="en-US" smtClean="0"/>
-              <a:t>http://dl.dropbox.com/u/41609448/art329/slides/classfive/slides/display/index.html  </a:t>
-            </a:r>
-            <a:endParaRPr lang="en-US"/>
           </a:p>
         </p:txBody>
       </p:sp>
     </p:spTree>
     <p:extLst>
       <p:ext uri="{BB962C8B-B14F-4D97-AF65-F5344CB8AC3E}">
-        <p14:creationId xmlns:p14="http://schemas.microsoft.com/office/powerpoint/2010/main" val="103994896"/>
+        <p14:creationId xmlns:p14="http://schemas.microsoft.com/office/powerpoint/2010/main" val="2418307096"/>
       </p:ext>
     </p:extLst>
   </p:cSld>
   <p:clrMapOvr>
     <a:masterClrMapping/>
   </p:clrMapOvr>
+  <p:timing>
+    <p:tnLst>
+      <p:par>
+        <p:cTn xmlns:p14="http://schemas.microsoft.com/office/powerpoint/2010/main" id="1" dur="indefinite" restart="never" nodeType="tmRoot"/>
+      </p:par>
+    </p:tnLst>
+  </p:timing>
 </p:sld>
 </file>
 
@@ -10827,7 +11203,7 @@
           <a:p>
             <a:r>
               <a:rPr lang="en-US" dirty="0" smtClean="0"/>
-              <a:t>list-style</a:t>
+              <a:t>Layout</a:t>
             </a:r>
             <a:endParaRPr lang="en-US" dirty="0"/>
           </a:p>
@@ -10846,233 +11222,130 @@
         <p:spPr/>
         <p:txBody>
           <a:bodyPr>
-            <a:normAutofit fontScale="85000" lnSpcReduction="20000"/>
+            <a:normAutofit fontScale="62500" lnSpcReduction="20000"/>
           </a:bodyPr>
           <a:lstStyle/>
           <a:p>
             <a:r>
               <a:rPr lang="en-US" dirty="0" smtClean="0"/>
-              <a:t>Learn more: </a:t>
-            </a:r>
-            <a:r>
-              <a:rPr lang="en-US" dirty="0" smtClean="0">
-                <a:hlinkClick r:id="rId2"/>
-              </a:rPr>
-              <a:t>http://www.w3.org/TR/CSS21/generate.html - propdef-list-style</a:t>
+              <a:t>display</a:t>
+            </a:r>
+          </a:p>
+          <a:p>
+            <a:r>
+              <a:rPr lang="en-US" dirty="0"/>
+              <a:t>list-</a:t>
+            </a:r>
+            <a:r>
+              <a:rPr lang="en-US" dirty="0" smtClean="0"/>
+              <a:t>style</a:t>
+            </a:r>
+          </a:p>
+          <a:p>
+            <a:r>
+              <a:rPr lang="en-US" dirty="0" smtClean="0"/>
+              <a:t>position</a:t>
+            </a:r>
+          </a:p>
+          <a:p>
+            <a:r>
+              <a:rPr lang="en-US" dirty="0" smtClean="0"/>
+              <a:t>top</a:t>
+            </a:r>
+            <a:r>
+              <a:rPr lang="en-US" dirty="0"/>
+              <a:t>, left, right, </a:t>
+            </a:r>
+            <a:r>
+              <a:rPr lang="en-US" dirty="0" smtClean="0"/>
+              <a:t>bottom</a:t>
+            </a:r>
+          </a:p>
+          <a:p>
+            <a:r>
+              <a:rPr lang="en-US" dirty="0"/>
+              <a:t>z-</a:t>
+            </a:r>
+            <a:r>
+              <a:rPr lang="en-US" dirty="0" smtClean="0"/>
+              <a:t>index</a:t>
+            </a:r>
+          </a:p>
+          <a:p>
+            <a:r>
+              <a:rPr lang="en-US" dirty="0" smtClean="0"/>
+              <a:t>float</a:t>
+            </a:r>
+          </a:p>
+          <a:p>
+            <a:r>
+              <a:rPr lang="en-US" dirty="0" smtClean="0"/>
+              <a:t>clear</a:t>
+            </a:r>
+          </a:p>
+          <a:p>
+            <a:r>
+              <a:rPr lang="en-US" dirty="0" smtClean="0"/>
+              <a:t>width, min-width, max-width</a:t>
+            </a:r>
+          </a:p>
+          <a:p>
+            <a:r>
+              <a:rPr lang="en-US" dirty="0" smtClean="0"/>
+              <a:t>height, min-height, max-height</a:t>
+            </a:r>
+          </a:p>
+          <a:p>
+            <a:r>
+              <a:rPr lang="en-US" dirty="0" smtClean="0"/>
+              <a:t>overflow</a:t>
+            </a:r>
+          </a:p>
+          <a:p>
+            <a:r>
+              <a:rPr lang="en-US" dirty="0" smtClean="0"/>
+              <a:t>vertical-align</a:t>
+            </a:r>
+          </a:p>
+          <a:p>
+            <a:r>
+              <a:rPr lang="en-US" dirty="0"/>
+              <a:t>padding</a:t>
             </a:r>
             <a:endParaRPr lang="en-US" dirty="0" smtClean="0"/>
           </a:p>
           <a:p>
             <a:r>
               <a:rPr lang="en-US" dirty="0" smtClean="0"/>
-              <a:t>Sets the style properties of the list: type, position, image</a:t>
-            </a:r>
-          </a:p>
-          <a:p>
-            <a:r>
-              <a:rPr lang="en-US" dirty="0" smtClean="0"/>
-              <a:t>list-style</a:t>
-            </a:r>
-            <a:r>
-              <a:rPr lang="en-US" dirty="0"/>
-              <a:t>-type: </a:t>
-            </a:r>
-            <a:r>
-              <a:rPr lang="en-US" dirty="0" smtClean="0"/>
-              <a:t>disc, circle, square, decimal, </a:t>
-            </a:r>
-            <a:r>
-              <a:rPr lang="en-US" dirty="0"/>
-              <a:t>decimal-leading-</a:t>
-            </a:r>
-            <a:r>
-              <a:rPr lang="en-US" dirty="0" smtClean="0"/>
-              <a:t>zero, </a:t>
-            </a:r>
-            <a:r>
-              <a:rPr lang="en-US" dirty="0"/>
-              <a:t>lower-</a:t>
-            </a:r>
-            <a:r>
-              <a:rPr lang="en-US" dirty="0" smtClean="0"/>
-              <a:t>roman, </a:t>
-            </a:r>
-            <a:r>
-              <a:rPr lang="en-US" dirty="0"/>
-              <a:t>upper-</a:t>
-            </a:r>
-            <a:r>
-              <a:rPr lang="en-US" dirty="0" smtClean="0"/>
-              <a:t>roman, </a:t>
-            </a:r>
-            <a:r>
-              <a:rPr lang="en-US" dirty="0"/>
-              <a:t>lower-</a:t>
-            </a:r>
-            <a:r>
-              <a:rPr lang="en-US" dirty="0" err="1" smtClean="0"/>
-              <a:t>greek</a:t>
-            </a:r>
-            <a:r>
-              <a:rPr lang="en-US" dirty="0" smtClean="0"/>
-              <a:t>, lower-</a:t>
-            </a:r>
-            <a:r>
-              <a:rPr lang="en-US" dirty="0" err="1" smtClean="0"/>
-              <a:t>latin</a:t>
-            </a:r>
-            <a:r>
-              <a:rPr lang="en-US" dirty="0"/>
-              <a:t>,</a:t>
-            </a:r>
-            <a:r>
-              <a:rPr lang="en-US" dirty="0" smtClean="0"/>
-              <a:t> upper-</a:t>
-            </a:r>
-            <a:r>
-              <a:rPr lang="en-US" dirty="0" err="1" smtClean="0"/>
-              <a:t>latin</a:t>
-            </a:r>
-            <a:r>
-              <a:rPr lang="en-US" dirty="0"/>
-              <a:t>,</a:t>
-            </a:r>
-            <a:r>
-              <a:rPr lang="en-US" dirty="0" smtClean="0"/>
-              <a:t> </a:t>
-            </a:r>
-            <a:r>
-              <a:rPr lang="en-US" dirty="0" err="1" smtClean="0"/>
-              <a:t>armenian</a:t>
-            </a:r>
-            <a:r>
-              <a:rPr lang="en-US" dirty="0"/>
-              <a:t>,</a:t>
-            </a:r>
-            <a:r>
-              <a:rPr lang="en-US" dirty="0" smtClean="0"/>
-              <a:t> </a:t>
-            </a:r>
-            <a:r>
-              <a:rPr lang="en-US" dirty="0" err="1" smtClean="0"/>
-              <a:t>georgian</a:t>
-            </a:r>
-            <a:r>
-              <a:rPr lang="en-US" dirty="0"/>
-              <a:t>,</a:t>
-            </a:r>
-            <a:r>
-              <a:rPr lang="en-US" dirty="0" smtClean="0"/>
-              <a:t> lower-alpha, upper-alpha, none</a:t>
-            </a:r>
-          </a:p>
-          <a:p>
-            <a:r>
-              <a:rPr lang="en-US" dirty="0" smtClean="0"/>
-              <a:t>list-style-position: inside, outside</a:t>
-            </a:r>
-          </a:p>
-          <a:p>
-            <a:r>
-              <a:rPr lang="en-US" dirty="0" smtClean="0"/>
-              <a:t>List-style-image: </a:t>
-            </a:r>
-            <a:r>
-              <a:rPr lang="en-US" dirty="0" err="1" smtClean="0"/>
-              <a:t>url</a:t>
-            </a:r>
-            <a:r>
-              <a:rPr lang="en-US" dirty="0" smtClean="0"/>
-              <a:t>('</a:t>
-            </a:r>
-            <a:r>
-              <a:rPr lang="en-US" dirty="0" err="1" smtClean="0"/>
-              <a:t>bullet.png</a:t>
-            </a:r>
-            <a:r>
-              <a:rPr lang="en-US" dirty="0" smtClean="0"/>
-              <a:t>'), none</a:t>
-            </a:r>
-          </a:p>
-          <a:p>
-            <a:r>
-              <a:rPr lang="en-US" sz="2000" dirty="0" smtClean="0">
-                <a:latin typeface="Courier New"/>
-                <a:cs typeface="Courier New"/>
-              </a:rPr>
-              <a:t>list-style: disc inside none;</a:t>
-            </a:r>
-          </a:p>
-          <a:p>
+              <a:t>border</a:t>
+            </a:r>
             <a:endParaRPr lang="en-US" dirty="0"/>
           </a:p>
-        </p:txBody>
-      </p:sp>
-      <p:sp>
-        <p:nvSpPr>
-          <p:cNvPr id="4" name="Footer Placeholder 3"/>
-          <p:cNvSpPr>
-            <a:spLocks noGrp="1"/>
-          </p:cNvSpPr>
-          <p:nvPr>
-            <p:ph type="ftr" sz="quarter" idx="11"/>
-          </p:nvPr>
-        </p:nvSpPr>
-        <p:spPr/>
-        <p:txBody>
-          <a:bodyPr/>
-          <a:lstStyle/>
-          <a:p>
-            <a:r>
-              <a:rPr lang="en-US" dirty="0"/>
-              <a:t>http://</a:t>
-            </a:r>
-            <a:r>
-              <a:rPr lang="en-US" dirty="0" err="1"/>
-              <a:t>dl.dropbox.com</a:t>
-            </a:r>
-            <a:r>
-              <a:rPr lang="en-US" dirty="0"/>
-              <a:t>/u/41609448/art329/slides/</a:t>
-            </a:r>
-            <a:r>
-              <a:rPr lang="en-US" dirty="0" err="1"/>
-              <a:t>classfour</a:t>
-            </a:r>
-            <a:r>
-              <a:rPr lang="en-US" dirty="0"/>
-              <a:t>/slides</a:t>
-            </a:r>
-            <a:r>
-              <a:rPr lang="en-US" dirty="0" smtClean="0"/>
-              <a:t>/</a:t>
-            </a:r>
-            <a:r>
-              <a:rPr lang="en-US" dirty="0" err="1" smtClean="0"/>
-              <a:t>liststyle</a:t>
-            </a:r>
-            <a:r>
-              <a:rPr lang="en-US" dirty="0" smtClean="0"/>
-              <a:t>/</a:t>
-            </a:r>
-            <a:r>
-              <a:rPr lang="en-US" dirty="0" err="1"/>
-              <a:t>index.html</a:t>
-            </a:r>
-            <a:endParaRPr lang="en-US" dirty="0"/>
+          <a:p>
+            <a:r>
+              <a:rPr lang="en-US" dirty="0" smtClean="0"/>
+              <a:t>margin</a:t>
+            </a:r>
           </a:p>
         </p:txBody>
       </p:sp>
     </p:spTree>
     <p:extLst>
       <p:ext uri="{BB962C8B-B14F-4D97-AF65-F5344CB8AC3E}">
-        <p14:creationId xmlns:p14="http://schemas.microsoft.com/office/powerpoint/2010/main" val="3840415387"/>
+        <p14:creationId xmlns:p14="http://schemas.microsoft.com/office/powerpoint/2010/main" val="1293711312"/>
       </p:ext>
     </p:extLst>
   </p:cSld>
   <p:clrMapOvr>
     <a:masterClrMapping/>
   </p:clrMapOvr>
+  <p:timing>
+    <p:tnLst>
+      <p:par>
+        <p:cTn xmlns:p14="http://schemas.microsoft.com/office/powerpoint/2010/main" id="1" dur="indefinite" restart="never" nodeType="tmRoot"/>
+      </p:par>
+    </p:tnLst>
+  </p:timing>
 </p:sld>
 </file>
 

--- a/slides/classfive/slides.pptx
+++ b/slides/classfive/slides.pptx
@@ -5,45 +5,47 @@
     <p:sldMasterId id="2147483660" r:id="rId1"/>
   </p:sldMasterIdLst>
   <p:notesMasterIdLst>
-    <p:notesMasterId r:id="rId38"/>
+    <p:notesMasterId r:id="rId40"/>
   </p:notesMasterIdLst>
   <p:sldIdLst>
     <p:sldId id="256" r:id="rId2"/>
     <p:sldId id="257" r:id="rId3"/>
-    <p:sldId id="384" r:id="rId4"/>
-    <p:sldId id="385" r:id="rId5"/>
-    <p:sldId id="342" r:id="rId6"/>
-    <p:sldId id="258" r:id="rId7"/>
-    <p:sldId id="259" r:id="rId8"/>
-    <p:sldId id="311" r:id="rId9"/>
-    <p:sldId id="315" r:id="rId10"/>
-    <p:sldId id="367" r:id="rId11"/>
-    <p:sldId id="382" r:id="rId12"/>
-    <p:sldId id="366" r:id="rId13"/>
-    <p:sldId id="368" r:id="rId14"/>
-    <p:sldId id="369" r:id="rId15"/>
-    <p:sldId id="370" r:id="rId16"/>
-    <p:sldId id="371" r:id="rId17"/>
-    <p:sldId id="383" r:id="rId18"/>
-    <p:sldId id="372" r:id="rId19"/>
-    <p:sldId id="373" r:id="rId20"/>
-    <p:sldId id="381" r:id="rId21"/>
-    <p:sldId id="374" r:id="rId22"/>
-    <p:sldId id="375" r:id="rId23"/>
-    <p:sldId id="376" r:id="rId24"/>
-    <p:sldId id="378" r:id="rId25"/>
-    <p:sldId id="356" r:id="rId26"/>
-    <p:sldId id="379" r:id="rId27"/>
-    <p:sldId id="380" r:id="rId28"/>
-    <p:sldId id="377" r:id="rId29"/>
-    <p:sldId id="312" r:id="rId30"/>
-    <p:sldId id="268" r:id="rId31"/>
-    <p:sldId id="361" r:id="rId32"/>
-    <p:sldId id="362" r:id="rId33"/>
-    <p:sldId id="363" r:id="rId34"/>
-    <p:sldId id="364" r:id="rId35"/>
-    <p:sldId id="365" r:id="rId36"/>
-    <p:sldId id="267" r:id="rId37"/>
+    <p:sldId id="386" r:id="rId4"/>
+    <p:sldId id="384" r:id="rId5"/>
+    <p:sldId id="385" r:id="rId6"/>
+    <p:sldId id="342" r:id="rId7"/>
+    <p:sldId id="258" r:id="rId8"/>
+    <p:sldId id="259" r:id="rId9"/>
+    <p:sldId id="387" r:id="rId10"/>
+    <p:sldId id="311" r:id="rId11"/>
+    <p:sldId id="315" r:id="rId12"/>
+    <p:sldId id="367" r:id="rId13"/>
+    <p:sldId id="382" r:id="rId14"/>
+    <p:sldId id="366" r:id="rId15"/>
+    <p:sldId id="368" r:id="rId16"/>
+    <p:sldId id="369" r:id="rId17"/>
+    <p:sldId id="370" r:id="rId18"/>
+    <p:sldId id="371" r:id="rId19"/>
+    <p:sldId id="383" r:id="rId20"/>
+    <p:sldId id="372" r:id="rId21"/>
+    <p:sldId id="373" r:id="rId22"/>
+    <p:sldId id="381" r:id="rId23"/>
+    <p:sldId id="374" r:id="rId24"/>
+    <p:sldId id="375" r:id="rId25"/>
+    <p:sldId id="376" r:id="rId26"/>
+    <p:sldId id="378" r:id="rId27"/>
+    <p:sldId id="356" r:id="rId28"/>
+    <p:sldId id="379" r:id="rId29"/>
+    <p:sldId id="380" r:id="rId30"/>
+    <p:sldId id="377" r:id="rId31"/>
+    <p:sldId id="312" r:id="rId32"/>
+    <p:sldId id="268" r:id="rId33"/>
+    <p:sldId id="361" r:id="rId34"/>
+    <p:sldId id="362" r:id="rId35"/>
+    <p:sldId id="363" r:id="rId36"/>
+    <p:sldId id="364" r:id="rId37"/>
+    <p:sldId id="365" r:id="rId38"/>
+    <p:sldId id="267" r:id="rId39"/>
   </p:sldIdLst>
   <p:sldSz cx="9144000" cy="6858000" type="screen4x3"/>
   <p:notesSz cx="6858000" cy="9144000"/>
@@ -227,7 +229,7 @@
           <a:p>
             <a:fld id="{9B5D41C8-0A92-DD47-AB00-F0EFFD66679B}" type="datetimeFigureOut">
               <a:rPr lang="en-US" smtClean="0"/>
-              <a:t>10/10/11</a:t>
+              <a:t>10/14/11</a:t>
             </a:fld>
             <a:endParaRPr lang="en-US"/>
           </a:p>
@@ -652,7 +654,7 @@
           <a:p>
             <a:fld id="{F0AB357A-3C6D-9E43-AB07-807CDFEA83A0}" type="slidenum">
               <a:rPr lang="en-US" smtClean="0"/>
-              <a:t>6</a:t>
+              <a:t>7</a:t>
             </a:fld>
             <a:endParaRPr lang="en-US"/>
           </a:p>
@@ -748,7 +750,7 @@
           <a:p>
             <a:fld id="{F0AB357A-3C6D-9E43-AB07-807CDFEA83A0}" type="slidenum">
               <a:rPr lang="en-US" smtClean="0"/>
-              <a:t>7</a:t>
+              <a:t>8</a:t>
             </a:fld>
             <a:endParaRPr lang="en-US"/>
           </a:p>
@@ -813,7 +815,7 @@
           <a:p>
             <a:r>
               <a:rPr lang="en-US" dirty="0" smtClean="0"/>
-              <a:t>55 minutes</a:t>
+              <a:t>Break – 8 minutes</a:t>
             </a:r>
             <a:endParaRPr lang="en-US" dirty="0"/>
           </a:p>
@@ -836,7 +838,7 @@
           <a:p>
             <a:fld id="{F0AB357A-3C6D-9E43-AB07-807CDFEA83A0}" type="slidenum">
               <a:rPr lang="en-US" smtClean="0"/>
-              <a:t>8</a:t>
+              <a:t>9</a:t>
             </a:fld>
             <a:endParaRPr lang="en-US"/>
           </a:p>
@@ -845,7 +847,7 @@
     </p:spTree>
     <p:extLst>
       <p:ext uri="{BB962C8B-B14F-4D97-AF65-F5344CB8AC3E}">
-        <p14:creationId xmlns:p14="http://schemas.microsoft.com/office/powerpoint/2010/main" val="2729024866"/>
+        <p14:creationId xmlns:p14="http://schemas.microsoft.com/office/powerpoint/2010/main" val="2491357436"/>
       </p:ext>
     </p:extLst>
   </p:cSld>
@@ -901,7 +903,7 @@
           <a:p>
             <a:r>
               <a:rPr lang="en-US" dirty="0" smtClean="0"/>
-              <a:t>Break – 8 minutes</a:t>
+              <a:t>55 minutes</a:t>
             </a:r>
             <a:endParaRPr lang="en-US" dirty="0"/>
           </a:p>
@@ -924,7 +926,7 @@
           <a:p>
             <a:fld id="{F0AB357A-3C6D-9E43-AB07-807CDFEA83A0}" type="slidenum">
               <a:rPr lang="en-US" smtClean="0"/>
-              <a:t>17</a:t>
+              <a:t>10</a:t>
             </a:fld>
             <a:endParaRPr lang="en-US"/>
           </a:p>
@@ -933,7 +935,7 @@
     </p:spTree>
     <p:extLst>
       <p:ext uri="{BB962C8B-B14F-4D97-AF65-F5344CB8AC3E}">
-        <p14:creationId xmlns:p14="http://schemas.microsoft.com/office/powerpoint/2010/main" val="2491357436"/>
+        <p14:creationId xmlns:p14="http://schemas.microsoft.com/office/powerpoint/2010/main" val="2729024866"/>
       </p:ext>
     </p:extLst>
   </p:cSld>
@@ -1012,7 +1014,7 @@
           <a:p>
             <a:fld id="{F0AB357A-3C6D-9E43-AB07-807CDFEA83A0}" type="slidenum">
               <a:rPr lang="en-US" smtClean="0"/>
-              <a:t>29</a:t>
+              <a:t>19</a:t>
             </a:fld>
             <a:endParaRPr lang="en-US"/>
           </a:p>
@@ -1077,7 +1079,7 @@
           <a:p>
             <a:r>
               <a:rPr lang="en-US" dirty="0" smtClean="0"/>
-              <a:t>35 minutes</a:t>
+              <a:t>Break – 8 minutes</a:t>
             </a:r>
             <a:endParaRPr lang="en-US" dirty="0"/>
           </a:p>
@@ -1100,7 +1102,7 @@
           <a:p>
             <a:fld id="{F0AB357A-3C6D-9E43-AB07-807CDFEA83A0}" type="slidenum">
               <a:rPr lang="en-US" smtClean="0"/>
-              <a:t>30</a:t>
+              <a:t>31</a:t>
             </a:fld>
             <a:endParaRPr lang="en-US"/>
           </a:p>
@@ -1109,7 +1111,7 @@
     </p:spTree>
     <p:extLst>
       <p:ext uri="{BB962C8B-B14F-4D97-AF65-F5344CB8AC3E}">
-        <p14:creationId xmlns:p14="http://schemas.microsoft.com/office/powerpoint/2010/main" val="1220344411"/>
+        <p14:creationId xmlns:p14="http://schemas.microsoft.com/office/powerpoint/2010/main" val="2491357436"/>
       </p:ext>
     </p:extLst>
   </p:cSld>
@@ -1165,6 +1167,94 @@
           <a:p>
             <a:r>
               <a:rPr lang="en-US" dirty="0" smtClean="0"/>
+              <a:t>35 minutes</a:t>
+            </a:r>
+            <a:endParaRPr lang="en-US" dirty="0"/>
+          </a:p>
+        </p:txBody>
+      </p:sp>
+      <p:sp>
+        <p:nvSpPr>
+          <p:cNvPr id="4" name="Slide Number Placeholder 3"/>
+          <p:cNvSpPr>
+            <a:spLocks noGrp="1"/>
+          </p:cNvSpPr>
+          <p:nvPr>
+            <p:ph type="sldNum" sz="quarter" idx="10"/>
+          </p:nvPr>
+        </p:nvSpPr>
+        <p:spPr/>
+        <p:txBody>
+          <a:bodyPr/>
+          <a:lstStyle/>
+          <a:p>
+            <a:fld id="{F0AB357A-3C6D-9E43-AB07-807CDFEA83A0}" type="slidenum">
+              <a:rPr lang="en-US" smtClean="0"/>
+              <a:t>32</a:t>
+            </a:fld>
+            <a:endParaRPr lang="en-US"/>
+          </a:p>
+        </p:txBody>
+      </p:sp>
+    </p:spTree>
+    <p:extLst>
+      <p:ext uri="{BB962C8B-B14F-4D97-AF65-F5344CB8AC3E}">
+        <p14:creationId xmlns:p14="http://schemas.microsoft.com/office/powerpoint/2010/main" val="1220344411"/>
+      </p:ext>
+    </p:extLst>
+  </p:cSld>
+  <p:clrMapOvr>
+    <a:masterClrMapping/>
+  </p:clrMapOvr>
+</p:notes>
+</file>
+
+<file path=ppt/notesSlides/notesSlide9.xml><?xml version="1.0" encoding="utf-8"?>
+<p:notes xmlns:a="http://schemas.openxmlformats.org/drawingml/2006/main" xmlns:r="http://schemas.openxmlformats.org/officeDocument/2006/relationships" xmlns:p="http://schemas.openxmlformats.org/presentationml/2006/main">
+  <p:cSld>
+    <p:spTree>
+      <p:nvGrpSpPr>
+        <p:cNvPr id="1" name=""/>
+        <p:cNvGrpSpPr/>
+        <p:nvPr/>
+      </p:nvGrpSpPr>
+      <p:grpSpPr>
+        <a:xfrm>
+          <a:off x="0" y="0"/>
+          <a:ext cx="0" cy="0"/>
+          <a:chOff x="0" y="0"/>
+          <a:chExt cx="0" cy="0"/>
+        </a:xfrm>
+      </p:grpSpPr>
+      <p:sp>
+        <p:nvSpPr>
+          <p:cNvPr id="2" name="Slide Image Placeholder 1"/>
+          <p:cNvSpPr>
+            <a:spLocks noGrp="1" noRot="1" noChangeAspect="1"/>
+          </p:cNvSpPr>
+          <p:nvPr>
+            <p:ph type="sldImg"/>
+          </p:nvPr>
+        </p:nvSpPr>
+        <p:spPr/>
+      </p:sp>
+      <p:sp>
+        <p:nvSpPr>
+          <p:cNvPr id="3" name="Notes Placeholder 2"/>
+          <p:cNvSpPr>
+            <a:spLocks noGrp="1"/>
+          </p:cNvSpPr>
+          <p:nvPr>
+            <p:ph type="body" idx="1"/>
+          </p:nvPr>
+        </p:nvSpPr>
+        <p:spPr/>
+        <p:txBody>
+          <a:bodyPr/>
+          <a:lstStyle/>
+          <a:p>
+            <a:r>
+              <a:rPr lang="en-US" dirty="0" smtClean="0"/>
               <a:t>http://</a:t>
             </a:r>
             <a:r>
@@ -1196,7 +1286,7 @@
           <a:p>
             <a:fld id="{F0AB357A-3C6D-9E43-AB07-807CDFEA83A0}" type="slidenum">
               <a:rPr lang="en-US" smtClean="0"/>
-              <a:t>36</a:t>
+              <a:t>38</a:t>
             </a:fld>
             <a:endParaRPr lang="en-US"/>
           </a:p>
@@ -1843,7 +1933,7 @@
             <a:fld id="{B7C3F878-F5E8-489B-AC8A-64F2A7E22C28}" type="datetimeFigureOut">
               <a:rPr lang="en-US" smtClean="0"/>
               <a:pPr/>
-              <a:t>10/10/11</a:t>
+              <a:t>10/14/11</a:t>
             </a:fld>
             <a:endParaRPr lang="en-US"/>
           </a:p>
@@ -2050,7 +2140,7 @@
             <a:fld id="{B7C3F878-F5E8-489B-AC8A-64F2A7E22C28}" type="datetimeFigureOut">
               <a:rPr lang="en-US" smtClean="0"/>
               <a:pPr/>
-              <a:t>10/10/11</a:t>
+              <a:t>10/14/11</a:t>
             </a:fld>
             <a:endParaRPr lang="en-US"/>
           </a:p>
@@ -2257,7 +2347,7 @@
             <a:fld id="{B7C3F878-F5E8-489B-AC8A-64F2A7E22C28}" type="datetimeFigureOut">
               <a:rPr lang="en-US" smtClean="0"/>
               <a:pPr/>
-              <a:t>10/10/11</a:t>
+              <a:t>10/14/11</a:t>
             </a:fld>
             <a:endParaRPr lang="en-US"/>
           </a:p>
@@ -2450,7 +2540,7 @@
             <a:fld id="{B7C3F878-F5E8-489B-AC8A-64F2A7E22C28}" type="datetimeFigureOut">
               <a:rPr lang="en-US" smtClean="0"/>
               <a:pPr/>
-              <a:t>10/10/11</a:t>
+              <a:t>10/14/11</a:t>
             </a:fld>
             <a:endParaRPr lang="en-US"/>
           </a:p>
@@ -2691,7 +2781,7 @@
             <a:fld id="{B7C3F878-F5E8-489B-AC8A-64F2A7E22C28}" type="datetimeFigureOut">
               <a:rPr lang="en-US" smtClean="0"/>
               <a:pPr/>
-              <a:t>10/10/11</a:t>
+              <a:t>10/14/11</a:t>
             </a:fld>
             <a:endParaRPr lang="en-US"/>
           </a:p>
@@ -2806,7 +2896,7 @@
             <a:fld id="{B7C3F878-F5E8-489B-AC8A-64F2A7E22C28}" type="datetimeFigureOut">
               <a:rPr lang="en-US" smtClean="0"/>
               <a:pPr/>
-              <a:t>10/10/11</a:t>
+              <a:t>10/14/11</a:t>
             </a:fld>
             <a:endParaRPr lang="en-US"/>
           </a:p>
@@ -3238,7 +3328,7 @@
             <a:fld id="{B7C3F878-F5E8-489B-AC8A-64F2A7E22C28}" type="datetimeFigureOut">
               <a:rPr lang="en-US" smtClean="0"/>
               <a:pPr/>
-              <a:t>10/10/11</a:t>
+              <a:t>10/14/11</a:t>
             </a:fld>
             <a:endParaRPr lang="en-US"/>
           </a:p>
@@ -3519,7 +3609,7 @@
             <a:fld id="{B7C3F878-F5E8-489B-AC8A-64F2A7E22C28}" type="datetimeFigureOut">
               <a:rPr lang="en-US" smtClean="0"/>
               <a:pPr/>
-              <a:t>10/10/11</a:t>
+              <a:t>10/14/11</a:t>
             </a:fld>
             <a:endParaRPr lang="en-US"/>
           </a:p>
@@ -3611,7 +3701,7 @@
             <a:fld id="{B7C3F878-F5E8-489B-AC8A-64F2A7E22C28}" type="datetimeFigureOut">
               <a:rPr lang="en-US" smtClean="0"/>
               <a:pPr/>
-              <a:t>10/10/11</a:t>
+              <a:t>10/14/11</a:t>
             </a:fld>
             <a:endParaRPr lang="en-US"/>
           </a:p>
@@ -4450,7 +4540,7 @@
             <a:fld id="{B7C3F878-F5E8-489B-AC8A-64F2A7E22C28}" type="datetimeFigureOut">
               <a:rPr lang="en-US" smtClean="0"/>
               <a:pPr/>
-              <a:t>10/10/11</a:t>
+              <a:t>10/14/11</a:t>
             </a:fld>
             <a:endParaRPr lang="en-US"/>
           </a:p>
@@ -5283,7 +5373,7 @@
             <a:fld id="{B7C3F878-F5E8-489B-AC8A-64F2A7E22C28}" type="datetimeFigureOut">
               <a:rPr lang="en-US" smtClean="0"/>
               <a:pPr/>
-              <a:t>10/10/11</a:t>
+              <a:t>10/14/11</a:t>
             </a:fld>
             <a:endParaRPr lang="en-US"/>
           </a:p>
@@ -5939,7 +6029,7 @@
             <a:fld id="{B7C3F878-F5E8-489B-AC8A-64F2A7E22C28}" type="datetimeFigureOut">
               <a:rPr lang="en-US" smtClean="0"/>
               <a:pPr/>
-              <a:t>10/10/11</a:t>
+              <a:t>10/14/11</a:t>
             </a:fld>
             <a:endParaRPr lang="en-US" dirty="0"/>
           </a:p>
@@ -6500,98 +6590,29 @@
           <a:p>
             <a:r>
               <a:rPr lang="en-US" dirty="0" smtClean="0"/>
-              <a:t>display</a:t>
+              <a:t>Lesson: CSS Layout</a:t>
             </a:r>
             <a:endParaRPr lang="en-US" dirty="0"/>
-          </a:p>
-        </p:txBody>
-      </p:sp>
-      <p:sp>
-        <p:nvSpPr>
-          <p:cNvPr id="3" name="Content Placeholder 2"/>
-          <p:cNvSpPr>
-            <a:spLocks noGrp="1"/>
-          </p:cNvSpPr>
-          <p:nvPr>
-            <p:ph idx="1"/>
-          </p:nvPr>
-        </p:nvSpPr>
-        <p:spPr/>
-        <p:txBody>
-          <a:bodyPr/>
-          <a:lstStyle/>
-          <a:p>
-            <a:r>
-              <a:rPr lang="en-US" dirty="0" smtClean="0"/>
-              <a:t>Learn more: </a:t>
-            </a:r>
-            <a:r>
-              <a:rPr lang="en-US" dirty="0" smtClean="0">
-                <a:hlinkClick r:id="rId2"/>
-              </a:rPr>
-              <a:t>http://www.w3.org/TR/CSS21/visuren.html - propdef-display</a:t>
-            </a:r>
-            <a:endParaRPr lang="en-US" dirty="0" smtClean="0"/>
-          </a:p>
-          <a:p>
-            <a:r>
-              <a:rPr lang="en-US" dirty="0" smtClean="0"/>
-              <a:t>Sets the type of a box an element lives in</a:t>
-            </a:r>
-          </a:p>
-          <a:p>
-            <a:r>
-              <a:rPr lang="en-US" dirty="0" smtClean="0"/>
-              <a:t>Can be inline, block, list-item, inline-block, none</a:t>
-            </a:r>
-          </a:p>
-          <a:p>
-            <a:r>
-              <a:rPr lang="en-US" sz="2000" dirty="0" smtClean="0">
-                <a:latin typeface="Courier New"/>
-                <a:cs typeface="Courier New"/>
-              </a:rPr>
-              <a:t>display: block;</a:t>
-            </a:r>
-          </a:p>
-          <a:p>
-            <a:endParaRPr lang="en-US" dirty="0"/>
-          </a:p>
-        </p:txBody>
-      </p:sp>
-      <p:sp>
-        <p:nvSpPr>
-          <p:cNvPr id="4" name="Footer Placeholder 3"/>
-          <p:cNvSpPr>
-            <a:spLocks noGrp="1"/>
-          </p:cNvSpPr>
-          <p:nvPr>
-            <p:ph type="ftr" sz="quarter" idx="11"/>
-          </p:nvPr>
-        </p:nvSpPr>
-        <p:spPr/>
-        <p:txBody>
-          <a:bodyPr/>
-          <a:lstStyle/>
-          <a:p>
-            <a:r>
-              <a:rPr lang="en-US" smtClean="0"/>
-              <a:t>http://dl.dropbox.com/u/41609448/art329/slides/classfive/slides/display/index.html  </a:t>
-            </a:r>
-            <a:endParaRPr lang="en-US"/>
           </a:p>
         </p:txBody>
       </p:sp>
     </p:spTree>
     <p:extLst>
       <p:ext uri="{BB962C8B-B14F-4D97-AF65-F5344CB8AC3E}">
-        <p14:creationId xmlns:p14="http://schemas.microsoft.com/office/powerpoint/2010/main" val="103994896"/>
+        <p14:creationId xmlns:p14="http://schemas.microsoft.com/office/powerpoint/2010/main" val="2418307096"/>
       </p:ext>
     </p:extLst>
   </p:cSld>
   <p:clrMapOvr>
     <a:masterClrMapping/>
   </p:clrMapOvr>
+  <p:timing>
+    <p:tnLst>
+      <p:par>
+        <p:cTn xmlns:p14="http://schemas.microsoft.com/office/powerpoint/2010/main" id="1" dur="indefinite" restart="never" nodeType="tmRoot"/>
+      </p:par>
+    </p:tnLst>
+  </p:timing>
 </p:sld>
 </file>
 
@@ -6629,7 +6650,7 @@
           <a:p>
             <a:r>
               <a:rPr lang="en-US" dirty="0" smtClean="0"/>
-              <a:t>list-style</a:t>
+              <a:t>Layout</a:t>
             </a:r>
             <a:endParaRPr lang="en-US" dirty="0"/>
           </a:p>
@@ -6648,233 +6669,130 @@
         <p:spPr/>
         <p:txBody>
           <a:bodyPr>
-            <a:normAutofit fontScale="85000" lnSpcReduction="20000"/>
+            <a:normAutofit fontScale="62500" lnSpcReduction="20000"/>
           </a:bodyPr>
           <a:lstStyle/>
           <a:p>
             <a:r>
               <a:rPr lang="en-US" dirty="0" smtClean="0"/>
-              <a:t>Learn more: </a:t>
-            </a:r>
-            <a:r>
-              <a:rPr lang="en-US" dirty="0" smtClean="0">
-                <a:hlinkClick r:id="rId2"/>
-              </a:rPr>
-              <a:t>http://www.w3.org/TR/CSS21/generate.html - propdef-list-style</a:t>
+              <a:t>display</a:t>
+            </a:r>
+          </a:p>
+          <a:p>
+            <a:r>
+              <a:rPr lang="en-US" dirty="0"/>
+              <a:t>list-</a:t>
+            </a:r>
+            <a:r>
+              <a:rPr lang="en-US" dirty="0" smtClean="0"/>
+              <a:t>style</a:t>
+            </a:r>
+          </a:p>
+          <a:p>
+            <a:r>
+              <a:rPr lang="en-US" dirty="0" smtClean="0"/>
+              <a:t>position</a:t>
+            </a:r>
+          </a:p>
+          <a:p>
+            <a:r>
+              <a:rPr lang="en-US" dirty="0" smtClean="0"/>
+              <a:t>top</a:t>
+            </a:r>
+            <a:r>
+              <a:rPr lang="en-US" dirty="0"/>
+              <a:t>, left, right, </a:t>
+            </a:r>
+            <a:r>
+              <a:rPr lang="en-US" dirty="0" smtClean="0"/>
+              <a:t>bottom</a:t>
+            </a:r>
+          </a:p>
+          <a:p>
+            <a:r>
+              <a:rPr lang="en-US" dirty="0"/>
+              <a:t>z-</a:t>
+            </a:r>
+            <a:r>
+              <a:rPr lang="en-US" dirty="0" smtClean="0"/>
+              <a:t>index</a:t>
+            </a:r>
+          </a:p>
+          <a:p>
+            <a:r>
+              <a:rPr lang="en-US" dirty="0" smtClean="0"/>
+              <a:t>float</a:t>
+            </a:r>
+          </a:p>
+          <a:p>
+            <a:r>
+              <a:rPr lang="en-US" dirty="0" smtClean="0"/>
+              <a:t>clear</a:t>
+            </a:r>
+          </a:p>
+          <a:p>
+            <a:r>
+              <a:rPr lang="en-US" dirty="0" smtClean="0"/>
+              <a:t>width, min-width, max-width</a:t>
+            </a:r>
+          </a:p>
+          <a:p>
+            <a:r>
+              <a:rPr lang="en-US" dirty="0" smtClean="0"/>
+              <a:t>height, min-height, max-height</a:t>
+            </a:r>
+          </a:p>
+          <a:p>
+            <a:r>
+              <a:rPr lang="en-US" dirty="0" smtClean="0"/>
+              <a:t>overflow</a:t>
+            </a:r>
+          </a:p>
+          <a:p>
+            <a:r>
+              <a:rPr lang="en-US" dirty="0" smtClean="0"/>
+              <a:t>vertical-align</a:t>
+            </a:r>
+          </a:p>
+          <a:p>
+            <a:r>
+              <a:rPr lang="en-US" dirty="0"/>
+              <a:t>padding</a:t>
             </a:r>
             <a:endParaRPr lang="en-US" dirty="0" smtClean="0"/>
           </a:p>
           <a:p>
             <a:r>
               <a:rPr lang="en-US" dirty="0" smtClean="0"/>
-              <a:t>Sets the style properties of the list: type, position, image</a:t>
-            </a:r>
-          </a:p>
-          <a:p>
-            <a:r>
-              <a:rPr lang="en-US" dirty="0" smtClean="0"/>
-              <a:t>list-style</a:t>
-            </a:r>
-            <a:r>
-              <a:rPr lang="en-US" dirty="0"/>
-              <a:t>-type: </a:t>
-            </a:r>
-            <a:r>
-              <a:rPr lang="en-US" dirty="0" smtClean="0"/>
-              <a:t>disc, circle, square, decimal, </a:t>
-            </a:r>
-            <a:r>
-              <a:rPr lang="en-US" dirty="0"/>
-              <a:t>decimal-leading-</a:t>
-            </a:r>
-            <a:r>
-              <a:rPr lang="en-US" dirty="0" smtClean="0"/>
-              <a:t>zero, </a:t>
-            </a:r>
-            <a:r>
-              <a:rPr lang="en-US" dirty="0"/>
-              <a:t>lower-</a:t>
-            </a:r>
-            <a:r>
-              <a:rPr lang="en-US" dirty="0" smtClean="0"/>
-              <a:t>roman, </a:t>
-            </a:r>
-            <a:r>
-              <a:rPr lang="en-US" dirty="0"/>
-              <a:t>upper-</a:t>
-            </a:r>
-            <a:r>
-              <a:rPr lang="en-US" dirty="0" smtClean="0"/>
-              <a:t>roman, </a:t>
-            </a:r>
-            <a:r>
-              <a:rPr lang="en-US" dirty="0"/>
-              <a:t>lower-</a:t>
-            </a:r>
-            <a:r>
-              <a:rPr lang="en-US" dirty="0" err="1" smtClean="0"/>
-              <a:t>greek</a:t>
-            </a:r>
-            <a:r>
-              <a:rPr lang="en-US" dirty="0" smtClean="0"/>
-              <a:t>, lower-</a:t>
-            </a:r>
-            <a:r>
-              <a:rPr lang="en-US" dirty="0" err="1" smtClean="0"/>
-              <a:t>latin</a:t>
-            </a:r>
-            <a:r>
-              <a:rPr lang="en-US" dirty="0"/>
-              <a:t>,</a:t>
-            </a:r>
-            <a:r>
-              <a:rPr lang="en-US" dirty="0" smtClean="0"/>
-              <a:t> upper-</a:t>
-            </a:r>
-            <a:r>
-              <a:rPr lang="en-US" dirty="0" err="1" smtClean="0"/>
-              <a:t>latin</a:t>
-            </a:r>
-            <a:r>
-              <a:rPr lang="en-US" dirty="0"/>
-              <a:t>,</a:t>
-            </a:r>
-            <a:r>
-              <a:rPr lang="en-US" dirty="0" smtClean="0"/>
-              <a:t> </a:t>
-            </a:r>
-            <a:r>
-              <a:rPr lang="en-US" dirty="0" err="1" smtClean="0"/>
-              <a:t>armenian</a:t>
-            </a:r>
-            <a:r>
-              <a:rPr lang="en-US" dirty="0"/>
-              <a:t>,</a:t>
-            </a:r>
-            <a:r>
-              <a:rPr lang="en-US" dirty="0" smtClean="0"/>
-              <a:t> </a:t>
-            </a:r>
-            <a:r>
-              <a:rPr lang="en-US" dirty="0" err="1" smtClean="0"/>
-              <a:t>georgian</a:t>
-            </a:r>
-            <a:r>
-              <a:rPr lang="en-US" dirty="0"/>
-              <a:t>,</a:t>
-            </a:r>
-            <a:r>
-              <a:rPr lang="en-US" dirty="0" smtClean="0"/>
-              <a:t> lower-alpha, upper-alpha, none</a:t>
-            </a:r>
-          </a:p>
-          <a:p>
-            <a:r>
-              <a:rPr lang="en-US" dirty="0" smtClean="0"/>
-              <a:t>list-style-position: inside, outside</a:t>
-            </a:r>
-          </a:p>
-          <a:p>
-            <a:r>
-              <a:rPr lang="en-US" dirty="0" smtClean="0"/>
-              <a:t>List-style-image: </a:t>
-            </a:r>
-            <a:r>
-              <a:rPr lang="en-US" dirty="0" err="1" smtClean="0"/>
-              <a:t>url</a:t>
-            </a:r>
-            <a:r>
-              <a:rPr lang="en-US" dirty="0" smtClean="0"/>
-              <a:t>('</a:t>
-            </a:r>
-            <a:r>
-              <a:rPr lang="en-US" dirty="0" err="1" smtClean="0"/>
-              <a:t>bullet.png</a:t>
-            </a:r>
-            <a:r>
-              <a:rPr lang="en-US" dirty="0" smtClean="0"/>
-              <a:t>'), none</a:t>
-            </a:r>
-          </a:p>
-          <a:p>
-            <a:r>
-              <a:rPr lang="en-US" sz="2000" dirty="0" smtClean="0">
-                <a:latin typeface="Courier New"/>
-                <a:cs typeface="Courier New"/>
-              </a:rPr>
-              <a:t>list-style: disc inside none;</a:t>
-            </a:r>
-          </a:p>
-          <a:p>
+              <a:t>border</a:t>
+            </a:r>
             <a:endParaRPr lang="en-US" dirty="0"/>
           </a:p>
-        </p:txBody>
-      </p:sp>
-      <p:sp>
-        <p:nvSpPr>
-          <p:cNvPr id="4" name="Footer Placeholder 3"/>
-          <p:cNvSpPr>
-            <a:spLocks noGrp="1"/>
-          </p:cNvSpPr>
-          <p:nvPr>
-            <p:ph type="ftr" sz="quarter" idx="11"/>
-          </p:nvPr>
-        </p:nvSpPr>
-        <p:spPr/>
-        <p:txBody>
-          <a:bodyPr/>
-          <a:lstStyle/>
-          <a:p>
-            <a:r>
-              <a:rPr lang="en-US" dirty="0"/>
-              <a:t>http://</a:t>
-            </a:r>
-            <a:r>
-              <a:rPr lang="en-US" dirty="0" err="1"/>
-              <a:t>dl.dropbox.com</a:t>
-            </a:r>
-            <a:r>
-              <a:rPr lang="en-US" dirty="0"/>
-              <a:t>/u/41609448/art329/slides/</a:t>
-            </a:r>
-            <a:r>
-              <a:rPr lang="en-US" dirty="0" err="1"/>
-              <a:t>classfour</a:t>
-            </a:r>
-            <a:r>
-              <a:rPr lang="en-US" dirty="0"/>
-              <a:t>/slides</a:t>
-            </a:r>
-            <a:r>
-              <a:rPr lang="en-US" dirty="0" smtClean="0"/>
-              <a:t>/</a:t>
-            </a:r>
-            <a:r>
-              <a:rPr lang="en-US" dirty="0" err="1" smtClean="0"/>
-              <a:t>liststyle</a:t>
-            </a:r>
-            <a:r>
-              <a:rPr lang="en-US" dirty="0" smtClean="0"/>
-              <a:t>/</a:t>
-            </a:r>
-            <a:r>
-              <a:rPr lang="en-US" dirty="0" err="1"/>
-              <a:t>index.html</a:t>
-            </a:r>
-            <a:endParaRPr lang="en-US" dirty="0"/>
+          <a:p>
+            <a:r>
+              <a:rPr lang="en-US" dirty="0" smtClean="0"/>
+              <a:t>margin</a:t>
+            </a:r>
           </a:p>
         </p:txBody>
       </p:sp>
     </p:spTree>
     <p:extLst>
       <p:ext uri="{BB962C8B-B14F-4D97-AF65-F5344CB8AC3E}">
-        <p14:creationId xmlns:p14="http://schemas.microsoft.com/office/powerpoint/2010/main" val="3840415387"/>
+        <p14:creationId xmlns:p14="http://schemas.microsoft.com/office/powerpoint/2010/main" val="1293711312"/>
       </p:ext>
     </p:extLst>
   </p:cSld>
   <p:clrMapOvr>
     <a:masterClrMapping/>
   </p:clrMapOvr>
+  <p:timing>
+    <p:tnLst>
+      <p:par>
+        <p:cTn xmlns:p14="http://schemas.microsoft.com/office/powerpoint/2010/main" id="1" dur="indefinite" restart="never" nodeType="tmRoot"/>
+      </p:par>
+    </p:tnLst>
+  </p:timing>
 </p:sld>
 </file>
 
@@ -6912,7 +6830,7 @@
           <a:p>
             <a:r>
               <a:rPr lang="en-US" dirty="0" smtClean="0"/>
-              <a:t>position</a:t>
+              <a:t>display</a:t>
             </a:r>
             <a:endParaRPr lang="en-US" dirty="0"/>
           </a:p>
@@ -6941,20 +6859,20 @@
               <a:rPr lang="en-US" dirty="0" smtClean="0">
                 <a:hlinkClick r:id="rId2"/>
               </a:rPr>
-              <a:t>http://www.w3.org/TR/CSS21/visuren.html - propdef-position</a:t>
+              <a:t>http://www.w3.org/TR/CSS21/visuren.html - propdef-display</a:t>
             </a:r>
             <a:endParaRPr lang="en-US" dirty="0" smtClean="0"/>
           </a:p>
           <a:p>
             <a:r>
               <a:rPr lang="en-US" dirty="0" smtClean="0"/>
-              <a:t>Positions an element</a:t>
-            </a:r>
-          </a:p>
-          <a:p>
-            <a:r>
-              <a:rPr lang="en-US" dirty="0" smtClean="0"/>
-              <a:t>Can be static, relative, absolute, fixed</a:t>
+              <a:t>Sets the type of a box an element lives in</a:t>
+            </a:r>
+          </a:p>
+          <a:p>
+            <a:r>
+              <a:rPr lang="en-US" dirty="0" smtClean="0"/>
+              <a:t>Can be inline, block, list-item, inline-block, none</a:t>
             </a:r>
           </a:p>
           <a:p>
@@ -6963,14 +6881,11 @@
                 <a:latin typeface="Courier New"/>
                 <a:cs typeface="Courier New"/>
               </a:rPr>
-              <a:t>position: absolute;</a:t>
-            </a:r>
-          </a:p>
-          <a:p>
-            <a:endParaRPr lang="en-US" dirty="0" smtClean="0"/>
-          </a:p>
-          <a:p>
-            <a:endParaRPr lang="en-US" dirty="0" smtClean="0"/>
+              <a:t>display: block;</a:t>
+            </a:r>
+          </a:p>
+          <a:p>
+            <a:endParaRPr lang="en-US" dirty="0"/>
           </a:p>
         </p:txBody>
       </p:sp>
@@ -6990,47 +6905,30 @@
           <a:lstStyle/>
           <a:p>
             <a:r>
-              <a:rPr lang="en-US" dirty="0" smtClean="0"/>
-              <a:t>http://</a:t>
-            </a:r>
-            <a:r>
-              <a:rPr lang="en-US" dirty="0" err="1" smtClean="0"/>
-              <a:t>dl.dropbox.com</a:t>
-            </a:r>
-            <a:r>
-              <a:rPr lang="en-US" dirty="0" smtClean="0"/>
-              <a:t>/u/41609448/art329/slides/</a:t>
-            </a:r>
-            <a:r>
-              <a:rPr lang="en-US" dirty="0" err="1" smtClean="0"/>
-              <a:t>classfive</a:t>
-            </a:r>
-            <a:r>
-              <a:rPr lang="en-US" dirty="0" smtClean="0"/>
-              <a:t>/slides/position/</a:t>
-            </a:r>
-            <a:r>
-              <a:rPr lang="en-US" dirty="0" err="1" smtClean="0"/>
-              <a:t>index.html</a:t>
-            </a:r>
-            <a:r>
-              <a:rPr lang="en-US" dirty="0" smtClean="0"/>
-              <a:t> </a:t>
-            </a:r>
-            <a:endParaRPr lang="en-US" dirty="0"/>
+              <a:rPr lang="en-US" smtClean="0"/>
+              <a:t>http://dl.dropbox.com/u/41609448/art329/slides/classfive/slides/display/index.html  </a:t>
+            </a:r>
+            <a:endParaRPr lang="en-US"/>
           </a:p>
         </p:txBody>
       </p:sp>
     </p:spTree>
     <p:extLst>
       <p:ext uri="{BB962C8B-B14F-4D97-AF65-F5344CB8AC3E}">
-        <p14:creationId xmlns:p14="http://schemas.microsoft.com/office/powerpoint/2010/main" val="857961007"/>
+        <p14:creationId xmlns:p14="http://schemas.microsoft.com/office/powerpoint/2010/main" val="103994896"/>
       </p:ext>
     </p:extLst>
   </p:cSld>
   <p:clrMapOvr>
     <a:masterClrMapping/>
   </p:clrMapOvr>
+  <p:timing>
+    <p:tnLst>
+      <p:par>
+        <p:cTn xmlns:p14="http://schemas.microsoft.com/office/powerpoint/2010/main" id="1" dur="indefinite" restart="never" nodeType="tmRoot"/>
+      </p:par>
+    </p:tnLst>
+  </p:timing>
 </p:sld>
 </file>
 
@@ -7068,7 +6966,7 @@
           <a:p>
             <a:r>
               <a:rPr lang="en-US" dirty="0" smtClean="0"/>
-              <a:t>top, right, bottom, left</a:t>
+              <a:t>list-style</a:t>
             </a:r>
             <a:endParaRPr lang="en-US" dirty="0"/>
           </a:p>
@@ -7086,7 +6984,9 @@
         </p:nvSpPr>
         <p:spPr/>
         <p:txBody>
-          <a:bodyPr/>
+          <a:bodyPr>
+            <a:normAutofit fontScale="85000" lnSpcReduction="20000"/>
+          </a:bodyPr>
           <a:lstStyle/>
           <a:p>
             <a:r>
@@ -7097,26 +6997,140 @@
               <a:rPr lang="en-US" dirty="0" smtClean="0">
                 <a:hlinkClick r:id="rId2"/>
               </a:rPr>
-              <a:t>http://www.w3.org/TR/CSS21/visuren.html - position-props</a:t>
+              <a:t>http://www.w3.org/TR/CSS21/generate.html - propdef-list-style</a:t>
             </a:r>
             <a:endParaRPr lang="en-US" dirty="0" smtClean="0"/>
           </a:p>
           <a:p>
             <a:r>
               <a:rPr lang="en-US" dirty="0" smtClean="0"/>
-              <a:t>Sets how much to offset the position</a:t>
-            </a:r>
-          </a:p>
-          <a:p>
-            <a:r>
-              <a:rPr lang="en-US" dirty="0" smtClean="0"/>
-              <a:t>Can be length, %, or auto</a:t>
-            </a:r>
-          </a:p>
-          <a:p>
-            <a:r>
-              <a:rPr lang="en-US" dirty="0" smtClean="0"/>
-              <a:t>Can be negative</a:t>
+              <a:t>Sets the style properties of the list: type, position, image</a:t>
+            </a:r>
+          </a:p>
+          <a:p>
+            <a:r>
+              <a:rPr lang="en-US" dirty="0" smtClean="0"/>
+              <a:t>list-style</a:t>
+            </a:r>
+            <a:r>
+              <a:rPr lang="en-US" dirty="0"/>
+              <a:t>-type: </a:t>
+            </a:r>
+            <a:r>
+              <a:rPr lang="en-US" dirty="0" smtClean="0"/>
+              <a:t>disc, circle, square, decimal, </a:t>
+            </a:r>
+            <a:r>
+              <a:rPr lang="en-US" dirty="0"/>
+              <a:t>decimal-leading-</a:t>
+            </a:r>
+            <a:r>
+              <a:rPr lang="en-US" dirty="0" smtClean="0"/>
+              <a:t>zero, </a:t>
+            </a:r>
+            <a:r>
+              <a:rPr lang="en-US" dirty="0"/>
+              <a:t>lower-</a:t>
+            </a:r>
+            <a:r>
+              <a:rPr lang="en-US" dirty="0" smtClean="0"/>
+              <a:t>roman, </a:t>
+            </a:r>
+            <a:r>
+              <a:rPr lang="en-US" dirty="0"/>
+              <a:t>upper-</a:t>
+            </a:r>
+            <a:r>
+              <a:rPr lang="en-US" dirty="0" smtClean="0"/>
+              <a:t>roman, </a:t>
+            </a:r>
+            <a:r>
+              <a:rPr lang="en-US" dirty="0"/>
+              <a:t>lower-</a:t>
+            </a:r>
+            <a:r>
+              <a:rPr lang="en-US" dirty="0" err="1" smtClean="0"/>
+              <a:t>greek</a:t>
+            </a:r>
+            <a:r>
+              <a:rPr lang="en-US" dirty="0" smtClean="0"/>
+              <a:t>, lower-</a:t>
+            </a:r>
+            <a:r>
+              <a:rPr lang="en-US" dirty="0" err="1" smtClean="0"/>
+              <a:t>latin</a:t>
+            </a:r>
+            <a:r>
+              <a:rPr lang="en-US" dirty="0"/>
+              <a:t>,</a:t>
+            </a:r>
+            <a:r>
+              <a:rPr lang="en-US" dirty="0" smtClean="0"/>
+              <a:t> upper-</a:t>
+            </a:r>
+            <a:r>
+              <a:rPr lang="en-US" dirty="0" err="1" smtClean="0"/>
+              <a:t>latin</a:t>
+            </a:r>
+            <a:r>
+              <a:rPr lang="en-US" dirty="0"/>
+              <a:t>,</a:t>
+            </a:r>
+            <a:r>
+              <a:rPr lang="en-US" dirty="0" smtClean="0"/>
+              <a:t> </a:t>
+            </a:r>
+            <a:r>
+              <a:rPr lang="en-US" dirty="0" err="1" smtClean="0"/>
+              <a:t>armenian</a:t>
+            </a:r>
+            <a:r>
+              <a:rPr lang="en-US" dirty="0"/>
+              <a:t>,</a:t>
+            </a:r>
+            <a:r>
+              <a:rPr lang="en-US" dirty="0" smtClean="0"/>
+              <a:t> </a:t>
+            </a:r>
+            <a:r>
+              <a:rPr lang="en-US" dirty="0" err="1" smtClean="0"/>
+              <a:t>georgian</a:t>
+            </a:r>
+            <a:r>
+              <a:rPr lang="en-US" dirty="0"/>
+              <a:t>,</a:t>
+            </a:r>
+            <a:r>
+              <a:rPr lang="en-US" dirty="0" smtClean="0"/>
+              <a:t> lower-alpha, upper-alpha, none</a:t>
+            </a:r>
+          </a:p>
+          <a:p>
+            <a:r>
+              <a:rPr lang="en-US" dirty="0" smtClean="0"/>
+              <a:t>list-style-position: inside, outside</a:t>
+            </a:r>
+          </a:p>
+          <a:p>
+            <a:r>
+              <a:rPr lang="en-US" dirty="0" smtClean="0"/>
+              <a:t>List-style-image: </a:t>
+            </a:r>
+            <a:r>
+              <a:rPr lang="en-US" dirty="0" err="1" smtClean="0"/>
+              <a:t>url</a:t>
+            </a:r>
+            <a:r>
+              <a:rPr lang="en-US" dirty="0" smtClean="0"/>
+              <a:t>('</a:t>
+            </a:r>
+            <a:r>
+              <a:rPr lang="en-US" dirty="0" err="1" smtClean="0"/>
+              <a:t>bullet.png</a:t>
+            </a:r>
+            <a:r>
+              <a:rPr lang="en-US" dirty="0" smtClean="0"/>
+              <a:t>'), none</a:t>
             </a:r>
           </a:p>
           <a:p>
@@ -7125,12 +7139,11 @@
                 <a:latin typeface="Courier New"/>
                 <a:cs typeface="Courier New"/>
               </a:rPr>
-              <a:t>top: 8px; right: -20%;</a:t>
-            </a:r>
-            <a:endParaRPr lang="en-US" sz="2000" dirty="0">
-              <a:latin typeface="Courier New"/>
-              <a:cs typeface="Courier New"/>
-            </a:endParaRPr>
+              <a:t>list-style: disc inside none;</a:t>
+            </a:r>
+          </a:p>
+          <a:p>
+            <a:endParaRPr lang="en-US" dirty="0"/>
           </a:p>
         </p:txBody>
       </p:sp>
@@ -7150,35 +7163,39 @@
           <a:lstStyle/>
           <a:p>
             <a:r>
-              <a:rPr lang="en-US" dirty="0" smtClean="0"/>
+              <a:rPr lang="en-US" dirty="0"/>
               <a:t>http://</a:t>
             </a:r>
             <a:r>
+              <a:rPr lang="en-US" dirty="0" err="1"/>
+              <a:t>dl.dropbox.com</a:t>
+            </a:r>
+            <a:r>
+              <a:rPr lang="en-US" dirty="0"/>
+              <a:t>/u/41609448/art329/slides/</a:t>
+            </a:r>
+            <a:r>
+              <a:rPr lang="en-US" dirty="0" err="1"/>
+              <a:t>classfour</a:t>
+            </a:r>
+            <a:r>
+              <a:rPr lang="en-US" dirty="0"/>
+              <a:t>/slides</a:t>
+            </a:r>
+            <a:r>
+              <a:rPr lang="en-US" dirty="0" smtClean="0"/>
+              <a:t>/</a:t>
+            </a:r>
+            <a:r>
               <a:rPr lang="en-US" dirty="0" err="1" smtClean="0"/>
-              <a:t>dl.dropbox.com</a:t>
-            </a:r>
-            <a:r>
-              <a:rPr lang="en-US" dirty="0" smtClean="0"/>
-              <a:t>/u/41609448/art329/slides/</a:t>
-            </a:r>
-            <a:r>
-              <a:rPr lang="en-US" dirty="0" err="1" smtClean="0"/>
-              <a:t>classfive</a:t>
-            </a:r>
-            <a:r>
-              <a:rPr lang="en-US" dirty="0" smtClean="0"/>
-              <a:t>/slides/</a:t>
-            </a:r>
-            <a:r>
-              <a:rPr lang="en-US" dirty="0" err="1" smtClean="0"/>
-              <a:t>position_offset</a:t>
+              <a:t>liststyle</a:t>
             </a:r>
             <a:r>
               <a:rPr lang="en-US" dirty="0" smtClean="0"/>
               <a:t>/</a:t>
             </a:r>
             <a:r>
-              <a:rPr lang="en-US" dirty="0" err="1" smtClean="0"/>
+              <a:rPr lang="en-US" dirty="0" err="1"/>
               <a:t>index.html</a:t>
             </a:r>
             <a:endParaRPr lang="en-US" dirty="0"/>
@@ -7188,13 +7205,20 @@
     </p:spTree>
     <p:extLst>
       <p:ext uri="{BB962C8B-B14F-4D97-AF65-F5344CB8AC3E}">
-        <p14:creationId xmlns:p14="http://schemas.microsoft.com/office/powerpoint/2010/main" val="2571923580"/>
+        <p14:creationId xmlns:p14="http://schemas.microsoft.com/office/powerpoint/2010/main" val="3840415387"/>
       </p:ext>
     </p:extLst>
   </p:cSld>
   <p:clrMapOvr>
     <a:masterClrMapping/>
   </p:clrMapOvr>
+  <p:timing>
+    <p:tnLst>
+      <p:par>
+        <p:cTn xmlns:p14="http://schemas.microsoft.com/office/powerpoint/2010/main" id="1" dur="indefinite" restart="never" nodeType="tmRoot"/>
+      </p:par>
+    </p:tnLst>
+  </p:timing>
 </p:sld>
 </file>
 
@@ -7232,7 +7256,7 @@
           <a:p>
             <a:r>
               <a:rPr lang="en-US" dirty="0" smtClean="0"/>
-              <a:t>z-index</a:t>
+              <a:t>position</a:t>
             </a:r>
             <a:endParaRPr lang="en-US" dirty="0"/>
           </a:p>
@@ -7250,9 +7274,7 @@
         </p:nvSpPr>
         <p:spPr/>
         <p:txBody>
-          <a:bodyPr>
-            <a:normAutofit/>
-          </a:bodyPr>
+          <a:bodyPr/>
           <a:lstStyle/>
           <a:p>
             <a:r>
@@ -7263,26 +7285,20 @@
               <a:rPr lang="en-US" dirty="0" smtClean="0">
                 <a:hlinkClick r:id="rId2"/>
               </a:rPr>
-              <a:t>http://www.w3.org/TR/CSS21/visuren.html - z-index</a:t>
+              <a:t>http://www.w3.org/TR/CSS21/visuren.html - propdef-position</a:t>
             </a:r>
             <a:endParaRPr lang="en-US" dirty="0" smtClean="0"/>
           </a:p>
           <a:p>
             <a:r>
               <a:rPr lang="en-US" dirty="0" smtClean="0"/>
-              <a:t>Sets the "stack level" of a positioned element</a:t>
-            </a:r>
-          </a:p>
-          <a:p>
-            <a:r>
-              <a:rPr lang="en-US" dirty="0" smtClean="0"/>
-              <a:t>Can be auto, integer</a:t>
-            </a:r>
-          </a:p>
-          <a:p>
-            <a:r>
-              <a:rPr lang="en-US" dirty="0" smtClean="0"/>
-              <a:t>Higher numbers are "in front of" lower numbers</a:t>
+              <a:t>Positions an element</a:t>
+            </a:r>
+          </a:p>
+          <a:p>
+            <a:r>
+              <a:rPr lang="en-US" dirty="0" smtClean="0"/>
+              <a:t>Can be static, relative, absolute, fixed</a:t>
             </a:r>
           </a:p>
           <a:p>
@@ -7291,12 +7307,14 @@
                 <a:latin typeface="Courier New"/>
                 <a:cs typeface="Courier New"/>
               </a:rPr>
-              <a:t>z-index: 99;</a:t>
-            </a:r>
-            <a:endParaRPr lang="en-US" sz="2000" dirty="0">
-              <a:latin typeface="Courier New"/>
-              <a:cs typeface="Courier New"/>
-            </a:endParaRPr>
+              <a:t>position: absolute;</a:t>
+            </a:r>
+          </a:p>
+          <a:p>
+            <a:endParaRPr lang="en-US" dirty="0" smtClean="0"/>
+          </a:p>
+          <a:p>
+            <a:endParaRPr lang="en-US" dirty="0" smtClean="0"/>
           </a:p>
         </p:txBody>
       </p:sp>
@@ -7333,15 +7351,7 @@
             </a:r>
             <a:r>
               <a:rPr lang="en-US" dirty="0" smtClean="0"/>
-              <a:t>/slides/</a:t>
-            </a:r>
-            <a:r>
-              <a:rPr lang="en-US" dirty="0" err="1" smtClean="0"/>
-              <a:t>zindex</a:t>
-            </a:r>
-            <a:r>
-              <a:rPr lang="en-US" dirty="0" smtClean="0"/>
-              <a:t>/</a:t>
+              <a:t>/slides/position/</a:t>
             </a:r>
             <a:r>
               <a:rPr lang="en-US" dirty="0" err="1" smtClean="0"/>
@@ -7358,13 +7368,20 @@
     </p:spTree>
     <p:extLst>
       <p:ext uri="{BB962C8B-B14F-4D97-AF65-F5344CB8AC3E}">
-        <p14:creationId xmlns:p14="http://schemas.microsoft.com/office/powerpoint/2010/main" val="1765848951"/>
+        <p14:creationId xmlns:p14="http://schemas.microsoft.com/office/powerpoint/2010/main" val="857961007"/>
       </p:ext>
     </p:extLst>
   </p:cSld>
   <p:clrMapOvr>
     <a:masterClrMapping/>
   </p:clrMapOvr>
+  <p:timing>
+    <p:tnLst>
+      <p:par>
+        <p:cTn xmlns:p14="http://schemas.microsoft.com/office/powerpoint/2010/main" id="1" dur="indefinite" restart="never" nodeType="tmRoot"/>
+      </p:par>
+    </p:tnLst>
+  </p:timing>
 </p:sld>
 </file>
 
@@ -7402,7 +7419,7 @@
           <a:p>
             <a:r>
               <a:rPr lang="en-US" dirty="0" smtClean="0"/>
-              <a:t>float</a:t>
+              <a:t>top, right, bottom, left</a:t>
             </a:r>
             <a:endParaRPr lang="en-US" dirty="0"/>
           </a:p>
@@ -7431,20 +7448,26 @@
               <a:rPr lang="en-US" dirty="0" smtClean="0">
                 <a:hlinkClick r:id="rId2"/>
               </a:rPr>
-              <a:t>http://www.w3.org/TR/CSS21/visuren.html - propdef-float</a:t>
+              <a:t>http://www.w3.org/TR/CSS21/visuren.html - position-props</a:t>
             </a:r>
             <a:endParaRPr lang="en-US" dirty="0" smtClean="0"/>
           </a:p>
           <a:p>
             <a:r>
               <a:rPr lang="en-US" dirty="0" smtClean="0"/>
-              <a:t>Used to float an element along other elements</a:t>
-            </a:r>
-          </a:p>
-          <a:p>
-            <a:r>
-              <a:rPr lang="en-US" dirty="0" smtClean="0"/>
-              <a:t>Can be left, right, none</a:t>
+              <a:t>Sets how much to offset the position</a:t>
+            </a:r>
+          </a:p>
+          <a:p>
+            <a:r>
+              <a:rPr lang="en-US" dirty="0" smtClean="0"/>
+              <a:t>Can be length, %, or auto</a:t>
+            </a:r>
+          </a:p>
+          <a:p>
+            <a:r>
+              <a:rPr lang="en-US" dirty="0" smtClean="0"/>
+              <a:t>Can be negative</a:t>
             </a:r>
           </a:p>
           <a:p>
@@ -7453,7 +7476,7 @@
                 <a:latin typeface="Courier New"/>
                 <a:cs typeface="Courier New"/>
               </a:rPr>
-              <a:t>float: left;</a:t>
+              <a:t>top: 8px; right: -20%;</a:t>
             </a:r>
             <a:endParaRPr lang="en-US" sz="2000" dirty="0">
               <a:latin typeface="Courier New"/>
@@ -7478,23 +7501,58 @@
           <a:lstStyle/>
           <a:p>
             <a:r>
-              <a:rPr lang="en-US" smtClean="0"/>
-              <a:t>http://dl.dropbox.com/u/41609448/art329/slides/classfive/slides/float/index.html  </a:t>
-            </a:r>
-            <a:endParaRPr lang="en-US"/>
+              <a:rPr lang="en-US" dirty="0" smtClean="0"/>
+              <a:t>http://</a:t>
+            </a:r>
+            <a:r>
+              <a:rPr lang="en-US" dirty="0" err="1" smtClean="0"/>
+              <a:t>dl.dropbox.com</a:t>
+            </a:r>
+            <a:r>
+              <a:rPr lang="en-US" dirty="0" smtClean="0"/>
+              <a:t>/u/41609448/art329/slides/</a:t>
+            </a:r>
+            <a:r>
+              <a:rPr lang="en-US" dirty="0" err="1" smtClean="0"/>
+              <a:t>classfive</a:t>
+            </a:r>
+            <a:r>
+              <a:rPr lang="en-US" dirty="0" smtClean="0"/>
+              <a:t>/slides/</a:t>
+            </a:r>
+            <a:r>
+              <a:rPr lang="en-US" dirty="0" err="1" smtClean="0"/>
+              <a:t>position_offset</a:t>
+            </a:r>
+            <a:r>
+              <a:rPr lang="en-US" dirty="0" smtClean="0"/>
+              <a:t>/</a:t>
+            </a:r>
+            <a:r>
+              <a:rPr lang="en-US" dirty="0" err="1" smtClean="0"/>
+              <a:t>index.html</a:t>
+            </a:r>
+            <a:endParaRPr lang="en-US" dirty="0"/>
           </a:p>
         </p:txBody>
       </p:sp>
     </p:spTree>
     <p:extLst>
       <p:ext uri="{BB962C8B-B14F-4D97-AF65-F5344CB8AC3E}">
-        <p14:creationId xmlns:p14="http://schemas.microsoft.com/office/powerpoint/2010/main" val="409718624"/>
+        <p14:creationId xmlns:p14="http://schemas.microsoft.com/office/powerpoint/2010/main" val="2571923580"/>
       </p:ext>
     </p:extLst>
   </p:cSld>
   <p:clrMapOvr>
     <a:masterClrMapping/>
   </p:clrMapOvr>
+  <p:timing>
+    <p:tnLst>
+      <p:par>
+        <p:cTn xmlns:p14="http://schemas.microsoft.com/office/powerpoint/2010/main" id="1" dur="indefinite" restart="never" nodeType="tmRoot"/>
+      </p:par>
+    </p:tnLst>
+  </p:timing>
 </p:sld>
 </file>
 
@@ -7532,7 +7590,7 @@
           <a:p>
             <a:r>
               <a:rPr lang="en-US" dirty="0" smtClean="0"/>
-              <a:t>clear</a:t>
+              <a:t>z-index</a:t>
             </a:r>
             <a:endParaRPr lang="en-US" dirty="0"/>
           </a:p>
@@ -7550,7 +7608,9 @@
         </p:nvSpPr>
         <p:spPr/>
         <p:txBody>
-          <a:bodyPr/>
+          <a:bodyPr>
+            <a:normAutofit/>
+          </a:bodyPr>
           <a:lstStyle/>
           <a:p>
             <a:r>
@@ -7561,20 +7621,26 @@
               <a:rPr lang="en-US" dirty="0" smtClean="0">
                 <a:hlinkClick r:id="rId2"/>
               </a:rPr>
-              <a:t>http://www.w3.org/TR/CSS21/visuren.html - flow-control</a:t>
+              <a:t>http://www.w3.org/TR/CSS21/visuren.html - z-index</a:t>
             </a:r>
             <a:endParaRPr lang="en-US" dirty="0" smtClean="0"/>
           </a:p>
           <a:p>
             <a:r>
               <a:rPr lang="en-US" dirty="0" smtClean="0"/>
-              <a:t>Clears previous floated elements</a:t>
-            </a:r>
-          </a:p>
-          <a:p>
-            <a:r>
-              <a:rPr lang="en-US" dirty="0" smtClean="0"/>
-              <a:t>Can be none, left, right, both</a:t>
+              <a:t>Sets the "stack level" of a positioned element</a:t>
+            </a:r>
+          </a:p>
+          <a:p>
+            <a:r>
+              <a:rPr lang="en-US" dirty="0" smtClean="0"/>
+              <a:t>Can be auto, integer</a:t>
+            </a:r>
+          </a:p>
+          <a:p>
+            <a:r>
+              <a:rPr lang="en-US" dirty="0" smtClean="0"/>
+              <a:t>Higher numbers are "in front of" lower numbers</a:t>
             </a:r>
           </a:p>
           <a:p>
@@ -7583,7 +7649,7 @@
                 <a:latin typeface="Courier New"/>
                 <a:cs typeface="Courier New"/>
               </a:rPr>
-              <a:t>clear: left;</a:t>
+              <a:t>z-index: 99;</a:t>
             </a:r>
             <a:endParaRPr lang="en-US" sz="2000" dirty="0">
               <a:latin typeface="Courier New"/>
@@ -7625,7 +7691,15 @@
             </a:r>
             <a:r>
               <a:rPr lang="en-US" dirty="0" smtClean="0"/>
-              <a:t>/slides/clear/</a:t>
+              <a:t>/slides/</a:t>
+            </a:r>
+            <a:r>
+              <a:rPr lang="en-US" dirty="0" err="1" smtClean="0"/>
+              <a:t>zindex</a:t>
+            </a:r>
+            <a:r>
+              <a:rPr lang="en-US" dirty="0" smtClean="0"/>
+              <a:t>/</a:t>
             </a:r>
             <a:r>
               <a:rPr lang="en-US" dirty="0" err="1" smtClean="0"/>
@@ -7633,7 +7707,7 @@
             </a:r>
             <a:r>
               <a:rPr lang="en-US" dirty="0" smtClean="0"/>
-              <a:t>  </a:t>
+              <a:t> </a:t>
             </a:r>
             <a:endParaRPr lang="en-US" dirty="0"/>
           </a:p>
@@ -7642,13 +7716,20 @@
     </p:spTree>
     <p:extLst>
       <p:ext uri="{BB962C8B-B14F-4D97-AF65-F5344CB8AC3E}">
-        <p14:creationId xmlns:p14="http://schemas.microsoft.com/office/powerpoint/2010/main" val="3042433382"/>
+        <p14:creationId xmlns:p14="http://schemas.microsoft.com/office/powerpoint/2010/main" val="1765848951"/>
       </p:ext>
     </p:extLst>
   </p:cSld>
   <p:clrMapOvr>
     <a:masterClrMapping/>
   </p:clrMapOvr>
+  <p:timing>
+    <p:tnLst>
+      <p:par>
+        <p:cTn xmlns:p14="http://schemas.microsoft.com/office/powerpoint/2010/main" id="1" dur="indefinite" restart="never" nodeType="tmRoot"/>
+      </p:par>
+    </p:tnLst>
+  </p:timing>
 </p:sld>
 </file>
 
@@ -7671,7 +7752,7 @@
       </p:grpSpPr>
       <p:sp>
         <p:nvSpPr>
-          <p:cNvPr id="3" name="Title 2"/>
+          <p:cNvPr id="2" name="Title 1"/>
           <p:cNvSpPr>
             <a:spLocks noGrp="1"/>
           </p:cNvSpPr>
@@ -7686,7 +7767,7 @@
           <a:p>
             <a:r>
               <a:rPr lang="en-US" dirty="0" smtClean="0"/>
-              <a:t>Break</a:t>
+              <a:t>float</a:t>
             </a:r>
             <a:endParaRPr lang="en-US" dirty="0"/>
           </a:p>
@@ -7694,19 +7775,77 @@
       </p:sp>
       <p:sp>
         <p:nvSpPr>
-          <p:cNvPr id="4" name="Text Placeholder 3"/>
-          <p:cNvSpPr>
-            <a:spLocks noGrp="1"/>
-          </p:cNvSpPr>
-          <p:nvPr>
-            <p:ph type="body" idx="1"/>
-          </p:nvPr>
-        </p:nvSpPr>
-        <p:spPr/>
-        <p:txBody>
-          <a:bodyPr/>
-          <a:lstStyle/>
-          <a:p>
+          <p:cNvPr id="3" name="Content Placeholder 2"/>
+          <p:cNvSpPr>
+            <a:spLocks noGrp="1"/>
+          </p:cNvSpPr>
+          <p:nvPr>
+            <p:ph idx="1"/>
+          </p:nvPr>
+        </p:nvSpPr>
+        <p:spPr/>
+        <p:txBody>
+          <a:bodyPr/>
+          <a:lstStyle/>
+          <a:p>
+            <a:r>
+              <a:rPr lang="en-US" dirty="0" smtClean="0"/>
+              <a:t>Learn more: </a:t>
+            </a:r>
+            <a:r>
+              <a:rPr lang="en-US" dirty="0" smtClean="0">
+                <a:hlinkClick r:id="rId2"/>
+              </a:rPr>
+              <a:t>http://www.w3.org/TR/CSS21/visuren.html - propdef-float</a:t>
+            </a:r>
+            <a:endParaRPr lang="en-US" dirty="0" smtClean="0"/>
+          </a:p>
+          <a:p>
+            <a:r>
+              <a:rPr lang="en-US" dirty="0" smtClean="0"/>
+              <a:t>Used to float an element along other elements</a:t>
+            </a:r>
+          </a:p>
+          <a:p>
+            <a:r>
+              <a:rPr lang="en-US" dirty="0" smtClean="0"/>
+              <a:t>Can be left, right, none</a:t>
+            </a:r>
+          </a:p>
+          <a:p>
+            <a:r>
+              <a:rPr lang="en-US" sz="2000" dirty="0" smtClean="0">
+                <a:latin typeface="Courier New"/>
+                <a:cs typeface="Courier New"/>
+              </a:rPr>
+              <a:t>float: left;</a:t>
+            </a:r>
+            <a:endParaRPr lang="en-US" sz="2000" dirty="0">
+              <a:latin typeface="Courier New"/>
+              <a:cs typeface="Courier New"/>
+            </a:endParaRPr>
+          </a:p>
+        </p:txBody>
+      </p:sp>
+      <p:sp>
+        <p:nvSpPr>
+          <p:cNvPr id="4" name="Footer Placeholder 3"/>
+          <p:cNvSpPr>
+            <a:spLocks noGrp="1"/>
+          </p:cNvSpPr>
+          <p:nvPr>
+            <p:ph type="ftr" sz="quarter" idx="11"/>
+          </p:nvPr>
+        </p:nvSpPr>
+        <p:spPr/>
+        <p:txBody>
+          <a:bodyPr/>
+          <a:lstStyle/>
+          <a:p>
+            <a:r>
+              <a:rPr lang="en-US" smtClean="0"/>
+              <a:t>http://dl.dropbox.com/u/41609448/art329/slides/classfive/slides/float/index.html  </a:t>
+            </a:r>
             <a:endParaRPr lang="en-US"/>
           </a:p>
         </p:txBody>
@@ -7714,7 +7853,7 @@
     </p:spTree>
     <p:extLst>
       <p:ext uri="{BB962C8B-B14F-4D97-AF65-F5344CB8AC3E}">
-        <p14:creationId xmlns:p14="http://schemas.microsoft.com/office/powerpoint/2010/main" val="691192380"/>
+        <p14:creationId xmlns:p14="http://schemas.microsoft.com/office/powerpoint/2010/main" val="409718624"/>
       </p:ext>
     </p:extLst>
   </p:cSld>
@@ -7760,21 +7899,12 @@
         </p:nvSpPr>
         <p:spPr/>
         <p:txBody>
-          <a:bodyPr>
-            <a:normAutofit fontScale="90000"/>
-          </a:bodyPr>
-          <a:lstStyle/>
-          <a:p>
-            <a:r>
-              <a:rPr lang="en-US" dirty="0" smtClean="0"/>
-              <a:t>width,</a:t>
-            </a:r>
-            <a:br>
-              <a:rPr lang="en-US" dirty="0" smtClean="0"/>
-            </a:br>
-            <a:r>
-              <a:rPr lang="en-US" dirty="0" smtClean="0"/>
-              <a:t>min-width, max-width</a:t>
+          <a:bodyPr/>
+          <a:lstStyle/>
+          <a:p>
+            <a:r>
+              <a:rPr lang="en-US" dirty="0" smtClean="0"/>
+              <a:t>clear</a:t>
             </a:r>
             <a:endParaRPr lang="en-US" dirty="0"/>
           </a:p>
@@ -7803,26 +7933,20 @@
               <a:rPr lang="en-US" dirty="0" smtClean="0">
                 <a:hlinkClick r:id="rId2"/>
               </a:rPr>
-              <a:t>http://www.w3.org/TR/CSS21/visudet.html - the-width-property</a:t>
+              <a:t>http://www.w3.org/TR/CSS21/visuren.html - flow-control</a:t>
             </a:r>
             <a:endParaRPr lang="en-US" dirty="0" smtClean="0"/>
           </a:p>
           <a:p>
             <a:r>
               <a:rPr lang="en-US" dirty="0" smtClean="0"/>
-              <a:t>Sets the width of the element</a:t>
-            </a:r>
-          </a:p>
-          <a:p>
-            <a:r>
-              <a:rPr lang="en-US" dirty="0" smtClean="0"/>
-              <a:t>Can also set the minimum width and maximum width</a:t>
-            </a:r>
-          </a:p>
-          <a:p>
-            <a:r>
-              <a:rPr lang="en-US" dirty="0" smtClean="0"/>
-              <a:t>Can be length, %, auto</a:t>
+              <a:t>Clears previous floated elements</a:t>
+            </a:r>
+          </a:p>
+          <a:p>
+            <a:r>
+              <a:rPr lang="en-US" dirty="0" smtClean="0"/>
+              <a:t>Can be none, left, right, both</a:t>
             </a:r>
           </a:p>
           <a:p>
@@ -7831,7 +7955,7 @@
                 <a:latin typeface="Courier New"/>
                 <a:cs typeface="Courier New"/>
               </a:rPr>
-              <a:t>width: 100px; min-width: 50px; max-width: 150px;</a:t>
+              <a:t>clear: left;</a:t>
             </a:r>
             <a:endParaRPr lang="en-US" sz="2000" dirty="0">
               <a:latin typeface="Courier New"/>
@@ -7856,23 +7980,54 @@
           <a:lstStyle/>
           <a:p>
             <a:r>
-              <a:rPr lang="en-US" smtClean="0"/>
-              <a:t>http://dl.dropbox.com/u/41609448/art329/slides/classfive/slides/width/index.html   </a:t>
-            </a:r>
-            <a:endParaRPr lang="en-US"/>
+              <a:rPr lang="en-US" dirty="0" smtClean="0"/>
+              <a:t>http://</a:t>
+            </a:r>
+            <a:r>
+              <a:rPr lang="en-US" dirty="0" err="1" smtClean="0"/>
+              <a:t>dl.dropbox.com</a:t>
+            </a:r>
+            <a:r>
+              <a:rPr lang="en-US" dirty="0" smtClean="0"/>
+              <a:t>/u/41609448/art329/slides/</a:t>
+            </a:r>
+            <a:r>
+              <a:rPr lang="en-US" dirty="0" err="1" smtClean="0"/>
+              <a:t>classfive</a:t>
+            </a:r>
+            <a:r>
+              <a:rPr lang="en-US" dirty="0" smtClean="0"/>
+              <a:t>/slides/clear/</a:t>
+            </a:r>
+            <a:r>
+              <a:rPr lang="en-US" dirty="0" err="1" smtClean="0"/>
+              <a:t>index.html</a:t>
+            </a:r>
+            <a:r>
+              <a:rPr lang="en-US" dirty="0" smtClean="0"/>
+              <a:t>  </a:t>
+            </a:r>
+            <a:endParaRPr lang="en-US" dirty="0"/>
           </a:p>
         </p:txBody>
       </p:sp>
     </p:spTree>
     <p:extLst>
       <p:ext uri="{BB962C8B-B14F-4D97-AF65-F5344CB8AC3E}">
-        <p14:creationId xmlns:p14="http://schemas.microsoft.com/office/powerpoint/2010/main" val="1259737556"/>
+        <p14:creationId xmlns:p14="http://schemas.microsoft.com/office/powerpoint/2010/main" val="3042433382"/>
       </p:ext>
     </p:extLst>
   </p:cSld>
   <p:clrMapOvr>
     <a:masterClrMapping/>
   </p:clrMapOvr>
+  <p:timing>
+    <p:tnLst>
+      <p:par>
+        <p:cTn xmlns:p14="http://schemas.microsoft.com/office/powerpoint/2010/main" id="1" dur="indefinite" restart="never" nodeType="tmRoot"/>
+      </p:par>
+    </p:tnLst>
+  </p:timing>
 </p:sld>
 </file>
 
@@ -7895,7 +8050,7 @@
       </p:grpSpPr>
       <p:sp>
         <p:nvSpPr>
-          <p:cNvPr id="2" name="Title 1"/>
+          <p:cNvPr id="3" name="Title 2"/>
           <p:cNvSpPr>
             <a:spLocks noGrp="1"/>
           </p:cNvSpPr>
@@ -7905,21 +8060,12 @@
         </p:nvSpPr>
         <p:spPr/>
         <p:txBody>
-          <a:bodyPr>
-            <a:normAutofit fontScale="90000"/>
-          </a:bodyPr>
-          <a:lstStyle/>
-          <a:p>
-            <a:r>
-              <a:rPr lang="en-US" dirty="0" smtClean="0"/>
-              <a:t>height,</a:t>
-            </a:r>
-            <a:br>
-              <a:rPr lang="en-US" dirty="0" smtClean="0"/>
-            </a:br>
-            <a:r>
-              <a:rPr lang="en-US" dirty="0" smtClean="0"/>
-              <a:t>min-height, max-height</a:t>
+          <a:bodyPr/>
+          <a:lstStyle/>
+          <a:p>
+            <a:r>
+              <a:rPr lang="en-US" dirty="0" smtClean="0"/>
+              <a:t>Break</a:t>
             </a:r>
             <a:endParaRPr lang="en-US" dirty="0"/>
           </a:p>
@@ -7927,121 +8073,40 @@
       </p:sp>
       <p:sp>
         <p:nvSpPr>
-          <p:cNvPr id="3" name="Content Placeholder 2"/>
-          <p:cNvSpPr>
-            <a:spLocks noGrp="1"/>
-          </p:cNvSpPr>
-          <p:nvPr>
-            <p:ph idx="1"/>
-          </p:nvPr>
-        </p:nvSpPr>
-        <p:spPr/>
-        <p:txBody>
-          <a:bodyPr/>
-          <a:lstStyle/>
-          <a:p>
-            <a:r>
-              <a:rPr lang="en-US" dirty="0" smtClean="0"/>
-              <a:t>Learn more: </a:t>
-            </a:r>
-            <a:r>
-              <a:rPr lang="en-US" dirty="0" smtClean="0">
-                <a:hlinkClick r:id="rId2"/>
-              </a:rPr>
-              <a:t>http://www.w3.org/TR/CSS21/visudet.html - the-height-property</a:t>
-            </a:r>
-            <a:endParaRPr lang="en-US" dirty="0" smtClean="0"/>
-          </a:p>
-          <a:p>
-            <a:r>
-              <a:rPr lang="en-US" dirty="0" smtClean="0"/>
-              <a:t>Sets the height of the element</a:t>
-            </a:r>
-          </a:p>
-          <a:p>
-            <a:r>
-              <a:rPr lang="en-US" dirty="0" smtClean="0"/>
-              <a:t>Can also set the minimum height and maximum height</a:t>
-            </a:r>
-          </a:p>
-          <a:p>
-            <a:r>
-              <a:rPr lang="en-US" dirty="0" smtClean="0"/>
-              <a:t>Can be length, %, auto</a:t>
-            </a:r>
-          </a:p>
-          <a:p>
-            <a:r>
-              <a:rPr lang="en-US" sz="2000" dirty="0" smtClean="0">
-                <a:latin typeface="Courier New"/>
-                <a:cs typeface="Courier New"/>
-              </a:rPr>
-              <a:t>height: 100px; min-height: 50px; max-height: 150px;</a:t>
-            </a:r>
-            <a:endParaRPr lang="en-US" sz="2000" dirty="0">
-              <a:latin typeface="Courier New"/>
-              <a:cs typeface="Courier New"/>
-            </a:endParaRPr>
-          </a:p>
-        </p:txBody>
-      </p:sp>
-      <p:sp>
-        <p:nvSpPr>
-          <p:cNvPr id="4" name="Footer Placeholder 3"/>
-          <p:cNvSpPr>
-            <a:spLocks noGrp="1"/>
-          </p:cNvSpPr>
-          <p:nvPr>
-            <p:ph type="ftr" sz="quarter" idx="11"/>
-          </p:nvPr>
-        </p:nvSpPr>
-        <p:spPr/>
-        <p:txBody>
-          <a:bodyPr/>
-          <a:lstStyle/>
-          <a:p>
-            <a:r>
-              <a:rPr lang="en-US" dirty="0" smtClean="0"/>
-              <a:t>http://</a:t>
-            </a:r>
-            <a:r>
-              <a:rPr lang="en-US" dirty="0" err="1" smtClean="0"/>
-              <a:t>dl.dropbox.com</a:t>
-            </a:r>
-            <a:r>
-              <a:rPr lang="en-US" dirty="0" smtClean="0"/>
-              <a:t>/u/41609448/art329/slides/</a:t>
-            </a:r>
-            <a:r>
-              <a:rPr lang="en-US" dirty="0" err="1" smtClean="0"/>
-              <a:t>classfive</a:t>
-            </a:r>
-            <a:r>
-              <a:rPr lang="en-US" dirty="0" smtClean="0"/>
-              <a:t>/slides/height/</a:t>
-            </a:r>
-            <a:r>
-              <a:rPr lang="en-US" dirty="0" err="1" smtClean="0"/>
-              <a:t>index.html</a:t>
-            </a:r>
-            <a:r>
-              <a:rPr lang="en-US" dirty="0" smtClean="0"/>
-              <a:t>   </a:t>
-            </a:r>
-            <a:endParaRPr lang="en-US" dirty="0"/>
+          <p:cNvPr id="4" name="Text Placeholder 3"/>
+          <p:cNvSpPr>
+            <a:spLocks noGrp="1"/>
+          </p:cNvSpPr>
+          <p:nvPr>
+            <p:ph type="body" idx="1"/>
+          </p:nvPr>
+        </p:nvSpPr>
+        <p:spPr/>
+        <p:txBody>
+          <a:bodyPr/>
+          <a:lstStyle/>
+          <a:p>
+            <a:endParaRPr lang="en-US"/>
           </a:p>
         </p:txBody>
       </p:sp>
     </p:spTree>
     <p:extLst>
       <p:ext uri="{BB962C8B-B14F-4D97-AF65-F5344CB8AC3E}">
-        <p14:creationId xmlns:p14="http://schemas.microsoft.com/office/powerpoint/2010/main" val="841147867"/>
+        <p14:creationId xmlns:p14="http://schemas.microsoft.com/office/powerpoint/2010/main" val="691192380"/>
       </p:ext>
     </p:extLst>
   </p:cSld>
   <p:clrMapOvr>
     <a:masterClrMapping/>
   </p:clrMapOvr>
+  <p:timing>
+    <p:tnLst>
+      <p:par>
+        <p:cTn xmlns:p14="http://schemas.microsoft.com/office/powerpoint/2010/main" id="1" dur="indefinite" restart="never" nodeType="tmRoot"/>
+      </p:par>
+    </p:tnLst>
+  </p:timing>
 </p:sld>
 </file>
 
@@ -8108,7 +8173,6 @@
               <a:rPr lang="en-US" dirty="0" smtClean="0"/>
               <a:t>Review</a:t>
             </a:r>
-            <a:endParaRPr lang="en-US" dirty="0" smtClean="0"/>
           </a:p>
           <a:p>
             <a:pPr>
@@ -8210,12 +8274,21 @@
         </p:nvSpPr>
         <p:spPr/>
         <p:txBody>
-          <a:bodyPr/>
-          <a:lstStyle/>
-          <a:p>
-            <a:r>
-              <a:rPr lang="en-US" dirty="0" smtClean="0"/>
-              <a:t>overflow</a:t>
+          <a:bodyPr>
+            <a:normAutofit fontScale="90000"/>
+          </a:bodyPr>
+          <a:lstStyle/>
+          <a:p>
+            <a:r>
+              <a:rPr lang="en-US" dirty="0" smtClean="0"/>
+              <a:t>width,</a:t>
+            </a:r>
+            <a:br>
+              <a:rPr lang="en-US" dirty="0" smtClean="0"/>
+            </a:br>
+            <a:r>
+              <a:rPr lang="en-US" dirty="0" smtClean="0"/>
+              <a:t>min-width, max-width</a:t>
             </a:r>
             <a:endParaRPr lang="en-US" dirty="0"/>
           </a:p>
@@ -8233,9 +8306,7 @@
         </p:nvSpPr>
         <p:spPr/>
         <p:txBody>
-          <a:bodyPr>
-            <a:normAutofit/>
-          </a:bodyPr>
+          <a:bodyPr/>
           <a:lstStyle/>
           <a:p>
             <a:r>
@@ -8246,20 +8317,26 @@
               <a:rPr lang="en-US" dirty="0" smtClean="0">
                 <a:hlinkClick r:id="rId2"/>
               </a:rPr>
-              <a:t>http://www.w3.org/TR/CSS21/visufx.html - propdef-overflow</a:t>
+              <a:t>http://www.w3.org/TR/CSS21/visudet.html - the-width-property</a:t>
             </a:r>
             <a:endParaRPr lang="en-US" dirty="0" smtClean="0"/>
           </a:p>
           <a:p>
             <a:r>
               <a:rPr lang="en-US" dirty="0" smtClean="0"/>
-              <a:t>Handles content that overflows the box</a:t>
-            </a:r>
-          </a:p>
-          <a:p>
-            <a:r>
-              <a:rPr lang="en-US" dirty="0" smtClean="0"/>
-              <a:t>Can be visible, hidden, scroll, auto</a:t>
+              <a:t>Sets the width of the element</a:t>
+            </a:r>
+          </a:p>
+          <a:p>
+            <a:r>
+              <a:rPr lang="en-US" dirty="0" smtClean="0"/>
+              <a:t>Can also set the minimum width and maximum width</a:t>
+            </a:r>
+          </a:p>
+          <a:p>
+            <a:r>
+              <a:rPr lang="en-US" dirty="0" smtClean="0"/>
+              <a:t>Can be length, %, auto</a:t>
             </a:r>
           </a:p>
           <a:p>
@@ -8268,7 +8345,30 @@
                 <a:latin typeface="Courier New"/>
                 <a:cs typeface="Courier New"/>
               </a:rPr>
-              <a:t>overflow: scroll;</a:t>
+              <a:t>width: 100px</a:t>
+            </a:r>
+            <a:r>
+              <a:rPr lang="en-US" sz="2000" dirty="0" smtClean="0">
+                <a:latin typeface="Courier New"/>
+                <a:cs typeface="Courier New"/>
+              </a:rPr>
+              <a:t>;</a:t>
+            </a:r>
+          </a:p>
+          <a:p>
+            <a:r>
+              <a:rPr lang="en-US" sz="2000" dirty="0" smtClean="0">
+                <a:latin typeface="Courier New"/>
+                <a:cs typeface="Courier New"/>
+              </a:rPr>
+              <a:t>min</a:t>
+            </a:r>
+            <a:r>
+              <a:rPr lang="en-US" sz="2000" dirty="0" smtClean="0">
+                <a:latin typeface="Courier New"/>
+                <a:cs typeface="Courier New"/>
+              </a:rPr>
+              <a:t>-width: 50px; max-width: 150px;</a:t>
             </a:r>
             <a:endParaRPr lang="en-US" sz="2000" dirty="0">
               <a:latin typeface="Courier New"/>
@@ -8293,43 +8393,30 @@
           <a:lstStyle/>
           <a:p>
             <a:r>
-              <a:rPr lang="en-US" dirty="0" smtClean="0"/>
-              <a:t>http://</a:t>
-            </a:r>
-            <a:r>
-              <a:rPr lang="en-US" dirty="0" err="1" smtClean="0"/>
-              <a:t>dl.dropbox.com</a:t>
-            </a:r>
-            <a:r>
-              <a:rPr lang="en-US" dirty="0" smtClean="0"/>
-              <a:t>/u/41609448/art329/slides/</a:t>
-            </a:r>
-            <a:r>
-              <a:rPr lang="en-US" dirty="0" err="1" smtClean="0"/>
-              <a:t>classfive</a:t>
-            </a:r>
-            <a:r>
-              <a:rPr lang="en-US" dirty="0" smtClean="0"/>
-              <a:t>/slides/overflow/</a:t>
-            </a:r>
-            <a:r>
-              <a:rPr lang="en-US" dirty="0" err="1" smtClean="0"/>
-              <a:t>index.html</a:t>
-            </a:r>
-            <a:endParaRPr lang="en-US" dirty="0"/>
+              <a:rPr lang="en-US" smtClean="0"/>
+              <a:t>http://dl.dropbox.com/u/41609448/art329/slides/classfive/slides/width/index.html   </a:t>
+            </a:r>
+            <a:endParaRPr lang="en-US"/>
           </a:p>
         </p:txBody>
       </p:sp>
     </p:spTree>
     <p:extLst>
       <p:ext uri="{BB962C8B-B14F-4D97-AF65-F5344CB8AC3E}">
-        <p14:creationId xmlns:p14="http://schemas.microsoft.com/office/powerpoint/2010/main" val="754560617"/>
+        <p14:creationId xmlns:p14="http://schemas.microsoft.com/office/powerpoint/2010/main" val="1259737556"/>
       </p:ext>
     </p:extLst>
   </p:cSld>
   <p:clrMapOvr>
     <a:masterClrMapping/>
   </p:clrMapOvr>
+  <p:timing>
+    <p:tnLst>
+      <p:par>
+        <p:cTn xmlns:p14="http://schemas.microsoft.com/office/powerpoint/2010/main" id="1" dur="indefinite" restart="never" nodeType="tmRoot"/>
+      </p:par>
+    </p:tnLst>
+  </p:timing>
 </p:sld>
 </file>
 
@@ -8362,12 +8449,21 @@
         </p:nvSpPr>
         <p:spPr/>
         <p:txBody>
-          <a:bodyPr/>
-          <a:lstStyle/>
-          <a:p>
-            <a:r>
-              <a:rPr lang="en-US" dirty="0" smtClean="0"/>
-              <a:t>vertical-align</a:t>
+          <a:bodyPr>
+            <a:normAutofit fontScale="90000"/>
+          </a:bodyPr>
+          <a:lstStyle/>
+          <a:p>
+            <a:r>
+              <a:rPr lang="en-US" dirty="0" smtClean="0"/>
+              <a:t>height,</a:t>
+            </a:r>
+            <a:br>
+              <a:rPr lang="en-US" dirty="0" smtClean="0"/>
+            </a:br>
+            <a:r>
+              <a:rPr lang="en-US" dirty="0" smtClean="0"/>
+              <a:t>min-height, max-height</a:t>
             </a:r>
             <a:endParaRPr lang="en-US" dirty="0"/>
           </a:p>
@@ -8396,36 +8492,26 @@
               <a:rPr lang="en-US" dirty="0" smtClean="0">
                 <a:hlinkClick r:id="rId2"/>
               </a:rPr>
-              <a:t>http://www.w3.org/TR/CSS21/visudet.html - propdef-vertical-align</a:t>
+              <a:t>http://www.w3.org/TR/CSS21/visudet.html - the-height-property</a:t>
             </a:r>
             <a:endParaRPr lang="en-US" dirty="0" smtClean="0"/>
           </a:p>
           <a:p>
             <a:r>
               <a:rPr lang="en-US" dirty="0" smtClean="0"/>
-              <a:t>Sets the vertical positioning for inline boxes</a:t>
-            </a:r>
-          </a:p>
-          <a:p>
-            <a:r>
-              <a:rPr lang="en-US" dirty="0" smtClean="0"/>
-              <a:t>Can be baseline, sub, super, top, </a:t>
-            </a:r>
-            <a:r>
-              <a:rPr lang="en-US" dirty="0"/>
-              <a:t>text-</a:t>
-            </a:r>
-            <a:r>
-              <a:rPr lang="en-US" dirty="0" smtClean="0"/>
-              <a:t>top, middle, bottom, text</a:t>
-            </a:r>
-            <a:r>
-              <a:rPr lang="en-US" dirty="0"/>
-              <a:t>-</a:t>
-            </a:r>
-            <a:r>
-              <a:rPr lang="en-US" dirty="0" smtClean="0"/>
-              <a:t>bottom, %, length</a:t>
+              <a:t>Sets the height of the element</a:t>
+            </a:r>
+          </a:p>
+          <a:p>
+            <a:r>
+              <a:rPr lang="en-US" dirty="0" smtClean="0"/>
+              <a:t>Can also set the minimum height and maximum height</a:t>
+            </a:r>
+          </a:p>
+          <a:p>
+            <a:r>
+              <a:rPr lang="en-US" dirty="0" smtClean="0"/>
+              <a:t>Can be length, %, auto</a:t>
             </a:r>
           </a:p>
           <a:p>
@@ -8434,7 +8520,30 @@
                 <a:latin typeface="Courier New"/>
                 <a:cs typeface="Courier New"/>
               </a:rPr>
-              <a:t>vertical-align: top;</a:t>
+              <a:t>height: 100px</a:t>
+            </a:r>
+            <a:r>
+              <a:rPr lang="en-US" sz="2000" dirty="0" smtClean="0">
+                <a:latin typeface="Courier New"/>
+                <a:cs typeface="Courier New"/>
+              </a:rPr>
+              <a:t>;</a:t>
+            </a:r>
+          </a:p>
+          <a:p>
+            <a:r>
+              <a:rPr lang="en-US" sz="2000" dirty="0" smtClean="0">
+                <a:latin typeface="Courier New"/>
+                <a:cs typeface="Courier New"/>
+              </a:rPr>
+              <a:t>min</a:t>
+            </a:r>
+            <a:r>
+              <a:rPr lang="en-US" sz="2000" dirty="0" smtClean="0">
+                <a:latin typeface="Courier New"/>
+                <a:cs typeface="Courier New"/>
+              </a:rPr>
+              <a:t>-height: 50px; max-height: 150px;</a:t>
             </a:r>
             <a:endParaRPr lang="en-US" sz="2000" dirty="0">
               <a:latin typeface="Courier New"/>
@@ -8459,23 +8568,54 @@
           <a:lstStyle/>
           <a:p>
             <a:r>
-              <a:rPr lang="en-US" smtClean="0"/>
-              <a:t>http://dl.dropbox.com/u/41609448/art329/slides/classfive/slides/verticalalign/index.html</a:t>
-            </a:r>
-            <a:endParaRPr lang="en-US"/>
+              <a:rPr lang="en-US" dirty="0" smtClean="0"/>
+              <a:t>http://</a:t>
+            </a:r>
+            <a:r>
+              <a:rPr lang="en-US" dirty="0" err="1" smtClean="0"/>
+              <a:t>dl.dropbox.com</a:t>
+            </a:r>
+            <a:r>
+              <a:rPr lang="en-US" dirty="0" smtClean="0"/>
+              <a:t>/u/41609448/art329/slides/</a:t>
+            </a:r>
+            <a:r>
+              <a:rPr lang="en-US" dirty="0" err="1" smtClean="0"/>
+              <a:t>classfive</a:t>
+            </a:r>
+            <a:r>
+              <a:rPr lang="en-US" dirty="0" smtClean="0"/>
+              <a:t>/slides/height/</a:t>
+            </a:r>
+            <a:r>
+              <a:rPr lang="en-US" dirty="0" err="1" smtClean="0"/>
+              <a:t>index.html</a:t>
+            </a:r>
+            <a:r>
+              <a:rPr lang="en-US" dirty="0" smtClean="0"/>
+              <a:t>   </a:t>
+            </a:r>
+            <a:endParaRPr lang="en-US" dirty="0"/>
           </a:p>
         </p:txBody>
       </p:sp>
     </p:spTree>
     <p:extLst>
       <p:ext uri="{BB962C8B-B14F-4D97-AF65-F5344CB8AC3E}">
-        <p14:creationId xmlns:p14="http://schemas.microsoft.com/office/powerpoint/2010/main" val="508701135"/>
+        <p14:creationId xmlns:p14="http://schemas.microsoft.com/office/powerpoint/2010/main" val="841147867"/>
       </p:ext>
     </p:extLst>
   </p:cSld>
   <p:clrMapOvr>
     <a:masterClrMapping/>
   </p:clrMapOvr>
+  <p:timing>
+    <p:tnLst>
+      <p:par>
+        <p:cTn xmlns:p14="http://schemas.microsoft.com/office/powerpoint/2010/main" id="1" dur="indefinite" restart="never" nodeType="tmRoot"/>
+      </p:par>
+    </p:tnLst>
+  </p:timing>
 </p:sld>
 </file>
 
@@ -8513,7 +8653,7 @@
           <a:p>
             <a:r>
               <a:rPr lang="en-US" dirty="0" smtClean="0"/>
-              <a:t>padding</a:t>
+              <a:t>overflow</a:t>
             </a:r>
             <a:endParaRPr lang="en-US" dirty="0"/>
           </a:p>
@@ -8544,26 +8684,20 @@
               <a:rPr lang="en-US" dirty="0" smtClean="0">
                 <a:hlinkClick r:id="rId2"/>
               </a:rPr>
-              <a:t>http://www.w3.org/TR/CSS21/box.html - propdef-padding</a:t>
+              <a:t>http://www.w3.org/TR/CSS21/visufx.html - propdef-overflow</a:t>
             </a:r>
             <a:endParaRPr lang="en-US" dirty="0" smtClean="0"/>
           </a:p>
           <a:p>
             <a:r>
               <a:rPr lang="en-US" dirty="0" smtClean="0"/>
-              <a:t>Pads the inside of an element</a:t>
-            </a:r>
-          </a:p>
-          <a:p>
-            <a:r>
-              <a:rPr lang="en-US" dirty="0" smtClean="0"/>
-              <a:t>Can be a length, %</a:t>
-            </a:r>
-          </a:p>
-          <a:p>
-            <a:r>
-              <a:rPr lang="en-US" dirty="0" smtClean="0"/>
-              <a:t>Use "clock" shorthand or use padding-top, padding-right, padding-bottom, padding-left</a:t>
+              <a:t>Handles content that overflows the box</a:t>
+            </a:r>
+          </a:p>
+          <a:p>
+            <a:r>
+              <a:rPr lang="en-US" dirty="0" smtClean="0"/>
+              <a:t>Can be visible, hidden, scroll, auto</a:t>
             </a:r>
           </a:p>
           <a:p>
@@ -8572,7 +8706,7 @@
                 <a:latin typeface="Courier New"/>
                 <a:cs typeface="Courier New"/>
               </a:rPr>
-              <a:t>padding: 8px;</a:t>
+              <a:t>overflow: scroll;</a:t>
             </a:r>
             <a:endParaRPr lang="en-US" sz="2000" dirty="0">
               <a:latin typeface="Courier New"/>
@@ -8597,23 +8731,50 @@
           <a:lstStyle/>
           <a:p>
             <a:r>
-              <a:rPr lang="en-US" smtClean="0"/>
-              <a:t>http://dl.dropbox.com/u/41609448/art329/slides/classfive/slides/padding/index.html</a:t>
-            </a:r>
-            <a:endParaRPr lang="en-US"/>
+              <a:rPr lang="en-US" dirty="0" smtClean="0"/>
+              <a:t>http://</a:t>
+            </a:r>
+            <a:r>
+              <a:rPr lang="en-US" dirty="0" err="1" smtClean="0"/>
+              <a:t>dl.dropbox.com</a:t>
+            </a:r>
+            <a:r>
+              <a:rPr lang="en-US" dirty="0" smtClean="0"/>
+              <a:t>/u/41609448/art329/slides/</a:t>
+            </a:r>
+            <a:r>
+              <a:rPr lang="en-US" dirty="0" err="1" smtClean="0"/>
+              <a:t>classfive</a:t>
+            </a:r>
+            <a:r>
+              <a:rPr lang="en-US" dirty="0" smtClean="0"/>
+              <a:t>/slides/overflow/</a:t>
+            </a:r>
+            <a:r>
+              <a:rPr lang="en-US" dirty="0" err="1" smtClean="0"/>
+              <a:t>index.html</a:t>
+            </a:r>
+            <a:endParaRPr lang="en-US" dirty="0"/>
           </a:p>
         </p:txBody>
       </p:sp>
     </p:spTree>
     <p:extLst>
       <p:ext uri="{BB962C8B-B14F-4D97-AF65-F5344CB8AC3E}">
-        <p14:creationId xmlns:p14="http://schemas.microsoft.com/office/powerpoint/2010/main" val="616782289"/>
+        <p14:creationId xmlns:p14="http://schemas.microsoft.com/office/powerpoint/2010/main" val="754560617"/>
       </p:ext>
     </p:extLst>
   </p:cSld>
   <p:clrMapOvr>
     <a:masterClrMapping/>
   </p:clrMapOvr>
+  <p:timing>
+    <p:tnLst>
+      <p:par>
+        <p:cTn xmlns:p14="http://schemas.microsoft.com/office/powerpoint/2010/main" id="1" dur="indefinite" restart="never" nodeType="tmRoot"/>
+      </p:par>
+    </p:tnLst>
+  </p:timing>
 </p:sld>
 </file>
 
@@ -8651,7 +8812,7 @@
           <a:p>
             <a:r>
               <a:rPr lang="en-US" dirty="0" smtClean="0"/>
-              <a:t>"Clock" Shorthand</a:t>
+              <a:t>vertical-align</a:t>
             </a:r>
             <a:endParaRPr lang="en-US" dirty="0"/>
           </a:p>
@@ -8669,131 +8830,104 @@
         </p:nvSpPr>
         <p:spPr/>
         <p:txBody>
-          <a:bodyPr>
-            <a:normAutofit lnSpcReduction="10000"/>
-          </a:bodyPr>
-          <a:lstStyle/>
-          <a:p>
-            <a:r>
-              <a:rPr lang="en-US" dirty="0" smtClean="0"/>
-              <a:t>Goes clockwise</a:t>
-            </a:r>
-          </a:p>
-          <a:p>
-            <a:r>
-              <a:rPr lang="en-US" dirty="0" smtClean="0"/>
-              <a:t>Used by padding, margin, and border</a:t>
-            </a:r>
-          </a:p>
-          <a:p>
-            <a:r>
-              <a:rPr lang="en-US" dirty="0" smtClean="0"/>
-              <a:t>1 value: applies to all sides</a:t>
-            </a:r>
-          </a:p>
-          <a:p>
-            <a:r>
-              <a:rPr lang="en-US" dirty="0" smtClean="0"/>
-              <a:t>2 values: 1</a:t>
-            </a:r>
-            <a:r>
-              <a:rPr lang="en-US" baseline="30000" dirty="0" smtClean="0"/>
-              <a:t>st</a:t>
-            </a:r>
-            <a:r>
-              <a:rPr lang="en-US" dirty="0" smtClean="0"/>
-              <a:t> number is top/bottom, 2</a:t>
-            </a:r>
-            <a:r>
-              <a:rPr lang="en-US" baseline="30000" dirty="0" smtClean="0"/>
-              <a:t>nd</a:t>
-            </a:r>
-            <a:r>
-              <a:rPr lang="en-US" dirty="0" smtClean="0"/>
-              <a:t> is right/left</a:t>
-            </a:r>
-          </a:p>
-          <a:p>
-            <a:r>
-              <a:rPr lang="en-US" dirty="0" smtClean="0"/>
-              <a:t>3 values: 1</a:t>
-            </a:r>
-            <a:r>
-              <a:rPr lang="en-US" baseline="30000" dirty="0" smtClean="0"/>
-              <a:t>st</a:t>
-            </a:r>
-            <a:r>
-              <a:rPr lang="en-US" dirty="0" smtClean="0"/>
-              <a:t> number is top, 2</a:t>
-            </a:r>
-            <a:r>
-              <a:rPr lang="en-US" baseline="30000" dirty="0" smtClean="0"/>
-              <a:t>nd</a:t>
-            </a:r>
-            <a:r>
-              <a:rPr lang="en-US" dirty="0" smtClean="0"/>
-              <a:t> is right/left, 3</a:t>
-            </a:r>
-            <a:r>
-              <a:rPr lang="en-US" baseline="30000" dirty="0" smtClean="0"/>
-              <a:t>rd</a:t>
-            </a:r>
-            <a:r>
-              <a:rPr lang="en-US" dirty="0" smtClean="0"/>
-              <a:t> is bottom</a:t>
-            </a:r>
-          </a:p>
-          <a:p>
-            <a:r>
-              <a:rPr lang="en-US" dirty="0" smtClean="0"/>
-              <a:t>4 values: 1</a:t>
-            </a:r>
-            <a:r>
-              <a:rPr lang="en-US" baseline="30000" dirty="0" smtClean="0"/>
-              <a:t>st</a:t>
-            </a:r>
-            <a:r>
-              <a:rPr lang="en-US" dirty="0" smtClean="0"/>
-              <a:t> number is top, 2</a:t>
-            </a:r>
-            <a:r>
-              <a:rPr lang="en-US" baseline="30000" dirty="0" smtClean="0"/>
-              <a:t>nd</a:t>
-            </a:r>
-            <a:r>
-              <a:rPr lang="en-US" dirty="0" smtClean="0"/>
-              <a:t> is right, 3</a:t>
-            </a:r>
-            <a:r>
-              <a:rPr lang="en-US" baseline="30000" dirty="0" smtClean="0"/>
-              <a:t>rd</a:t>
-            </a:r>
-            <a:r>
-              <a:rPr lang="en-US" dirty="0" smtClean="0"/>
-              <a:t> is bottom, 4</a:t>
-            </a:r>
-            <a:r>
-              <a:rPr lang="en-US" baseline="30000" dirty="0" smtClean="0"/>
-              <a:t>th</a:t>
-            </a:r>
-            <a:r>
-              <a:rPr lang="en-US" dirty="0" smtClean="0"/>
-              <a:t> is left</a:t>
-            </a:r>
-            <a:endParaRPr lang="en-US" dirty="0"/>
+          <a:bodyPr/>
+          <a:lstStyle/>
+          <a:p>
+            <a:r>
+              <a:rPr lang="en-US" dirty="0" smtClean="0"/>
+              <a:t>Learn more: </a:t>
+            </a:r>
+            <a:r>
+              <a:rPr lang="en-US" dirty="0" smtClean="0">
+                <a:hlinkClick r:id="rId2"/>
+              </a:rPr>
+              <a:t>http://www.w3.org/TR/CSS21/visudet.html - propdef-vertical-align</a:t>
+            </a:r>
+            <a:endParaRPr lang="en-US" dirty="0" smtClean="0"/>
+          </a:p>
+          <a:p>
+            <a:r>
+              <a:rPr lang="en-US" dirty="0" smtClean="0"/>
+              <a:t>Sets the vertical positioning for inline boxes</a:t>
+            </a:r>
+          </a:p>
+          <a:p>
+            <a:r>
+              <a:rPr lang="en-US" dirty="0" smtClean="0"/>
+              <a:t>Can be baseline, sub, super, top, </a:t>
+            </a:r>
+            <a:r>
+              <a:rPr lang="en-US" dirty="0"/>
+              <a:t>text-</a:t>
+            </a:r>
+            <a:r>
+              <a:rPr lang="en-US" dirty="0" smtClean="0"/>
+              <a:t>top, middle, bottom, text</a:t>
+            </a:r>
+            <a:r>
+              <a:rPr lang="en-US" dirty="0"/>
+              <a:t>-</a:t>
+            </a:r>
+            <a:r>
+              <a:rPr lang="en-US" dirty="0" smtClean="0"/>
+              <a:t>bottom, %, length</a:t>
+            </a:r>
+          </a:p>
+          <a:p>
+            <a:r>
+              <a:rPr lang="en-US" sz="2000" dirty="0" smtClean="0">
+                <a:latin typeface="Courier New"/>
+                <a:cs typeface="Courier New"/>
+              </a:rPr>
+              <a:t>vertical-align: top;</a:t>
+            </a:r>
+            <a:endParaRPr lang="en-US" sz="2000" dirty="0">
+              <a:latin typeface="Courier New"/>
+              <a:cs typeface="Courier New"/>
+            </a:endParaRPr>
+          </a:p>
+        </p:txBody>
+      </p:sp>
+      <p:sp>
+        <p:nvSpPr>
+          <p:cNvPr id="4" name="Footer Placeholder 3"/>
+          <p:cNvSpPr>
+            <a:spLocks noGrp="1"/>
+          </p:cNvSpPr>
+          <p:nvPr>
+            <p:ph type="ftr" sz="quarter" idx="11"/>
+          </p:nvPr>
+        </p:nvSpPr>
+        <p:spPr/>
+        <p:txBody>
+          <a:bodyPr/>
+          <a:lstStyle/>
+          <a:p>
+            <a:r>
+              <a:rPr lang="en-US" smtClean="0"/>
+              <a:t>http://dl.dropbox.com/u/41609448/art329/slides/classfive/slides/verticalalign/index.html</a:t>
+            </a:r>
+            <a:endParaRPr lang="en-US"/>
           </a:p>
         </p:txBody>
       </p:sp>
     </p:spTree>
     <p:extLst>
       <p:ext uri="{BB962C8B-B14F-4D97-AF65-F5344CB8AC3E}">
-        <p14:creationId xmlns:p14="http://schemas.microsoft.com/office/powerpoint/2010/main" val="3689856785"/>
+        <p14:creationId xmlns:p14="http://schemas.microsoft.com/office/powerpoint/2010/main" val="508701135"/>
       </p:ext>
     </p:extLst>
   </p:cSld>
   <p:clrMapOvr>
     <a:masterClrMapping/>
   </p:clrMapOvr>
+  <p:timing>
+    <p:tnLst>
+      <p:par>
+        <p:cTn xmlns:p14="http://schemas.microsoft.com/office/powerpoint/2010/main" id="1" dur="indefinite" restart="never" nodeType="tmRoot"/>
+      </p:par>
+    </p:tnLst>
+  </p:timing>
 </p:sld>
 </file>
 
@@ -8831,7 +8965,7 @@
           <a:p>
             <a:r>
               <a:rPr lang="en-US" dirty="0" smtClean="0"/>
-              <a:t>border</a:t>
+              <a:t>padding</a:t>
             </a:r>
             <a:endParaRPr lang="en-US" dirty="0"/>
           </a:p>
@@ -8862,48 +8996,26 @@
               <a:rPr lang="en-US" dirty="0" smtClean="0">
                 <a:hlinkClick r:id="rId2"/>
               </a:rPr>
-              <a:t>http://www.w3.org/TR/CSS21/box.html - border-properties</a:t>
+              <a:t>http://www.w3.org/TR/CSS21/box.html - propdef-padding</a:t>
             </a:r>
             <a:endParaRPr lang="en-US" dirty="0" smtClean="0"/>
           </a:p>
           <a:p>
             <a:r>
               <a:rPr lang="en-US" dirty="0" smtClean="0"/>
-              <a:t>Sets the border properties: width, style, color</a:t>
-            </a:r>
-          </a:p>
-          <a:p>
-            <a:r>
-              <a:rPr lang="en-US" dirty="0"/>
-              <a:t>Use "clock" shorthand or use border-</a:t>
-            </a:r>
-            <a:r>
-              <a:rPr lang="en-US" dirty="0" smtClean="0"/>
-              <a:t>top, </a:t>
-            </a:r>
-            <a:r>
-              <a:rPr lang="en-US" dirty="0"/>
-              <a:t>border-</a:t>
-            </a:r>
-            <a:r>
-              <a:rPr lang="en-US" dirty="0" smtClean="0"/>
-              <a:t>right, </a:t>
-            </a:r>
-            <a:r>
-              <a:rPr lang="en-US" dirty="0"/>
-              <a:t>border-</a:t>
-            </a:r>
-            <a:r>
-              <a:rPr lang="en-US" dirty="0" smtClean="0"/>
-              <a:t>bottom, </a:t>
-            </a:r>
-            <a:r>
-              <a:rPr lang="en-US" dirty="0"/>
-              <a:t>border-</a:t>
-            </a:r>
-            <a:r>
-              <a:rPr lang="en-US" dirty="0" smtClean="0"/>
-              <a:t>left</a:t>
+              <a:t>Pads the inside of an element</a:t>
+            </a:r>
+          </a:p>
+          <a:p>
+            <a:r>
+              <a:rPr lang="en-US" dirty="0" smtClean="0"/>
+              <a:t>Can be a length, %</a:t>
+            </a:r>
+          </a:p>
+          <a:p>
+            <a:r>
+              <a:rPr lang="en-US" dirty="0" smtClean="0"/>
+              <a:t>Use "clock" shorthand or use padding-top, padding-right, padding-bottom, padding-left</a:t>
             </a:r>
           </a:p>
           <a:p>
@@ -8912,7 +9024,7 @@
                 <a:latin typeface="Courier New"/>
                 <a:cs typeface="Courier New"/>
               </a:rPr>
-              <a:t>border: 1px solid #000;</a:t>
+              <a:t>padding: 8px;</a:t>
             </a:r>
             <a:endParaRPr lang="en-US" sz="2000" dirty="0">
               <a:latin typeface="Courier New"/>
@@ -8937,43 +9049,30 @@
           <a:lstStyle/>
           <a:p>
             <a:r>
-              <a:rPr lang="en-US" dirty="0" smtClean="0"/>
-              <a:t>http://</a:t>
-            </a:r>
-            <a:r>
-              <a:rPr lang="en-US" dirty="0" err="1" smtClean="0"/>
-              <a:t>dl.dropbox.com</a:t>
-            </a:r>
-            <a:r>
-              <a:rPr lang="en-US" dirty="0" smtClean="0"/>
-              <a:t>/u/41609448/art329/slides/</a:t>
-            </a:r>
-            <a:r>
-              <a:rPr lang="en-US" dirty="0" err="1" smtClean="0"/>
-              <a:t>classfour</a:t>
-            </a:r>
-            <a:r>
-              <a:rPr lang="en-US" dirty="0" smtClean="0"/>
-              <a:t>/slides/border/</a:t>
-            </a:r>
-            <a:r>
-              <a:rPr lang="en-US" dirty="0" err="1" smtClean="0"/>
-              <a:t>index.html</a:t>
-            </a:r>
-            <a:endParaRPr lang="en-US" dirty="0"/>
+              <a:rPr lang="en-US" smtClean="0"/>
+              <a:t>http://dl.dropbox.com/u/41609448/art329/slides/classfive/slides/padding/index.html</a:t>
+            </a:r>
+            <a:endParaRPr lang="en-US"/>
           </a:p>
         </p:txBody>
       </p:sp>
     </p:spTree>
     <p:extLst>
       <p:ext uri="{BB962C8B-B14F-4D97-AF65-F5344CB8AC3E}">
-        <p14:creationId xmlns:p14="http://schemas.microsoft.com/office/powerpoint/2010/main" val="3192035239"/>
+        <p14:creationId xmlns:p14="http://schemas.microsoft.com/office/powerpoint/2010/main" val="616782289"/>
       </p:ext>
     </p:extLst>
   </p:cSld>
   <p:clrMapOvr>
     <a:masterClrMapping/>
   </p:clrMapOvr>
+  <p:timing>
+    <p:tnLst>
+      <p:par>
+        <p:cTn xmlns:p14="http://schemas.microsoft.com/office/powerpoint/2010/main" id="1" dur="indefinite" restart="never" nodeType="tmRoot"/>
+      </p:par>
+    </p:tnLst>
+  </p:timing>
 </p:sld>
 </file>
 
@@ -9011,7 +9110,7 @@
           <a:p>
             <a:r>
               <a:rPr lang="en-US" dirty="0" smtClean="0"/>
-              <a:t>border-width</a:t>
+              <a:t>"Clock" Shorthand</a:t>
             </a:r>
             <a:endParaRPr lang="en-US" dirty="0"/>
           </a:p>
@@ -9030,156 +9129,115 @@
         <p:spPr/>
         <p:txBody>
           <a:bodyPr>
-            <a:normAutofit/>
+            <a:normAutofit lnSpcReduction="10000"/>
           </a:bodyPr>
           <a:lstStyle/>
           <a:p>
             <a:r>
               <a:rPr lang="en-US" dirty="0" smtClean="0"/>
-              <a:t>Learn more: </a:t>
-            </a:r>
-            <a:r>
-              <a:rPr lang="en-US" dirty="0" smtClean="0">
-                <a:hlinkClick r:id="rId2"/>
-              </a:rPr>
-              <a:t>http://www.w3.org/TR/CSS21/box.html - propdef-border-top-width</a:t>
-            </a:r>
-            <a:endParaRPr lang="en-US" dirty="0" smtClean="0"/>
-          </a:p>
-          <a:p>
-            <a:r>
-              <a:rPr lang="en-US" dirty="0" smtClean="0"/>
-              <a:t>Sets the border width</a:t>
-            </a:r>
-          </a:p>
-          <a:p>
-            <a:r>
-              <a:rPr lang="en-US" dirty="0" smtClean="0"/>
-              <a:t>Can be thin, medium, thick, length</a:t>
-            </a:r>
-          </a:p>
-          <a:p>
-            <a:r>
-              <a:rPr lang="en-US" dirty="0"/>
-              <a:t>Use </a:t>
-            </a:r>
-            <a:r>
-              <a:rPr lang="en-US" dirty="0" smtClean="0"/>
-              <a:t>"clock" shorthand </a:t>
-            </a:r>
-            <a:r>
-              <a:rPr lang="en-US" dirty="0"/>
-              <a:t>or use </a:t>
-            </a:r>
-            <a:r>
-              <a:rPr lang="en-US" dirty="0" smtClean="0"/>
-              <a:t>border-top-width, </a:t>
-            </a:r>
-            <a:r>
-              <a:rPr lang="en-US" dirty="0"/>
-              <a:t>border</a:t>
-            </a:r>
-            <a:r>
-              <a:rPr lang="en-US" dirty="0" smtClean="0"/>
-              <a:t>-right-</a:t>
-            </a:r>
-            <a:r>
-              <a:rPr lang="en-US" dirty="0"/>
-              <a:t>width</a:t>
-            </a:r>
-            <a:r>
-              <a:rPr lang="en-US" dirty="0" smtClean="0"/>
-              <a:t>, </a:t>
-            </a:r>
-            <a:r>
-              <a:rPr lang="en-US" dirty="0"/>
-              <a:t>border</a:t>
-            </a:r>
-            <a:r>
-              <a:rPr lang="en-US" dirty="0" smtClean="0"/>
-              <a:t>-bottom-</a:t>
-            </a:r>
-            <a:r>
-              <a:rPr lang="en-US" dirty="0"/>
-              <a:t>width</a:t>
-            </a:r>
-            <a:r>
-              <a:rPr lang="en-US" dirty="0" smtClean="0"/>
-              <a:t>, </a:t>
-            </a:r>
-            <a:r>
-              <a:rPr lang="en-US" dirty="0"/>
-              <a:t>border</a:t>
-            </a:r>
-            <a:r>
-              <a:rPr lang="en-US" dirty="0" smtClean="0"/>
-              <a:t>-left-</a:t>
-            </a:r>
-            <a:r>
-              <a:rPr lang="en-US" dirty="0"/>
-              <a:t>width</a:t>
-            </a:r>
-          </a:p>
-          <a:p>
-            <a:r>
-              <a:rPr lang="en-US" sz="2000" dirty="0">
-                <a:latin typeface="Courier New"/>
-                <a:cs typeface="Courier New"/>
-              </a:rPr>
-              <a:t>b</a:t>
-            </a:r>
-            <a:r>
-              <a:rPr lang="en-US" sz="2000" dirty="0" smtClean="0">
-                <a:latin typeface="Courier New"/>
-                <a:cs typeface="Courier New"/>
-              </a:rPr>
-              <a:t>order-width: medium;</a:t>
-            </a:r>
-          </a:p>
-        </p:txBody>
-      </p:sp>
-      <p:sp>
-        <p:nvSpPr>
-          <p:cNvPr id="4" name="Footer Placeholder 3"/>
-          <p:cNvSpPr>
-            <a:spLocks noGrp="1"/>
-          </p:cNvSpPr>
-          <p:nvPr>
-            <p:ph type="ftr" sz="quarter" idx="11"/>
-          </p:nvPr>
-        </p:nvSpPr>
-        <p:spPr/>
-        <p:txBody>
-          <a:bodyPr/>
-          <a:lstStyle/>
-          <a:p>
-            <a:r>
-              <a:rPr lang="en-US" dirty="0" smtClean="0"/>
-              <a:t>http://</a:t>
-            </a:r>
-            <a:r>
-              <a:rPr lang="en-US" dirty="0" err="1" smtClean="0"/>
-              <a:t>dl.dropbox.com</a:t>
-            </a:r>
-            <a:r>
-              <a:rPr lang="en-US" dirty="0" smtClean="0"/>
-              <a:t>/u/41609448/art329/slides/</a:t>
-            </a:r>
-            <a:r>
-              <a:rPr lang="en-US" dirty="0" err="1" smtClean="0"/>
-              <a:t>classfour</a:t>
-            </a:r>
-            <a:r>
-              <a:rPr lang="en-US" dirty="0" smtClean="0"/>
-              <a:t>/slides/border/</a:t>
-            </a:r>
-            <a:r>
-              <a:rPr lang="en-US" dirty="0" err="1" smtClean="0"/>
-              <a:t>index.html</a:t>
-            </a:r>
-            <a:r>
-              <a:rPr lang="en-US" dirty="0" smtClean="0"/>
-              <a:t> </a:t>
+              <a:t>Goes clockwise</a:t>
+            </a:r>
+          </a:p>
+          <a:p>
+            <a:r>
+              <a:rPr lang="en-US" dirty="0" smtClean="0"/>
+              <a:t>Used by padding, margin, and border</a:t>
+            </a:r>
+          </a:p>
+          <a:p>
+            <a:r>
+              <a:rPr lang="en-US" dirty="0" smtClean="0"/>
+              <a:t>1 value: applies to all sides</a:t>
+            </a:r>
+          </a:p>
+          <a:p>
+            <a:r>
+              <a:rPr lang="en-US" dirty="0" smtClean="0"/>
+              <a:t>2 values: 1</a:t>
+            </a:r>
+            <a:r>
+              <a:rPr lang="en-US" baseline="30000" dirty="0" smtClean="0"/>
+              <a:t>st</a:t>
+            </a:r>
+            <a:r>
+              <a:rPr lang="en-US" dirty="0" smtClean="0"/>
+              <a:t> number is top/bottom, 2</a:t>
+            </a:r>
+            <a:r>
+              <a:rPr lang="en-US" baseline="30000" dirty="0" smtClean="0"/>
+              <a:t>nd</a:t>
+            </a:r>
+            <a:r>
+              <a:rPr lang="en-US" dirty="0" smtClean="0"/>
+              <a:t> is right/left</a:t>
+            </a:r>
+          </a:p>
+          <a:p>
+            <a:r>
+              <a:rPr lang="en-US" dirty="0" smtClean="0"/>
+              <a:t>3 values: 1</a:t>
+            </a:r>
+            <a:r>
+              <a:rPr lang="en-US" baseline="30000" dirty="0" smtClean="0"/>
+              <a:t>st</a:t>
+            </a:r>
+            <a:r>
+              <a:rPr lang="en-US" dirty="0" smtClean="0"/>
+              <a:t> number is top, 2</a:t>
+            </a:r>
+            <a:r>
+              <a:rPr lang="en-US" baseline="30000" dirty="0" smtClean="0"/>
+              <a:t>nd</a:t>
+            </a:r>
+            <a:r>
+              <a:rPr lang="en-US" dirty="0" smtClean="0"/>
+              <a:t> is right/left, 3</a:t>
+            </a:r>
+            <a:r>
+              <a:rPr lang="en-US" baseline="30000" dirty="0" smtClean="0"/>
+              <a:t>rd</a:t>
+            </a:r>
+            <a:r>
+              <a:rPr lang="en-US" dirty="0" smtClean="0"/>
+              <a:t> is bottom</a:t>
+            </a:r>
+          </a:p>
+          <a:p>
+            <a:r>
+              <a:rPr lang="en-US" dirty="0" smtClean="0"/>
+              <a:t>4 values: 1</a:t>
+            </a:r>
+            <a:r>
+              <a:rPr lang="en-US" baseline="30000" dirty="0" smtClean="0"/>
+              <a:t>st</a:t>
+            </a:r>
+            <a:r>
+              <a:rPr lang="en-US" dirty="0" smtClean="0"/>
+              <a:t> number is top, 2</a:t>
+            </a:r>
+            <a:r>
+              <a:rPr lang="en-US" baseline="30000" dirty="0" smtClean="0"/>
+              <a:t>nd</a:t>
+            </a:r>
+            <a:r>
+              <a:rPr lang="en-US" dirty="0" smtClean="0"/>
+              <a:t> is right, 3</a:t>
+            </a:r>
+            <a:r>
+              <a:rPr lang="en-US" baseline="30000" dirty="0" smtClean="0"/>
+              <a:t>rd</a:t>
+            </a:r>
+            <a:r>
+              <a:rPr lang="en-US" dirty="0" smtClean="0"/>
+              <a:t> is bottom, 4</a:t>
+            </a:r>
+            <a:r>
+              <a:rPr lang="en-US" baseline="30000" dirty="0" smtClean="0"/>
+              <a:t>th</a:t>
+            </a:r>
+            <a:r>
+              <a:rPr lang="en-US" dirty="0" smtClean="0"/>
+              <a:t> is left</a:t>
             </a:r>
             <a:endParaRPr lang="en-US" dirty="0"/>
           </a:p>
@@ -9188,13 +9246,20 @@
     </p:spTree>
     <p:extLst>
       <p:ext uri="{BB962C8B-B14F-4D97-AF65-F5344CB8AC3E}">
-        <p14:creationId xmlns:p14="http://schemas.microsoft.com/office/powerpoint/2010/main" val="3601305251"/>
+        <p14:creationId xmlns:p14="http://schemas.microsoft.com/office/powerpoint/2010/main" val="3689856785"/>
       </p:ext>
     </p:extLst>
   </p:cSld>
   <p:clrMapOvr>
     <a:masterClrMapping/>
   </p:clrMapOvr>
+  <p:timing>
+    <p:tnLst>
+      <p:par>
+        <p:cTn xmlns:p14="http://schemas.microsoft.com/office/powerpoint/2010/main" id="1" dur="indefinite" restart="never" nodeType="tmRoot"/>
+      </p:par>
+    </p:tnLst>
+  </p:timing>
 </p:sld>
 </file>
 
@@ -9232,7 +9297,7 @@
           <a:p>
             <a:r>
               <a:rPr lang="en-US" dirty="0" smtClean="0"/>
-              <a:t>border-color</a:t>
+              <a:t>border</a:t>
             </a:r>
             <a:endParaRPr lang="en-US" dirty="0"/>
           </a:p>
@@ -9263,80 +9328,62 @@
               <a:rPr lang="en-US" dirty="0" smtClean="0">
                 <a:hlinkClick r:id="rId2"/>
               </a:rPr>
-              <a:t>http://www.w3.org/TR/CSS21/box.html - propdef-border-top-color</a:t>
+              <a:t>http://www.w3.org/TR/CSS21/box.html - border-properties</a:t>
             </a:r>
             <a:endParaRPr lang="en-US" dirty="0" smtClean="0"/>
           </a:p>
           <a:p>
             <a:r>
               <a:rPr lang="en-US" dirty="0" smtClean="0"/>
-              <a:t>Sets the border color</a:t>
-            </a:r>
-          </a:p>
-          <a:p>
-            <a:r>
-              <a:rPr lang="en-US" dirty="0" smtClean="0"/>
-              <a:t>Can be color, transparent</a:t>
+              <a:t>Sets the border properties: width, style, color</a:t>
             </a:r>
           </a:p>
           <a:p>
             <a:r>
               <a:rPr lang="en-US" dirty="0"/>
-              <a:t>Use </a:t>
-            </a:r>
-            <a:r>
-              <a:rPr lang="en-US" dirty="0" smtClean="0"/>
-              <a:t>"clock" shorthand </a:t>
+              <a:t>Use "clock" shorthand or use border-</a:t>
+            </a:r>
+            <a:r>
+              <a:rPr lang="en-US" dirty="0" smtClean="0"/>
+              <a:t>top, </a:t>
             </a:r>
             <a:r>
               <a:rPr lang="en-US" dirty="0"/>
-              <a:t>or use </a:t>
-            </a:r>
-            <a:r>
-              <a:rPr lang="en-US" dirty="0" smtClean="0"/>
-              <a:t>border-top-color, </a:t>
+              <a:t>border-</a:t>
+            </a:r>
+            <a:r>
+              <a:rPr lang="en-US" dirty="0" smtClean="0"/>
+              <a:t>right, </a:t>
             </a:r>
             <a:r>
               <a:rPr lang="en-US" dirty="0"/>
-              <a:t>border</a:t>
-            </a:r>
-            <a:r>
-              <a:rPr lang="en-US" dirty="0" smtClean="0"/>
-              <a:t>-right-color, </a:t>
+              <a:t>border-</a:t>
+            </a:r>
+            <a:r>
+              <a:rPr lang="en-US" dirty="0" smtClean="0"/>
+              <a:t>bottom, </a:t>
             </a:r>
             <a:r>
               <a:rPr lang="en-US" dirty="0"/>
-              <a:t>border</a:t>
-            </a:r>
-            <a:r>
-              <a:rPr lang="en-US" dirty="0" smtClean="0"/>
-              <a:t>-bottom-color, </a:t>
-            </a:r>
-            <a:r>
-              <a:rPr lang="en-US" dirty="0"/>
-              <a:t>border</a:t>
-            </a:r>
-            <a:r>
-              <a:rPr lang="en-US" dirty="0" smtClean="0"/>
-              <a:t>-left-color</a:t>
-            </a:r>
-            <a:endParaRPr lang="en-US" dirty="0"/>
-          </a:p>
-          <a:p>
-            <a:r>
-              <a:rPr lang="en-US" sz="2000" dirty="0">
-                <a:latin typeface="Courier New"/>
-                <a:cs typeface="Courier New"/>
-              </a:rPr>
-              <a:t>b</a:t>
-            </a:r>
+              <a:t>border-</a:t>
+            </a:r>
+            <a:r>
+              <a:rPr lang="en-US" dirty="0" smtClean="0"/>
+              <a:t>left</a:t>
+            </a:r>
+          </a:p>
+          <a:p>
             <a:r>
               <a:rPr lang="en-US" sz="2000" dirty="0" smtClean="0">
                 <a:latin typeface="Courier New"/>
                 <a:cs typeface="Courier New"/>
               </a:rPr>
-              <a:t>order-color: red;</a:t>
-            </a:r>
+              <a:t>border: 1px solid #000;</a:t>
+            </a:r>
+            <a:endParaRPr lang="en-US" sz="2000" dirty="0">
+              <a:latin typeface="Courier New"/>
+              <a:cs typeface="Courier New"/>
+            </a:endParaRPr>
           </a:p>
         </p:txBody>
       </p:sp>
@@ -9378,10 +9425,6 @@
             <a:r>
               <a:rPr lang="en-US" dirty="0" err="1" smtClean="0"/>
               <a:t>index.html</a:t>
-            </a:r>
-            <a:r>
-              <a:rPr lang="en-US" dirty="0" smtClean="0"/>
-              <a:t> </a:t>
             </a:r>
             <a:endParaRPr lang="en-US" dirty="0"/>
           </a:p>
@@ -9390,13 +9433,20 @@
     </p:spTree>
     <p:extLst>
       <p:ext uri="{BB962C8B-B14F-4D97-AF65-F5344CB8AC3E}">
-        <p14:creationId xmlns:p14="http://schemas.microsoft.com/office/powerpoint/2010/main" val="3456313812"/>
+        <p14:creationId xmlns:p14="http://schemas.microsoft.com/office/powerpoint/2010/main" val="3192035239"/>
       </p:ext>
     </p:extLst>
   </p:cSld>
   <p:clrMapOvr>
     <a:masterClrMapping/>
   </p:clrMapOvr>
+  <p:timing>
+    <p:tnLst>
+      <p:par>
+        <p:cTn xmlns:p14="http://schemas.microsoft.com/office/powerpoint/2010/main" id="1" dur="indefinite" restart="never" nodeType="tmRoot"/>
+      </p:par>
+    </p:tnLst>
+  </p:timing>
 </p:sld>
 </file>
 
@@ -9434,7 +9484,7 @@
           <a:p>
             <a:r>
               <a:rPr lang="en-US" dirty="0" smtClean="0"/>
-              <a:t>border-style</a:t>
+              <a:t>border-width</a:t>
             </a:r>
             <a:endParaRPr lang="en-US" dirty="0"/>
           </a:p>
@@ -9453,7 +9503,7 @@
         <p:spPr/>
         <p:txBody>
           <a:bodyPr>
-            <a:normAutofit fontScale="92500" lnSpcReduction="10000"/>
+            <a:normAutofit/>
           </a:bodyPr>
           <a:lstStyle/>
           <a:p>
@@ -9465,20 +9515,20 @@
               <a:rPr lang="en-US" dirty="0" smtClean="0">
                 <a:hlinkClick r:id="rId2"/>
               </a:rPr>
-              <a:t>http://www.w3.org/TR/CSS21/box.html - propdef-border-top-style</a:t>
+              <a:t>http://www.w3.org/TR/CSS21/box.html - propdef-border-top-width</a:t>
             </a:r>
             <a:endParaRPr lang="en-US" dirty="0" smtClean="0"/>
           </a:p>
           <a:p>
             <a:r>
               <a:rPr lang="en-US" dirty="0" smtClean="0"/>
-              <a:t>Sets the border style</a:t>
-            </a:r>
-          </a:p>
-          <a:p>
-            <a:r>
-              <a:rPr lang="en-US" dirty="0" smtClean="0"/>
-              <a:t>Can be none, hidden, dotted, dashed, solid, double, groove, ridge, inset, outset</a:t>
+              <a:t>Sets the border width</a:t>
+            </a:r>
+          </a:p>
+          <a:p>
+            <a:r>
+              <a:rPr lang="en-US" dirty="0" smtClean="0"/>
+              <a:t>Can be thin, medium, thick, length</a:t>
             </a:r>
           </a:p>
           <a:p>
@@ -9496,7 +9546,7 @@
             </a:r>
             <a:r>
               <a:rPr lang="en-US" dirty="0" smtClean="0"/>
-              <a:t>border-top-color, </a:t>
+              <a:t>border-top-width, </a:t>
             </a:r>
             <a:r>
               <a:rPr lang="en-US" dirty="0"/>
@@ -9504,7 +9554,15 @@
             </a:r>
             <a:r>
               <a:rPr lang="en-US" dirty="0" smtClean="0"/>
-              <a:t>-right-color, </a:t>
+              <a:t>-right-</a:t>
+            </a:r>
+            <a:r>
+              <a:rPr lang="en-US" dirty="0"/>
+              <a:t>width</a:t>
+            </a:r>
+            <a:r>
+              <a:rPr lang="en-US" dirty="0" smtClean="0"/>
+              <a:t>, </a:t>
             </a:r>
             <a:r>
               <a:rPr lang="en-US" dirty="0"/>
@@ -9512,7 +9570,15 @@
             </a:r>
             <a:r>
               <a:rPr lang="en-US" dirty="0" smtClean="0"/>
-              <a:t>-bottom-color, </a:t>
+              <a:t>-bottom-</a:t>
+            </a:r>
+            <a:r>
+              <a:rPr lang="en-US" dirty="0"/>
+              <a:t>width</a:t>
+            </a:r>
+            <a:r>
+              <a:rPr lang="en-US" dirty="0" smtClean="0"/>
+              <a:t>, </a:t>
             </a:r>
             <a:r>
               <a:rPr lang="en-US" dirty="0"/>
@@ -9520,9 +9586,12 @@
             </a:r>
             <a:r>
               <a:rPr lang="en-US" dirty="0" smtClean="0"/>
-              <a:t>-left-color</a:t>
-            </a:r>
-            <a:endParaRPr lang="en-US" dirty="0"/>
+              <a:t>-left-</a:t>
+            </a:r>
+            <a:r>
+              <a:rPr lang="en-US" dirty="0"/>
+              <a:t>width</a:t>
+            </a:r>
           </a:p>
           <a:p>
             <a:r>
@@ -9537,7 +9606,7 @@
                 <a:latin typeface="Courier New"/>
                 <a:cs typeface="Courier New"/>
               </a:rPr>
-              <a:t>order-style: solid;</a:t>
+              <a:t>order-width: medium;</a:t>
             </a:r>
           </a:p>
         </p:txBody>
@@ -9592,13 +9661,20 @@
     </p:spTree>
     <p:extLst>
       <p:ext uri="{BB962C8B-B14F-4D97-AF65-F5344CB8AC3E}">
-        <p14:creationId xmlns:p14="http://schemas.microsoft.com/office/powerpoint/2010/main" val="1392145779"/>
+        <p14:creationId xmlns:p14="http://schemas.microsoft.com/office/powerpoint/2010/main" val="3601305251"/>
       </p:ext>
     </p:extLst>
   </p:cSld>
   <p:clrMapOvr>
     <a:masterClrMapping/>
   </p:clrMapOvr>
+  <p:timing>
+    <p:tnLst>
+      <p:par>
+        <p:cTn xmlns:p14="http://schemas.microsoft.com/office/powerpoint/2010/main" id="1" dur="indefinite" restart="never" nodeType="tmRoot"/>
+      </p:par>
+    </p:tnLst>
+  </p:timing>
 </p:sld>
 </file>
 
@@ -9636,7 +9712,7 @@
           <a:p>
             <a:r>
               <a:rPr lang="en-US" dirty="0" smtClean="0"/>
-              <a:t>margin</a:t>
+              <a:t>border-color</a:t>
             </a:r>
             <a:endParaRPr lang="en-US" dirty="0"/>
           </a:p>
@@ -9667,40 +9743,80 @@
               <a:rPr lang="en-US" dirty="0" smtClean="0">
                 <a:hlinkClick r:id="rId2"/>
               </a:rPr>
-              <a:t>http://www.w3.org/TR/CSS21/box.html - propdef-margin</a:t>
+              <a:t>http://www.w3.org/TR/CSS21/box.html - propdef-border-top-color</a:t>
             </a:r>
             <a:endParaRPr lang="en-US" dirty="0" smtClean="0"/>
           </a:p>
           <a:p>
             <a:r>
               <a:rPr lang="en-US" dirty="0" smtClean="0"/>
-              <a:t>Pads the outside of an element</a:t>
-            </a:r>
-          </a:p>
-          <a:p>
-            <a:r>
-              <a:rPr lang="en-US" dirty="0" smtClean="0"/>
-              <a:t>Can be a length, %, auto</a:t>
-            </a:r>
-          </a:p>
-          <a:p>
-            <a:r>
-              <a:rPr lang="en-US" dirty="0" smtClean="0"/>
-              <a:t>Use "clock" shorthand or use margin-top, margin-right, margin-bottom, margin-left</a:t>
-            </a:r>
-          </a:p>
-          <a:p>
+              <a:t>Sets the border color</a:t>
+            </a:r>
+          </a:p>
+          <a:p>
+            <a:r>
+              <a:rPr lang="en-US" dirty="0" smtClean="0"/>
+              <a:t>Can be color, transparent</a:t>
+            </a:r>
+          </a:p>
+          <a:p>
+            <a:r>
+              <a:rPr lang="en-US" dirty="0"/>
+              <a:t>Use </a:t>
+            </a:r>
+            <a:r>
+              <a:rPr lang="en-US" dirty="0" smtClean="0"/>
+              <a:t>"clock" shorthand </a:t>
+            </a:r>
+            <a:r>
+              <a:rPr lang="en-US" dirty="0"/>
+              <a:t>or use </a:t>
+            </a:r>
+            <a:r>
+              <a:rPr lang="en-US" dirty="0" smtClean="0"/>
+              <a:t>border-top-color, </a:t>
+            </a:r>
+            <a:r>
+              <a:rPr lang="en-US" dirty="0"/>
+              <a:t>border</a:t>
+            </a:r>
+            <a:r>
+              <a:rPr lang="en-US" dirty="0" smtClean="0"/>
+              <a:t>-right-color, </a:t>
+            </a:r>
+            <a:r>
+              <a:rPr lang="en-US" dirty="0"/>
+              <a:t>border</a:t>
+            </a:r>
+            <a:r>
+              <a:rPr lang="en-US" dirty="0" smtClean="0"/>
+              <a:t>-bottom-color, </a:t>
+            </a:r>
+            <a:r>
+              <a:rPr lang="en-US" dirty="0"/>
+              <a:t>border</a:t>
+            </a:r>
+            <a:r>
+              <a:rPr lang="en-US" dirty="0" smtClean="0"/>
+              <a:t>-left-color</a:t>
+            </a:r>
+            <a:endParaRPr lang="en-US" dirty="0"/>
+          </a:p>
+          <a:p>
+            <a:r>
+              <a:rPr lang="en-US" sz="2000" dirty="0">
+                <a:latin typeface="Courier New"/>
+                <a:cs typeface="Courier New"/>
+              </a:rPr>
+              <a:t>b</a:t>
+            </a:r>
             <a:r>
               <a:rPr lang="en-US" sz="2000" dirty="0" smtClean="0">
                 <a:latin typeface="Courier New"/>
                 <a:cs typeface="Courier New"/>
               </a:rPr>
-              <a:t>margin: 8px;</a:t>
-            </a:r>
-            <a:endParaRPr lang="en-US" sz="2000" dirty="0">
-              <a:latin typeface="Courier New"/>
-              <a:cs typeface="Courier New"/>
-            </a:endParaRPr>
+              <a:t>order-color: red;</a:t>
+            </a:r>
           </a:p>
         </p:txBody>
       </p:sp>
@@ -9733,15 +9849,19 @@
             </a:r>
             <a:r>
               <a:rPr lang="en-US" dirty="0" err="1" smtClean="0"/>
-              <a:t>classfive</a:t>
-            </a:r>
-            <a:r>
-              <a:rPr lang="en-US" dirty="0" smtClean="0"/>
-              <a:t>/slides/margin/</a:t>
+              <a:t>classfour</a:t>
+            </a:r>
+            <a:r>
+              <a:rPr lang="en-US" dirty="0" smtClean="0"/>
+              <a:t>/slides/border/</a:t>
             </a:r>
             <a:r>
               <a:rPr lang="en-US" dirty="0" err="1" smtClean="0"/>
               <a:t>index.html</a:t>
+            </a:r>
+            <a:r>
+              <a:rPr lang="en-US" dirty="0" smtClean="0"/>
+              <a:t> </a:t>
             </a:r>
             <a:endParaRPr lang="en-US" dirty="0"/>
           </a:p>
@@ -9750,13 +9870,20 @@
     </p:spTree>
     <p:extLst>
       <p:ext uri="{BB962C8B-B14F-4D97-AF65-F5344CB8AC3E}">
-        <p14:creationId xmlns:p14="http://schemas.microsoft.com/office/powerpoint/2010/main" val="2343118388"/>
+        <p14:creationId xmlns:p14="http://schemas.microsoft.com/office/powerpoint/2010/main" val="3456313812"/>
       </p:ext>
     </p:extLst>
   </p:cSld>
   <p:clrMapOvr>
     <a:masterClrMapping/>
   </p:clrMapOvr>
+  <p:timing>
+    <p:tnLst>
+      <p:par>
+        <p:cTn xmlns:p14="http://schemas.microsoft.com/office/powerpoint/2010/main" id="1" dur="indefinite" restart="never" nodeType="tmRoot"/>
+      </p:par>
+    </p:tnLst>
+  </p:timing>
 </p:sld>
 </file>
 
@@ -9779,7 +9906,7 @@
       </p:grpSpPr>
       <p:sp>
         <p:nvSpPr>
-          <p:cNvPr id="3" name="Title 2"/>
+          <p:cNvPr id="2" name="Title 1"/>
           <p:cNvSpPr>
             <a:spLocks noGrp="1"/>
           </p:cNvSpPr>
@@ -9794,7 +9921,7 @@
           <a:p>
             <a:r>
               <a:rPr lang="en-US" dirty="0" smtClean="0"/>
-              <a:t>Break</a:t>
+              <a:t>border-style</a:t>
             </a:r>
             <a:endParaRPr lang="en-US" dirty="0"/>
           </a:p>
@@ -9802,27 +9929,160 @@
       </p:sp>
       <p:sp>
         <p:nvSpPr>
-          <p:cNvPr id="4" name="Text Placeholder 3"/>
-          <p:cNvSpPr>
-            <a:spLocks noGrp="1"/>
-          </p:cNvSpPr>
-          <p:nvPr>
-            <p:ph type="body" idx="1"/>
-          </p:nvPr>
-        </p:nvSpPr>
-        <p:spPr/>
-        <p:txBody>
-          <a:bodyPr/>
-          <a:lstStyle/>
-          <a:p>
-            <a:endParaRPr lang="en-US"/>
+          <p:cNvPr id="3" name="Content Placeholder 2"/>
+          <p:cNvSpPr>
+            <a:spLocks noGrp="1"/>
+          </p:cNvSpPr>
+          <p:nvPr>
+            <p:ph idx="1"/>
+          </p:nvPr>
+        </p:nvSpPr>
+        <p:spPr/>
+        <p:txBody>
+          <a:bodyPr>
+            <a:normAutofit fontScale="92500" lnSpcReduction="10000"/>
+          </a:bodyPr>
+          <a:lstStyle/>
+          <a:p>
+            <a:r>
+              <a:rPr lang="en-US" dirty="0" smtClean="0"/>
+              <a:t>Learn more: </a:t>
+            </a:r>
+            <a:r>
+              <a:rPr lang="en-US" dirty="0" smtClean="0">
+                <a:hlinkClick r:id="rId2"/>
+              </a:rPr>
+              <a:t>http://www.w3.org/TR/CSS21/box.html - propdef-border-top-style</a:t>
+            </a:r>
+            <a:endParaRPr lang="en-US" dirty="0" smtClean="0"/>
+          </a:p>
+          <a:p>
+            <a:r>
+              <a:rPr lang="en-US" dirty="0" smtClean="0"/>
+              <a:t>Sets the border style</a:t>
+            </a:r>
+          </a:p>
+          <a:p>
+            <a:r>
+              <a:rPr lang="en-US" dirty="0" smtClean="0"/>
+              <a:t>Can be none, hidden, dotted, dashed, solid, double, groove, ridge, inset, outset</a:t>
+            </a:r>
+          </a:p>
+          <a:p>
+            <a:r>
+              <a:rPr lang="en-US" dirty="0"/>
+              <a:t>Use </a:t>
+            </a:r>
+            <a:r>
+              <a:rPr lang="en-US" dirty="0" smtClean="0"/>
+              <a:t>"clock" shorthand </a:t>
+            </a:r>
+            <a:r>
+              <a:rPr lang="en-US" dirty="0"/>
+              <a:t>or use </a:t>
+            </a:r>
+            <a:r>
+              <a:rPr lang="en-US" dirty="0" smtClean="0"/>
+              <a:t>border-top-style, </a:t>
+            </a:r>
+            <a:r>
+              <a:rPr lang="en-US" dirty="0"/>
+              <a:t>border</a:t>
+            </a:r>
+            <a:r>
+              <a:rPr lang="en-US" dirty="0" smtClean="0"/>
+              <a:t>-right</a:t>
+            </a:r>
+            <a:r>
+              <a:rPr lang="en-US" dirty="0"/>
+              <a:t>-style, border</a:t>
+            </a:r>
+            <a:r>
+              <a:rPr lang="en-US" dirty="0" smtClean="0"/>
+              <a:t>-bottom</a:t>
+            </a:r>
+            <a:r>
+              <a:rPr lang="en-US" dirty="0"/>
+              <a:t>-style, border</a:t>
+            </a:r>
+            <a:r>
+              <a:rPr lang="en-US" dirty="0" smtClean="0"/>
+              <a:t>-left</a:t>
+            </a:r>
+            <a:r>
+              <a:rPr lang="en-US" dirty="0"/>
+              <a:t>-style</a:t>
+            </a:r>
+          </a:p>
+          <a:p>
+            <a:r>
+              <a:rPr lang="en-US" sz="2000" dirty="0">
+                <a:latin typeface="Courier New"/>
+                <a:cs typeface="Courier New"/>
+              </a:rPr>
+              <a:t>b</a:t>
+            </a:r>
+            <a:r>
+              <a:rPr lang="en-US" sz="2000" dirty="0" smtClean="0">
+                <a:latin typeface="Courier New"/>
+                <a:cs typeface="Courier New"/>
+              </a:rPr>
+              <a:t>order-style: solid;</a:t>
+            </a:r>
+          </a:p>
+        </p:txBody>
+      </p:sp>
+      <p:sp>
+        <p:nvSpPr>
+          <p:cNvPr id="4" name="Footer Placeholder 3"/>
+          <p:cNvSpPr>
+            <a:spLocks noGrp="1"/>
+          </p:cNvSpPr>
+          <p:nvPr>
+            <p:ph type="ftr" sz="quarter" idx="11"/>
+          </p:nvPr>
+        </p:nvSpPr>
+        <p:spPr/>
+        <p:txBody>
+          <a:bodyPr/>
+          <a:lstStyle/>
+          <a:p>
+            <a:r>
+              <a:rPr lang="en-US" dirty="0" smtClean="0"/>
+              <a:t>http://</a:t>
+            </a:r>
+            <a:r>
+              <a:rPr lang="en-US" dirty="0" err="1" smtClean="0"/>
+              <a:t>dl.dropbox.com</a:t>
+            </a:r>
+            <a:r>
+              <a:rPr lang="en-US" dirty="0" smtClean="0"/>
+              <a:t>/u/41609448/art329/slides/</a:t>
+            </a:r>
+            <a:r>
+              <a:rPr lang="en-US" dirty="0" err="1" smtClean="0"/>
+              <a:t>classfour</a:t>
+            </a:r>
+            <a:r>
+              <a:rPr lang="en-US" dirty="0" smtClean="0"/>
+              <a:t>/slides/border/</a:t>
+            </a:r>
+            <a:r>
+              <a:rPr lang="en-US" dirty="0" err="1" smtClean="0"/>
+              <a:t>index.html</a:t>
+            </a:r>
+            <a:r>
+              <a:rPr lang="en-US" dirty="0" smtClean="0"/>
+              <a:t> </a:t>
+            </a:r>
+            <a:endParaRPr lang="en-US" dirty="0"/>
           </a:p>
         </p:txBody>
       </p:sp>
     </p:spTree>
     <p:extLst>
       <p:ext uri="{BB962C8B-B14F-4D97-AF65-F5344CB8AC3E}">
-        <p14:creationId xmlns:p14="http://schemas.microsoft.com/office/powerpoint/2010/main" val="3610379708"/>
+        <p14:creationId xmlns:p14="http://schemas.microsoft.com/office/powerpoint/2010/main" val="1392145779"/>
       </p:ext>
     </p:extLst>
   </p:cSld>
@@ -9873,7 +10133,7 @@
           <a:p>
             <a:r>
               <a:rPr lang="en-US" dirty="0" smtClean="0"/>
-              <a:t>Review - Theme</a:t>
+              <a:t>Review - Redo</a:t>
             </a:r>
             <a:endParaRPr lang="en-US" dirty="0"/>
           </a:p>
@@ -9896,34 +10156,32 @@
           <a:p>
             <a:r>
               <a:rPr lang="en-US" dirty="0" smtClean="0"/>
-              <a:t>Represents your site's purpose and content</a:t>
-            </a:r>
-          </a:p>
-          <a:p>
-            <a:r>
-              <a:rPr lang="en-US" dirty="0" err="1" smtClean="0"/>
-              <a:t>Amazon.com</a:t>
-            </a:r>
-            <a:r>
-              <a:rPr lang="en-US" dirty="0" smtClean="0"/>
-              <a:t>: an online merchant that focuses on books</a:t>
-            </a:r>
-          </a:p>
-          <a:p>
-            <a:r>
-              <a:rPr lang="en-US" dirty="0" smtClean="0"/>
-              <a:t>Visual metaphor reinforces the theme</a:t>
-            </a:r>
-          </a:p>
-          <a:p>
-            <a:endParaRPr lang="en-US" dirty="0"/>
+              <a:t>I've reopened some assignments</a:t>
+            </a:r>
+          </a:p>
+          <a:p>
+            <a:r>
+              <a:rPr lang="en-US" dirty="0" smtClean="0"/>
+              <a:t>Friday at 10pm is the new due date</a:t>
+            </a:r>
+          </a:p>
+          <a:p>
+            <a:r>
+              <a:rPr lang="en-US" dirty="0" smtClean="0"/>
+              <a:t>Can't get </a:t>
+            </a:r>
+            <a:r>
+              <a:rPr lang="en-US" smtClean="0"/>
+              <a:t>full credit</a:t>
+            </a:r>
+            <a:endParaRPr lang="en-US" dirty="0" smtClean="0"/>
           </a:p>
         </p:txBody>
       </p:sp>
     </p:spTree>
     <p:extLst>
       <p:ext uri="{BB962C8B-B14F-4D97-AF65-F5344CB8AC3E}">
-        <p14:creationId xmlns:p14="http://schemas.microsoft.com/office/powerpoint/2010/main" val="1571346728"/>
+        <p14:creationId xmlns:p14="http://schemas.microsoft.com/office/powerpoint/2010/main" val="3256952300"/>
       </p:ext>
     </p:extLst>
   </p:cSld>
@@ -9964,17 +10222,17 @@
             <a:spLocks noGrp="1"/>
           </p:cNvSpPr>
           <p:nvPr>
-            <p:ph type="ctrTitle"/>
-          </p:nvPr>
-        </p:nvSpPr>
-        <p:spPr/>
-        <p:txBody>
-          <a:bodyPr/>
-          <a:lstStyle/>
-          <a:p>
-            <a:r>
-              <a:rPr lang="en-US" dirty="0" smtClean="0"/>
-              <a:t>Lesson: Chapter 2</a:t>
+            <p:ph type="title"/>
+          </p:nvPr>
+        </p:nvSpPr>
+        <p:spPr/>
+        <p:txBody>
+          <a:bodyPr/>
+          <a:lstStyle/>
+          <a:p>
+            <a:r>
+              <a:rPr lang="en-US" dirty="0" smtClean="0"/>
+              <a:t>margin</a:t>
             </a:r>
             <a:endParaRPr lang="en-US" dirty="0"/>
           </a:p>
@@ -9982,26 +10240,104 @@
       </p:sp>
       <p:sp>
         <p:nvSpPr>
-          <p:cNvPr id="3" name="Subtitle 2"/>
-          <p:cNvSpPr>
-            <a:spLocks noGrp="1"/>
-          </p:cNvSpPr>
-          <p:nvPr>
-            <p:ph type="subTitle" idx="1"/>
-          </p:nvPr>
-        </p:nvSpPr>
-        <p:spPr/>
-        <p:txBody>
-          <a:bodyPr/>
-          <a:lstStyle/>
-          <a:p>
-            <a:r>
-              <a:rPr lang="en-US" dirty="0"/>
-              <a:t>Pre-production (Part </a:t>
-            </a:r>
-            <a:r>
-              <a:rPr lang="en-US" dirty="0" smtClean="0"/>
-              <a:t>II)</a:t>
+          <p:cNvPr id="3" name="Content Placeholder 2"/>
+          <p:cNvSpPr>
+            <a:spLocks noGrp="1"/>
+          </p:cNvSpPr>
+          <p:nvPr>
+            <p:ph idx="1"/>
+          </p:nvPr>
+        </p:nvSpPr>
+        <p:spPr/>
+        <p:txBody>
+          <a:bodyPr>
+            <a:normAutofit/>
+          </a:bodyPr>
+          <a:lstStyle/>
+          <a:p>
+            <a:r>
+              <a:rPr lang="en-US" dirty="0" smtClean="0"/>
+              <a:t>Learn more: </a:t>
+            </a:r>
+            <a:r>
+              <a:rPr lang="en-US" dirty="0" smtClean="0">
+                <a:hlinkClick r:id="rId2"/>
+              </a:rPr>
+              <a:t>http://www.w3.org/TR/CSS21/box.html - propdef-margin</a:t>
+            </a:r>
+            <a:endParaRPr lang="en-US" dirty="0" smtClean="0"/>
+          </a:p>
+          <a:p>
+            <a:r>
+              <a:rPr lang="en-US" dirty="0" smtClean="0"/>
+              <a:t>Pads the outside of an element</a:t>
+            </a:r>
+          </a:p>
+          <a:p>
+            <a:r>
+              <a:rPr lang="en-US" dirty="0" smtClean="0"/>
+              <a:t>Can be a length, %, auto</a:t>
+            </a:r>
+          </a:p>
+          <a:p>
+            <a:r>
+              <a:rPr lang="en-US" dirty="0" smtClean="0"/>
+              <a:t>Use "clock" shorthand or use margin-top, margin-right, margin-bottom, margin-left</a:t>
+            </a:r>
+          </a:p>
+          <a:p>
+            <a:r>
+              <a:rPr lang="en-US" sz="2000" dirty="0" smtClean="0">
+                <a:latin typeface="Courier New"/>
+                <a:cs typeface="Courier New"/>
+              </a:rPr>
+              <a:t>margin: 8px;</a:t>
+            </a:r>
+            <a:endParaRPr lang="en-US" sz="2000" dirty="0">
+              <a:latin typeface="Courier New"/>
+              <a:cs typeface="Courier New"/>
+            </a:endParaRPr>
+          </a:p>
+        </p:txBody>
+      </p:sp>
+      <p:sp>
+        <p:nvSpPr>
+          <p:cNvPr id="4" name="Footer Placeholder 3"/>
+          <p:cNvSpPr>
+            <a:spLocks noGrp="1"/>
+          </p:cNvSpPr>
+          <p:nvPr>
+            <p:ph type="ftr" sz="quarter" idx="11"/>
+          </p:nvPr>
+        </p:nvSpPr>
+        <p:spPr/>
+        <p:txBody>
+          <a:bodyPr/>
+          <a:lstStyle/>
+          <a:p>
+            <a:r>
+              <a:rPr lang="en-US" dirty="0" smtClean="0"/>
+              <a:t>http://</a:t>
+            </a:r>
+            <a:r>
+              <a:rPr lang="en-US" dirty="0" err="1" smtClean="0"/>
+              <a:t>dl.dropbox.com</a:t>
+            </a:r>
+            <a:r>
+              <a:rPr lang="en-US" dirty="0" smtClean="0"/>
+              <a:t>/u/41609448/art329/slides/</a:t>
+            </a:r>
+            <a:r>
+              <a:rPr lang="en-US" dirty="0" err="1" smtClean="0"/>
+              <a:t>classfive</a:t>
+            </a:r>
+            <a:r>
+              <a:rPr lang="en-US" dirty="0" smtClean="0"/>
+              <a:t>/slides/margin/</a:t>
+            </a:r>
+            <a:r>
+              <a:rPr lang="en-US" dirty="0" err="1" smtClean="0"/>
+              <a:t>index.html</a:t>
             </a:r>
             <a:endParaRPr lang="en-US" dirty="0"/>
           </a:p>
@@ -10010,7 +10346,7 @@
     </p:spTree>
     <p:extLst>
       <p:ext uri="{BB962C8B-B14F-4D97-AF65-F5344CB8AC3E}">
-        <p14:creationId xmlns:p14="http://schemas.microsoft.com/office/powerpoint/2010/main" val="1158543244"/>
+        <p14:creationId xmlns:p14="http://schemas.microsoft.com/office/powerpoint/2010/main" val="2343118388"/>
       </p:ext>
     </p:extLst>
   </p:cSld>
@@ -10046,7 +10382,7 @@
       </p:grpSpPr>
       <p:sp>
         <p:nvSpPr>
-          <p:cNvPr id="2" name="Title 1"/>
+          <p:cNvPr id="3" name="Title 2"/>
           <p:cNvSpPr>
             <a:spLocks noGrp="1"/>
           </p:cNvSpPr>
@@ -10061,7 +10397,7 @@
           <a:p>
             <a:r>
               <a:rPr lang="en-US" dirty="0" smtClean="0"/>
-              <a:t>Navigation</a:t>
+              <a:t>Break</a:t>
             </a:r>
             <a:endParaRPr lang="en-US" dirty="0"/>
           </a:p>
@@ -10069,54 +10405,40 @@
       </p:sp>
       <p:sp>
         <p:nvSpPr>
-          <p:cNvPr id="3" name="Content Placeholder 2"/>
-          <p:cNvSpPr>
-            <a:spLocks noGrp="1"/>
-          </p:cNvSpPr>
-          <p:nvPr>
-            <p:ph idx="1"/>
-          </p:nvPr>
-        </p:nvSpPr>
-        <p:spPr/>
-        <p:txBody>
-          <a:bodyPr/>
-          <a:lstStyle/>
-          <a:p>
-            <a:r>
-              <a:rPr lang="en-US" dirty="0" smtClean="0"/>
-              <a:t>Users are impatient</a:t>
-            </a:r>
-          </a:p>
-          <a:p>
-            <a:r>
-              <a:rPr lang="en-US" dirty="0" smtClean="0"/>
-              <a:t>Google increased page load from .4 to .9 and lost 20% traffic</a:t>
-            </a:r>
-          </a:p>
-          <a:p>
-            <a:r>
-              <a:rPr lang="en-US" dirty="0" smtClean="0"/>
-              <a:t>If they can't find their way around your website, they will leave</a:t>
-            </a:r>
-          </a:p>
-          <a:p>
-            <a:r>
-              <a:rPr lang="en-US" dirty="0" smtClean="0"/>
-              <a:t>Navigation is key to answering this impatience</a:t>
-            </a:r>
+          <p:cNvPr id="4" name="Text Placeholder 3"/>
+          <p:cNvSpPr>
+            <a:spLocks noGrp="1"/>
+          </p:cNvSpPr>
+          <p:nvPr>
+            <p:ph type="body" idx="1"/>
+          </p:nvPr>
+        </p:nvSpPr>
+        <p:spPr/>
+        <p:txBody>
+          <a:bodyPr/>
+          <a:lstStyle/>
+          <a:p>
+            <a:endParaRPr lang="en-US"/>
           </a:p>
         </p:txBody>
       </p:sp>
     </p:spTree>
     <p:extLst>
       <p:ext uri="{BB962C8B-B14F-4D97-AF65-F5344CB8AC3E}">
-        <p14:creationId xmlns:p14="http://schemas.microsoft.com/office/powerpoint/2010/main" val="584142683"/>
+        <p14:creationId xmlns:p14="http://schemas.microsoft.com/office/powerpoint/2010/main" val="3610379708"/>
       </p:ext>
     </p:extLst>
   </p:cSld>
   <p:clrMapOvr>
     <a:masterClrMapping/>
   </p:clrMapOvr>
+  <p:timing>
+    <p:tnLst>
+      <p:par>
+        <p:cTn xmlns:p14="http://schemas.microsoft.com/office/powerpoint/2010/main" id="1" dur="indefinite" restart="never" nodeType="tmRoot"/>
+      </p:par>
+    </p:tnLst>
+  </p:timing>
 </p:sld>
 </file>
 
@@ -10144,17 +10466,17 @@
             <a:spLocks noGrp="1"/>
           </p:cNvSpPr>
           <p:nvPr>
-            <p:ph type="title"/>
-          </p:nvPr>
-        </p:nvSpPr>
-        <p:spPr/>
-        <p:txBody>
-          <a:bodyPr/>
-          <a:lstStyle/>
-          <a:p>
-            <a:r>
-              <a:rPr lang="en-US" dirty="0" smtClean="0"/>
-              <a:t>Organize Content</a:t>
+            <p:ph type="ctrTitle"/>
+          </p:nvPr>
+        </p:nvSpPr>
+        <p:spPr/>
+        <p:txBody>
+          <a:bodyPr/>
+          <a:lstStyle/>
+          <a:p>
+            <a:r>
+              <a:rPr lang="en-US" dirty="0" smtClean="0"/>
+              <a:t>Lesson: Chapter 2</a:t>
             </a:r>
             <a:endParaRPr lang="en-US" dirty="0"/>
           </a:p>
@@ -10162,46 +10484,26 @@
       </p:sp>
       <p:sp>
         <p:nvSpPr>
-          <p:cNvPr id="3" name="Content Placeholder 2"/>
-          <p:cNvSpPr>
-            <a:spLocks noGrp="1"/>
-          </p:cNvSpPr>
-          <p:nvPr>
-            <p:ph idx="1"/>
-          </p:nvPr>
-        </p:nvSpPr>
-        <p:spPr/>
-        <p:txBody>
-          <a:bodyPr/>
-          <a:lstStyle/>
-          <a:p>
-            <a:r>
-              <a:rPr lang="en-US" dirty="0" smtClean="0"/>
-              <a:t>Take chunks of content</a:t>
-            </a:r>
-          </a:p>
-          <a:p>
-            <a:r>
-              <a:rPr lang="en-US" dirty="0" smtClean="0"/>
-              <a:t>Organize into categories</a:t>
-            </a:r>
-          </a:p>
-          <a:p>
-            <a:r>
-              <a:rPr lang="en-US" dirty="0" smtClean="0"/>
-              <a:t>Update categories if need be</a:t>
-            </a:r>
-          </a:p>
-          <a:p>
-            <a:r>
-              <a:rPr lang="en-US" dirty="0" smtClean="0"/>
-              <a:t>Organize chunks of content into categories</a:t>
-            </a:r>
-          </a:p>
-          <a:p>
-            <a:r>
-              <a:rPr lang="en-US" dirty="0" smtClean="0"/>
-              <a:t>Repeat</a:t>
+          <p:cNvPr id="3" name="Subtitle 2"/>
+          <p:cNvSpPr>
+            <a:spLocks noGrp="1"/>
+          </p:cNvSpPr>
+          <p:nvPr>
+            <p:ph type="subTitle" idx="1"/>
+          </p:nvPr>
+        </p:nvSpPr>
+        <p:spPr/>
+        <p:txBody>
+          <a:bodyPr/>
+          <a:lstStyle/>
+          <a:p>
+            <a:r>
+              <a:rPr lang="en-US" dirty="0"/>
+              <a:t>Pre-production (Part </a:t>
+            </a:r>
+            <a:r>
+              <a:rPr lang="en-US" dirty="0" smtClean="0"/>
+              <a:t>II)</a:t>
             </a:r>
             <a:endParaRPr lang="en-US" dirty="0"/>
           </a:p>
@@ -10210,13 +10512,20 @@
     </p:spTree>
     <p:extLst>
       <p:ext uri="{BB962C8B-B14F-4D97-AF65-F5344CB8AC3E}">
-        <p14:creationId xmlns:p14="http://schemas.microsoft.com/office/powerpoint/2010/main" val="2619404490"/>
+        <p14:creationId xmlns:p14="http://schemas.microsoft.com/office/powerpoint/2010/main" val="1158543244"/>
       </p:ext>
     </p:extLst>
   </p:cSld>
   <p:clrMapOvr>
     <a:masterClrMapping/>
   </p:clrMapOvr>
+  <p:timing>
+    <p:tnLst>
+      <p:par>
+        <p:cTn xmlns:p14="http://schemas.microsoft.com/office/powerpoint/2010/main" id="1" dur="indefinite" restart="never" nodeType="tmRoot"/>
+      </p:par>
+    </p:tnLst>
+  </p:timing>
 </p:sld>
 </file>
 
@@ -10254,7 +10563,7 @@
           <a:p>
             <a:r>
               <a:rPr lang="en-US" dirty="0" smtClean="0"/>
-              <a:t>Card Sorting</a:t>
+              <a:t>Navigation</a:t>
             </a:r>
             <a:endParaRPr lang="en-US" dirty="0"/>
           </a:p>
@@ -10272,79 +10581,51 @@
         </p:nvSpPr>
         <p:spPr/>
         <p:txBody>
-          <a:bodyPr>
-            <a:normAutofit lnSpcReduction="10000"/>
-          </a:bodyPr>
-          <a:lstStyle/>
-          <a:p>
-            <a:r>
-              <a:rPr lang="en-US" dirty="0" smtClean="0"/>
-              <a:t>Get a stack of 3x5 cards</a:t>
-            </a:r>
-          </a:p>
-          <a:p>
-            <a:r>
-              <a:rPr lang="en-US" dirty="0" smtClean="0"/>
-              <a:t>Create a card for each chunk of content</a:t>
-            </a:r>
-          </a:p>
-          <a:p>
-            <a:pPr lvl="1"/>
-            <a:r>
-              <a:rPr lang="en-US" dirty="0" smtClean="0"/>
-              <a:t>Title of content</a:t>
-            </a:r>
-          </a:p>
-          <a:p>
-            <a:pPr lvl="1"/>
-            <a:r>
-              <a:rPr lang="en-US" dirty="0" smtClean="0"/>
-              <a:t>Brief description of content</a:t>
-            </a:r>
-          </a:p>
-          <a:p>
-            <a:r>
-              <a:rPr lang="en-US" dirty="0" smtClean="0"/>
-              <a:t>Write down everything</a:t>
-            </a:r>
-          </a:p>
-          <a:p>
-            <a:r>
-              <a:rPr lang="en-US" dirty="0" smtClean="0"/>
-              <a:t>Write down stack names</a:t>
-            </a:r>
-          </a:p>
-          <a:p>
-            <a:r>
-              <a:rPr lang="en-US" dirty="0" smtClean="0"/>
-              <a:t>Sort cards into stacks</a:t>
-            </a:r>
-          </a:p>
-          <a:p>
-            <a:r>
-              <a:rPr lang="en-US" dirty="0" smtClean="0"/>
-              <a:t>Take a picture</a:t>
-            </a:r>
-          </a:p>
-          <a:p>
-            <a:r>
-              <a:rPr lang="en-US" dirty="0" smtClean="0"/>
-              <a:t>Repeat</a:t>
-            </a:r>
-            <a:endParaRPr lang="en-US" dirty="0"/>
+          <a:bodyPr/>
+          <a:lstStyle/>
+          <a:p>
+            <a:r>
+              <a:rPr lang="en-US" dirty="0" smtClean="0"/>
+              <a:t>Users are impatient</a:t>
+            </a:r>
+          </a:p>
+          <a:p>
+            <a:r>
+              <a:rPr lang="en-US" dirty="0" smtClean="0"/>
+              <a:t>Google increased page load from .4 to .9 and lost 20% traffic</a:t>
+            </a:r>
+          </a:p>
+          <a:p>
+            <a:r>
+              <a:rPr lang="en-US" dirty="0" smtClean="0"/>
+              <a:t>If they can't find their way around your website, they will leave</a:t>
+            </a:r>
+          </a:p>
+          <a:p>
+            <a:r>
+              <a:rPr lang="en-US" dirty="0" smtClean="0"/>
+              <a:t>Navigation is key to answering this impatience</a:t>
+            </a:r>
           </a:p>
         </p:txBody>
       </p:sp>
     </p:spTree>
     <p:extLst>
       <p:ext uri="{BB962C8B-B14F-4D97-AF65-F5344CB8AC3E}">
-        <p14:creationId xmlns:p14="http://schemas.microsoft.com/office/powerpoint/2010/main" val="3687906851"/>
+        <p14:creationId xmlns:p14="http://schemas.microsoft.com/office/powerpoint/2010/main" val="584142683"/>
       </p:ext>
     </p:extLst>
   </p:cSld>
   <p:clrMapOvr>
     <a:masterClrMapping/>
   </p:clrMapOvr>
+  <p:timing>
+    <p:tnLst>
+      <p:par>
+        <p:cTn xmlns:p14="http://schemas.microsoft.com/office/powerpoint/2010/main" id="1" dur="indefinite" restart="never" nodeType="tmRoot"/>
+      </p:par>
+    </p:tnLst>
+  </p:timing>
 </p:sld>
 </file>
 
@@ -10382,7 +10663,7 @@
           <a:p>
             <a:r>
               <a:rPr lang="en-US" dirty="0" smtClean="0"/>
-              <a:t>Card Sort Hierarchy</a:t>
+              <a:t>Organize Content</a:t>
             </a:r>
             <a:endParaRPr lang="en-US" dirty="0"/>
           </a:p>
@@ -10405,31 +10686,31 @@
           <a:p>
             <a:r>
               <a:rPr lang="en-US" dirty="0" smtClean="0"/>
-              <a:t>Pick the sort you like best</a:t>
-            </a:r>
-          </a:p>
-          <a:p>
-            <a:r>
-              <a:rPr lang="en-US" dirty="0" smtClean="0"/>
-              <a:t>Create "Homepage" card</a:t>
-            </a:r>
-          </a:p>
-          <a:p>
-            <a:r>
-              <a:rPr lang="en-US" dirty="0" smtClean="0"/>
-              <a:t>Move stack name cards to main navigation</a:t>
-            </a:r>
-          </a:p>
-          <a:p>
-            <a:r>
-              <a:rPr lang="en-US" dirty="0" smtClean="0"/>
-              <a:t>Move remaining cards below stacks</a:t>
-            </a:r>
-          </a:p>
-          <a:p>
-            <a:r>
-              <a:rPr lang="en-US" dirty="0" smtClean="0"/>
-              <a:t>Organize cards</a:t>
+              <a:t>Take chunks of content</a:t>
+            </a:r>
+          </a:p>
+          <a:p>
+            <a:r>
+              <a:rPr lang="en-US" dirty="0" smtClean="0"/>
+              <a:t>Organize into categories</a:t>
+            </a:r>
+          </a:p>
+          <a:p>
+            <a:r>
+              <a:rPr lang="en-US" dirty="0" smtClean="0"/>
+              <a:t>Update categories if need be</a:t>
+            </a:r>
+          </a:p>
+          <a:p>
+            <a:r>
+              <a:rPr lang="en-US" dirty="0" smtClean="0"/>
+              <a:t>Organize chunks of content into categories</a:t>
+            </a:r>
+          </a:p>
+          <a:p>
+            <a:r>
+              <a:rPr lang="en-US" dirty="0" smtClean="0"/>
+              <a:t>Repeat</a:t>
             </a:r>
             <a:endParaRPr lang="en-US" dirty="0"/>
           </a:p>
@@ -10438,13 +10719,20 @@
     </p:spTree>
     <p:extLst>
       <p:ext uri="{BB962C8B-B14F-4D97-AF65-F5344CB8AC3E}">
-        <p14:creationId xmlns:p14="http://schemas.microsoft.com/office/powerpoint/2010/main" val="4183314552"/>
+        <p14:creationId xmlns:p14="http://schemas.microsoft.com/office/powerpoint/2010/main" val="2619404490"/>
       </p:ext>
     </p:extLst>
   </p:cSld>
   <p:clrMapOvr>
     <a:masterClrMapping/>
   </p:clrMapOvr>
+  <p:timing>
+    <p:tnLst>
+      <p:par>
+        <p:cTn xmlns:p14="http://schemas.microsoft.com/office/powerpoint/2010/main" id="1" dur="indefinite" restart="never" nodeType="tmRoot"/>
+      </p:par>
+    </p:tnLst>
+  </p:timing>
 </p:sld>
 </file>
 
@@ -10481,6 +10769,248 @@
           <a:lstStyle/>
           <a:p>
             <a:r>
+              <a:rPr lang="en-US" dirty="0" smtClean="0"/>
+              <a:t>Card Sorting</a:t>
+            </a:r>
+            <a:endParaRPr lang="en-US" dirty="0"/>
+          </a:p>
+        </p:txBody>
+      </p:sp>
+      <p:sp>
+        <p:nvSpPr>
+          <p:cNvPr id="3" name="Content Placeholder 2"/>
+          <p:cNvSpPr>
+            <a:spLocks noGrp="1"/>
+          </p:cNvSpPr>
+          <p:nvPr>
+            <p:ph idx="1"/>
+          </p:nvPr>
+        </p:nvSpPr>
+        <p:spPr/>
+        <p:txBody>
+          <a:bodyPr>
+            <a:normAutofit lnSpcReduction="10000"/>
+          </a:bodyPr>
+          <a:lstStyle/>
+          <a:p>
+            <a:r>
+              <a:rPr lang="en-US" dirty="0" smtClean="0"/>
+              <a:t>Get a stack of 3x5 cards</a:t>
+            </a:r>
+          </a:p>
+          <a:p>
+            <a:r>
+              <a:rPr lang="en-US" dirty="0" smtClean="0"/>
+              <a:t>Create a card for each chunk of content</a:t>
+            </a:r>
+          </a:p>
+          <a:p>
+            <a:pPr lvl="1"/>
+            <a:r>
+              <a:rPr lang="en-US" dirty="0" smtClean="0"/>
+              <a:t>Title of content</a:t>
+            </a:r>
+          </a:p>
+          <a:p>
+            <a:pPr lvl="1"/>
+            <a:r>
+              <a:rPr lang="en-US" dirty="0" smtClean="0"/>
+              <a:t>Brief description of content</a:t>
+            </a:r>
+          </a:p>
+          <a:p>
+            <a:r>
+              <a:rPr lang="en-US" dirty="0" smtClean="0"/>
+              <a:t>Write down everything</a:t>
+            </a:r>
+          </a:p>
+          <a:p>
+            <a:r>
+              <a:rPr lang="en-US" dirty="0" smtClean="0"/>
+              <a:t>Write down stack names</a:t>
+            </a:r>
+          </a:p>
+          <a:p>
+            <a:r>
+              <a:rPr lang="en-US" dirty="0" smtClean="0"/>
+              <a:t>Sort cards into stacks</a:t>
+            </a:r>
+          </a:p>
+          <a:p>
+            <a:r>
+              <a:rPr lang="en-US" dirty="0" smtClean="0"/>
+              <a:t>Take a picture</a:t>
+            </a:r>
+          </a:p>
+          <a:p>
+            <a:r>
+              <a:rPr lang="en-US" dirty="0" smtClean="0"/>
+              <a:t>Repeat</a:t>
+            </a:r>
+            <a:endParaRPr lang="en-US" dirty="0"/>
+          </a:p>
+        </p:txBody>
+      </p:sp>
+    </p:spTree>
+    <p:extLst>
+      <p:ext uri="{BB962C8B-B14F-4D97-AF65-F5344CB8AC3E}">
+        <p14:creationId xmlns:p14="http://schemas.microsoft.com/office/powerpoint/2010/main" val="3687906851"/>
+      </p:ext>
+    </p:extLst>
+  </p:cSld>
+  <p:clrMapOvr>
+    <a:masterClrMapping/>
+  </p:clrMapOvr>
+  <p:timing>
+    <p:tnLst>
+      <p:par>
+        <p:cTn xmlns:p14="http://schemas.microsoft.com/office/powerpoint/2010/main" id="1" dur="indefinite" restart="never" nodeType="tmRoot"/>
+      </p:par>
+    </p:tnLst>
+  </p:timing>
+</p:sld>
+</file>
+
+<file path=ppt/slides/slide36.xml><?xml version="1.0" encoding="utf-8"?>
+<p:sld xmlns:a="http://schemas.openxmlformats.org/drawingml/2006/main" xmlns:r="http://schemas.openxmlformats.org/officeDocument/2006/relationships" xmlns:p="http://schemas.openxmlformats.org/presentationml/2006/main">
+  <p:cSld>
+    <p:spTree>
+      <p:nvGrpSpPr>
+        <p:cNvPr id="1" name=""/>
+        <p:cNvGrpSpPr/>
+        <p:nvPr/>
+      </p:nvGrpSpPr>
+      <p:grpSpPr>
+        <a:xfrm>
+          <a:off x="0" y="0"/>
+          <a:ext cx="0" cy="0"/>
+          <a:chOff x="0" y="0"/>
+          <a:chExt cx="0" cy="0"/>
+        </a:xfrm>
+      </p:grpSpPr>
+      <p:sp>
+        <p:nvSpPr>
+          <p:cNvPr id="2" name="Title 1"/>
+          <p:cNvSpPr>
+            <a:spLocks noGrp="1"/>
+          </p:cNvSpPr>
+          <p:nvPr>
+            <p:ph type="title"/>
+          </p:nvPr>
+        </p:nvSpPr>
+        <p:spPr/>
+        <p:txBody>
+          <a:bodyPr/>
+          <a:lstStyle/>
+          <a:p>
+            <a:r>
+              <a:rPr lang="en-US" dirty="0" smtClean="0"/>
+              <a:t>Card Sort Hierarchy</a:t>
+            </a:r>
+            <a:endParaRPr lang="en-US" dirty="0"/>
+          </a:p>
+        </p:txBody>
+      </p:sp>
+      <p:sp>
+        <p:nvSpPr>
+          <p:cNvPr id="3" name="Content Placeholder 2"/>
+          <p:cNvSpPr>
+            <a:spLocks noGrp="1"/>
+          </p:cNvSpPr>
+          <p:nvPr>
+            <p:ph idx="1"/>
+          </p:nvPr>
+        </p:nvSpPr>
+        <p:spPr/>
+        <p:txBody>
+          <a:bodyPr/>
+          <a:lstStyle/>
+          <a:p>
+            <a:r>
+              <a:rPr lang="en-US" dirty="0" smtClean="0"/>
+              <a:t>Pick the sort you like best</a:t>
+            </a:r>
+          </a:p>
+          <a:p>
+            <a:r>
+              <a:rPr lang="en-US" dirty="0" smtClean="0"/>
+              <a:t>Create "Homepage" card</a:t>
+            </a:r>
+          </a:p>
+          <a:p>
+            <a:r>
+              <a:rPr lang="en-US" dirty="0" smtClean="0"/>
+              <a:t>Move stack name cards to main navigation</a:t>
+            </a:r>
+          </a:p>
+          <a:p>
+            <a:r>
+              <a:rPr lang="en-US" dirty="0" smtClean="0"/>
+              <a:t>Move remaining cards below stacks</a:t>
+            </a:r>
+          </a:p>
+          <a:p>
+            <a:r>
+              <a:rPr lang="en-US" dirty="0" smtClean="0"/>
+              <a:t>Organize cards</a:t>
+            </a:r>
+            <a:endParaRPr lang="en-US" dirty="0"/>
+          </a:p>
+        </p:txBody>
+      </p:sp>
+    </p:spTree>
+    <p:extLst>
+      <p:ext uri="{BB962C8B-B14F-4D97-AF65-F5344CB8AC3E}">
+        <p14:creationId xmlns:p14="http://schemas.microsoft.com/office/powerpoint/2010/main" val="4183314552"/>
+      </p:ext>
+    </p:extLst>
+  </p:cSld>
+  <p:clrMapOvr>
+    <a:masterClrMapping/>
+  </p:clrMapOvr>
+  <p:timing>
+    <p:tnLst>
+      <p:par>
+        <p:cTn xmlns:p14="http://schemas.microsoft.com/office/powerpoint/2010/main" id="1" dur="indefinite" restart="never" nodeType="tmRoot"/>
+      </p:par>
+    </p:tnLst>
+  </p:timing>
+</p:sld>
+</file>
+
+<file path=ppt/slides/slide37.xml><?xml version="1.0" encoding="utf-8"?>
+<p:sld xmlns:a="http://schemas.openxmlformats.org/drawingml/2006/main" xmlns:r="http://schemas.openxmlformats.org/officeDocument/2006/relationships" xmlns:p="http://schemas.openxmlformats.org/presentationml/2006/main">
+  <p:cSld>
+    <p:spTree>
+      <p:nvGrpSpPr>
+        <p:cNvPr id="1" name=""/>
+        <p:cNvGrpSpPr/>
+        <p:nvPr/>
+      </p:nvGrpSpPr>
+      <p:grpSpPr>
+        <a:xfrm>
+          <a:off x="0" y="0"/>
+          <a:ext cx="0" cy="0"/>
+          <a:chOff x="0" y="0"/>
+          <a:chExt cx="0" cy="0"/>
+        </a:xfrm>
+      </p:grpSpPr>
+      <p:sp>
+        <p:nvSpPr>
+          <p:cNvPr id="2" name="Title 1"/>
+          <p:cNvSpPr>
+            <a:spLocks noGrp="1"/>
+          </p:cNvSpPr>
+          <p:nvPr>
+            <p:ph type="title"/>
+          </p:nvPr>
+        </p:nvSpPr>
+        <p:spPr/>
+        <p:txBody>
+          <a:bodyPr/>
+          <a:lstStyle/>
+          <a:p>
+            <a:r>
               <a:rPr lang="en-US" smtClean="0"/>
               <a:t>Exercise</a:t>
             </a:r>
@@ -10590,10 +11120,17 @@
   <p:clrMapOvr>
     <a:masterClrMapping/>
   </p:clrMapOvr>
+  <p:timing>
+    <p:tnLst>
+      <p:par>
+        <p:cTn xmlns:p14="http://schemas.microsoft.com/office/powerpoint/2010/main" id="1" dur="indefinite" restart="never" nodeType="tmRoot"/>
+      </p:par>
+    </p:tnLst>
+  </p:timing>
 </p:sld>
 </file>
 
-<file path=ppt/slides/slide36.xml><?xml version="1.0" encoding="utf-8"?>
+<file path=ppt/slides/slide38.xml><?xml version="1.0" encoding="utf-8"?>
 <p:sld xmlns:a="http://schemas.openxmlformats.org/drawingml/2006/main" xmlns:r="http://schemas.openxmlformats.org/officeDocument/2006/relationships" xmlns:p="http://schemas.openxmlformats.org/presentationml/2006/main">
   <p:cSld>
     <p:spTree>
@@ -10750,7 +11287,7 @@
           <a:p>
             <a:r>
               <a:rPr lang="en-US" dirty="0" smtClean="0"/>
-              <a:t>Review - Brainstorming</a:t>
+              <a:t>Review - Theme</a:t>
             </a:r>
             <a:endParaRPr lang="en-US" dirty="0"/>
           </a:p>
@@ -10773,38 +11310,34 @@
           <a:p>
             <a:r>
               <a:rPr lang="en-US" dirty="0" smtClean="0"/>
-              <a:t>Helps develop visual metaphor</a:t>
-            </a:r>
-          </a:p>
-          <a:p>
-            <a:r>
-              <a:rPr lang="en-US" dirty="0" smtClean="0"/>
-              <a:t>Free-flow writing of ideas and thoughts</a:t>
-            </a:r>
-          </a:p>
-          <a:p>
-            <a:r>
-              <a:rPr lang="en-US" dirty="0" smtClean="0"/>
-              <a:t>Don't hold back; write everything</a:t>
-            </a:r>
-          </a:p>
-          <a:p>
-            <a:r>
-              <a:rPr lang="en-US" dirty="0" smtClean="0"/>
-              <a:t>Can be done several times for </a:t>
-            </a:r>
-            <a:r>
-              <a:rPr lang="en-US" smtClean="0"/>
-              <a:t>one project</a:t>
-            </a:r>
-            <a:endParaRPr lang="en-US"/>
+              <a:t>Represents your site's purpose and content</a:t>
+            </a:r>
+          </a:p>
+          <a:p>
+            <a:r>
+              <a:rPr lang="en-US" dirty="0" err="1" smtClean="0"/>
+              <a:t>Amazon.com</a:t>
+            </a:r>
+            <a:r>
+              <a:rPr lang="en-US" dirty="0" smtClean="0"/>
+              <a:t>: an online merchant that focuses on books</a:t>
+            </a:r>
+          </a:p>
+          <a:p>
+            <a:r>
+              <a:rPr lang="en-US" dirty="0" smtClean="0"/>
+              <a:t>Visual metaphor reinforces the theme</a:t>
+            </a:r>
+          </a:p>
+          <a:p>
+            <a:endParaRPr lang="en-US" dirty="0"/>
           </a:p>
         </p:txBody>
       </p:sp>
     </p:spTree>
     <p:extLst>
       <p:ext uri="{BB962C8B-B14F-4D97-AF65-F5344CB8AC3E}">
-        <p14:creationId xmlns:p14="http://schemas.microsoft.com/office/powerpoint/2010/main" val="272748499"/>
+        <p14:creationId xmlns:p14="http://schemas.microsoft.com/office/powerpoint/2010/main" val="1571346728"/>
       </p:ext>
     </p:extLst>
   </p:cSld>
@@ -10855,7 +11388,7 @@
           <a:p>
             <a:r>
               <a:rPr lang="en-US" dirty="0" smtClean="0"/>
-              <a:t>Review - Activity</a:t>
+              <a:t>Review - Brainstorming</a:t>
             </a:r>
             <a:endParaRPr lang="en-US" dirty="0"/>
           </a:p>
@@ -10878,70 +11411,51 @@
           <a:p>
             <a:r>
               <a:rPr lang="en-US" dirty="0" smtClean="0"/>
-              <a:t>Theme</a:t>
-            </a:r>
-          </a:p>
-          <a:p>
-            <a:pPr lvl="1"/>
-            <a:r>
-              <a:rPr lang="en-US" dirty="0" smtClean="0"/>
-              <a:t>What is the purpose?</a:t>
-            </a:r>
-          </a:p>
-          <a:p>
-            <a:pPr lvl="1"/>
-            <a:r>
-              <a:rPr lang="en-US" dirty="0" smtClean="0"/>
-              <a:t>What is the content?</a:t>
-            </a:r>
-          </a:p>
-          <a:p>
-            <a:pPr lvl="1"/>
-            <a:r>
-              <a:rPr lang="en-US" dirty="0" smtClean="0"/>
-              <a:t>Make it a complete sentence</a:t>
-            </a:r>
-          </a:p>
-          <a:p>
-            <a:r>
-              <a:rPr lang="en-US" dirty="0" smtClean="0"/>
-              <a:t>Brainstorming</a:t>
-            </a:r>
-          </a:p>
-          <a:p>
-            <a:pPr lvl="1"/>
-            <a:r>
-              <a:rPr lang="en-US" dirty="0" smtClean="0"/>
-              <a:t>Start with a word</a:t>
-            </a:r>
-          </a:p>
-          <a:p>
-            <a:pPr lvl="1"/>
-            <a:r>
-              <a:rPr lang="en-US" dirty="0" smtClean="0"/>
-              <a:t>Write another word</a:t>
-            </a:r>
-          </a:p>
-          <a:p>
-            <a:pPr lvl="1"/>
-            <a:r>
-              <a:rPr lang="en-US" dirty="0" smtClean="0"/>
-              <a:t>Repeat</a:t>
-            </a:r>
-            <a:endParaRPr lang="en-US" dirty="0"/>
+              <a:t>Helps develop visual metaphor</a:t>
+            </a:r>
+          </a:p>
+          <a:p>
+            <a:r>
+              <a:rPr lang="en-US" dirty="0" smtClean="0"/>
+              <a:t>Free-flow writing of ideas and thoughts</a:t>
+            </a:r>
+          </a:p>
+          <a:p>
+            <a:r>
+              <a:rPr lang="en-US" dirty="0" smtClean="0"/>
+              <a:t>Don't hold back; write everything</a:t>
+            </a:r>
+          </a:p>
+          <a:p>
+            <a:r>
+              <a:rPr lang="en-US" dirty="0" smtClean="0"/>
+              <a:t>Can be done several times for </a:t>
+            </a:r>
+            <a:r>
+              <a:rPr lang="en-US" smtClean="0"/>
+              <a:t>one project</a:t>
+            </a:r>
+            <a:endParaRPr lang="en-US"/>
           </a:p>
         </p:txBody>
       </p:sp>
     </p:spTree>
     <p:extLst>
       <p:ext uri="{BB962C8B-B14F-4D97-AF65-F5344CB8AC3E}">
-        <p14:creationId xmlns:p14="http://schemas.microsoft.com/office/powerpoint/2010/main" val="2724553790"/>
+        <p14:creationId xmlns:p14="http://schemas.microsoft.com/office/powerpoint/2010/main" val="272748499"/>
       </p:ext>
     </p:extLst>
   </p:cSld>
   <p:clrMapOvr>
     <a:masterClrMapping/>
   </p:clrMapOvr>
+  <p:timing>
+    <p:tnLst>
+      <p:par>
+        <p:cTn xmlns:p14="http://schemas.microsoft.com/office/powerpoint/2010/main" id="1" dur="indefinite" restart="never" nodeType="tmRoot"/>
+      </p:par>
+    </p:tnLst>
+  </p:timing>
 </p:sld>
 </file>
 
@@ -10979,7 +11493,78 @@
           <a:p>
             <a:r>
               <a:rPr lang="en-US" dirty="0" smtClean="0"/>
-              <a:t>Quiz Time</a:t>
+              <a:t>Review - Activity</a:t>
+            </a:r>
+            <a:endParaRPr lang="en-US" dirty="0"/>
+          </a:p>
+        </p:txBody>
+      </p:sp>
+      <p:sp>
+        <p:nvSpPr>
+          <p:cNvPr id="3" name="Content Placeholder 2"/>
+          <p:cNvSpPr>
+            <a:spLocks noGrp="1"/>
+          </p:cNvSpPr>
+          <p:nvPr>
+            <p:ph idx="1"/>
+          </p:nvPr>
+        </p:nvSpPr>
+        <p:spPr/>
+        <p:txBody>
+          <a:bodyPr/>
+          <a:lstStyle/>
+          <a:p>
+            <a:r>
+              <a:rPr lang="en-US" dirty="0" smtClean="0"/>
+              <a:t>Theme</a:t>
+            </a:r>
+          </a:p>
+          <a:p>
+            <a:pPr lvl="1"/>
+            <a:r>
+              <a:rPr lang="en-US" dirty="0" smtClean="0"/>
+              <a:t>What is the purpose?</a:t>
+            </a:r>
+          </a:p>
+          <a:p>
+            <a:pPr lvl="1"/>
+            <a:r>
+              <a:rPr lang="en-US" dirty="0" smtClean="0"/>
+              <a:t>What is the content?</a:t>
+            </a:r>
+          </a:p>
+          <a:p>
+            <a:pPr lvl="1"/>
+            <a:r>
+              <a:rPr lang="en-US" dirty="0" smtClean="0"/>
+              <a:t>Make it a complete sentence</a:t>
+            </a:r>
+          </a:p>
+          <a:p>
+            <a:r>
+              <a:rPr lang="en-US" dirty="0" smtClean="0"/>
+              <a:t>Brainstorming</a:t>
+            </a:r>
+          </a:p>
+          <a:p>
+            <a:pPr lvl="1"/>
+            <a:r>
+              <a:rPr lang="en-US" dirty="0" smtClean="0"/>
+              <a:t>Start with a word</a:t>
+            </a:r>
+          </a:p>
+          <a:p>
+            <a:pPr lvl="1"/>
+            <a:r>
+              <a:rPr lang="en-US" dirty="0" smtClean="0"/>
+              <a:t>Write another word</a:t>
+            </a:r>
+          </a:p>
+          <a:p>
+            <a:pPr lvl="1"/>
+            <a:r>
+              <a:rPr lang="en-US" dirty="0" smtClean="0"/>
+              <a:t>Repeat</a:t>
             </a:r>
             <a:endParaRPr lang="en-US" dirty="0"/>
           </a:p>
@@ -10988,7 +11573,7 @@
     </p:spTree>
     <p:extLst>
       <p:ext uri="{BB962C8B-B14F-4D97-AF65-F5344CB8AC3E}">
-        <p14:creationId xmlns:p14="http://schemas.microsoft.com/office/powerpoint/2010/main" val="2813428287"/>
+        <p14:creationId xmlns:p14="http://schemas.microsoft.com/office/powerpoint/2010/main" val="2724553790"/>
       </p:ext>
     </p:extLst>
   </p:cSld>
@@ -11039,51 +11624,7 @@
           <a:p>
             <a:r>
               <a:rPr lang="en-US" dirty="0" smtClean="0"/>
-              <a:t>Website Autopsy</a:t>
-            </a:r>
-            <a:endParaRPr lang="en-US" dirty="0"/>
-          </a:p>
-        </p:txBody>
-      </p:sp>
-      <p:sp>
-        <p:nvSpPr>
-          <p:cNvPr id="3" name="Content Placeholder 2"/>
-          <p:cNvSpPr>
-            <a:spLocks noGrp="1"/>
-          </p:cNvSpPr>
-          <p:nvPr>
-            <p:ph idx="1"/>
-          </p:nvPr>
-        </p:nvSpPr>
-        <p:spPr/>
-        <p:txBody>
-          <a:bodyPr>
-            <a:normAutofit/>
-          </a:bodyPr>
-          <a:lstStyle/>
-          <a:p>
-            <a:r>
-              <a:rPr lang="en-US" dirty="0" smtClean="0"/>
-              <a:t>Miles - </a:t>
-            </a:r>
-            <a:r>
-              <a:rPr lang="en-US" dirty="0" smtClean="0">
-                <a:hlinkClick r:id="rId3"/>
-              </a:rPr>
-              <a:t>http://thewildernessdowntown.com/</a:t>
-            </a:r>
-            <a:endParaRPr lang="en-US" dirty="0" smtClean="0"/>
-          </a:p>
-          <a:p>
-            <a:r>
-              <a:rPr lang="en-US" dirty="0" smtClean="0"/>
-              <a:t>Hannah - </a:t>
-            </a:r>
-            <a:r>
-              <a:rPr lang="en-US" dirty="0" smtClean="0">
-                <a:hlinkClick r:id="rId4"/>
-              </a:rPr>
-              <a:t>http://www.dakotachiropractic.com/</a:t>
+              <a:t>Quiz Time</a:t>
             </a:r>
             <a:endParaRPr lang="en-US" dirty="0"/>
           </a:p>
@@ -11092,7 +11633,7 @@
     </p:spTree>
     <p:extLst>
       <p:ext uri="{BB962C8B-B14F-4D97-AF65-F5344CB8AC3E}">
-        <p14:creationId xmlns:p14="http://schemas.microsoft.com/office/powerpoint/2010/main" val="2577880583"/>
+        <p14:creationId xmlns:p14="http://schemas.microsoft.com/office/powerpoint/2010/main" val="2813428287"/>
       </p:ext>
     </p:extLst>
   </p:cSld>
@@ -11143,8 +11684,190 @@
           <a:p>
             <a:r>
               <a:rPr lang="en-US" dirty="0" smtClean="0"/>
-              <a:t>Lesson: CSS Layout</a:t>
-            </a:r>
+              <a:t>Website Autopsy</a:t>
+            </a:r>
+            <a:endParaRPr lang="en-US" dirty="0"/>
+          </a:p>
+        </p:txBody>
+      </p:sp>
+      <p:sp>
+        <p:nvSpPr>
+          <p:cNvPr id="3" name="Content Placeholder 2"/>
+          <p:cNvSpPr>
+            <a:spLocks noGrp="1"/>
+          </p:cNvSpPr>
+          <p:nvPr>
+            <p:ph idx="1"/>
+          </p:nvPr>
+        </p:nvSpPr>
+        <p:spPr/>
+        <p:txBody>
+          <a:bodyPr>
+            <a:normAutofit fontScale="85000" lnSpcReduction="20000"/>
+          </a:bodyPr>
+          <a:lstStyle/>
+          <a:p>
+            <a:r>
+              <a:rPr lang="en-US" dirty="0" smtClean="0"/>
+              <a:t>Miles - </a:t>
+            </a:r>
+            <a:r>
+              <a:rPr lang="en-US" dirty="0" smtClean="0">
+                <a:hlinkClick r:id="rId3"/>
+              </a:rPr>
+              <a:t>http://thewildernessdowntown.com/</a:t>
+            </a:r>
+            <a:endParaRPr lang="en-US" dirty="0" smtClean="0"/>
+          </a:p>
+          <a:p>
+            <a:r>
+              <a:rPr lang="en-US" dirty="0"/>
+              <a:t>Beth - </a:t>
+            </a:r>
+            <a:r>
+              <a:rPr lang="en-US" dirty="0">
+                <a:hlinkClick r:id="rId4"/>
+              </a:rPr>
+              <a:t>http://www.jango.com</a:t>
+            </a:r>
+            <a:r>
+              <a:rPr lang="en-US" dirty="0" smtClean="0">
+                <a:hlinkClick r:id="rId4"/>
+              </a:rPr>
+              <a:t>/</a:t>
+            </a:r>
+            <a:r>
+              <a:rPr lang="en-US" dirty="0" smtClean="0"/>
+              <a:t> </a:t>
+            </a:r>
+          </a:p>
+          <a:p>
+            <a:r>
+              <a:rPr lang="en-US" dirty="0" smtClean="0"/>
+              <a:t>Hannah - </a:t>
+            </a:r>
+            <a:r>
+              <a:rPr lang="en-US" dirty="0" smtClean="0">
+                <a:hlinkClick r:id="rId5"/>
+              </a:rPr>
+              <a:t>http://www.dakotachiropractic.com/</a:t>
+            </a:r>
+            <a:endParaRPr lang="en-US" dirty="0" smtClean="0"/>
+          </a:p>
+          <a:p>
+            <a:r>
+              <a:rPr lang="en-US" dirty="0" err="1" smtClean="0"/>
+              <a:t>Kamie</a:t>
+            </a:r>
+            <a:r>
+              <a:rPr lang="en-US" dirty="0" smtClean="0"/>
+              <a:t> - </a:t>
+            </a:r>
+            <a:r>
+              <a:rPr lang="en-US" dirty="0" smtClean="0">
+                <a:hlinkClick r:id="rId6"/>
+              </a:rPr>
+              <a:t>https://twitter.com/</a:t>
+            </a:r>
+            <a:endParaRPr lang="en-US" dirty="0" smtClean="0"/>
+          </a:p>
+          <a:p>
+            <a:r>
+              <a:rPr lang="en-US" dirty="0" smtClean="0"/>
+              <a:t>Kendra – </a:t>
+            </a:r>
+            <a:r>
+              <a:rPr lang="en-US" dirty="0" smtClean="0">
+                <a:hlinkClick r:id="rId7"/>
+              </a:rPr>
+              <a:t>http://apple.com</a:t>
+            </a:r>
+            <a:endParaRPr lang="en-US" dirty="0" smtClean="0"/>
+          </a:p>
+          <a:p>
+            <a:r>
+              <a:rPr lang="en-US" dirty="0"/>
+              <a:t>Lindsey - </a:t>
+            </a:r>
+            <a:r>
+              <a:rPr lang="en-US" dirty="0">
+                <a:hlinkClick r:id="rId8"/>
+              </a:rPr>
+              <a:t>http://havedominion.com</a:t>
+            </a:r>
+            <a:r>
+              <a:rPr lang="en-US" dirty="0" smtClean="0">
+                <a:hlinkClick r:id="rId8"/>
+              </a:rPr>
+              <a:t>/</a:t>
+            </a:r>
+            <a:endParaRPr lang="en-US" dirty="0" smtClean="0"/>
+          </a:p>
+          <a:p>
+            <a:r>
+              <a:rPr lang="en-US" dirty="0"/>
+              <a:t>Sam - </a:t>
+            </a:r>
+            <a:r>
+              <a:rPr lang="en-US" dirty="0">
+                <a:hlinkClick r:id="rId9"/>
+              </a:rPr>
+              <a:t>http://minnesota.twins.mlb.com/index.jsp?c_id=</a:t>
+            </a:r>
+            <a:r>
+              <a:rPr lang="en-US" dirty="0" smtClean="0">
+                <a:hlinkClick r:id="rId9"/>
+              </a:rPr>
+              <a:t>min</a:t>
+            </a:r>
+            <a:endParaRPr lang="en-US" dirty="0" smtClean="0"/>
+          </a:p>
+          <a:p>
+            <a:r>
+              <a:rPr lang="en-US" dirty="0"/>
+              <a:t>Thomas - </a:t>
+            </a:r>
+            <a:r>
+              <a:rPr lang="en-US" dirty="0">
+                <a:hlinkClick r:id="rId10"/>
+              </a:rPr>
+              <a:t>http://shop.advanceautoparts.com/webapp/wcs/stores/servlet/</a:t>
+            </a:r>
+            <a:r>
+              <a:rPr lang="en-US" dirty="0" smtClean="0">
+                <a:hlinkClick r:id="rId10"/>
+              </a:rPr>
+              <a:t>home___</a:t>
+            </a:r>
+            <a:endParaRPr lang="en-US" dirty="0" smtClean="0"/>
+          </a:p>
+          <a:p>
+            <a:r>
+              <a:rPr lang="en-US" dirty="0"/>
+              <a:t>Leah - </a:t>
+            </a:r>
+            <a:r>
+              <a:rPr lang="en-US" dirty="0">
+                <a:hlinkClick r:id="rId11"/>
+              </a:rPr>
+              <a:t>http://artflavours.com</a:t>
+            </a:r>
+            <a:r>
+              <a:rPr lang="en-US" dirty="0" smtClean="0">
+                <a:hlinkClick r:id="rId11"/>
+              </a:rPr>
+              <a:t>/</a:t>
+            </a:r>
+            <a:r>
+              <a:rPr lang="en-US" dirty="0" smtClean="0"/>
+              <a:t> </a:t>
+            </a:r>
+            <a:endParaRPr lang="en-US" dirty="0"/>
+          </a:p>
+          <a:p>
+            <a:endParaRPr lang="en-US" dirty="0"/>
+          </a:p>
+          <a:p>
             <a:endParaRPr lang="en-US" dirty="0"/>
           </a:p>
         </p:txBody>
@@ -11152,7 +11875,7 @@
     </p:spTree>
     <p:extLst>
       <p:ext uri="{BB962C8B-B14F-4D97-AF65-F5344CB8AC3E}">
-        <p14:creationId xmlns:p14="http://schemas.microsoft.com/office/powerpoint/2010/main" val="2418307096"/>
+        <p14:creationId xmlns:p14="http://schemas.microsoft.com/office/powerpoint/2010/main" val="2577880583"/>
       </p:ext>
     </p:extLst>
   </p:cSld>
@@ -11188,7 +11911,7 @@
       </p:grpSpPr>
       <p:sp>
         <p:nvSpPr>
-          <p:cNvPr id="2" name="Title 1"/>
+          <p:cNvPr id="3" name="Title 2"/>
           <p:cNvSpPr>
             <a:spLocks noGrp="1"/>
           </p:cNvSpPr>
@@ -11203,7 +11926,7 @@
           <a:p>
             <a:r>
               <a:rPr lang="en-US" dirty="0" smtClean="0"/>
-              <a:t>Layout</a:t>
+              <a:t>Break</a:t>
             </a:r>
             <a:endParaRPr lang="en-US" dirty="0"/>
           </a:p>
@@ -11211,128 +11934,27 @@
       </p:sp>
       <p:sp>
         <p:nvSpPr>
-          <p:cNvPr id="3" name="Content Placeholder 2"/>
-          <p:cNvSpPr>
-            <a:spLocks noGrp="1"/>
-          </p:cNvSpPr>
-          <p:nvPr>
-            <p:ph idx="1"/>
-          </p:nvPr>
-        </p:nvSpPr>
-        <p:spPr/>
-        <p:txBody>
-          <a:bodyPr>
-            <a:normAutofit fontScale="62500" lnSpcReduction="20000"/>
-          </a:bodyPr>
-          <a:lstStyle/>
-          <a:p>
-            <a:r>
-              <a:rPr lang="en-US" dirty="0" smtClean="0"/>
-              <a:t>display</a:t>
-            </a:r>
-          </a:p>
-          <a:p>
-            <a:r>
-              <a:rPr lang="en-US" dirty="0"/>
-              <a:t>list-</a:t>
-            </a:r>
-            <a:r>
-              <a:rPr lang="en-US" dirty="0" smtClean="0"/>
-              <a:t>style</a:t>
-            </a:r>
-          </a:p>
-          <a:p>
-            <a:r>
-              <a:rPr lang="en-US" dirty="0" smtClean="0"/>
-              <a:t>position</a:t>
-            </a:r>
-          </a:p>
-          <a:p>
-            <a:r>
-              <a:rPr lang="en-US" dirty="0" smtClean="0"/>
-              <a:t>top</a:t>
-            </a:r>
-            <a:r>
-              <a:rPr lang="en-US" dirty="0"/>
-              <a:t>, left, right, </a:t>
-            </a:r>
-            <a:r>
-              <a:rPr lang="en-US" dirty="0" smtClean="0"/>
-              <a:t>bottom</a:t>
-            </a:r>
-          </a:p>
-          <a:p>
-            <a:r>
-              <a:rPr lang="en-US" dirty="0"/>
-              <a:t>z-</a:t>
-            </a:r>
-            <a:r>
-              <a:rPr lang="en-US" dirty="0" smtClean="0"/>
-              <a:t>index</a:t>
-            </a:r>
-          </a:p>
-          <a:p>
-            <a:r>
-              <a:rPr lang="en-US" dirty="0" smtClean="0"/>
-              <a:t>float</a:t>
-            </a:r>
-          </a:p>
-          <a:p>
-            <a:r>
-              <a:rPr lang="en-US" dirty="0" smtClean="0"/>
-              <a:t>clear</a:t>
-            </a:r>
-          </a:p>
-          <a:p>
-            <a:r>
-              <a:rPr lang="en-US" dirty="0" smtClean="0"/>
-              <a:t>width, min-width, max-width</a:t>
-            </a:r>
-          </a:p>
-          <a:p>
-            <a:r>
-              <a:rPr lang="en-US" dirty="0" smtClean="0"/>
-              <a:t>height, min-height, max-height</a:t>
-            </a:r>
-          </a:p>
-          <a:p>
-            <a:r>
-              <a:rPr lang="en-US" dirty="0" smtClean="0"/>
-              <a:t>overflow</a:t>
-            </a:r>
-          </a:p>
-          <a:p>
-            <a:r>
-              <a:rPr lang="en-US" dirty="0" smtClean="0"/>
-              <a:t>vertical-align</a:t>
-            </a:r>
-          </a:p>
-          <a:p>
-            <a:r>
-              <a:rPr lang="en-US" dirty="0"/>
-              <a:t>padding</a:t>
-            </a:r>
-            <a:endParaRPr lang="en-US" dirty="0" smtClean="0"/>
-          </a:p>
-          <a:p>
-            <a:r>
-              <a:rPr lang="en-US" dirty="0" smtClean="0"/>
-              <a:t>border</a:t>
-            </a:r>
-            <a:endParaRPr lang="en-US" dirty="0"/>
-          </a:p>
-          <a:p>
-            <a:r>
-              <a:rPr lang="en-US" dirty="0" smtClean="0"/>
-              <a:t>margin</a:t>
-            </a:r>
+          <p:cNvPr id="4" name="Text Placeholder 3"/>
+          <p:cNvSpPr>
+            <a:spLocks noGrp="1"/>
+          </p:cNvSpPr>
+          <p:nvPr>
+            <p:ph type="body" idx="1"/>
+          </p:nvPr>
+        </p:nvSpPr>
+        <p:spPr/>
+        <p:txBody>
+          <a:bodyPr/>
+          <a:lstStyle/>
+          <a:p>
+            <a:endParaRPr lang="en-US"/>
           </a:p>
         </p:txBody>
       </p:sp>
     </p:spTree>
     <p:extLst>
       <p:ext uri="{BB962C8B-B14F-4D97-AF65-F5344CB8AC3E}">
-        <p14:creationId xmlns:p14="http://schemas.microsoft.com/office/powerpoint/2010/main" val="1293711312"/>
+        <p14:creationId xmlns:p14="http://schemas.microsoft.com/office/powerpoint/2010/main" val="3562875684"/>
       </p:ext>
     </p:extLst>
   </p:cSld>
